--- a/Part1.Technology/Chapter3.Algorithm/Algorithm-fig-jp.pptx
+++ b/Part1.Technology/Chapter3.Algorithm/Algorithm-fig-jp.pptx
@@ -4,6 +4,9 @@
   <p:sldMasterIdLst>
     <p:sldMasterId id="2147483648" r:id="rId1"/>
   </p:sldMasterIdLst>
+  <p:notesMasterIdLst>
+    <p:notesMasterId r:id="rId3"/>
+  </p:notesMasterIdLst>
   <p:sldIdLst>
     <p:sldId id="257" r:id="rId2"/>
   </p:sldIdLst>
@@ -112,6 +115,471 @@
 </p:presentation>
 </file>
 
+<file path=ppt/notesMasters/notesMaster1.xml><?xml version="1.0" encoding="utf-8"?>
+<p:notesMaster xmlns:a="http://schemas.openxmlformats.org/drawingml/2006/main" xmlns:r="http://schemas.openxmlformats.org/officeDocument/2006/relationships" xmlns:p="http://schemas.openxmlformats.org/presentationml/2006/main">
+  <p:cSld>
+    <p:bg>
+      <p:bgRef idx="1001">
+        <a:schemeClr val="bg1"/>
+      </p:bgRef>
+    </p:bg>
+    <p:spTree>
+      <p:nvGrpSpPr>
+        <p:cNvPr id="1" name=""/>
+        <p:cNvGrpSpPr/>
+        <p:nvPr/>
+      </p:nvGrpSpPr>
+      <p:grpSpPr>
+        <a:xfrm>
+          <a:off x="0" y="0"/>
+          <a:ext cx="0" cy="0"/>
+          <a:chOff x="0" y="0"/>
+          <a:chExt cx="0" cy="0"/>
+        </a:xfrm>
+      </p:grpSpPr>
+      <p:sp>
+        <p:nvSpPr>
+          <p:cNvPr id="2" name="ヘッダー プレースホルダー 1"/>
+          <p:cNvSpPr>
+            <a:spLocks noGrp="1"/>
+          </p:cNvSpPr>
+          <p:nvPr>
+            <p:ph type="hdr" sz="quarter"/>
+          </p:nvPr>
+        </p:nvSpPr>
+        <p:spPr>
+          <a:xfrm>
+            <a:off x="0" y="0"/>
+            <a:ext cx="2971800" cy="458788"/>
+          </a:xfrm>
+          <a:prstGeom prst="rect">
+            <a:avLst/>
+          </a:prstGeom>
+        </p:spPr>
+        <p:txBody>
+          <a:bodyPr vert="horz" lIns="91440" tIns="45720" rIns="91440" bIns="45720" rtlCol="0"/>
+          <a:lstStyle>
+            <a:lvl1pPr algn="l">
+              <a:defRPr sz="1200"/>
+            </a:lvl1pPr>
+          </a:lstStyle>
+          <a:p>
+            <a:endParaRPr kumimoji="1" lang="ja-JP" altLang="en-US"/>
+          </a:p>
+        </p:txBody>
+      </p:sp>
+      <p:sp>
+        <p:nvSpPr>
+          <p:cNvPr id="3" name="日付プレースホルダー 2"/>
+          <p:cNvSpPr>
+            <a:spLocks noGrp="1"/>
+          </p:cNvSpPr>
+          <p:nvPr>
+            <p:ph type="dt" idx="1"/>
+          </p:nvPr>
+        </p:nvSpPr>
+        <p:spPr>
+          <a:xfrm>
+            <a:off x="3884613" y="0"/>
+            <a:ext cx="2971800" cy="458788"/>
+          </a:xfrm>
+          <a:prstGeom prst="rect">
+            <a:avLst/>
+          </a:prstGeom>
+        </p:spPr>
+        <p:txBody>
+          <a:bodyPr vert="horz" lIns="91440" tIns="45720" rIns="91440" bIns="45720" rtlCol="0"/>
+          <a:lstStyle>
+            <a:lvl1pPr algn="r">
+              <a:defRPr sz="1200"/>
+            </a:lvl1pPr>
+          </a:lstStyle>
+          <a:p>
+            <a:fld id="{AA086654-FD2F-41F8-8F9E-4A5B5F3FCB68}" type="datetimeFigureOut">
+              <a:rPr kumimoji="1" lang="ja-JP" altLang="en-US" smtClean="0"/>
+              <a:t>2021/3/21</a:t>
+            </a:fld>
+            <a:endParaRPr kumimoji="1" lang="ja-JP" altLang="en-US"/>
+          </a:p>
+        </p:txBody>
+      </p:sp>
+      <p:sp>
+        <p:nvSpPr>
+          <p:cNvPr id="4" name="スライド イメージ プレースホルダー 3"/>
+          <p:cNvSpPr>
+            <a:spLocks noGrp="1" noRot="1" noChangeAspect="1"/>
+          </p:cNvSpPr>
+          <p:nvPr>
+            <p:ph type="sldImg" idx="2"/>
+          </p:nvPr>
+        </p:nvSpPr>
+        <p:spPr>
+          <a:xfrm>
+            <a:off x="685800" y="1143000"/>
+            <a:ext cx="5486400" cy="3086100"/>
+          </a:xfrm>
+          <a:prstGeom prst="rect">
+            <a:avLst/>
+          </a:prstGeom>
+          <a:noFill/>
+          <a:ln w="12700">
+            <a:solidFill>
+              <a:prstClr val="black"/>
+            </a:solidFill>
+          </a:ln>
+        </p:spPr>
+        <p:txBody>
+          <a:bodyPr vert="horz" lIns="91440" tIns="45720" rIns="91440" bIns="45720" rtlCol="0" anchor="ctr"/>
+          <a:lstStyle/>
+          <a:p>
+            <a:endParaRPr lang="ja-JP" altLang="en-US"/>
+          </a:p>
+        </p:txBody>
+      </p:sp>
+      <p:sp>
+        <p:nvSpPr>
+          <p:cNvPr id="5" name="ノート プレースホルダー 4"/>
+          <p:cNvSpPr>
+            <a:spLocks noGrp="1"/>
+          </p:cNvSpPr>
+          <p:nvPr>
+            <p:ph type="body" sz="quarter" idx="3"/>
+          </p:nvPr>
+        </p:nvSpPr>
+        <p:spPr>
+          <a:xfrm>
+            <a:off x="685800" y="4400550"/>
+            <a:ext cx="5486400" cy="3600450"/>
+          </a:xfrm>
+          <a:prstGeom prst="rect">
+            <a:avLst/>
+          </a:prstGeom>
+        </p:spPr>
+        <p:txBody>
+          <a:bodyPr vert="horz" lIns="91440" tIns="45720" rIns="91440" bIns="45720" rtlCol="0"/>
+          <a:lstStyle/>
+          <a:p>
+            <a:pPr lvl="0"/>
+            <a:r>
+              <a:rPr kumimoji="1" lang="ja-JP" altLang="en-US"/>
+              <a:t>マスター テキストの書式設定</a:t>
+            </a:r>
+          </a:p>
+          <a:p>
+            <a:pPr lvl="1"/>
+            <a:r>
+              <a:rPr kumimoji="1" lang="ja-JP" altLang="en-US"/>
+              <a:t>第 </a:t>
+            </a:r>
+            <a:r>
+              <a:rPr kumimoji="1" lang="en-US" altLang="ja-JP"/>
+              <a:t>2 </a:t>
+            </a:r>
+            <a:r>
+              <a:rPr kumimoji="1" lang="ja-JP" altLang="en-US"/>
+              <a:t>レベル</a:t>
+            </a:r>
+          </a:p>
+          <a:p>
+            <a:pPr lvl="2"/>
+            <a:r>
+              <a:rPr kumimoji="1" lang="ja-JP" altLang="en-US"/>
+              <a:t>第 </a:t>
+            </a:r>
+            <a:r>
+              <a:rPr kumimoji="1" lang="en-US" altLang="ja-JP"/>
+              <a:t>3 </a:t>
+            </a:r>
+            <a:r>
+              <a:rPr kumimoji="1" lang="ja-JP" altLang="en-US"/>
+              <a:t>レベル</a:t>
+            </a:r>
+          </a:p>
+          <a:p>
+            <a:pPr lvl="3"/>
+            <a:r>
+              <a:rPr kumimoji="1" lang="ja-JP" altLang="en-US"/>
+              <a:t>第 </a:t>
+            </a:r>
+            <a:r>
+              <a:rPr kumimoji="1" lang="en-US" altLang="ja-JP"/>
+              <a:t>4 </a:t>
+            </a:r>
+            <a:r>
+              <a:rPr kumimoji="1" lang="ja-JP" altLang="en-US"/>
+              <a:t>レベル</a:t>
+            </a:r>
+          </a:p>
+          <a:p>
+            <a:pPr lvl="4"/>
+            <a:r>
+              <a:rPr kumimoji="1" lang="ja-JP" altLang="en-US"/>
+              <a:t>第 </a:t>
+            </a:r>
+            <a:r>
+              <a:rPr kumimoji="1" lang="en-US" altLang="ja-JP"/>
+              <a:t>5 </a:t>
+            </a:r>
+            <a:r>
+              <a:rPr kumimoji="1" lang="ja-JP" altLang="en-US"/>
+              <a:t>レベル</a:t>
+            </a:r>
+          </a:p>
+        </p:txBody>
+      </p:sp>
+      <p:sp>
+        <p:nvSpPr>
+          <p:cNvPr id="6" name="フッター プレースホルダー 5"/>
+          <p:cNvSpPr>
+            <a:spLocks noGrp="1"/>
+          </p:cNvSpPr>
+          <p:nvPr>
+            <p:ph type="ftr" sz="quarter" idx="4"/>
+          </p:nvPr>
+        </p:nvSpPr>
+        <p:spPr>
+          <a:xfrm>
+            <a:off x="0" y="8685213"/>
+            <a:ext cx="2971800" cy="458787"/>
+          </a:xfrm>
+          <a:prstGeom prst="rect">
+            <a:avLst/>
+          </a:prstGeom>
+        </p:spPr>
+        <p:txBody>
+          <a:bodyPr vert="horz" lIns="91440" tIns="45720" rIns="91440" bIns="45720" rtlCol="0" anchor="b"/>
+          <a:lstStyle>
+            <a:lvl1pPr algn="l">
+              <a:defRPr sz="1200"/>
+            </a:lvl1pPr>
+          </a:lstStyle>
+          <a:p>
+            <a:endParaRPr kumimoji="1" lang="ja-JP" altLang="en-US"/>
+          </a:p>
+        </p:txBody>
+      </p:sp>
+      <p:sp>
+        <p:nvSpPr>
+          <p:cNvPr id="7" name="スライド番号プレースホルダー 6"/>
+          <p:cNvSpPr>
+            <a:spLocks noGrp="1"/>
+          </p:cNvSpPr>
+          <p:nvPr>
+            <p:ph type="sldNum" sz="quarter" idx="5"/>
+          </p:nvPr>
+        </p:nvSpPr>
+        <p:spPr>
+          <a:xfrm>
+            <a:off x="3884613" y="8685213"/>
+            <a:ext cx="2971800" cy="458787"/>
+          </a:xfrm>
+          <a:prstGeom prst="rect">
+            <a:avLst/>
+          </a:prstGeom>
+        </p:spPr>
+        <p:txBody>
+          <a:bodyPr vert="horz" lIns="91440" tIns="45720" rIns="91440" bIns="45720" rtlCol="0" anchor="b"/>
+          <a:lstStyle>
+            <a:lvl1pPr algn="r">
+              <a:defRPr sz="1200"/>
+            </a:lvl1pPr>
+          </a:lstStyle>
+          <a:p>
+            <a:fld id="{2460A574-7787-4D2F-82CA-FB0CADBEE3DF}" type="slidenum">
+              <a:rPr kumimoji="1" lang="ja-JP" altLang="en-US" smtClean="0"/>
+              <a:t>‹#›</a:t>
+            </a:fld>
+            <a:endParaRPr kumimoji="1" lang="ja-JP" altLang="en-US"/>
+          </a:p>
+        </p:txBody>
+      </p:sp>
+    </p:spTree>
+    <p:extLst>
+      <p:ext uri="{BB962C8B-B14F-4D97-AF65-F5344CB8AC3E}">
+        <p14:creationId xmlns:p14="http://schemas.microsoft.com/office/powerpoint/2010/main" val="1006354812"/>
+      </p:ext>
+    </p:extLst>
+  </p:cSld>
+  <p:clrMap bg1="lt1" tx1="dk1" bg2="lt2" tx2="dk2" accent1="accent1" accent2="accent2" accent3="accent3" accent4="accent4" accent5="accent5" accent6="accent6" hlink="hlink" folHlink="folHlink"/>
+  <p:notesStyle>
+    <a:lvl1pPr marL="0" algn="l" defTabSz="914400" rtl="0" eaLnBrk="1" latinLnBrk="0" hangingPunct="1">
+      <a:defRPr kumimoji="1" sz="1200" kern="1200">
+        <a:solidFill>
+          <a:schemeClr val="tx1"/>
+        </a:solidFill>
+        <a:latin typeface="+mn-lt"/>
+        <a:ea typeface="+mn-ea"/>
+        <a:cs typeface="+mn-cs"/>
+      </a:defRPr>
+    </a:lvl1pPr>
+    <a:lvl2pPr marL="457200" algn="l" defTabSz="914400" rtl="0" eaLnBrk="1" latinLnBrk="0" hangingPunct="1">
+      <a:defRPr kumimoji="1" sz="1200" kern="1200">
+        <a:solidFill>
+          <a:schemeClr val="tx1"/>
+        </a:solidFill>
+        <a:latin typeface="+mn-lt"/>
+        <a:ea typeface="+mn-ea"/>
+        <a:cs typeface="+mn-cs"/>
+      </a:defRPr>
+    </a:lvl2pPr>
+    <a:lvl3pPr marL="914400" algn="l" defTabSz="914400" rtl="0" eaLnBrk="1" latinLnBrk="0" hangingPunct="1">
+      <a:defRPr kumimoji="1" sz="1200" kern="1200">
+        <a:solidFill>
+          <a:schemeClr val="tx1"/>
+        </a:solidFill>
+        <a:latin typeface="+mn-lt"/>
+        <a:ea typeface="+mn-ea"/>
+        <a:cs typeface="+mn-cs"/>
+      </a:defRPr>
+    </a:lvl3pPr>
+    <a:lvl4pPr marL="1371600" algn="l" defTabSz="914400" rtl="0" eaLnBrk="1" latinLnBrk="0" hangingPunct="1">
+      <a:defRPr kumimoji="1" sz="1200" kern="1200">
+        <a:solidFill>
+          <a:schemeClr val="tx1"/>
+        </a:solidFill>
+        <a:latin typeface="+mn-lt"/>
+        <a:ea typeface="+mn-ea"/>
+        <a:cs typeface="+mn-cs"/>
+      </a:defRPr>
+    </a:lvl4pPr>
+    <a:lvl5pPr marL="1828800" algn="l" defTabSz="914400" rtl="0" eaLnBrk="1" latinLnBrk="0" hangingPunct="1">
+      <a:defRPr kumimoji="1" sz="1200" kern="1200">
+        <a:solidFill>
+          <a:schemeClr val="tx1"/>
+        </a:solidFill>
+        <a:latin typeface="+mn-lt"/>
+        <a:ea typeface="+mn-ea"/>
+        <a:cs typeface="+mn-cs"/>
+      </a:defRPr>
+    </a:lvl5pPr>
+    <a:lvl6pPr marL="2286000" algn="l" defTabSz="914400" rtl="0" eaLnBrk="1" latinLnBrk="0" hangingPunct="1">
+      <a:defRPr kumimoji="1" sz="1200" kern="1200">
+        <a:solidFill>
+          <a:schemeClr val="tx1"/>
+        </a:solidFill>
+        <a:latin typeface="+mn-lt"/>
+        <a:ea typeface="+mn-ea"/>
+        <a:cs typeface="+mn-cs"/>
+      </a:defRPr>
+    </a:lvl6pPr>
+    <a:lvl7pPr marL="2743200" algn="l" defTabSz="914400" rtl="0" eaLnBrk="1" latinLnBrk="0" hangingPunct="1">
+      <a:defRPr kumimoji="1" sz="1200" kern="1200">
+        <a:solidFill>
+          <a:schemeClr val="tx1"/>
+        </a:solidFill>
+        <a:latin typeface="+mn-lt"/>
+        <a:ea typeface="+mn-ea"/>
+        <a:cs typeface="+mn-cs"/>
+      </a:defRPr>
+    </a:lvl7pPr>
+    <a:lvl8pPr marL="3200400" algn="l" defTabSz="914400" rtl="0" eaLnBrk="1" latinLnBrk="0" hangingPunct="1">
+      <a:defRPr kumimoji="1" sz="1200" kern="1200">
+        <a:solidFill>
+          <a:schemeClr val="tx1"/>
+        </a:solidFill>
+        <a:latin typeface="+mn-lt"/>
+        <a:ea typeface="+mn-ea"/>
+        <a:cs typeface="+mn-cs"/>
+      </a:defRPr>
+    </a:lvl8pPr>
+    <a:lvl9pPr marL="3657600" algn="l" defTabSz="914400" rtl="0" eaLnBrk="1" latinLnBrk="0" hangingPunct="1">
+      <a:defRPr kumimoji="1" sz="1200" kern="1200">
+        <a:solidFill>
+          <a:schemeClr val="tx1"/>
+        </a:solidFill>
+        <a:latin typeface="+mn-lt"/>
+        <a:ea typeface="+mn-ea"/>
+        <a:cs typeface="+mn-cs"/>
+      </a:defRPr>
+    </a:lvl9pPr>
+  </p:notesStyle>
+</p:notesMaster>
+</file>
+
+<file path=ppt/notesSlides/notesSlide1.xml><?xml version="1.0" encoding="utf-8"?>
+<p:notes xmlns:a="http://schemas.openxmlformats.org/drawingml/2006/main" xmlns:r="http://schemas.openxmlformats.org/officeDocument/2006/relationships" xmlns:p="http://schemas.openxmlformats.org/presentationml/2006/main">
+  <p:cSld>
+    <p:spTree>
+      <p:nvGrpSpPr>
+        <p:cNvPr id="1" name=""/>
+        <p:cNvGrpSpPr/>
+        <p:nvPr/>
+      </p:nvGrpSpPr>
+      <p:grpSpPr>
+        <a:xfrm>
+          <a:off x="0" y="0"/>
+          <a:ext cx="0" cy="0"/>
+          <a:chOff x="0" y="0"/>
+          <a:chExt cx="0" cy="0"/>
+        </a:xfrm>
+      </p:grpSpPr>
+      <p:sp>
+        <p:nvSpPr>
+          <p:cNvPr id="2" name="スライド イメージ プレースホルダー 1"/>
+          <p:cNvSpPr>
+            <a:spLocks noGrp="1" noRot="1" noChangeAspect="1"/>
+          </p:cNvSpPr>
+          <p:nvPr>
+            <p:ph type="sldImg"/>
+          </p:nvPr>
+        </p:nvSpPr>
+        <p:spPr/>
+      </p:sp>
+      <p:sp>
+        <p:nvSpPr>
+          <p:cNvPr id="3" name="ノート プレースホルダー 2"/>
+          <p:cNvSpPr>
+            <a:spLocks noGrp="1"/>
+          </p:cNvSpPr>
+          <p:nvPr>
+            <p:ph type="body" idx="1"/>
+          </p:nvPr>
+        </p:nvSpPr>
+        <p:spPr/>
+        <p:txBody>
+          <a:bodyPr/>
+          <a:lstStyle/>
+          <a:p>
+            <a:endParaRPr kumimoji="1" lang="ja-JP" altLang="en-US" dirty="0"/>
+          </a:p>
+        </p:txBody>
+      </p:sp>
+      <p:sp>
+        <p:nvSpPr>
+          <p:cNvPr id="4" name="スライド番号プレースホルダー 3"/>
+          <p:cNvSpPr>
+            <a:spLocks noGrp="1"/>
+          </p:cNvSpPr>
+          <p:nvPr>
+            <p:ph type="sldNum" sz="quarter" idx="5"/>
+          </p:nvPr>
+        </p:nvSpPr>
+        <p:spPr/>
+        <p:txBody>
+          <a:bodyPr/>
+          <a:lstStyle/>
+          <a:p>
+            <a:fld id="{2460A574-7787-4D2F-82CA-FB0CADBEE3DF}" type="slidenum">
+              <a:rPr kumimoji="1" lang="ja-JP" altLang="en-US" smtClean="0"/>
+              <a:t>1</a:t>
+            </a:fld>
+            <a:endParaRPr kumimoji="1" lang="ja-JP" altLang="en-US"/>
+          </a:p>
+        </p:txBody>
+      </p:sp>
+    </p:spTree>
+    <p:extLst>
+      <p:ext uri="{BB962C8B-B14F-4D97-AF65-F5344CB8AC3E}">
+        <p14:creationId xmlns:p14="http://schemas.microsoft.com/office/powerpoint/2010/main" val="2620687475"/>
+      </p:ext>
+    </p:extLst>
+  </p:cSld>
+  <p:clrMapOvr>
+    <a:masterClrMapping/>
+  </p:clrMapOvr>
+</p:notes>
+</file>
+
 <file path=ppt/slideLayouts/slideLayout1.xml><?xml version="1.0" encoding="utf-8"?>
 <p:sldLayout xmlns:a="http://schemas.openxmlformats.org/drawingml/2006/main" xmlns:r="http://schemas.openxmlformats.org/officeDocument/2006/relationships" xmlns:p="http://schemas.openxmlformats.org/presentationml/2006/main" type="title" preserve="1">
   <p:cSld name="タイトル スライド">
@@ -259,7 +727,7 @@
           <a:p>
             <a:fld id="{293B81DC-4102-FF40-B3FD-14093C4E3488}" type="datetimeFigureOut">
               <a:rPr kumimoji="1" lang="ja-JP" altLang="en-US" smtClean="0"/>
-              <a:t>2021/2/20</a:t>
+              <a:t>2021/3/21</a:t>
             </a:fld>
             <a:endParaRPr kumimoji="1" lang="ja-JP" altLang="en-US"/>
           </a:p>
@@ -489,7 +957,7 @@
           <a:p>
             <a:fld id="{293B81DC-4102-FF40-B3FD-14093C4E3488}" type="datetimeFigureOut">
               <a:rPr kumimoji="1" lang="ja-JP" altLang="en-US" smtClean="0"/>
-              <a:t>2021/2/20</a:t>
+              <a:t>2021/3/21</a:t>
             </a:fld>
             <a:endParaRPr kumimoji="1" lang="ja-JP" altLang="en-US"/>
           </a:p>
@@ -729,7 +1197,7 @@
           <a:p>
             <a:fld id="{293B81DC-4102-FF40-B3FD-14093C4E3488}" type="datetimeFigureOut">
               <a:rPr kumimoji="1" lang="ja-JP" altLang="en-US" smtClean="0"/>
-              <a:t>2021/2/20</a:t>
+              <a:t>2021/3/21</a:t>
             </a:fld>
             <a:endParaRPr kumimoji="1" lang="ja-JP" altLang="en-US"/>
           </a:p>
@@ -959,7 +1427,7 @@
           <a:p>
             <a:fld id="{293B81DC-4102-FF40-B3FD-14093C4E3488}" type="datetimeFigureOut">
               <a:rPr kumimoji="1" lang="ja-JP" altLang="en-US" smtClean="0"/>
-              <a:t>2021/2/20</a:t>
+              <a:t>2021/3/21</a:t>
             </a:fld>
             <a:endParaRPr kumimoji="1" lang="ja-JP" altLang="en-US"/>
           </a:p>
@@ -1234,7 +1702,7 @@
           <a:p>
             <a:fld id="{293B81DC-4102-FF40-B3FD-14093C4E3488}" type="datetimeFigureOut">
               <a:rPr kumimoji="1" lang="ja-JP" altLang="en-US" smtClean="0"/>
-              <a:t>2021/2/20</a:t>
+              <a:t>2021/3/21</a:t>
             </a:fld>
             <a:endParaRPr kumimoji="1" lang="ja-JP" altLang="en-US"/>
           </a:p>
@@ -1563,7 +2031,7 @@
           <a:p>
             <a:fld id="{293B81DC-4102-FF40-B3FD-14093C4E3488}" type="datetimeFigureOut">
               <a:rPr kumimoji="1" lang="ja-JP" altLang="en-US" smtClean="0"/>
-              <a:t>2021/2/20</a:t>
+              <a:t>2021/3/21</a:t>
             </a:fld>
             <a:endParaRPr kumimoji="1" lang="ja-JP" altLang="en-US"/>
           </a:p>
@@ -2039,7 +2507,7 @@
           <a:p>
             <a:fld id="{293B81DC-4102-FF40-B3FD-14093C4E3488}" type="datetimeFigureOut">
               <a:rPr kumimoji="1" lang="ja-JP" altLang="en-US" smtClean="0"/>
-              <a:t>2021/2/20</a:t>
+              <a:t>2021/3/21</a:t>
             </a:fld>
             <a:endParaRPr kumimoji="1" lang="ja-JP" altLang="en-US"/>
           </a:p>
@@ -2180,7 +2648,7 @@
           <a:p>
             <a:fld id="{293B81DC-4102-FF40-B3FD-14093C4E3488}" type="datetimeFigureOut">
               <a:rPr kumimoji="1" lang="ja-JP" altLang="en-US" smtClean="0"/>
-              <a:t>2021/2/20</a:t>
+              <a:t>2021/3/21</a:t>
             </a:fld>
             <a:endParaRPr kumimoji="1" lang="ja-JP" altLang="en-US"/>
           </a:p>
@@ -2293,7 +2761,7 @@
           <a:p>
             <a:fld id="{293B81DC-4102-FF40-B3FD-14093C4E3488}" type="datetimeFigureOut">
               <a:rPr kumimoji="1" lang="ja-JP" altLang="en-US" smtClean="0"/>
-              <a:t>2021/2/20</a:t>
+              <a:t>2021/3/21</a:t>
             </a:fld>
             <a:endParaRPr kumimoji="1" lang="ja-JP" altLang="en-US"/>
           </a:p>
@@ -2636,7 +3104,7 @@
           <a:p>
             <a:fld id="{293B81DC-4102-FF40-B3FD-14093C4E3488}" type="datetimeFigureOut">
               <a:rPr kumimoji="1" lang="ja-JP" altLang="en-US" smtClean="0"/>
-              <a:t>2021/2/20</a:t>
+              <a:t>2021/3/21</a:t>
             </a:fld>
             <a:endParaRPr kumimoji="1" lang="ja-JP" altLang="en-US"/>
           </a:p>
@@ -2924,7 +3392,7 @@
           <a:p>
             <a:fld id="{293B81DC-4102-FF40-B3FD-14093C4E3488}" type="datetimeFigureOut">
               <a:rPr kumimoji="1" lang="ja-JP" altLang="en-US" smtClean="0"/>
-              <a:t>2021/2/20</a:t>
+              <a:t>2021/3/21</a:t>
             </a:fld>
             <a:endParaRPr kumimoji="1" lang="ja-JP" altLang="en-US"/>
           </a:p>
@@ -3197,7 +3665,7 @@
           <a:p>
             <a:fld id="{293B81DC-4102-FF40-B3FD-14093C4E3488}" type="datetimeFigureOut">
               <a:rPr kumimoji="1" lang="ja-JP" altLang="en-US" smtClean="0"/>
-              <a:t>2021/2/20</a:t>
+              <a:t>2021/3/21</a:t>
             </a:fld>
             <a:endParaRPr kumimoji="1" lang="ja-JP" altLang="en-US"/>
           </a:p>
@@ -4983,8 +5451,8 @@
         </p:nvSpPr>
         <p:spPr>
           <a:xfrm flipH="1">
-            <a:off x="7874805" y="2396280"/>
-            <a:ext cx="1596203" cy="1020086"/>
+            <a:off x="8609829" y="2396280"/>
+            <a:ext cx="861178" cy="1020086"/>
           </a:xfrm>
           <a:custGeom>
             <a:avLst/>
@@ -5404,7 +5872,7 @@
         <p:spPr>
           <a:xfrm>
             <a:off x="6816864" y="2399861"/>
-            <a:ext cx="2031325" cy="338554"/>
+            <a:ext cx="1210588" cy="338554"/>
           </a:xfrm>
           <a:prstGeom prst="rect">
             <a:avLst/>
@@ -5419,8 +5887,13 @@
           <a:p>
             <a:r>
               <a:rPr kumimoji="1" lang="ja-JP" altLang="en-US" sz="1600" dirty="0"/>
-              <a:t>署名の暗号、復号化</a:t>
-            </a:r>
+              <a:t>署名</a:t>
+            </a:r>
+            <a:r>
+              <a:rPr lang="ja-JP" altLang="en-US" sz="1600" dirty="0"/>
+              <a:t>、検証</a:t>
+            </a:r>
+            <a:endParaRPr kumimoji="1" lang="ja-JP" altLang="en-US" sz="1600" dirty="0"/>
           </a:p>
         </p:txBody>
       </p:sp>
@@ -5481,7 +5954,7 @@
         </p:nvSpPr>
         <p:spPr>
           <a:xfrm>
-            <a:off x="8327497" y="3444549"/>
+            <a:off x="8584207" y="3454524"/>
             <a:ext cx="800219" cy="584775"/>
           </a:xfrm>
           <a:prstGeom prst="rect">
@@ -5507,10 +5980,9 @@
           </a:p>
           <a:p>
             <a:r>
-              <a:rPr lang="ja-JP" altLang="en-US" sz="1600" dirty="0"/>
-              <a:t>の生成</a:t>
-            </a:r>
-            <a:endParaRPr kumimoji="1" lang="ja-JP" altLang="en-US" sz="1600" dirty="0"/>
+              <a:rPr kumimoji="1" lang="ja-JP" altLang="en-US" sz="1600" dirty="0"/>
+              <a:t>演算</a:t>
+            </a:r>
           </a:p>
         </p:txBody>
       </p:sp>
@@ -6018,10 +6490,10 @@
       </p:sp>
       <p:sp>
         <p:nvSpPr>
-          <p:cNvPr id="56" name="正方形/長方形 55">
-            <a:extLst>
-              <a:ext uri="{FF2B5EF4-FFF2-40B4-BE49-F238E27FC236}">
-                <a16:creationId xmlns:a16="http://schemas.microsoft.com/office/drawing/2014/main" id="{A8C45209-A153-4C83-A7E6-7115AE5FBEE0}"/>
+          <p:cNvPr id="11" name="正方形/長方形 10">
+            <a:extLst>
+              <a:ext uri="{FF2B5EF4-FFF2-40B4-BE49-F238E27FC236}">
+                <a16:creationId xmlns:a16="http://schemas.microsoft.com/office/drawing/2014/main" id="{F7BFA08F-6EE4-40E1-915D-F3B2BA74C785}"/>
               </a:ext>
             </a:extLst>
           </p:cNvPr>
@@ -6030,22 +6502,18 @@
         </p:nvSpPr>
         <p:spPr>
           <a:xfrm>
-            <a:off x="6780769" y="3520659"/>
-            <a:ext cx="1569660" cy="813838"/>
+            <a:off x="6403076" y="3226378"/>
+            <a:ext cx="2191689" cy="1222084"/>
           </a:xfrm>
           <a:prstGeom prst="rect">
             <a:avLst/>
           </a:prstGeom>
           <a:solidFill>
-            <a:schemeClr val="bg2">
-              <a:lumMod val="75000"/>
-            </a:schemeClr>
+            <a:schemeClr val="bg1"/>
           </a:solidFill>
           <a:ln w="28575">
             <a:solidFill>
-              <a:schemeClr val="bg2">
-                <a:lumMod val="50000"/>
-              </a:schemeClr>
+              <a:schemeClr val="tx1"/>
             </a:solidFill>
           </a:ln>
         </p:spPr>
@@ -6070,60 +6538,6 @@
           <a:lstStyle/>
           <a:p>
             <a:pPr algn="ctr"/>
-            <a:endParaRPr kumimoji="1" lang="ja-JP" altLang="en-US" dirty="0"/>
-          </a:p>
-        </p:txBody>
-      </p:sp>
-      <p:sp>
-        <p:nvSpPr>
-          <p:cNvPr id="11" name="正方形/長方形 10">
-            <a:extLst>
-              <a:ext uri="{FF2B5EF4-FFF2-40B4-BE49-F238E27FC236}">
-                <a16:creationId xmlns:a16="http://schemas.microsoft.com/office/drawing/2014/main" id="{F7BFA08F-6EE4-40E1-915D-F3B2BA74C785}"/>
-              </a:ext>
-            </a:extLst>
-          </p:cNvPr>
-          <p:cNvSpPr/>
-          <p:nvPr/>
-        </p:nvSpPr>
-        <p:spPr>
-          <a:xfrm>
-            <a:off x="6403076" y="3226378"/>
-            <a:ext cx="1442701" cy="668289"/>
-          </a:xfrm>
-          <a:prstGeom prst="rect">
-            <a:avLst/>
-          </a:prstGeom>
-          <a:solidFill>
-            <a:schemeClr val="bg1"/>
-          </a:solidFill>
-          <a:ln w="28575">
-            <a:solidFill>
-              <a:schemeClr val="tx1"/>
-            </a:solidFill>
-          </a:ln>
-        </p:spPr>
-        <p:style>
-          <a:lnRef idx="2">
-            <a:schemeClr val="accent1">
-              <a:shade val="50000"/>
-            </a:schemeClr>
-          </a:lnRef>
-          <a:fillRef idx="1">
-            <a:schemeClr val="accent1"/>
-          </a:fillRef>
-          <a:effectRef idx="0">
-            <a:schemeClr val="accent1"/>
-          </a:effectRef>
-          <a:fontRef idx="minor">
-            <a:schemeClr val="lt1"/>
-          </a:fontRef>
-        </p:style>
-        <p:txBody>
-          <a:bodyPr rtlCol="0" anchor="ctr"/>
-          <a:lstStyle/>
-          <a:p>
-            <a:pPr algn="ctr"/>
             <a:endParaRPr kumimoji="1" lang="ja-JP" altLang="en-US"/>
           </a:p>
         </p:txBody>
@@ -6142,7 +6556,7 @@
         </p:nvSpPr>
         <p:spPr>
           <a:xfrm>
-            <a:off x="6436523" y="3416365"/>
+            <a:off x="6457740" y="3300732"/>
             <a:ext cx="1338828" cy="369332"/>
           </a:xfrm>
           <a:prstGeom prst="rect">
@@ -6164,42 +6578,6 @@
               <a:rPr kumimoji="1" lang="ja-JP" altLang="en-US" dirty="0"/>
               <a:t>鍵暗号</a:t>
             </a:r>
-          </a:p>
-        </p:txBody>
-      </p:sp>
-      <p:sp>
-        <p:nvSpPr>
-          <p:cNvPr id="57" name="テキスト ボックス 56">
-            <a:extLst>
-              <a:ext uri="{FF2B5EF4-FFF2-40B4-BE49-F238E27FC236}">
-                <a16:creationId xmlns:a16="http://schemas.microsoft.com/office/drawing/2014/main" id="{E4B39736-2936-4340-B386-CC3E0EF2D12A}"/>
-              </a:ext>
-            </a:extLst>
-          </p:cNvPr>
-          <p:cNvSpPr txBox="1"/>
-          <p:nvPr/>
-        </p:nvSpPr>
-        <p:spPr>
-          <a:xfrm>
-            <a:off x="6795011" y="3950920"/>
-            <a:ext cx="1569660" cy="369332"/>
-          </a:xfrm>
-          <a:prstGeom prst="rect">
-            <a:avLst/>
-          </a:prstGeom>
-          <a:noFill/>
-        </p:spPr>
-        <p:txBody>
-          <a:bodyPr wrap="none" rtlCol="0">
-            <a:spAutoFit/>
-          </a:bodyPr>
-          <a:lstStyle/>
-          <a:p>
-            <a:r>
-              <a:rPr lang="ja-JP" altLang="en-US" dirty="0"/>
-              <a:t>楕円曲線暗号</a:t>
-            </a:r>
-            <a:endParaRPr kumimoji="1" lang="ja-JP" altLang="en-US" dirty="0"/>
           </a:p>
         </p:txBody>
       </p:sp>
@@ -6331,6 +6709,100 @@
               <a:t>鍵ストリーム</a:t>
             </a:r>
             <a:endParaRPr kumimoji="1" lang="ja-JP" altLang="en-US" sz="1600" dirty="0"/>
+          </a:p>
+        </p:txBody>
+      </p:sp>
+      <p:sp>
+        <p:nvSpPr>
+          <p:cNvPr id="56" name="正方形/長方形 55">
+            <a:extLst>
+              <a:ext uri="{FF2B5EF4-FFF2-40B4-BE49-F238E27FC236}">
+                <a16:creationId xmlns:a16="http://schemas.microsoft.com/office/drawing/2014/main" id="{A8C45209-A153-4C83-A7E6-7115AE5FBEE0}"/>
+              </a:ext>
+            </a:extLst>
+          </p:cNvPr>
+          <p:cNvSpPr/>
+          <p:nvPr/>
+        </p:nvSpPr>
+        <p:spPr>
+          <a:xfrm>
+            <a:off x="6896519" y="3763629"/>
+            <a:ext cx="1569660" cy="570868"/>
+          </a:xfrm>
+          <a:prstGeom prst="rect">
+            <a:avLst/>
+          </a:prstGeom>
+          <a:solidFill>
+            <a:schemeClr val="bg2">
+              <a:lumMod val="75000"/>
+            </a:schemeClr>
+          </a:solidFill>
+          <a:ln w="28575">
+            <a:solidFill>
+              <a:schemeClr val="bg2">
+                <a:lumMod val="50000"/>
+              </a:schemeClr>
+            </a:solidFill>
+          </a:ln>
+        </p:spPr>
+        <p:style>
+          <a:lnRef idx="2">
+            <a:schemeClr val="accent1">
+              <a:shade val="50000"/>
+            </a:schemeClr>
+          </a:lnRef>
+          <a:fillRef idx="1">
+            <a:schemeClr val="accent1"/>
+          </a:fillRef>
+          <a:effectRef idx="0">
+            <a:schemeClr val="accent1"/>
+          </a:effectRef>
+          <a:fontRef idx="minor">
+            <a:schemeClr val="lt1"/>
+          </a:fontRef>
+        </p:style>
+        <p:txBody>
+          <a:bodyPr rtlCol="0" anchor="ctr"/>
+          <a:lstStyle/>
+          <a:p>
+            <a:pPr algn="ctr"/>
+            <a:endParaRPr kumimoji="1" lang="ja-JP" altLang="en-US" dirty="0"/>
+          </a:p>
+        </p:txBody>
+      </p:sp>
+      <p:sp>
+        <p:nvSpPr>
+          <p:cNvPr id="57" name="テキスト ボックス 56">
+            <a:extLst>
+              <a:ext uri="{FF2B5EF4-FFF2-40B4-BE49-F238E27FC236}">
+                <a16:creationId xmlns:a16="http://schemas.microsoft.com/office/drawing/2014/main" id="{E4B39736-2936-4340-B386-CC3E0EF2D12A}"/>
+              </a:ext>
+            </a:extLst>
+          </p:cNvPr>
+          <p:cNvSpPr txBox="1"/>
+          <p:nvPr/>
+        </p:nvSpPr>
+        <p:spPr>
+          <a:xfrm>
+            <a:off x="6956265" y="3874788"/>
+            <a:ext cx="1569660" cy="369332"/>
+          </a:xfrm>
+          <a:prstGeom prst="rect">
+            <a:avLst/>
+          </a:prstGeom>
+          <a:noFill/>
+        </p:spPr>
+        <p:txBody>
+          <a:bodyPr wrap="none" rtlCol="0">
+            <a:spAutoFit/>
+          </a:bodyPr>
+          <a:lstStyle/>
+          <a:p>
+            <a:r>
+              <a:rPr lang="ja-JP" altLang="en-US" dirty="0"/>
+              <a:t>楕円曲線暗号</a:t>
+            </a:r>
+            <a:endParaRPr kumimoji="1" lang="ja-JP" altLang="en-US" dirty="0"/>
           </a:p>
         </p:txBody>
       </p:sp>
@@ -6640,4 +7112,299 @@
     </a:ext>
   </a:extLst>
 </a:theme>
+</file>
+
+<file path=ppt/theme/theme2.xml><?xml version="1.0" encoding="utf-8"?>
+<a:theme xmlns:a="http://schemas.openxmlformats.org/drawingml/2006/main" name="Office テーマ">
+  <a:themeElements>
+    <a:clrScheme name="Office">
+      <a:dk1>
+        <a:sysClr val="windowText" lastClr="000000"/>
+      </a:dk1>
+      <a:lt1>
+        <a:sysClr val="window" lastClr="FFFFFF"/>
+      </a:lt1>
+      <a:dk2>
+        <a:srgbClr val="44546A"/>
+      </a:dk2>
+      <a:lt2>
+        <a:srgbClr val="E7E6E6"/>
+      </a:lt2>
+      <a:accent1>
+        <a:srgbClr val="4472C4"/>
+      </a:accent1>
+      <a:accent2>
+        <a:srgbClr val="ED7D31"/>
+      </a:accent2>
+      <a:accent3>
+        <a:srgbClr val="A5A5A5"/>
+      </a:accent3>
+      <a:accent4>
+        <a:srgbClr val="FFC000"/>
+      </a:accent4>
+      <a:accent5>
+        <a:srgbClr val="5B9BD5"/>
+      </a:accent5>
+      <a:accent6>
+        <a:srgbClr val="70AD47"/>
+      </a:accent6>
+      <a:hlink>
+        <a:srgbClr val="0563C1"/>
+      </a:hlink>
+      <a:folHlink>
+        <a:srgbClr val="954F72"/>
+      </a:folHlink>
+    </a:clrScheme>
+    <a:fontScheme name="Office">
+      <a:majorFont>
+        <a:latin typeface="游ゴシック Light" panose="020F0302020204030204"/>
+        <a:ea typeface=""/>
+        <a:cs typeface=""/>
+        <a:font script="Jpan" typeface="游ゴシック Light"/>
+        <a:font script="Hang" typeface="맑은 고딕"/>
+        <a:font script="Hans" typeface="等线 Light"/>
+        <a:font script="Hant" typeface="新細明體"/>
+        <a:font script="Arab" typeface="Times New Roman"/>
+        <a:font script="Hebr" typeface="Times New Roman"/>
+        <a:font script="Thai" typeface="Angsana New"/>
+        <a:font script="Ethi" typeface="Nyala"/>
+        <a:font script="Beng" typeface="Vrinda"/>
+        <a:font script="Gujr" typeface="Shruti"/>
+        <a:font script="Khmr" typeface="MoolBoran"/>
+        <a:font script="Knda" typeface="Tunga"/>
+        <a:font script="Guru" typeface="Raavi"/>
+        <a:font script="Cans" typeface="Euphemia"/>
+        <a:font script="Cher" typeface="Plantagenet Cherokee"/>
+        <a:font script="Yiii" typeface="Microsoft Yi Baiti"/>
+        <a:font script="Tibt" typeface="Microsoft Himalaya"/>
+        <a:font script="Thaa" typeface="MV Boli"/>
+        <a:font script="Deva" typeface="Mangal"/>
+        <a:font script="Telu" typeface="Gautami"/>
+        <a:font script="Taml" typeface="Latha"/>
+        <a:font script="Syrc" typeface="Estrangelo Edessa"/>
+        <a:font script="Orya" typeface="Kalinga"/>
+        <a:font script="Mlym" typeface="Kartika"/>
+        <a:font script="Laoo" typeface="DokChampa"/>
+        <a:font script="Sinh" typeface="Iskoola Pota"/>
+        <a:font script="Mong" typeface="Mongolian Baiti"/>
+        <a:font script="Viet" typeface="Times New Roman"/>
+        <a:font script="Uigh" typeface="Microsoft Uighur"/>
+        <a:font script="Geor" typeface="Sylfaen"/>
+        <a:font script="Armn" typeface="Arial"/>
+        <a:font script="Bugi" typeface="Leelawadee UI"/>
+        <a:font script="Bopo" typeface="Microsoft JhengHei"/>
+        <a:font script="Java" typeface="Javanese Text"/>
+        <a:font script="Lisu" typeface="Segoe UI"/>
+        <a:font script="Mymr" typeface="Myanmar Text"/>
+        <a:font script="Nkoo" typeface="Ebrima"/>
+        <a:font script="Olck" typeface="Nirmala UI"/>
+        <a:font script="Osma" typeface="Ebrima"/>
+        <a:font script="Phag" typeface="Phagspa"/>
+        <a:font script="Syrn" typeface="Estrangelo Edessa"/>
+        <a:font script="Syrj" typeface="Estrangelo Edessa"/>
+        <a:font script="Syre" typeface="Estrangelo Edessa"/>
+        <a:font script="Sora" typeface="Nirmala UI"/>
+        <a:font script="Tale" typeface="Microsoft Tai Le"/>
+        <a:font script="Talu" typeface="Microsoft New Tai Lue"/>
+        <a:font script="Tfng" typeface="Ebrima"/>
+      </a:majorFont>
+      <a:minorFont>
+        <a:latin typeface="游ゴシック" panose="020F0502020204030204"/>
+        <a:ea typeface=""/>
+        <a:cs typeface=""/>
+        <a:font script="Jpan" typeface="游ゴシック"/>
+        <a:font script="Hang" typeface="맑은 고딕"/>
+        <a:font script="Hans" typeface="等线"/>
+        <a:font script="Hant" typeface="新細明體"/>
+        <a:font script="Arab" typeface="Arial"/>
+        <a:font script="Hebr" typeface="Arial"/>
+        <a:font script="Thai" typeface="Cordia New"/>
+        <a:font script="Ethi" typeface="Nyala"/>
+        <a:font script="Beng" typeface="Vrinda"/>
+        <a:font script="Gujr" typeface="Shruti"/>
+        <a:font script="Khmr" typeface="DaunPenh"/>
+        <a:font script="Knda" typeface="Tunga"/>
+        <a:font script="Guru" typeface="Raavi"/>
+        <a:font script="Cans" typeface="Euphemia"/>
+        <a:font script="Cher" typeface="Plantagenet Cherokee"/>
+        <a:font script="Yiii" typeface="Microsoft Yi Baiti"/>
+        <a:font script="Tibt" typeface="Microsoft Himalaya"/>
+        <a:font script="Thaa" typeface="MV Boli"/>
+        <a:font script="Deva" typeface="Mangal"/>
+        <a:font script="Telu" typeface="Gautami"/>
+        <a:font script="Taml" typeface="Latha"/>
+        <a:font script="Syrc" typeface="Estrangelo Edessa"/>
+        <a:font script="Orya" typeface="Kalinga"/>
+        <a:font script="Mlym" typeface="Kartika"/>
+        <a:font script="Laoo" typeface="DokChampa"/>
+        <a:font script="Sinh" typeface="Iskoola Pota"/>
+        <a:font script="Mong" typeface="Mongolian Baiti"/>
+        <a:font script="Viet" typeface="Arial"/>
+        <a:font script="Uigh" typeface="Microsoft Uighur"/>
+        <a:font script="Geor" typeface="Sylfaen"/>
+        <a:font script="Armn" typeface="Arial"/>
+        <a:font script="Bugi" typeface="Leelawadee UI"/>
+        <a:font script="Bopo" typeface="Microsoft JhengHei"/>
+        <a:font script="Java" typeface="Javanese Text"/>
+        <a:font script="Lisu" typeface="Segoe UI"/>
+        <a:font script="Mymr" typeface="Myanmar Text"/>
+        <a:font script="Nkoo" typeface="Ebrima"/>
+        <a:font script="Olck" typeface="Nirmala UI"/>
+        <a:font script="Osma" typeface="Ebrima"/>
+        <a:font script="Phag" typeface="Phagspa"/>
+        <a:font script="Syrn" typeface="Estrangelo Edessa"/>
+        <a:font script="Syrj" typeface="Estrangelo Edessa"/>
+        <a:font script="Syre" typeface="Estrangelo Edessa"/>
+        <a:font script="Sora" typeface="Nirmala UI"/>
+        <a:font script="Tale" typeface="Microsoft Tai Le"/>
+        <a:font script="Talu" typeface="Microsoft New Tai Lue"/>
+        <a:font script="Tfng" typeface="Ebrima"/>
+      </a:minorFont>
+    </a:fontScheme>
+    <a:fmtScheme name="Office">
+      <a:fillStyleLst>
+        <a:solidFill>
+          <a:schemeClr val="phClr"/>
+        </a:solidFill>
+        <a:gradFill rotWithShape="1">
+          <a:gsLst>
+            <a:gs pos="0">
+              <a:schemeClr val="phClr">
+                <a:lumMod val="110000"/>
+                <a:satMod val="105000"/>
+                <a:tint val="67000"/>
+              </a:schemeClr>
+            </a:gs>
+            <a:gs pos="50000">
+              <a:schemeClr val="phClr">
+                <a:lumMod val="105000"/>
+                <a:satMod val="103000"/>
+                <a:tint val="73000"/>
+              </a:schemeClr>
+            </a:gs>
+            <a:gs pos="100000">
+              <a:schemeClr val="phClr">
+                <a:lumMod val="105000"/>
+                <a:satMod val="109000"/>
+                <a:tint val="81000"/>
+              </a:schemeClr>
+            </a:gs>
+          </a:gsLst>
+          <a:lin ang="5400000" scaled="0"/>
+        </a:gradFill>
+        <a:gradFill rotWithShape="1">
+          <a:gsLst>
+            <a:gs pos="0">
+              <a:schemeClr val="phClr">
+                <a:satMod val="103000"/>
+                <a:lumMod val="102000"/>
+                <a:tint val="94000"/>
+              </a:schemeClr>
+            </a:gs>
+            <a:gs pos="50000">
+              <a:schemeClr val="phClr">
+                <a:satMod val="110000"/>
+                <a:lumMod val="100000"/>
+                <a:shade val="100000"/>
+              </a:schemeClr>
+            </a:gs>
+            <a:gs pos="100000">
+              <a:schemeClr val="phClr">
+                <a:lumMod val="99000"/>
+                <a:satMod val="120000"/>
+                <a:shade val="78000"/>
+              </a:schemeClr>
+            </a:gs>
+          </a:gsLst>
+          <a:lin ang="5400000" scaled="0"/>
+        </a:gradFill>
+      </a:fillStyleLst>
+      <a:lnStyleLst>
+        <a:ln w="6350" cap="flat" cmpd="sng" algn="ctr">
+          <a:solidFill>
+            <a:schemeClr val="phClr"/>
+          </a:solidFill>
+          <a:prstDash val="solid"/>
+          <a:miter lim="800000"/>
+        </a:ln>
+        <a:ln w="12700" cap="flat" cmpd="sng" algn="ctr">
+          <a:solidFill>
+            <a:schemeClr val="phClr"/>
+          </a:solidFill>
+          <a:prstDash val="solid"/>
+          <a:miter lim="800000"/>
+        </a:ln>
+        <a:ln w="19050" cap="flat" cmpd="sng" algn="ctr">
+          <a:solidFill>
+            <a:schemeClr val="phClr"/>
+          </a:solidFill>
+          <a:prstDash val="solid"/>
+          <a:miter lim="800000"/>
+        </a:ln>
+      </a:lnStyleLst>
+      <a:effectStyleLst>
+        <a:effectStyle>
+          <a:effectLst/>
+        </a:effectStyle>
+        <a:effectStyle>
+          <a:effectLst/>
+        </a:effectStyle>
+        <a:effectStyle>
+          <a:effectLst>
+            <a:outerShdw blurRad="57150" dist="19050" dir="5400000" algn="ctr" rotWithShape="0">
+              <a:srgbClr val="000000">
+                <a:alpha val="63000"/>
+              </a:srgbClr>
+            </a:outerShdw>
+          </a:effectLst>
+        </a:effectStyle>
+      </a:effectStyleLst>
+      <a:bgFillStyleLst>
+        <a:solidFill>
+          <a:schemeClr val="phClr"/>
+        </a:solidFill>
+        <a:solidFill>
+          <a:schemeClr val="phClr">
+            <a:tint val="95000"/>
+            <a:satMod val="170000"/>
+          </a:schemeClr>
+        </a:solidFill>
+        <a:gradFill rotWithShape="1">
+          <a:gsLst>
+            <a:gs pos="0">
+              <a:schemeClr val="phClr">
+                <a:tint val="93000"/>
+                <a:satMod val="150000"/>
+                <a:shade val="98000"/>
+                <a:lumMod val="102000"/>
+              </a:schemeClr>
+            </a:gs>
+            <a:gs pos="50000">
+              <a:schemeClr val="phClr">
+                <a:tint val="98000"/>
+                <a:satMod val="130000"/>
+                <a:shade val="90000"/>
+                <a:lumMod val="103000"/>
+              </a:schemeClr>
+            </a:gs>
+            <a:gs pos="100000">
+              <a:schemeClr val="phClr">
+                <a:shade val="63000"/>
+                <a:satMod val="120000"/>
+              </a:schemeClr>
+            </a:gs>
+          </a:gsLst>
+          <a:lin ang="5400000" scaled="0"/>
+        </a:gradFill>
+      </a:bgFillStyleLst>
+    </a:fmtScheme>
+  </a:themeElements>
+  <a:objectDefaults/>
+  <a:extraClrSchemeLst/>
+  <a:extLst>
+    <a:ext uri="{05A4C25C-085E-4340-85A3-A5531E510DB2}">
+      <thm15:themeFamily xmlns:thm15="http://schemas.microsoft.com/office/thememl/2012/main" name="Office Theme" id="{62F939B6-93AF-4DB8-9C6B-D6C7DFDC589F}" vid="{4A3C46E8-61CC-4603-A589-7422A47A8E4A}"/>
+    </a:ext>
+  </a:extLst>
+</a:theme>
 </file>
--- a/Part1.Technology/Chapter3.Algorithm/Algorithm-fig-jp.pptx
+++ b/Part1.Technology/Chapter3.Algorithm/Algorithm-fig-jp.pptx
@@ -6321,8 +6321,8 @@
           <a:lstStyle/>
           <a:p>
             <a:r>
-              <a:rPr kumimoji="1" lang="ja-JP" altLang="en-US" sz="1600" dirty="0"/>
-              <a:t>基本</a:t>
+              <a:rPr lang="ja-JP" altLang="en-US" sz="1600" dirty="0"/>
+              <a:t>要素</a:t>
             </a:r>
             <a:endParaRPr kumimoji="1" lang="en-US" altLang="ja-JP" sz="1600" dirty="0"/>
           </a:p>

--- a/Part1.Technology/Chapter3.Algorithm/Algorithm-fig-jp.pptx
+++ b/Part1.Technology/Chapter3.Algorithm/Algorithm-fig-jp.pptx
@@ -215,7 +215,7 @@
           <a:p>
             <a:fld id="{AA086654-FD2F-41F8-8F9E-4A5B5F3FCB68}" type="datetimeFigureOut">
               <a:rPr kumimoji="1" lang="ja-JP" altLang="en-US" smtClean="0"/>
-              <a:t>2021/3/27</a:t>
+              <a:t>2021/3/29</a:t>
             </a:fld>
             <a:endParaRPr kumimoji="1" lang="ja-JP" altLang="en-US"/>
           </a:p>
@@ -953,7 +953,7 @@
           <a:p>
             <a:fld id="{293B81DC-4102-FF40-B3FD-14093C4E3488}" type="datetimeFigureOut">
               <a:rPr kumimoji="1" lang="ja-JP" altLang="en-US" smtClean="0"/>
-              <a:t>2021/3/27</a:t>
+              <a:t>2021/3/29</a:t>
             </a:fld>
             <a:endParaRPr kumimoji="1" lang="ja-JP" altLang="en-US"/>
           </a:p>
@@ -1183,7 +1183,7 @@
           <a:p>
             <a:fld id="{293B81DC-4102-FF40-B3FD-14093C4E3488}" type="datetimeFigureOut">
               <a:rPr kumimoji="1" lang="ja-JP" altLang="en-US" smtClean="0"/>
-              <a:t>2021/3/27</a:t>
+              <a:t>2021/3/29</a:t>
             </a:fld>
             <a:endParaRPr kumimoji="1" lang="ja-JP" altLang="en-US"/>
           </a:p>
@@ -1423,7 +1423,7 @@
           <a:p>
             <a:fld id="{293B81DC-4102-FF40-B3FD-14093C4E3488}" type="datetimeFigureOut">
               <a:rPr kumimoji="1" lang="ja-JP" altLang="en-US" smtClean="0"/>
-              <a:t>2021/3/27</a:t>
+              <a:t>2021/3/29</a:t>
             </a:fld>
             <a:endParaRPr kumimoji="1" lang="ja-JP" altLang="en-US"/>
           </a:p>
@@ -1653,7 +1653,7 @@
           <a:p>
             <a:fld id="{293B81DC-4102-FF40-B3FD-14093C4E3488}" type="datetimeFigureOut">
               <a:rPr kumimoji="1" lang="ja-JP" altLang="en-US" smtClean="0"/>
-              <a:t>2021/3/27</a:t>
+              <a:t>2021/3/29</a:t>
             </a:fld>
             <a:endParaRPr kumimoji="1" lang="ja-JP" altLang="en-US"/>
           </a:p>
@@ -1928,7 +1928,7 @@
           <a:p>
             <a:fld id="{293B81DC-4102-FF40-B3FD-14093C4E3488}" type="datetimeFigureOut">
               <a:rPr kumimoji="1" lang="ja-JP" altLang="en-US" smtClean="0"/>
-              <a:t>2021/3/27</a:t>
+              <a:t>2021/3/29</a:t>
             </a:fld>
             <a:endParaRPr kumimoji="1" lang="ja-JP" altLang="en-US"/>
           </a:p>
@@ -2257,7 +2257,7 @@
           <a:p>
             <a:fld id="{293B81DC-4102-FF40-B3FD-14093C4E3488}" type="datetimeFigureOut">
               <a:rPr kumimoji="1" lang="ja-JP" altLang="en-US" smtClean="0"/>
-              <a:t>2021/3/27</a:t>
+              <a:t>2021/3/29</a:t>
             </a:fld>
             <a:endParaRPr kumimoji="1" lang="ja-JP" altLang="en-US"/>
           </a:p>
@@ -2733,7 +2733,7 @@
           <a:p>
             <a:fld id="{293B81DC-4102-FF40-B3FD-14093C4E3488}" type="datetimeFigureOut">
               <a:rPr kumimoji="1" lang="ja-JP" altLang="en-US" smtClean="0"/>
-              <a:t>2021/3/27</a:t>
+              <a:t>2021/3/29</a:t>
             </a:fld>
             <a:endParaRPr kumimoji="1" lang="ja-JP" altLang="en-US"/>
           </a:p>
@@ -2874,7 +2874,7 @@
           <a:p>
             <a:fld id="{293B81DC-4102-FF40-B3FD-14093C4E3488}" type="datetimeFigureOut">
               <a:rPr kumimoji="1" lang="ja-JP" altLang="en-US" smtClean="0"/>
-              <a:t>2021/3/27</a:t>
+              <a:t>2021/3/29</a:t>
             </a:fld>
             <a:endParaRPr kumimoji="1" lang="ja-JP" altLang="en-US"/>
           </a:p>
@@ -2987,7 +2987,7 @@
           <a:p>
             <a:fld id="{293B81DC-4102-FF40-B3FD-14093C4E3488}" type="datetimeFigureOut">
               <a:rPr kumimoji="1" lang="ja-JP" altLang="en-US" smtClean="0"/>
-              <a:t>2021/3/27</a:t>
+              <a:t>2021/3/29</a:t>
             </a:fld>
             <a:endParaRPr kumimoji="1" lang="ja-JP" altLang="en-US"/>
           </a:p>
@@ -3330,7 +3330,7 @@
           <a:p>
             <a:fld id="{293B81DC-4102-FF40-B3FD-14093C4E3488}" type="datetimeFigureOut">
               <a:rPr kumimoji="1" lang="ja-JP" altLang="en-US" smtClean="0"/>
-              <a:t>2021/3/27</a:t>
+              <a:t>2021/3/29</a:t>
             </a:fld>
             <a:endParaRPr kumimoji="1" lang="ja-JP" altLang="en-US"/>
           </a:p>
@@ -3618,7 +3618,7 @@
           <a:p>
             <a:fld id="{293B81DC-4102-FF40-B3FD-14093C4E3488}" type="datetimeFigureOut">
               <a:rPr kumimoji="1" lang="ja-JP" altLang="en-US" smtClean="0"/>
-              <a:t>2021/3/27</a:t>
+              <a:t>2021/3/29</a:t>
             </a:fld>
             <a:endParaRPr kumimoji="1" lang="ja-JP" altLang="en-US"/>
           </a:p>
@@ -3891,7 +3891,7 @@
           <a:p>
             <a:fld id="{293B81DC-4102-FF40-B3FD-14093C4E3488}" type="datetimeFigureOut">
               <a:rPr kumimoji="1" lang="ja-JP" altLang="en-US" smtClean="0"/>
-              <a:t>2021/3/27</a:t>
+              <a:t>2021/3/29</a:t>
             </a:fld>
             <a:endParaRPr kumimoji="1" lang="ja-JP" altLang="en-US"/>
           </a:p>
@@ -14620,7 +14620,7 @@
         </p:nvGrpSpPr>
         <p:grpSpPr>
           <a:xfrm flipH="1">
-            <a:off x="1673554" y="533762"/>
+            <a:off x="1392202" y="533762"/>
             <a:ext cx="10221456" cy="1775736"/>
             <a:chOff x="1673554" y="240684"/>
             <a:chExt cx="10221456" cy="1775736"/>
@@ -15639,10 +15639,10 @@
           </p:nvGrpSpPr>
           <p:grpSpPr>
             <a:xfrm>
-              <a:off x="10674804" y="1125120"/>
-              <a:ext cx="1220206" cy="376325"/>
-              <a:chOff x="5143350" y="596197"/>
-              <a:chExt cx="1220206" cy="376325"/>
+              <a:off x="10674804" y="1089951"/>
+              <a:ext cx="1220206" cy="411494"/>
+              <a:chOff x="5143350" y="561028"/>
+              <a:chExt cx="1220206" cy="411494"/>
             </a:xfrm>
           </p:grpSpPr>
           <p:sp>
@@ -15699,7 +15699,7 @@
             </p:nvSpPr>
             <p:spPr>
               <a:xfrm>
-                <a:off x="5520992" y="596197"/>
+                <a:off x="5591330" y="561028"/>
                 <a:ext cx="304892" cy="307777"/>
               </a:xfrm>
               <a:prstGeom prst="rect">
@@ -15736,10 +15736,10 @@
           </p:nvGrpSpPr>
           <p:grpSpPr>
             <a:xfrm>
-              <a:off x="1673554" y="1159923"/>
-              <a:ext cx="1399742" cy="376343"/>
-              <a:chOff x="5144636" y="485357"/>
-              <a:chExt cx="1399742" cy="376343"/>
+              <a:off x="1673554" y="1148200"/>
+              <a:ext cx="1399742" cy="388066"/>
+              <a:chOff x="5144636" y="473634"/>
+              <a:chExt cx="1399742" cy="388066"/>
             </a:xfrm>
           </p:grpSpPr>
           <p:sp>
@@ -15796,8 +15796,8 @@
             </p:nvSpPr>
             <p:spPr>
               <a:xfrm>
-                <a:off x="5687252" y="485357"/>
-                <a:ext cx="314510" cy="307777"/>
+                <a:off x="5609647" y="473634"/>
+                <a:ext cx="251439" cy="369332"/>
               </a:xfrm>
               <a:prstGeom prst="rect">
                 <a:avLst/>
@@ -15805,7 +15805,7 @@
               <a:noFill/>
             </p:spPr>
             <p:txBody>
-              <a:bodyPr wrap="none" rtlCol="0">
+              <a:bodyPr wrap="square" rtlCol="0">
                 <a:spAutoFit/>
               </a:bodyPr>
               <a:lstStyle/>
@@ -15834,7 +15834,7 @@
         </p:nvSpPr>
         <p:spPr>
           <a:xfrm>
-            <a:off x="798540" y="582584"/>
+            <a:off x="517188" y="582584"/>
             <a:ext cx="922047" cy="523220"/>
           </a:xfrm>
           <a:prstGeom prst="rect">
@@ -15899,7 +15899,7 @@
         </p:nvSpPr>
         <p:spPr>
           <a:xfrm>
-            <a:off x="2538324" y="1019513"/>
+            <a:off x="2538324" y="796776"/>
             <a:ext cx="2299855" cy="402441"/>
           </a:xfrm>
           <a:prstGeom prst="rect">
@@ -15989,7 +15989,7 @@
         </p:nvSpPr>
         <p:spPr>
           <a:xfrm>
-            <a:off x="8318136" y="1032485"/>
+            <a:off x="8318136" y="809748"/>
             <a:ext cx="2299855" cy="402441"/>
           </a:xfrm>
           <a:prstGeom prst="rect">
@@ -16043,7 +16043,7 @@
         </p:nvSpPr>
         <p:spPr>
           <a:xfrm>
-            <a:off x="2573902" y="1035635"/>
+            <a:off x="2573902" y="812898"/>
             <a:ext cx="2299855" cy="338554"/>
           </a:xfrm>
           <a:prstGeom prst="rect">
@@ -16083,7 +16083,7 @@
         </p:nvCxnSpPr>
         <p:spPr>
           <a:xfrm flipH="1">
-            <a:off x="4908970" y="1219851"/>
+            <a:off x="4908970" y="997114"/>
             <a:ext cx="3304520" cy="0"/>
           </a:xfrm>
           <a:prstGeom prst="straightConnector1">
@@ -16586,7 +16586,7 @@
         </p:nvSpPr>
         <p:spPr>
           <a:xfrm flipH="1">
-            <a:off x="4952281" y="1795322"/>
+            <a:off x="4999235" y="1795322"/>
             <a:ext cx="3214255" cy="1122218"/>
           </a:xfrm>
           <a:custGeom>
@@ -16862,7 +16862,7 @@
         </p:nvSpPr>
         <p:spPr>
           <a:xfrm rot="16200000" flipH="1">
-            <a:off x="9426989" y="1338011"/>
+            <a:off x="9426990" y="1232505"/>
             <a:ext cx="241087" cy="396424"/>
           </a:xfrm>
           <a:prstGeom prst="rightArrow">
@@ -16916,7 +16916,7 @@
         </p:nvSpPr>
         <p:spPr>
           <a:xfrm rot="16200000" flipH="1">
-            <a:off x="3606508" y="1338010"/>
+            <a:off x="3606508" y="1232503"/>
             <a:ext cx="241087" cy="396424"/>
           </a:xfrm>
           <a:prstGeom prst="rightArrow">
@@ -17412,10 +17412,10 @@
         </p:nvGrpSpPr>
         <p:grpSpPr>
           <a:xfrm>
-            <a:off x="7131217" y="1861888"/>
-            <a:ext cx="1637985" cy="688902"/>
-            <a:chOff x="8756918" y="4613091"/>
-            <a:chExt cx="1637985" cy="688902"/>
+            <a:off x="6735258" y="1342640"/>
+            <a:ext cx="2033966" cy="475843"/>
+            <a:chOff x="8458477" y="5111572"/>
+            <a:chExt cx="2033966" cy="475843"/>
           </a:xfrm>
         </p:grpSpPr>
         <p:sp>
@@ -17432,8 +17432,8 @@
           </p:nvSpPr>
           <p:spPr>
             <a:xfrm>
-              <a:off x="8756918" y="4778773"/>
-              <a:ext cx="1637985" cy="523220"/>
+              <a:off x="8458477" y="5248861"/>
+              <a:ext cx="2033966" cy="338554"/>
             </a:xfrm>
             <a:prstGeom prst="rect">
               <a:avLst/>
@@ -17447,28 +17447,17 @@
             <a:lstStyle/>
             <a:p>
               <a:r>
-                <a:rPr kumimoji="1" lang="en-US" altLang="ja-JP" dirty="0"/>
+                <a:rPr kumimoji="1" lang="en-US" altLang="ja-JP" sz="1600" dirty="0"/>
                 <a:t>Pa = G  </a:t>
               </a:r>
               <a:r>
-                <a:rPr kumimoji="1" lang="ja-JP" altLang="en-US" dirty="0"/>
+                <a:rPr kumimoji="1" lang="ja-JP" altLang="en-US" sz="1600" dirty="0"/>
                 <a:t>   </a:t>
               </a:r>
               <a:r>
-                <a:rPr kumimoji="1" lang="en-US" altLang="ja-JP" dirty="0"/>
+                <a:rPr kumimoji="1" lang="en-US" altLang="ja-JP" sz="1600" dirty="0"/>
                 <a:t>mod P</a:t>
               </a:r>
-            </a:p>
-            <a:p>
-              <a:r>
-                <a:rPr kumimoji="1" lang="en-US" altLang="ja-JP" dirty="0"/>
-                <a:t>Pa = </a:t>
-              </a:r>
-              <a:r>
-                <a:rPr kumimoji="1" lang="en-US" altLang="ja-JP" dirty="0" err="1"/>
-                <a:t>aG</a:t>
-              </a:r>
-              <a:endParaRPr kumimoji="1" lang="ja-JP" altLang="en-US" dirty="0"/>
             </a:p>
           </p:txBody>
         </p:sp>
@@ -17486,8 +17475,8 @@
           </p:nvSpPr>
           <p:spPr>
             <a:xfrm>
-              <a:off x="9336688" y="4613091"/>
-              <a:ext cx="522153" cy="307777"/>
+              <a:off x="9123793" y="5111572"/>
+              <a:ext cx="561655" cy="338554"/>
             </a:xfrm>
             <a:prstGeom prst="rect">
               <a:avLst/>
@@ -17501,10 +17490,10 @@
             <a:lstStyle/>
             <a:p>
               <a:r>
-                <a:rPr kumimoji="1" lang="en-US" altLang="ja-JP" dirty="0"/>
+                <a:rPr kumimoji="1" lang="en-US" altLang="ja-JP" sz="1600" dirty="0"/>
                 <a:t>A</a:t>
               </a:r>
-              <a:endParaRPr kumimoji="1" lang="ja-JP" altLang="en-US" dirty="0"/>
+              <a:endParaRPr kumimoji="1" lang="ja-JP" altLang="en-US" sz="1600" dirty="0"/>
             </a:p>
           </p:txBody>
         </p:sp>
@@ -17523,7 +17512,7 @@
         </p:nvSpPr>
         <p:spPr>
           <a:xfrm>
-            <a:off x="8436578" y="1064428"/>
+            <a:off x="8436578" y="841691"/>
             <a:ext cx="2299855" cy="338554"/>
           </a:xfrm>
           <a:prstGeom prst="rect">
@@ -17561,10 +17550,10 @@
         </p:nvGrpSpPr>
         <p:grpSpPr>
           <a:xfrm>
-            <a:off x="4769239" y="1867632"/>
-            <a:ext cx="1513556" cy="676537"/>
-            <a:chOff x="8738281" y="4613090"/>
-            <a:chExt cx="1513556" cy="676537"/>
+            <a:off x="4847280" y="1337577"/>
+            <a:ext cx="1758815" cy="465505"/>
+            <a:chOff x="8700587" y="4812347"/>
+            <a:chExt cx="1277108" cy="465505"/>
           </a:xfrm>
         </p:grpSpPr>
         <p:sp>
@@ -17581,8 +17570,8 @@
           </p:nvSpPr>
           <p:spPr>
             <a:xfrm>
-              <a:off x="8738281" y="4766407"/>
-              <a:ext cx="1513556" cy="523220"/>
+              <a:off x="8700587" y="4939298"/>
+              <a:ext cx="1277108" cy="338554"/>
             </a:xfrm>
             <a:prstGeom prst="rect">
               <a:avLst/>
@@ -17596,28 +17585,17 @@
             <a:lstStyle/>
             <a:p>
               <a:r>
-                <a:rPr kumimoji="1" lang="en-US" altLang="ja-JP" dirty="0"/>
+                <a:rPr kumimoji="1" lang="en-US" altLang="ja-JP" sz="1600" dirty="0"/>
                 <a:t>Pb = G  </a:t>
               </a:r>
               <a:r>
-                <a:rPr kumimoji="1" lang="ja-JP" altLang="en-US" dirty="0"/>
+                <a:rPr kumimoji="1" lang="ja-JP" altLang="en-US" sz="1600" dirty="0"/>
                 <a:t>   </a:t>
               </a:r>
               <a:r>
-                <a:rPr kumimoji="1" lang="en-US" altLang="ja-JP" dirty="0"/>
+                <a:rPr kumimoji="1" lang="en-US" altLang="ja-JP" sz="1600" dirty="0"/>
                 <a:t>mod P</a:t>
               </a:r>
-            </a:p>
-            <a:p>
-              <a:r>
-                <a:rPr kumimoji="1" lang="en-US" altLang="ja-JP" dirty="0"/>
-                <a:t>Pb = </a:t>
-              </a:r>
-              <a:r>
-                <a:rPr kumimoji="1" lang="en-US" altLang="ja-JP" dirty="0" err="1"/>
-                <a:t>bG</a:t>
-              </a:r>
-              <a:endParaRPr kumimoji="1" lang="en-US" altLang="ja-JP" dirty="0"/>
             </a:p>
           </p:txBody>
         </p:sp>
@@ -17635,8 +17613,8 @@
           </p:nvSpPr>
           <p:spPr>
             <a:xfrm>
-              <a:off x="9336701" y="4613090"/>
-              <a:ext cx="304892" cy="307777"/>
+              <a:off x="9196038" y="4812347"/>
+              <a:ext cx="276358" cy="338554"/>
             </a:xfrm>
             <a:prstGeom prst="rect">
               <a:avLst/>
@@ -17644,16 +17622,16 @@
             <a:noFill/>
           </p:spPr>
           <p:txBody>
-            <a:bodyPr wrap="none" rtlCol="0">
+            <a:bodyPr wrap="square" rtlCol="0">
               <a:spAutoFit/>
             </a:bodyPr>
             <a:lstStyle/>
             <a:p>
               <a:r>
-                <a:rPr kumimoji="1" lang="en-US" altLang="ja-JP" dirty="0"/>
+                <a:rPr kumimoji="1" lang="en-US" altLang="ja-JP" sz="1600" dirty="0"/>
                 <a:t>B</a:t>
               </a:r>
-              <a:endParaRPr kumimoji="1" lang="ja-JP" altLang="en-US" dirty="0"/>
+              <a:endParaRPr kumimoji="1" lang="ja-JP" altLang="en-US" sz="1600" dirty="0"/>
             </a:p>
           </p:txBody>
         </p:sp>
@@ -17736,7 +17714,7 @@
           </p:nvSpPr>
           <p:spPr>
             <a:xfrm>
-              <a:off x="8948763" y="4613090"/>
+              <a:off x="9032039" y="4613090"/>
               <a:ext cx="304892" cy="307777"/>
             </a:xfrm>
             <a:prstGeom prst="rect">
@@ -17773,10 +17751,10 @@
         </p:nvGrpSpPr>
         <p:grpSpPr>
           <a:xfrm>
-            <a:off x="1236333" y="2603699"/>
-            <a:ext cx="1170513" cy="431829"/>
-            <a:chOff x="8725794" y="4613090"/>
-            <a:chExt cx="1170513" cy="431829"/>
+            <a:off x="1096655" y="2603700"/>
+            <a:ext cx="1170513" cy="431828"/>
+            <a:chOff x="8725794" y="4613091"/>
+            <a:chExt cx="1170513" cy="431828"/>
           </a:xfrm>
         </p:grpSpPr>
         <p:sp>
@@ -17837,8 +17815,8 @@
           </p:nvSpPr>
           <p:spPr>
             <a:xfrm>
-              <a:off x="8948763" y="4613090"/>
-              <a:ext cx="304892" cy="307777"/>
+              <a:off x="9058832" y="4613091"/>
+              <a:ext cx="308161" cy="369332"/>
             </a:xfrm>
             <a:prstGeom prst="rect">
               <a:avLst/>
@@ -17846,7 +17824,7 @@
             <a:noFill/>
           </p:spPr>
           <p:txBody>
-            <a:bodyPr wrap="none" rtlCol="0">
+            <a:bodyPr wrap="square" rtlCol="0">
               <a:spAutoFit/>
             </a:bodyPr>
             <a:lstStyle/>
@@ -17874,7 +17852,7 @@
         </p:nvSpPr>
         <p:spPr>
           <a:xfrm>
-            <a:off x="5115773" y="2614797"/>
+            <a:off x="5115773" y="2874167"/>
             <a:ext cx="404278" cy="307777"/>
           </a:xfrm>
           <a:prstGeom prst="rect">
@@ -17910,7 +17888,7 @@
         </p:nvSpPr>
         <p:spPr>
           <a:xfrm>
-            <a:off x="7624096" y="2550863"/>
+            <a:off x="7624096" y="2852875"/>
             <a:ext cx="404278" cy="307777"/>
           </a:xfrm>
           <a:prstGeom prst="rect">
@@ -17947,42 +17925,6 @@
         <p:spPr>
           <a:xfrm>
             <a:off x="11487334" y="1714787"/>
-            <a:ext cx="304892" cy="307777"/>
-          </a:xfrm>
-          <a:prstGeom prst="rect">
-            <a:avLst/>
-          </a:prstGeom>
-          <a:noFill/>
-        </p:spPr>
-        <p:txBody>
-          <a:bodyPr wrap="none" rtlCol="0">
-            <a:spAutoFit/>
-          </a:bodyPr>
-          <a:lstStyle/>
-          <a:p>
-            <a:r>
-              <a:rPr kumimoji="1" lang="en-US" altLang="ja-JP" dirty="0"/>
-              <a:t>A</a:t>
-            </a:r>
-            <a:endParaRPr kumimoji="1" lang="ja-JP" altLang="en-US" dirty="0"/>
-          </a:p>
-        </p:txBody>
-      </p:sp>
-      <p:sp>
-        <p:nvSpPr>
-          <p:cNvPr id="97" name="テキスト ボックス 96">
-            <a:extLst>
-              <a:ext uri="{FF2B5EF4-FFF2-40B4-BE49-F238E27FC236}">
-                <a16:creationId xmlns:a16="http://schemas.microsoft.com/office/drawing/2014/main" id="{91730247-414F-48C1-8F00-38F9303E7AFC}"/>
-              </a:ext>
-            </a:extLst>
-          </p:cNvPr>
-          <p:cNvSpPr txBox="1"/>
-          <p:nvPr/>
-        </p:nvSpPr>
-        <p:spPr>
-          <a:xfrm>
-            <a:off x="11639734" y="1867187"/>
             <a:ext cx="304892" cy="307777"/>
           </a:xfrm>
           <a:prstGeom prst="rect">

--- a/Part1.Technology/Chapter3.Algorithm/Algorithm-fig-jp.pptx
+++ b/Part1.Technology/Chapter3.Algorithm/Algorithm-fig-jp.pptx
@@ -5,7 +5,7 @@
     <p:sldMasterId id="2147483648" r:id="rId1"/>
   </p:sldMasterIdLst>
   <p:notesMasterIdLst>
-    <p:notesMasterId r:id="rId29"/>
+    <p:notesMasterId r:id="rId30"/>
   </p:notesMasterIdLst>
   <p:sldIdLst>
     <p:sldId id="257" r:id="rId2"/>
@@ -33,8 +33,9 @@
     <p:sldId id="288" r:id="rId24"/>
     <p:sldId id="262" r:id="rId25"/>
     <p:sldId id="263" r:id="rId26"/>
-    <p:sldId id="273" r:id="rId27"/>
-    <p:sldId id="274" r:id="rId28"/>
+    <p:sldId id="289" r:id="rId27"/>
+    <p:sldId id="290" r:id="rId28"/>
+    <p:sldId id="291" r:id="rId29"/>
   </p:sldIdLst>
   <p:sldSz cx="12192000" cy="6858000"/>
   <p:notesSz cx="6858000" cy="9144000"/>
@@ -223,7 +224,7 @@
           <a:p>
             <a:fld id="{AA086654-FD2F-41F8-8F9E-4A5B5F3FCB68}" type="datetimeFigureOut">
               <a:rPr kumimoji="1" lang="ja-JP" altLang="en-US" smtClean="0"/>
-              <a:t>2021/4/18</a:t>
+              <a:t>2021/4/25</a:t>
             </a:fld>
             <a:endParaRPr kumimoji="1" lang="ja-JP" altLang="en-US"/>
           </a:p>
@@ -982,6 +983,90 @@
 </p:notes>
 </file>
 
+<file path=ppt/notesSlides/notesSlide6.xml><?xml version="1.0" encoding="utf-8"?>
+<p:notes xmlns:a="http://schemas.openxmlformats.org/drawingml/2006/main" xmlns:r="http://schemas.openxmlformats.org/officeDocument/2006/relationships" xmlns:p="http://schemas.openxmlformats.org/presentationml/2006/main">
+  <p:cSld>
+    <p:spTree>
+      <p:nvGrpSpPr>
+        <p:cNvPr id="1" name=""/>
+        <p:cNvGrpSpPr/>
+        <p:nvPr/>
+      </p:nvGrpSpPr>
+      <p:grpSpPr>
+        <a:xfrm>
+          <a:off x="0" y="0"/>
+          <a:ext cx="0" cy="0"/>
+          <a:chOff x="0" y="0"/>
+          <a:chExt cx="0" cy="0"/>
+        </a:xfrm>
+      </p:grpSpPr>
+      <p:sp>
+        <p:nvSpPr>
+          <p:cNvPr id="2" name="スライド イメージ プレースホルダー 1"/>
+          <p:cNvSpPr>
+            <a:spLocks noGrp="1" noRot="1" noChangeAspect="1"/>
+          </p:cNvSpPr>
+          <p:nvPr>
+            <p:ph type="sldImg"/>
+          </p:nvPr>
+        </p:nvSpPr>
+        <p:spPr/>
+      </p:sp>
+      <p:sp>
+        <p:nvSpPr>
+          <p:cNvPr id="3" name="ノート プレースホルダー 2"/>
+          <p:cNvSpPr>
+            <a:spLocks noGrp="1"/>
+          </p:cNvSpPr>
+          <p:nvPr>
+            <p:ph type="body" idx="1"/>
+          </p:nvPr>
+        </p:nvSpPr>
+        <p:spPr/>
+        <p:txBody>
+          <a:bodyPr/>
+          <a:lstStyle/>
+          <a:p>
+            <a:endParaRPr kumimoji="1" lang="ja-JP" altLang="en-US"/>
+          </a:p>
+        </p:txBody>
+      </p:sp>
+      <p:sp>
+        <p:nvSpPr>
+          <p:cNvPr id="4" name="スライド番号プレースホルダー 3"/>
+          <p:cNvSpPr>
+            <a:spLocks noGrp="1"/>
+          </p:cNvSpPr>
+          <p:nvPr>
+            <p:ph type="sldNum" sz="quarter" idx="5"/>
+          </p:nvPr>
+        </p:nvSpPr>
+        <p:spPr/>
+        <p:txBody>
+          <a:bodyPr/>
+          <a:lstStyle/>
+          <a:p>
+            <a:fld id="{0B3E1759-FE68-8746-ACC1-AF8128F36DDB}" type="slidenum">
+              <a:rPr kumimoji="1" lang="ja-JP" altLang="en-US" smtClean="0"/>
+              <a:t>28</a:t>
+            </a:fld>
+            <a:endParaRPr kumimoji="1" lang="ja-JP" altLang="en-US"/>
+          </a:p>
+        </p:txBody>
+      </p:sp>
+    </p:spTree>
+    <p:extLst>
+      <p:ext uri="{BB962C8B-B14F-4D97-AF65-F5344CB8AC3E}">
+        <p14:creationId xmlns:p14="http://schemas.microsoft.com/office/powerpoint/2010/main" val="3772820033"/>
+      </p:ext>
+    </p:extLst>
+  </p:cSld>
+  <p:clrMapOvr>
+    <a:masterClrMapping/>
+  </p:clrMapOvr>
+</p:notes>
+</file>
+
 <file path=ppt/slideLayouts/slideLayout1.xml><?xml version="1.0" encoding="utf-8"?>
 <p:sldLayout xmlns:a="http://schemas.openxmlformats.org/drawingml/2006/main" xmlns:r="http://schemas.openxmlformats.org/officeDocument/2006/relationships" xmlns:p="http://schemas.openxmlformats.org/presentationml/2006/main" type="title" preserve="1">
   <p:cSld name="タイトル スライド">
@@ -1129,7 +1214,7 @@
           <a:p>
             <a:fld id="{293B81DC-4102-FF40-B3FD-14093C4E3488}" type="datetimeFigureOut">
               <a:rPr kumimoji="1" lang="ja-JP" altLang="en-US" smtClean="0"/>
-              <a:t>2021/4/18</a:t>
+              <a:t>2021/4/25</a:t>
             </a:fld>
             <a:endParaRPr kumimoji="1" lang="ja-JP" altLang="en-US"/>
           </a:p>
@@ -1359,7 +1444,7 @@
           <a:p>
             <a:fld id="{293B81DC-4102-FF40-B3FD-14093C4E3488}" type="datetimeFigureOut">
               <a:rPr kumimoji="1" lang="ja-JP" altLang="en-US" smtClean="0"/>
-              <a:t>2021/4/18</a:t>
+              <a:t>2021/4/25</a:t>
             </a:fld>
             <a:endParaRPr kumimoji="1" lang="ja-JP" altLang="en-US"/>
           </a:p>
@@ -1599,7 +1684,7 @@
           <a:p>
             <a:fld id="{293B81DC-4102-FF40-B3FD-14093C4E3488}" type="datetimeFigureOut">
               <a:rPr kumimoji="1" lang="ja-JP" altLang="en-US" smtClean="0"/>
-              <a:t>2021/4/18</a:t>
+              <a:t>2021/4/25</a:t>
             </a:fld>
             <a:endParaRPr kumimoji="1" lang="ja-JP" altLang="en-US"/>
           </a:p>
@@ -1829,7 +1914,7 @@
           <a:p>
             <a:fld id="{293B81DC-4102-FF40-B3FD-14093C4E3488}" type="datetimeFigureOut">
               <a:rPr kumimoji="1" lang="ja-JP" altLang="en-US" smtClean="0"/>
-              <a:t>2021/4/18</a:t>
+              <a:t>2021/4/25</a:t>
             </a:fld>
             <a:endParaRPr kumimoji="1" lang="ja-JP" altLang="en-US"/>
           </a:p>
@@ -2104,7 +2189,7 @@
           <a:p>
             <a:fld id="{293B81DC-4102-FF40-B3FD-14093C4E3488}" type="datetimeFigureOut">
               <a:rPr kumimoji="1" lang="ja-JP" altLang="en-US" smtClean="0"/>
-              <a:t>2021/4/18</a:t>
+              <a:t>2021/4/25</a:t>
             </a:fld>
             <a:endParaRPr kumimoji="1" lang="ja-JP" altLang="en-US"/>
           </a:p>
@@ -2433,7 +2518,7 @@
           <a:p>
             <a:fld id="{293B81DC-4102-FF40-B3FD-14093C4E3488}" type="datetimeFigureOut">
               <a:rPr kumimoji="1" lang="ja-JP" altLang="en-US" smtClean="0"/>
-              <a:t>2021/4/18</a:t>
+              <a:t>2021/4/25</a:t>
             </a:fld>
             <a:endParaRPr kumimoji="1" lang="ja-JP" altLang="en-US"/>
           </a:p>
@@ -2909,7 +2994,7 @@
           <a:p>
             <a:fld id="{293B81DC-4102-FF40-B3FD-14093C4E3488}" type="datetimeFigureOut">
               <a:rPr kumimoji="1" lang="ja-JP" altLang="en-US" smtClean="0"/>
-              <a:t>2021/4/18</a:t>
+              <a:t>2021/4/25</a:t>
             </a:fld>
             <a:endParaRPr kumimoji="1" lang="ja-JP" altLang="en-US"/>
           </a:p>
@@ -3050,7 +3135,7 @@
           <a:p>
             <a:fld id="{293B81DC-4102-FF40-B3FD-14093C4E3488}" type="datetimeFigureOut">
               <a:rPr kumimoji="1" lang="ja-JP" altLang="en-US" smtClean="0"/>
-              <a:t>2021/4/18</a:t>
+              <a:t>2021/4/25</a:t>
             </a:fld>
             <a:endParaRPr kumimoji="1" lang="ja-JP" altLang="en-US"/>
           </a:p>
@@ -3163,7 +3248,7 @@
           <a:p>
             <a:fld id="{293B81DC-4102-FF40-B3FD-14093C4E3488}" type="datetimeFigureOut">
               <a:rPr kumimoji="1" lang="ja-JP" altLang="en-US" smtClean="0"/>
-              <a:t>2021/4/18</a:t>
+              <a:t>2021/4/25</a:t>
             </a:fld>
             <a:endParaRPr kumimoji="1" lang="ja-JP" altLang="en-US"/>
           </a:p>
@@ -3506,7 +3591,7 @@
           <a:p>
             <a:fld id="{293B81DC-4102-FF40-B3FD-14093C4E3488}" type="datetimeFigureOut">
               <a:rPr kumimoji="1" lang="ja-JP" altLang="en-US" smtClean="0"/>
-              <a:t>2021/4/18</a:t>
+              <a:t>2021/4/25</a:t>
             </a:fld>
             <a:endParaRPr kumimoji="1" lang="ja-JP" altLang="en-US"/>
           </a:p>
@@ -3794,7 +3879,7 @@
           <a:p>
             <a:fld id="{293B81DC-4102-FF40-B3FD-14093C4E3488}" type="datetimeFigureOut">
               <a:rPr kumimoji="1" lang="ja-JP" altLang="en-US" smtClean="0"/>
-              <a:t>2021/4/18</a:t>
+              <a:t>2021/4/25</a:t>
             </a:fld>
             <a:endParaRPr kumimoji="1" lang="ja-JP" altLang="en-US"/>
           </a:p>
@@ -4067,7 +4152,7 @@
           <a:p>
             <a:fld id="{293B81DC-4102-FF40-B3FD-14093C4E3488}" type="datetimeFigureOut">
               <a:rPr kumimoji="1" lang="ja-JP" altLang="en-US" smtClean="0"/>
-              <a:t>2021/4/18</a:t>
+              <a:t>2021/4/25</a:t>
             </a:fld>
             <a:endParaRPr kumimoji="1" lang="ja-JP" altLang="en-US"/>
           </a:p>
@@ -24239,8 +24324,8 @@
         </p:nvSpPr>
         <p:spPr>
           <a:xfrm>
-            <a:off x="6243572" y="4872029"/>
-            <a:ext cx="677075" cy="1216800"/>
+            <a:off x="6243572" y="4989563"/>
+            <a:ext cx="677075" cy="1099265"/>
           </a:xfrm>
           <a:custGeom>
             <a:avLst/>
@@ -26624,6 +26709,320 @@
           </a:p>
         </p:txBody>
       </p:sp>
+      <p:cxnSp>
+        <p:nvCxnSpPr>
+          <p:cNvPr id="84" name="直線コネクタ 83">
+            <a:extLst>
+              <a:ext uri="{FF2B5EF4-FFF2-40B4-BE49-F238E27FC236}">
+                <a16:creationId xmlns:a16="http://schemas.microsoft.com/office/drawing/2014/main" id="{DF3CF12D-FD5D-4674-9C30-6AFD7CAAEFFA}"/>
+              </a:ext>
+            </a:extLst>
+          </p:cNvPr>
+          <p:cNvCxnSpPr/>
+          <p:nvPr/>
+        </p:nvCxnSpPr>
+        <p:spPr>
+          <a:xfrm flipH="1">
+            <a:off x="5635766" y="4817467"/>
+            <a:ext cx="1298599" cy="0"/>
+          </a:xfrm>
+          <a:prstGeom prst="line">
+            <a:avLst/>
+          </a:prstGeom>
+          <a:ln w="19050">
+            <a:solidFill>
+              <a:schemeClr val="tx1"/>
+            </a:solidFill>
+            <a:headEnd type="none" w="med" len="med"/>
+            <a:tailEnd type="arrow" w="med" len="med"/>
+          </a:ln>
+        </p:spPr>
+        <p:style>
+          <a:lnRef idx="1">
+            <a:schemeClr val="accent1"/>
+          </a:lnRef>
+          <a:fillRef idx="0">
+            <a:schemeClr val="accent1"/>
+          </a:fillRef>
+          <a:effectRef idx="0">
+            <a:schemeClr val="accent1"/>
+          </a:effectRef>
+          <a:fontRef idx="minor">
+            <a:schemeClr val="tx1"/>
+          </a:fontRef>
+        </p:style>
+      </p:cxnSp>
+      <p:sp>
+        <p:nvSpPr>
+          <p:cNvPr id="5" name="フリーフォーム: 図形 4">
+            <a:extLst>
+              <a:ext uri="{FF2B5EF4-FFF2-40B4-BE49-F238E27FC236}">
+                <a16:creationId xmlns:a16="http://schemas.microsoft.com/office/drawing/2014/main" id="{805F6D81-E4A1-4224-A612-48EBC6CE54FB}"/>
+              </a:ext>
+            </a:extLst>
+          </p:cNvPr>
+          <p:cNvSpPr/>
+          <p:nvPr/>
+        </p:nvSpPr>
+        <p:spPr>
+          <a:xfrm>
+            <a:off x="2649415" y="4794738"/>
+            <a:ext cx="2989385" cy="562708"/>
+          </a:xfrm>
+          <a:custGeom>
+            <a:avLst/>
+            <a:gdLst>
+              <a:gd name="connsiteX0" fmla="*/ 2989385 w 2989385"/>
+              <a:gd name="connsiteY0" fmla="*/ 0 h 621324"/>
+              <a:gd name="connsiteX1" fmla="*/ 2836985 w 2989385"/>
+              <a:gd name="connsiteY1" fmla="*/ 0 h 621324"/>
+              <a:gd name="connsiteX2" fmla="*/ 2051539 w 2989385"/>
+              <a:gd name="connsiteY2" fmla="*/ 621324 h 621324"/>
+              <a:gd name="connsiteX3" fmla="*/ 140677 w 2989385"/>
+              <a:gd name="connsiteY3" fmla="*/ 562708 h 621324"/>
+              <a:gd name="connsiteX4" fmla="*/ 0 w 2989385"/>
+              <a:gd name="connsiteY4" fmla="*/ 386862 h 621324"/>
+              <a:gd name="connsiteX0" fmla="*/ 2989385 w 2989385"/>
+              <a:gd name="connsiteY0" fmla="*/ 0 h 562708"/>
+              <a:gd name="connsiteX1" fmla="*/ 2836985 w 2989385"/>
+              <a:gd name="connsiteY1" fmla="*/ 0 h 562708"/>
+              <a:gd name="connsiteX2" fmla="*/ 2063262 w 2989385"/>
+              <a:gd name="connsiteY2" fmla="*/ 562708 h 562708"/>
+              <a:gd name="connsiteX3" fmla="*/ 140677 w 2989385"/>
+              <a:gd name="connsiteY3" fmla="*/ 562708 h 562708"/>
+              <a:gd name="connsiteX4" fmla="*/ 0 w 2989385"/>
+              <a:gd name="connsiteY4" fmla="*/ 386862 h 562708"/>
+            </a:gdLst>
+            <a:ahLst/>
+            <a:cxnLst>
+              <a:cxn ang="0">
+                <a:pos x="connsiteX0" y="connsiteY0"/>
+              </a:cxn>
+              <a:cxn ang="0">
+                <a:pos x="connsiteX1" y="connsiteY1"/>
+              </a:cxn>
+              <a:cxn ang="0">
+                <a:pos x="connsiteX2" y="connsiteY2"/>
+              </a:cxn>
+              <a:cxn ang="0">
+                <a:pos x="connsiteX3" y="connsiteY3"/>
+              </a:cxn>
+              <a:cxn ang="0">
+                <a:pos x="connsiteX4" y="connsiteY4"/>
+              </a:cxn>
+            </a:cxnLst>
+            <a:rect l="l" t="t" r="r" b="b"/>
+            <a:pathLst>
+              <a:path w="2989385" h="562708">
+                <a:moveTo>
+                  <a:pt x="2989385" y="0"/>
+                </a:moveTo>
+                <a:lnTo>
+                  <a:pt x="2836985" y="0"/>
+                </a:lnTo>
+                <a:lnTo>
+                  <a:pt x="2063262" y="562708"/>
+                </a:lnTo>
+                <a:lnTo>
+                  <a:pt x="140677" y="562708"/>
+                </a:lnTo>
+                <a:lnTo>
+                  <a:pt x="0" y="386862"/>
+                </a:lnTo>
+              </a:path>
+            </a:pathLst>
+          </a:custGeom>
+          <a:noFill/>
+          <a:ln w="19050">
+            <a:solidFill>
+              <a:schemeClr val="tx1"/>
+            </a:solidFill>
+            <a:headEnd type="none" w="med" len="med"/>
+            <a:tailEnd type="arrow" w="med" len="med"/>
+          </a:ln>
+        </p:spPr>
+        <p:style>
+          <a:lnRef idx="2">
+            <a:schemeClr val="accent1">
+              <a:shade val="50000"/>
+            </a:schemeClr>
+          </a:lnRef>
+          <a:fillRef idx="1">
+            <a:schemeClr val="accent1"/>
+          </a:fillRef>
+          <a:effectRef idx="0">
+            <a:schemeClr val="accent1"/>
+          </a:effectRef>
+          <a:fontRef idx="minor">
+            <a:schemeClr val="lt1"/>
+          </a:fontRef>
+        </p:style>
+        <p:txBody>
+          <a:bodyPr rtlCol="0" anchor="ctr"/>
+          <a:lstStyle/>
+          <a:p>
+            <a:pPr algn="ctr"/>
+            <a:endParaRPr kumimoji="1" lang="ja-JP" altLang="en-US"/>
+          </a:p>
+        </p:txBody>
+      </p:sp>
+      <p:cxnSp>
+        <p:nvCxnSpPr>
+          <p:cNvPr id="99" name="直線コネクタ 98">
+            <a:extLst>
+              <a:ext uri="{FF2B5EF4-FFF2-40B4-BE49-F238E27FC236}">
+                <a16:creationId xmlns:a16="http://schemas.microsoft.com/office/drawing/2014/main" id="{CB7330B4-4D62-4B9F-9478-554A79B869BB}"/>
+              </a:ext>
+            </a:extLst>
+          </p:cNvPr>
+          <p:cNvCxnSpPr/>
+          <p:nvPr/>
+        </p:nvCxnSpPr>
+        <p:spPr>
+          <a:xfrm flipH="1">
+            <a:off x="2908590" y="4960258"/>
+            <a:ext cx="1298599" cy="0"/>
+          </a:xfrm>
+          <a:prstGeom prst="line">
+            <a:avLst/>
+          </a:prstGeom>
+          <a:ln w="19050">
+            <a:solidFill>
+              <a:schemeClr val="tx1"/>
+            </a:solidFill>
+            <a:headEnd type="none" w="med" len="med"/>
+            <a:tailEnd type="arrow" w="med" len="med"/>
+          </a:ln>
+        </p:spPr>
+        <p:style>
+          <a:lnRef idx="1">
+            <a:schemeClr val="accent1"/>
+          </a:lnRef>
+          <a:fillRef idx="0">
+            <a:schemeClr val="accent1"/>
+          </a:fillRef>
+          <a:effectRef idx="0">
+            <a:schemeClr val="accent1"/>
+          </a:effectRef>
+          <a:fontRef idx="minor">
+            <a:schemeClr val="tx1"/>
+          </a:fontRef>
+        </p:style>
+      </p:cxnSp>
+      <p:sp>
+        <p:nvSpPr>
+          <p:cNvPr id="100" name="フリーフォーム: 図形 99">
+            <a:extLst>
+              <a:ext uri="{FF2B5EF4-FFF2-40B4-BE49-F238E27FC236}">
+                <a16:creationId xmlns:a16="http://schemas.microsoft.com/office/drawing/2014/main" id="{90538DBD-A26B-4709-91DA-35A4603772C0}"/>
+              </a:ext>
+            </a:extLst>
+          </p:cNvPr>
+          <p:cNvSpPr/>
+          <p:nvPr/>
+        </p:nvSpPr>
+        <p:spPr>
+          <a:xfrm>
+            <a:off x="-77761" y="4937529"/>
+            <a:ext cx="2989385" cy="562708"/>
+          </a:xfrm>
+          <a:custGeom>
+            <a:avLst/>
+            <a:gdLst>
+              <a:gd name="connsiteX0" fmla="*/ 2989385 w 2989385"/>
+              <a:gd name="connsiteY0" fmla="*/ 0 h 621324"/>
+              <a:gd name="connsiteX1" fmla="*/ 2836985 w 2989385"/>
+              <a:gd name="connsiteY1" fmla="*/ 0 h 621324"/>
+              <a:gd name="connsiteX2" fmla="*/ 2051539 w 2989385"/>
+              <a:gd name="connsiteY2" fmla="*/ 621324 h 621324"/>
+              <a:gd name="connsiteX3" fmla="*/ 140677 w 2989385"/>
+              <a:gd name="connsiteY3" fmla="*/ 562708 h 621324"/>
+              <a:gd name="connsiteX4" fmla="*/ 0 w 2989385"/>
+              <a:gd name="connsiteY4" fmla="*/ 386862 h 621324"/>
+              <a:gd name="connsiteX0" fmla="*/ 2989385 w 2989385"/>
+              <a:gd name="connsiteY0" fmla="*/ 0 h 562708"/>
+              <a:gd name="connsiteX1" fmla="*/ 2836985 w 2989385"/>
+              <a:gd name="connsiteY1" fmla="*/ 0 h 562708"/>
+              <a:gd name="connsiteX2" fmla="*/ 2063262 w 2989385"/>
+              <a:gd name="connsiteY2" fmla="*/ 562708 h 562708"/>
+              <a:gd name="connsiteX3" fmla="*/ 140677 w 2989385"/>
+              <a:gd name="connsiteY3" fmla="*/ 562708 h 562708"/>
+              <a:gd name="connsiteX4" fmla="*/ 0 w 2989385"/>
+              <a:gd name="connsiteY4" fmla="*/ 386862 h 562708"/>
+            </a:gdLst>
+            <a:ahLst/>
+            <a:cxnLst>
+              <a:cxn ang="0">
+                <a:pos x="connsiteX0" y="connsiteY0"/>
+              </a:cxn>
+              <a:cxn ang="0">
+                <a:pos x="connsiteX1" y="connsiteY1"/>
+              </a:cxn>
+              <a:cxn ang="0">
+                <a:pos x="connsiteX2" y="connsiteY2"/>
+              </a:cxn>
+              <a:cxn ang="0">
+                <a:pos x="connsiteX3" y="connsiteY3"/>
+              </a:cxn>
+              <a:cxn ang="0">
+                <a:pos x="connsiteX4" y="connsiteY4"/>
+              </a:cxn>
+            </a:cxnLst>
+            <a:rect l="l" t="t" r="r" b="b"/>
+            <a:pathLst>
+              <a:path w="2989385" h="562708">
+                <a:moveTo>
+                  <a:pt x="2989385" y="0"/>
+                </a:moveTo>
+                <a:lnTo>
+                  <a:pt x="2836985" y="0"/>
+                </a:lnTo>
+                <a:lnTo>
+                  <a:pt x="2063262" y="562708"/>
+                </a:lnTo>
+                <a:lnTo>
+                  <a:pt x="140677" y="562708"/>
+                </a:lnTo>
+                <a:lnTo>
+                  <a:pt x="0" y="386862"/>
+                </a:lnTo>
+              </a:path>
+            </a:pathLst>
+          </a:custGeom>
+          <a:noFill/>
+          <a:ln w="19050">
+            <a:solidFill>
+              <a:schemeClr val="tx1"/>
+            </a:solidFill>
+            <a:headEnd type="none" w="med" len="med"/>
+            <a:tailEnd type="arrow" w="med" len="med"/>
+          </a:ln>
+        </p:spPr>
+        <p:style>
+          <a:lnRef idx="2">
+            <a:schemeClr val="accent1">
+              <a:shade val="50000"/>
+            </a:schemeClr>
+          </a:lnRef>
+          <a:fillRef idx="1">
+            <a:schemeClr val="accent1"/>
+          </a:fillRef>
+          <a:effectRef idx="0">
+            <a:schemeClr val="accent1"/>
+          </a:effectRef>
+          <a:fontRef idx="minor">
+            <a:schemeClr val="lt1"/>
+          </a:fontRef>
+        </p:style>
+        <p:txBody>
+          <a:bodyPr rtlCol="0" anchor="ctr"/>
+          <a:lstStyle/>
+          <a:p>
+            <a:pPr algn="ctr"/>
+            <a:endParaRPr kumimoji="1" lang="ja-JP" altLang="en-US"/>
+          </a:p>
+        </p:txBody>
+      </p:sp>
     </p:spTree>
     <p:extLst>
       <p:ext uri="{BB962C8B-B14F-4D97-AF65-F5344CB8AC3E}">
@@ -26654,6 +27053,120 @@
           <a:chExt cx="0" cy="0"/>
         </a:xfrm>
       </p:grpSpPr>
+      <p:sp>
+        <p:nvSpPr>
+          <p:cNvPr id="82" name="フリーフォーム: 図形 81">
+            <a:extLst>
+              <a:ext uri="{FF2B5EF4-FFF2-40B4-BE49-F238E27FC236}">
+                <a16:creationId xmlns:a16="http://schemas.microsoft.com/office/drawing/2014/main" id="{A05B08A6-8D36-4806-BF74-FE5742AABF2F}"/>
+              </a:ext>
+            </a:extLst>
+          </p:cNvPr>
+          <p:cNvSpPr/>
+          <p:nvPr/>
+        </p:nvSpPr>
+        <p:spPr>
+          <a:xfrm>
+            <a:off x="2649415" y="4794738"/>
+            <a:ext cx="2989385" cy="562708"/>
+          </a:xfrm>
+          <a:custGeom>
+            <a:avLst/>
+            <a:gdLst>
+              <a:gd name="connsiteX0" fmla="*/ 2989385 w 2989385"/>
+              <a:gd name="connsiteY0" fmla="*/ 0 h 621324"/>
+              <a:gd name="connsiteX1" fmla="*/ 2836985 w 2989385"/>
+              <a:gd name="connsiteY1" fmla="*/ 0 h 621324"/>
+              <a:gd name="connsiteX2" fmla="*/ 2051539 w 2989385"/>
+              <a:gd name="connsiteY2" fmla="*/ 621324 h 621324"/>
+              <a:gd name="connsiteX3" fmla="*/ 140677 w 2989385"/>
+              <a:gd name="connsiteY3" fmla="*/ 562708 h 621324"/>
+              <a:gd name="connsiteX4" fmla="*/ 0 w 2989385"/>
+              <a:gd name="connsiteY4" fmla="*/ 386862 h 621324"/>
+              <a:gd name="connsiteX0" fmla="*/ 2989385 w 2989385"/>
+              <a:gd name="connsiteY0" fmla="*/ 0 h 562708"/>
+              <a:gd name="connsiteX1" fmla="*/ 2836985 w 2989385"/>
+              <a:gd name="connsiteY1" fmla="*/ 0 h 562708"/>
+              <a:gd name="connsiteX2" fmla="*/ 2063262 w 2989385"/>
+              <a:gd name="connsiteY2" fmla="*/ 562708 h 562708"/>
+              <a:gd name="connsiteX3" fmla="*/ 140677 w 2989385"/>
+              <a:gd name="connsiteY3" fmla="*/ 562708 h 562708"/>
+              <a:gd name="connsiteX4" fmla="*/ 0 w 2989385"/>
+              <a:gd name="connsiteY4" fmla="*/ 386862 h 562708"/>
+            </a:gdLst>
+            <a:ahLst/>
+            <a:cxnLst>
+              <a:cxn ang="0">
+                <a:pos x="connsiteX0" y="connsiteY0"/>
+              </a:cxn>
+              <a:cxn ang="0">
+                <a:pos x="connsiteX1" y="connsiteY1"/>
+              </a:cxn>
+              <a:cxn ang="0">
+                <a:pos x="connsiteX2" y="connsiteY2"/>
+              </a:cxn>
+              <a:cxn ang="0">
+                <a:pos x="connsiteX3" y="connsiteY3"/>
+              </a:cxn>
+              <a:cxn ang="0">
+                <a:pos x="connsiteX4" y="connsiteY4"/>
+              </a:cxn>
+            </a:cxnLst>
+            <a:rect l="l" t="t" r="r" b="b"/>
+            <a:pathLst>
+              <a:path w="2989385" h="562708">
+                <a:moveTo>
+                  <a:pt x="2989385" y="0"/>
+                </a:moveTo>
+                <a:lnTo>
+                  <a:pt x="2836985" y="0"/>
+                </a:lnTo>
+                <a:lnTo>
+                  <a:pt x="2063262" y="562708"/>
+                </a:lnTo>
+                <a:lnTo>
+                  <a:pt x="140677" y="562708"/>
+                </a:lnTo>
+                <a:lnTo>
+                  <a:pt x="0" y="386862"/>
+                </a:lnTo>
+              </a:path>
+            </a:pathLst>
+          </a:custGeom>
+          <a:noFill/>
+          <a:ln w="19050">
+            <a:solidFill>
+              <a:schemeClr val="tx1"/>
+            </a:solidFill>
+            <a:headEnd type="none" w="med" len="med"/>
+            <a:tailEnd type="arrow" w="med" len="med"/>
+          </a:ln>
+        </p:spPr>
+        <p:style>
+          <a:lnRef idx="2">
+            <a:schemeClr val="accent1">
+              <a:shade val="50000"/>
+            </a:schemeClr>
+          </a:lnRef>
+          <a:fillRef idx="1">
+            <a:schemeClr val="accent1"/>
+          </a:fillRef>
+          <a:effectRef idx="0">
+            <a:schemeClr val="accent1"/>
+          </a:effectRef>
+          <a:fontRef idx="minor">
+            <a:schemeClr val="lt1"/>
+          </a:fontRef>
+        </p:style>
+        <p:txBody>
+          <a:bodyPr rtlCol="0" anchor="ctr"/>
+          <a:lstStyle/>
+          <a:p>
+            <a:pPr algn="ctr"/>
+            <a:endParaRPr kumimoji="1" lang="ja-JP" altLang="en-US"/>
+          </a:p>
+        </p:txBody>
+      </p:sp>
       <p:sp>
         <p:nvSpPr>
           <p:cNvPr id="16" name="フリーフォーム: 図形 15">
@@ -27756,8 +28269,8 @@
         </p:nvSpPr>
         <p:spPr>
           <a:xfrm>
-            <a:off x="6243572" y="4872029"/>
-            <a:ext cx="677075" cy="1216800"/>
+            <a:off x="6243572" y="4968627"/>
+            <a:ext cx="677075" cy="1120202"/>
           </a:xfrm>
           <a:custGeom>
             <a:avLst/>
@@ -30223,6 +30736,49 @@
           </a:p>
         </p:txBody>
       </p:sp>
+      <p:cxnSp>
+        <p:nvCxnSpPr>
+          <p:cNvPr id="69" name="直線コネクタ 68">
+            <a:extLst>
+              <a:ext uri="{FF2B5EF4-FFF2-40B4-BE49-F238E27FC236}">
+                <a16:creationId xmlns:a16="http://schemas.microsoft.com/office/drawing/2014/main" id="{71CA67FB-2607-4B75-B6BF-EC7874B21C1C}"/>
+              </a:ext>
+            </a:extLst>
+          </p:cNvPr>
+          <p:cNvCxnSpPr/>
+          <p:nvPr/>
+        </p:nvCxnSpPr>
+        <p:spPr>
+          <a:xfrm flipH="1">
+            <a:off x="5635766" y="4817467"/>
+            <a:ext cx="1298599" cy="0"/>
+          </a:xfrm>
+          <a:prstGeom prst="line">
+            <a:avLst/>
+          </a:prstGeom>
+          <a:ln w="19050">
+            <a:solidFill>
+              <a:schemeClr val="tx1"/>
+            </a:solidFill>
+            <a:headEnd type="none" w="med" len="med"/>
+            <a:tailEnd type="arrow" w="med" len="med"/>
+          </a:ln>
+        </p:spPr>
+        <p:style>
+          <a:lnRef idx="1">
+            <a:schemeClr val="accent1"/>
+          </a:lnRef>
+          <a:fillRef idx="0">
+            <a:schemeClr val="accent1"/>
+          </a:fillRef>
+          <a:effectRef idx="0">
+            <a:schemeClr val="accent1"/>
+          </a:effectRef>
+          <a:fontRef idx="minor">
+            <a:schemeClr val="tx1"/>
+          </a:fontRef>
+        </p:style>
+      </p:cxnSp>
     </p:spTree>
     <p:extLst>
       <p:ext uri="{BB962C8B-B14F-4D97-AF65-F5344CB8AC3E}">
@@ -39284,59 +39840,12 @@
           <a:chExt cx="0" cy="0"/>
         </a:xfrm>
       </p:grpSpPr>
-      <p:pic>
-        <p:nvPicPr>
-          <p:cNvPr id="1028" name="Picture 4">
-            <a:extLst>
-              <a:ext uri="{FF2B5EF4-FFF2-40B4-BE49-F238E27FC236}">
-                <a16:creationId xmlns:a16="http://schemas.microsoft.com/office/drawing/2014/main" id="{0EE824A7-FC37-44FB-8D15-3851E6975172}"/>
-              </a:ext>
-            </a:extLst>
-          </p:cNvPr>
-          <p:cNvPicPr>
-            <a:picLocks noChangeAspect="1" noChangeArrowheads="1"/>
-          </p:cNvPicPr>
-          <p:nvPr/>
-        </p:nvPicPr>
-        <p:blipFill>
-          <a:blip r:embed="rId2">
-            <a:extLst>
-              <a:ext uri="{28A0092B-C50C-407E-A947-70E740481C1C}">
-                <a14:useLocalDpi xmlns:a14="http://schemas.microsoft.com/office/drawing/2010/main" val="0"/>
-              </a:ext>
-            </a:extLst>
-          </a:blip>
-          <a:srcRect/>
-          <a:stretch>
-            <a:fillRect/>
-          </a:stretch>
-        </p:blipFill>
-        <p:spPr bwMode="auto">
-          <a:xfrm>
-            <a:off x="264631" y="2112261"/>
-            <a:ext cx="11662737" cy="6560290"/>
-          </a:xfrm>
-          <a:prstGeom prst="rect">
-            <a:avLst/>
-          </a:prstGeom>
-          <a:noFill/>
-          <a:extLst>
-            <a:ext uri="{909E8E84-426E-40DD-AFC4-6F175D3DCCD1}">
-              <a14:hiddenFill xmlns:a14="http://schemas.microsoft.com/office/drawing/2010/main">
-                <a:solidFill>
-                  <a:srgbClr val="FFFFFF"/>
-                </a:solidFill>
-              </a14:hiddenFill>
-            </a:ext>
-          </a:extLst>
-        </p:spPr>
-      </p:pic>
       <p:sp>
         <p:nvSpPr>
           <p:cNvPr id="2" name="タイトル 1">
             <a:extLst>
               <a:ext uri="{FF2B5EF4-FFF2-40B4-BE49-F238E27FC236}">
-                <a16:creationId xmlns:a16="http://schemas.microsoft.com/office/drawing/2014/main" id="{DACDCBA6-846F-44F3-A367-BC5E75F58CAB}"/>
+                <a16:creationId xmlns:a16="http://schemas.microsoft.com/office/drawing/2014/main" id="{D1C60290-3E8C-49F3-9E30-B38ABB7193A5}"/>
               </a:ext>
             </a:extLst>
           </p:cNvPr>
@@ -39347,24 +39856,1276 @@
             <p:ph type="title"/>
           </p:nvPr>
         </p:nvSpPr>
-        <p:spPr/>
-        <p:txBody>
-          <a:bodyPr/>
-          <a:lstStyle/>
-          <a:p>
-            <a:r>
-              <a:rPr kumimoji="1" lang="ja-JP" altLang="en-US" dirty="0"/>
-              <a:t>楕円曲線上のスカラー乗算</a:t>
-            </a:r>
-          </a:p>
-        </p:txBody>
-      </p:sp>
-      <p:sp>
-        <p:nvSpPr>
-          <p:cNvPr id="4" name="テキスト ボックス 3">
-            <a:extLst>
-              <a:ext uri="{FF2B5EF4-FFF2-40B4-BE49-F238E27FC236}">
-                <a16:creationId xmlns:a16="http://schemas.microsoft.com/office/drawing/2014/main" id="{FACD1FE6-310A-4D14-BF2D-5306A331D766}"/>
+        <p:spPr>
+          <a:xfrm>
+            <a:off x="3418018" y="6008237"/>
+            <a:ext cx="7302539" cy="369332"/>
+          </a:xfrm>
+        </p:spPr>
+        <p:txBody>
+          <a:bodyPr>
+            <a:noAutofit/>
+          </a:bodyPr>
+          <a:lstStyle/>
+          <a:p>
+            <a:r>
+              <a:rPr kumimoji="1" lang="ja-JP" altLang="en-US" sz="3200" dirty="0"/>
+              <a:t>楕円曲線上の演算を定義する</a:t>
+            </a:r>
+          </a:p>
+        </p:txBody>
+      </p:sp>
+      <p:grpSp>
+        <p:nvGrpSpPr>
+          <p:cNvPr id="47" name="グループ化 46">
+            <a:extLst>
+              <a:ext uri="{FF2B5EF4-FFF2-40B4-BE49-F238E27FC236}">
+                <a16:creationId xmlns:a16="http://schemas.microsoft.com/office/drawing/2014/main" id="{A31B94CC-C9E5-4AFE-BED6-48A849D6E175}"/>
+              </a:ext>
+            </a:extLst>
+          </p:cNvPr>
+          <p:cNvGrpSpPr/>
+          <p:nvPr/>
+        </p:nvGrpSpPr>
+        <p:grpSpPr>
+          <a:xfrm>
+            <a:off x="615030" y="1139703"/>
+            <a:ext cx="3749274" cy="3863226"/>
+            <a:chOff x="2361768" y="1869359"/>
+            <a:chExt cx="3749274" cy="3863226"/>
+          </a:xfrm>
+        </p:grpSpPr>
+        <p:grpSp>
+          <p:nvGrpSpPr>
+            <p:cNvPr id="17" name="グループ化 16">
+              <a:extLst>
+                <a:ext uri="{FF2B5EF4-FFF2-40B4-BE49-F238E27FC236}">
+                  <a16:creationId xmlns:a16="http://schemas.microsoft.com/office/drawing/2014/main" id="{13004543-A73E-4127-9958-BA9AE33ED38A}"/>
+                </a:ext>
+              </a:extLst>
+            </p:cNvPr>
+            <p:cNvGrpSpPr/>
+            <p:nvPr/>
+          </p:nvGrpSpPr>
+          <p:grpSpPr>
+            <a:xfrm>
+              <a:off x="2361768" y="1869359"/>
+              <a:ext cx="3241864" cy="3863226"/>
+              <a:chOff x="3803705" y="2004292"/>
+              <a:chExt cx="4584589" cy="5463308"/>
+            </a:xfrm>
+          </p:grpSpPr>
+          <p:grpSp>
+            <p:nvGrpSpPr>
+              <p:cNvPr id="11" name="グループ化 10">
+                <a:extLst>
+                  <a:ext uri="{FF2B5EF4-FFF2-40B4-BE49-F238E27FC236}">
+                    <a16:creationId xmlns:a16="http://schemas.microsoft.com/office/drawing/2014/main" id="{778A642B-E8DF-4DAE-9905-54CABEEBC93B}"/>
+                  </a:ext>
+                </a:extLst>
+              </p:cNvPr>
+              <p:cNvGrpSpPr/>
+              <p:nvPr/>
+            </p:nvGrpSpPr>
+            <p:grpSpPr>
+              <a:xfrm>
+                <a:off x="3803705" y="2051184"/>
+                <a:ext cx="4584589" cy="5369877"/>
+                <a:chOff x="3803705" y="2051184"/>
+                <a:chExt cx="4584589" cy="5369877"/>
+              </a:xfrm>
+            </p:grpSpPr>
+            <p:pic>
+              <p:nvPicPr>
+                <p:cNvPr id="9" name="図 8">
+                  <a:extLst>
+                    <a:ext uri="{FF2B5EF4-FFF2-40B4-BE49-F238E27FC236}">
+                      <a16:creationId xmlns:a16="http://schemas.microsoft.com/office/drawing/2014/main" id="{6C7DF59A-F744-439C-9E15-A2B9C85BF0C5}"/>
+                    </a:ext>
+                  </a:extLst>
+                </p:cNvPr>
+                <p:cNvPicPr>
+                  <a:picLocks noChangeAspect="1"/>
+                </p:cNvPicPr>
+                <p:nvPr/>
+              </p:nvPicPr>
+              <p:blipFill>
+                <a:blip r:embed="rId2"/>
+                <a:stretch>
+                  <a:fillRect/>
+                </a:stretch>
+              </p:blipFill>
+              <p:spPr>
+                <a:xfrm>
+                  <a:off x="3803705" y="2051184"/>
+                  <a:ext cx="4584589" cy="2755631"/>
+                </a:xfrm>
+                <a:prstGeom prst="rect">
+                  <a:avLst/>
+                </a:prstGeom>
+              </p:spPr>
+            </p:pic>
+            <p:pic>
+              <p:nvPicPr>
+                <p:cNvPr id="10" name="図 9">
+                  <a:extLst>
+                    <a:ext uri="{FF2B5EF4-FFF2-40B4-BE49-F238E27FC236}">
+                      <a16:creationId xmlns:a16="http://schemas.microsoft.com/office/drawing/2014/main" id="{D96A8D34-0E15-4B7A-95AA-F129921F957A}"/>
+                    </a:ext>
+                  </a:extLst>
+                </p:cNvPr>
+                <p:cNvPicPr>
+                  <a:picLocks noChangeAspect="1"/>
+                </p:cNvPicPr>
+                <p:nvPr/>
+              </p:nvPicPr>
+              <p:blipFill>
+                <a:blip r:embed="rId2"/>
+                <a:stretch>
+                  <a:fillRect/>
+                </a:stretch>
+              </p:blipFill>
+              <p:spPr>
+                <a:xfrm flipV="1">
+                  <a:off x="3803705" y="4665430"/>
+                  <a:ext cx="4584589" cy="2755631"/>
+                </a:xfrm>
+                <a:prstGeom prst="rect">
+                  <a:avLst/>
+                </a:prstGeom>
+              </p:spPr>
+            </p:pic>
+          </p:grpSp>
+          <p:cxnSp>
+            <p:nvCxnSpPr>
+              <p:cNvPr id="13" name="直線コネクタ 12">
+                <a:extLst>
+                  <a:ext uri="{FF2B5EF4-FFF2-40B4-BE49-F238E27FC236}">
+                    <a16:creationId xmlns:a16="http://schemas.microsoft.com/office/drawing/2014/main" id="{1E6B9827-00D5-4756-AB60-497F0C7FF3DD}"/>
+                  </a:ext>
+                </a:extLst>
+              </p:cNvPr>
+              <p:cNvCxnSpPr/>
+              <p:nvPr/>
+            </p:nvCxnSpPr>
+            <p:spPr>
+              <a:xfrm>
+                <a:off x="3803705" y="4712322"/>
+                <a:ext cx="4584589" cy="0"/>
+              </a:xfrm>
+              <a:prstGeom prst="line">
+                <a:avLst/>
+              </a:prstGeom>
+              <a:ln>
+                <a:solidFill>
+                  <a:schemeClr val="tx1"/>
+                </a:solidFill>
+              </a:ln>
+            </p:spPr>
+            <p:style>
+              <a:lnRef idx="1">
+                <a:schemeClr val="accent1"/>
+              </a:lnRef>
+              <a:fillRef idx="0">
+                <a:schemeClr val="accent1"/>
+              </a:fillRef>
+              <a:effectRef idx="0">
+                <a:schemeClr val="accent1"/>
+              </a:effectRef>
+              <a:fontRef idx="minor">
+                <a:schemeClr val="tx1"/>
+              </a:fontRef>
+            </p:style>
+          </p:cxnSp>
+          <p:cxnSp>
+            <p:nvCxnSpPr>
+              <p:cNvPr id="14" name="直線コネクタ 13">
+                <a:extLst>
+                  <a:ext uri="{FF2B5EF4-FFF2-40B4-BE49-F238E27FC236}">
+                    <a16:creationId xmlns:a16="http://schemas.microsoft.com/office/drawing/2014/main" id="{1847B223-C2D7-4D07-9A6D-3D57D07DC70B}"/>
+                  </a:ext>
+                </a:extLst>
+              </p:cNvPr>
+              <p:cNvCxnSpPr>
+                <a:cxnSpLocks/>
+              </p:cNvCxnSpPr>
+              <p:nvPr/>
+            </p:nvCxnSpPr>
+            <p:spPr>
+              <a:xfrm flipV="1">
+                <a:off x="5322277" y="2004292"/>
+                <a:ext cx="0" cy="5463308"/>
+              </a:xfrm>
+              <a:prstGeom prst="line">
+                <a:avLst/>
+              </a:prstGeom>
+              <a:ln>
+                <a:solidFill>
+                  <a:schemeClr val="tx1"/>
+                </a:solidFill>
+              </a:ln>
+            </p:spPr>
+            <p:style>
+              <a:lnRef idx="1">
+                <a:schemeClr val="accent1"/>
+              </a:lnRef>
+              <a:fillRef idx="0">
+                <a:schemeClr val="accent1"/>
+              </a:fillRef>
+              <a:effectRef idx="0">
+                <a:schemeClr val="accent1"/>
+              </a:effectRef>
+              <a:fontRef idx="minor">
+                <a:schemeClr val="tx1"/>
+              </a:fontRef>
+            </p:style>
+          </p:cxnSp>
+        </p:grpSp>
+        <p:cxnSp>
+          <p:nvCxnSpPr>
+            <p:cNvPr id="19" name="直線コネクタ 18">
+              <a:extLst>
+                <a:ext uri="{FF2B5EF4-FFF2-40B4-BE49-F238E27FC236}">
+                  <a16:creationId xmlns:a16="http://schemas.microsoft.com/office/drawing/2014/main" id="{06B04D71-E9B3-4396-98F2-09D305752FA9}"/>
+                </a:ext>
+              </a:extLst>
+            </p:cNvPr>
+            <p:cNvCxnSpPr>
+              <a:cxnSpLocks/>
+            </p:cNvCxnSpPr>
+            <p:nvPr/>
+          </p:nvCxnSpPr>
+          <p:spPr>
+            <a:xfrm flipV="1">
+              <a:off x="2684585" y="2426677"/>
+              <a:ext cx="2332892" cy="1257615"/>
+            </a:xfrm>
+            <a:prstGeom prst="line">
+              <a:avLst/>
+            </a:prstGeom>
+            <a:ln w="6350">
+              <a:solidFill>
+                <a:schemeClr val="tx1"/>
+              </a:solidFill>
+              <a:headEnd type="none" w="med" len="med"/>
+              <a:tailEnd type="none" w="med" len="med"/>
+            </a:ln>
+          </p:spPr>
+          <p:style>
+            <a:lnRef idx="1">
+              <a:schemeClr val="accent1"/>
+            </a:lnRef>
+            <a:fillRef idx="0">
+              <a:schemeClr val="accent1"/>
+            </a:fillRef>
+            <a:effectRef idx="0">
+              <a:schemeClr val="accent1"/>
+            </a:effectRef>
+            <a:fontRef idx="minor">
+              <a:schemeClr val="tx1"/>
+            </a:fontRef>
+          </p:style>
+        </p:cxnSp>
+        <p:cxnSp>
+          <p:nvCxnSpPr>
+            <p:cNvPr id="25" name="直線コネクタ 24">
+              <a:extLst>
+                <a:ext uri="{FF2B5EF4-FFF2-40B4-BE49-F238E27FC236}">
+                  <a16:creationId xmlns:a16="http://schemas.microsoft.com/office/drawing/2014/main" id="{EDDD19C0-297E-4B17-AF23-87F5211C2288}"/>
+                </a:ext>
+              </a:extLst>
+            </p:cNvPr>
+            <p:cNvCxnSpPr/>
+            <p:nvPr/>
+          </p:nvCxnSpPr>
+          <p:spPr>
+            <a:xfrm>
+              <a:off x="5017477" y="2403231"/>
+              <a:ext cx="0" cy="2733955"/>
+            </a:xfrm>
+            <a:prstGeom prst="line">
+              <a:avLst/>
+            </a:prstGeom>
+            <a:ln>
+              <a:solidFill>
+                <a:schemeClr val="tx1"/>
+              </a:solidFill>
+              <a:headEnd type="none" w="med" len="med"/>
+              <a:tailEnd type="arrow" w="med" len="med"/>
+            </a:ln>
+          </p:spPr>
+          <p:style>
+            <a:lnRef idx="1">
+              <a:schemeClr val="accent1"/>
+            </a:lnRef>
+            <a:fillRef idx="0">
+              <a:schemeClr val="accent1"/>
+            </a:fillRef>
+            <a:effectRef idx="0">
+              <a:schemeClr val="accent1"/>
+            </a:effectRef>
+            <a:fontRef idx="minor">
+              <a:schemeClr val="tx1"/>
+            </a:fontRef>
+          </p:style>
+        </p:cxnSp>
+        <p:sp>
+          <p:nvSpPr>
+            <p:cNvPr id="26" name="楕円 25">
+              <a:extLst>
+                <a:ext uri="{FF2B5EF4-FFF2-40B4-BE49-F238E27FC236}">
+                  <a16:creationId xmlns:a16="http://schemas.microsoft.com/office/drawing/2014/main" id="{D1C0AAD4-B222-4437-84CB-56C5D7977422}"/>
+                </a:ext>
+              </a:extLst>
+            </p:cNvPr>
+            <p:cNvSpPr/>
+            <p:nvPr/>
+          </p:nvSpPr>
+          <p:spPr>
+            <a:xfrm flipV="1">
+              <a:off x="4947124" y="5121941"/>
+              <a:ext cx="117231" cy="117231"/>
+            </a:xfrm>
+            <a:prstGeom prst="ellipse">
+              <a:avLst/>
+            </a:prstGeom>
+            <a:solidFill>
+              <a:schemeClr val="tx1"/>
+            </a:solidFill>
+            <a:ln>
+              <a:noFill/>
+            </a:ln>
+          </p:spPr>
+          <p:style>
+            <a:lnRef idx="2">
+              <a:schemeClr val="accent1">
+                <a:shade val="50000"/>
+              </a:schemeClr>
+            </a:lnRef>
+            <a:fillRef idx="1">
+              <a:schemeClr val="accent1"/>
+            </a:fillRef>
+            <a:effectRef idx="0">
+              <a:schemeClr val="accent1"/>
+            </a:effectRef>
+            <a:fontRef idx="minor">
+              <a:schemeClr val="lt1"/>
+            </a:fontRef>
+          </p:style>
+          <p:txBody>
+            <a:bodyPr rtlCol="0" anchor="ctr"/>
+            <a:lstStyle/>
+            <a:p>
+              <a:pPr algn="ctr"/>
+              <a:endParaRPr kumimoji="1" lang="ja-JP" altLang="en-US"/>
+            </a:p>
+          </p:txBody>
+        </p:sp>
+        <p:sp>
+          <p:nvSpPr>
+            <p:cNvPr id="27" name="楕円 26">
+              <a:extLst>
+                <a:ext uri="{FF2B5EF4-FFF2-40B4-BE49-F238E27FC236}">
+                  <a16:creationId xmlns:a16="http://schemas.microsoft.com/office/drawing/2014/main" id="{EE35DC60-2863-4A69-A950-920D9264C9D7}"/>
+                </a:ext>
+              </a:extLst>
+            </p:cNvPr>
+            <p:cNvSpPr/>
+            <p:nvPr/>
+          </p:nvSpPr>
+          <p:spPr>
+            <a:xfrm flipV="1">
+              <a:off x="2672856" y="3621704"/>
+              <a:ext cx="117231" cy="117231"/>
+            </a:xfrm>
+            <a:prstGeom prst="ellipse">
+              <a:avLst/>
+            </a:prstGeom>
+            <a:solidFill>
+              <a:schemeClr val="tx1"/>
+            </a:solidFill>
+            <a:ln>
+              <a:noFill/>
+            </a:ln>
+          </p:spPr>
+          <p:style>
+            <a:lnRef idx="2">
+              <a:schemeClr val="accent1">
+                <a:shade val="50000"/>
+              </a:schemeClr>
+            </a:lnRef>
+            <a:fillRef idx="1">
+              <a:schemeClr val="accent1"/>
+            </a:fillRef>
+            <a:effectRef idx="0">
+              <a:schemeClr val="accent1"/>
+            </a:effectRef>
+            <a:fontRef idx="minor">
+              <a:schemeClr val="lt1"/>
+            </a:fontRef>
+          </p:style>
+          <p:txBody>
+            <a:bodyPr rtlCol="0" anchor="ctr"/>
+            <a:lstStyle/>
+            <a:p>
+              <a:pPr algn="ctr"/>
+              <a:endParaRPr kumimoji="1" lang="ja-JP" altLang="en-US"/>
+            </a:p>
+          </p:txBody>
+        </p:sp>
+        <p:sp>
+          <p:nvSpPr>
+            <p:cNvPr id="28" name="楕円 27">
+              <a:extLst>
+                <a:ext uri="{FF2B5EF4-FFF2-40B4-BE49-F238E27FC236}">
+                  <a16:creationId xmlns:a16="http://schemas.microsoft.com/office/drawing/2014/main" id="{39888D41-A70B-45C1-9C21-D2E840614707}"/>
+                </a:ext>
+              </a:extLst>
+            </p:cNvPr>
+            <p:cNvSpPr/>
+            <p:nvPr/>
+          </p:nvSpPr>
+          <p:spPr>
+            <a:xfrm flipV="1">
+              <a:off x="3540359" y="3152785"/>
+              <a:ext cx="117231" cy="117231"/>
+            </a:xfrm>
+            <a:prstGeom prst="ellipse">
+              <a:avLst/>
+            </a:prstGeom>
+            <a:solidFill>
+              <a:schemeClr val="tx1"/>
+            </a:solidFill>
+            <a:ln>
+              <a:noFill/>
+            </a:ln>
+          </p:spPr>
+          <p:style>
+            <a:lnRef idx="2">
+              <a:schemeClr val="accent1">
+                <a:shade val="50000"/>
+              </a:schemeClr>
+            </a:lnRef>
+            <a:fillRef idx="1">
+              <a:schemeClr val="accent1"/>
+            </a:fillRef>
+            <a:effectRef idx="0">
+              <a:schemeClr val="accent1"/>
+            </a:effectRef>
+            <a:fontRef idx="minor">
+              <a:schemeClr val="lt1"/>
+            </a:fontRef>
+          </p:style>
+          <p:txBody>
+            <a:bodyPr rtlCol="0" anchor="ctr"/>
+            <a:lstStyle/>
+            <a:p>
+              <a:pPr algn="ctr"/>
+              <a:endParaRPr kumimoji="1" lang="ja-JP" altLang="en-US"/>
+            </a:p>
+          </p:txBody>
+        </p:sp>
+        <p:sp>
+          <p:nvSpPr>
+            <p:cNvPr id="29" name="楕円 28">
+              <a:extLst>
+                <a:ext uri="{FF2B5EF4-FFF2-40B4-BE49-F238E27FC236}">
+                  <a16:creationId xmlns:a16="http://schemas.microsoft.com/office/drawing/2014/main" id="{B444005A-4F26-4A27-8E9B-B31B2D950DC7}"/>
+                </a:ext>
+              </a:extLst>
+            </p:cNvPr>
+            <p:cNvSpPr/>
+            <p:nvPr/>
+          </p:nvSpPr>
+          <p:spPr>
+            <a:xfrm flipV="1">
+              <a:off x="4958848" y="2355622"/>
+              <a:ext cx="117231" cy="117231"/>
+            </a:xfrm>
+            <a:prstGeom prst="ellipse">
+              <a:avLst/>
+            </a:prstGeom>
+            <a:solidFill>
+              <a:schemeClr val="tx1"/>
+            </a:solidFill>
+            <a:ln>
+              <a:noFill/>
+            </a:ln>
+          </p:spPr>
+          <p:style>
+            <a:lnRef idx="2">
+              <a:schemeClr val="accent1">
+                <a:shade val="50000"/>
+              </a:schemeClr>
+            </a:lnRef>
+            <a:fillRef idx="1">
+              <a:schemeClr val="accent1"/>
+            </a:fillRef>
+            <a:effectRef idx="0">
+              <a:schemeClr val="accent1"/>
+            </a:effectRef>
+            <a:fontRef idx="minor">
+              <a:schemeClr val="lt1"/>
+            </a:fontRef>
+          </p:style>
+          <p:txBody>
+            <a:bodyPr rtlCol="0" anchor="ctr"/>
+            <a:lstStyle/>
+            <a:p>
+              <a:pPr algn="ctr"/>
+              <a:endParaRPr kumimoji="1" lang="ja-JP" altLang="en-US"/>
+            </a:p>
+          </p:txBody>
+        </p:sp>
+        <p:sp>
+          <p:nvSpPr>
+            <p:cNvPr id="30" name="テキスト ボックス 29">
+              <a:extLst>
+                <a:ext uri="{FF2B5EF4-FFF2-40B4-BE49-F238E27FC236}">
+                  <a16:creationId xmlns:a16="http://schemas.microsoft.com/office/drawing/2014/main" id="{AEA5FDB5-F1B7-4B8C-9530-A66AF3AF6029}"/>
+                </a:ext>
+              </a:extLst>
+            </p:cNvPr>
+            <p:cNvSpPr txBox="1"/>
+            <p:nvPr/>
+          </p:nvSpPr>
+          <p:spPr>
+            <a:xfrm>
+              <a:off x="2411629" y="3369603"/>
+              <a:ext cx="312906" cy="369332"/>
+            </a:xfrm>
+            <a:prstGeom prst="rect">
+              <a:avLst/>
+            </a:prstGeom>
+            <a:noFill/>
+          </p:spPr>
+          <p:txBody>
+            <a:bodyPr wrap="none" rtlCol="0">
+              <a:spAutoFit/>
+            </a:bodyPr>
+            <a:lstStyle/>
+            <a:p>
+              <a:r>
+                <a:rPr kumimoji="1" lang="en-US" altLang="ja-JP" dirty="0"/>
+                <a:t>a</a:t>
+              </a:r>
+              <a:endParaRPr kumimoji="1" lang="ja-JP" altLang="en-US" dirty="0"/>
+            </a:p>
+          </p:txBody>
+        </p:sp>
+        <p:sp>
+          <p:nvSpPr>
+            <p:cNvPr id="31" name="テキスト ボックス 30">
+              <a:extLst>
+                <a:ext uri="{FF2B5EF4-FFF2-40B4-BE49-F238E27FC236}">
+                  <a16:creationId xmlns:a16="http://schemas.microsoft.com/office/drawing/2014/main" id="{6F35AE9B-15AC-444D-BC23-7840476FB544}"/>
+                </a:ext>
+              </a:extLst>
+            </p:cNvPr>
+            <p:cNvSpPr txBox="1"/>
+            <p:nvPr/>
+          </p:nvSpPr>
+          <p:spPr>
+            <a:xfrm>
+              <a:off x="3384639" y="2842069"/>
+              <a:ext cx="319318" cy="369332"/>
+            </a:xfrm>
+            <a:prstGeom prst="rect">
+              <a:avLst/>
+            </a:prstGeom>
+            <a:noFill/>
+          </p:spPr>
+          <p:txBody>
+            <a:bodyPr wrap="none" rtlCol="0">
+              <a:spAutoFit/>
+            </a:bodyPr>
+            <a:lstStyle/>
+            <a:p>
+              <a:r>
+                <a:rPr lang="en-US" altLang="ja-JP" dirty="0"/>
+                <a:t>b</a:t>
+              </a:r>
+              <a:endParaRPr kumimoji="1" lang="en-US" altLang="ja-JP" dirty="0"/>
+            </a:p>
+          </p:txBody>
+        </p:sp>
+        <p:sp>
+          <p:nvSpPr>
+            <p:cNvPr id="40" name="テキスト ボックス 39">
+              <a:extLst>
+                <a:ext uri="{FF2B5EF4-FFF2-40B4-BE49-F238E27FC236}">
+                  <a16:creationId xmlns:a16="http://schemas.microsoft.com/office/drawing/2014/main" id="{19BB3E9A-E46E-448A-BC5D-C25D912776C4}"/>
+                </a:ext>
+              </a:extLst>
+            </p:cNvPr>
+            <p:cNvSpPr txBox="1"/>
+            <p:nvPr/>
+          </p:nvSpPr>
+          <p:spPr>
+            <a:xfrm>
+              <a:off x="5076079" y="4988664"/>
+              <a:ext cx="1034963" cy="369332"/>
+            </a:xfrm>
+            <a:prstGeom prst="rect">
+              <a:avLst/>
+            </a:prstGeom>
+            <a:noFill/>
+          </p:spPr>
+          <p:txBody>
+            <a:bodyPr wrap="square" rtlCol="0">
+              <a:spAutoFit/>
+            </a:bodyPr>
+            <a:lstStyle/>
+            <a:p>
+              <a:r>
+                <a:rPr lang="en-US" altLang="ja-JP" dirty="0" err="1"/>
+                <a:t>a+b</a:t>
+              </a:r>
+              <a:endParaRPr kumimoji="1" lang="en-US" altLang="ja-JP" dirty="0"/>
+            </a:p>
+          </p:txBody>
+        </p:sp>
+        <p:cxnSp>
+          <p:nvCxnSpPr>
+            <p:cNvPr id="42" name="直線コネクタ 41">
+              <a:extLst>
+                <a:ext uri="{FF2B5EF4-FFF2-40B4-BE49-F238E27FC236}">
+                  <a16:creationId xmlns:a16="http://schemas.microsoft.com/office/drawing/2014/main" id="{627BF69B-E450-49B3-89FB-8EB612FE26CA}"/>
+                </a:ext>
+              </a:extLst>
+            </p:cNvPr>
+            <p:cNvCxnSpPr>
+              <a:cxnSpLocks/>
+            </p:cNvCxnSpPr>
+            <p:nvPr/>
+          </p:nvCxnSpPr>
+          <p:spPr>
+            <a:xfrm flipH="1" flipV="1">
+              <a:off x="3384639" y="2391508"/>
+              <a:ext cx="1591377" cy="29008"/>
+            </a:xfrm>
+            <a:prstGeom prst="line">
+              <a:avLst/>
+            </a:prstGeom>
+            <a:ln>
+              <a:solidFill>
+                <a:schemeClr val="tx1"/>
+              </a:solidFill>
+              <a:prstDash val="dash"/>
+            </a:ln>
+          </p:spPr>
+          <p:style>
+            <a:lnRef idx="1">
+              <a:schemeClr val="accent1"/>
+            </a:lnRef>
+            <a:fillRef idx="0">
+              <a:schemeClr val="accent1"/>
+            </a:fillRef>
+            <a:effectRef idx="0">
+              <a:schemeClr val="accent1"/>
+            </a:effectRef>
+            <a:fontRef idx="minor">
+              <a:schemeClr val="tx1"/>
+            </a:fontRef>
+          </p:style>
+        </p:cxnSp>
+        <p:cxnSp>
+          <p:nvCxnSpPr>
+            <p:cNvPr id="43" name="直線コネクタ 42">
+              <a:extLst>
+                <a:ext uri="{FF2B5EF4-FFF2-40B4-BE49-F238E27FC236}">
+                  <a16:creationId xmlns:a16="http://schemas.microsoft.com/office/drawing/2014/main" id="{709CD5FA-5FB5-492A-A9A7-3C8193268E07}"/>
+                </a:ext>
+              </a:extLst>
+            </p:cNvPr>
+            <p:cNvCxnSpPr>
+              <a:cxnSpLocks/>
+            </p:cNvCxnSpPr>
+            <p:nvPr/>
+          </p:nvCxnSpPr>
+          <p:spPr>
+            <a:xfrm flipH="1" flipV="1">
+              <a:off x="3443255" y="5158156"/>
+              <a:ext cx="1591377" cy="29008"/>
+            </a:xfrm>
+            <a:prstGeom prst="line">
+              <a:avLst/>
+            </a:prstGeom>
+            <a:ln>
+              <a:solidFill>
+                <a:schemeClr val="tx1"/>
+              </a:solidFill>
+              <a:prstDash val="dash"/>
+            </a:ln>
+          </p:spPr>
+          <p:style>
+            <a:lnRef idx="1">
+              <a:schemeClr val="accent1"/>
+            </a:lnRef>
+            <a:fillRef idx="0">
+              <a:schemeClr val="accent1"/>
+            </a:fillRef>
+            <a:effectRef idx="0">
+              <a:schemeClr val="accent1"/>
+            </a:effectRef>
+            <a:fontRef idx="minor">
+              <a:schemeClr val="tx1"/>
+            </a:fontRef>
+          </p:style>
+        </p:cxnSp>
+        <p:sp>
+          <p:nvSpPr>
+            <p:cNvPr id="44" name="テキスト ボックス 43">
+              <a:extLst>
+                <a:ext uri="{FF2B5EF4-FFF2-40B4-BE49-F238E27FC236}">
+                  <a16:creationId xmlns:a16="http://schemas.microsoft.com/office/drawing/2014/main" id="{13CCA113-4AFF-4C69-B435-9EE0215EFDD4}"/>
+                </a:ext>
+              </a:extLst>
+            </p:cNvPr>
+            <p:cNvSpPr txBox="1"/>
+            <p:nvPr/>
+          </p:nvSpPr>
+          <p:spPr>
+            <a:xfrm>
+              <a:off x="3071639" y="2194643"/>
+              <a:ext cx="425873" cy="369332"/>
+            </a:xfrm>
+            <a:prstGeom prst="rect">
+              <a:avLst/>
+            </a:prstGeom>
+            <a:noFill/>
+          </p:spPr>
+          <p:txBody>
+            <a:bodyPr wrap="square" rtlCol="0">
+              <a:spAutoFit/>
+            </a:bodyPr>
+            <a:lstStyle/>
+            <a:p>
+              <a:r>
+                <a:rPr lang="en-US" altLang="ja-JP" dirty="0"/>
+                <a:t>c</a:t>
+              </a:r>
+              <a:r>
+                <a:rPr lang="en-US" altLang="ja-JP" sz="1000" dirty="0"/>
+                <a:t>y</a:t>
+              </a:r>
+              <a:endParaRPr kumimoji="1" lang="en-US" altLang="ja-JP" sz="1000" dirty="0"/>
+            </a:p>
+          </p:txBody>
+        </p:sp>
+        <p:sp>
+          <p:nvSpPr>
+            <p:cNvPr id="45" name="テキスト ボックス 44">
+              <a:extLst>
+                <a:ext uri="{FF2B5EF4-FFF2-40B4-BE49-F238E27FC236}">
+                  <a16:creationId xmlns:a16="http://schemas.microsoft.com/office/drawing/2014/main" id="{A32D69F6-B6A3-423C-95D1-06C56FD751DF}"/>
+                </a:ext>
+              </a:extLst>
+            </p:cNvPr>
+            <p:cNvSpPr txBox="1"/>
+            <p:nvPr/>
+          </p:nvSpPr>
+          <p:spPr>
+            <a:xfrm>
+              <a:off x="3029630" y="4995890"/>
+              <a:ext cx="596832" cy="369332"/>
+            </a:xfrm>
+            <a:prstGeom prst="rect">
+              <a:avLst/>
+            </a:prstGeom>
+            <a:noFill/>
+          </p:spPr>
+          <p:txBody>
+            <a:bodyPr wrap="square" rtlCol="0">
+              <a:spAutoFit/>
+            </a:bodyPr>
+            <a:lstStyle/>
+            <a:p>
+              <a:r>
+                <a:rPr lang="en-US" altLang="ja-JP" dirty="0"/>
+                <a:t>-c</a:t>
+              </a:r>
+              <a:r>
+                <a:rPr lang="en-US" altLang="ja-JP" sz="1000" dirty="0"/>
+                <a:t>y</a:t>
+              </a:r>
+              <a:endParaRPr kumimoji="1" lang="en-US" altLang="ja-JP" sz="1000" dirty="0"/>
+            </a:p>
+          </p:txBody>
+        </p:sp>
+        <p:sp>
+          <p:nvSpPr>
+            <p:cNvPr id="46" name="テキスト ボックス 45">
+              <a:extLst>
+                <a:ext uri="{FF2B5EF4-FFF2-40B4-BE49-F238E27FC236}">
+                  <a16:creationId xmlns:a16="http://schemas.microsoft.com/office/drawing/2014/main" id="{9573CE43-B213-42F9-A9B0-E451CE254214}"/>
+                </a:ext>
+              </a:extLst>
+            </p:cNvPr>
+            <p:cNvSpPr txBox="1"/>
+            <p:nvPr/>
+          </p:nvSpPr>
+          <p:spPr>
+            <a:xfrm>
+              <a:off x="5080437" y="2223748"/>
+              <a:ext cx="303288" cy="369332"/>
+            </a:xfrm>
+            <a:prstGeom prst="rect">
+              <a:avLst/>
+            </a:prstGeom>
+            <a:noFill/>
+          </p:spPr>
+          <p:txBody>
+            <a:bodyPr wrap="none" rtlCol="0">
+              <a:spAutoFit/>
+            </a:bodyPr>
+            <a:lstStyle/>
+            <a:p>
+              <a:r>
+                <a:rPr lang="en-US" altLang="ja-JP" dirty="0"/>
+                <a:t>c</a:t>
+              </a:r>
+              <a:endParaRPr kumimoji="1" lang="ja-JP" altLang="en-US" dirty="0"/>
+            </a:p>
+          </p:txBody>
+        </p:sp>
+      </p:grpSp>
+      <p:grpSp>
+        <p:nvGrpSpPr>
+          <p:cNvPr id="49" name="グループ化 48">
+            <a:extLst>
+              <a:ext uri="{FF2B5EF4-FFF2-40B4-BE49-F238E27FC236}">
+                <a16:creationId xmlns:a16="http://schemas.microsoft.com/office/drawing/2014/main" id="{72A84FBB-9972-4E9A-BD22-4CAD59D6663D}"/>
+              </a:ext>
+            </a:extLst>
+          </p:cNvPr>
+          <p:cNvGrpSpPr/>
+          <p:nvPr/>
+        </p:nvGrpSpPr>
+        <p:grpSpPr>
+          <a:xfrm>
+            <a:off x="4689228" y="1172861"/>
+            <a:ext cx="3241864" cy="3863226"/>
+            <a:chOff x="3803705" y="2004292"/>
+            <a:chExt cx="4584589" cy="5463308"/>
+          </a:xfrm>
+        </p:grpSpPr>
+        <p:grpSp>
+          <p:nvGrpSpPr>
+            <p:cNvPr id="64" name="グループ化 63">
+              <a:extLst>
+                <a:ext uri="{FF2B5EF4-FFF2-40B4-BE49-F238E27FC236}">
+                  <a16:creationId xmlns:a16="http://schemas.microsoft.com/office/drawing/2014/main" id="{ABEDCBE8-CE6A-47EF-83A0-3BF0C9F9FE81}"/>
+                </a:ext>
+              </a:extLst>
+            </p:cNvPr>
+            <p:cNvGrpSpPr/>
+            <p:nvPr/>
+          </p:nvGrpSpPr>
+          <p:grpSpPr>
+            <a:xfrm>
+              <a:off x="3803705" y="2051184"/>
+              <a:ext cx="4584589" cy="5369877"/>
+              <a:chOff x="3803705" y="2051184"/>
+              <a:chExt cx="4584589" cy="5369877"/>
+            </a:xfrm>
+          </p:grpSpPr>
+          <p:pic>
+            <p:nvPicPr>
+              <p:cNvPr id="67" name="図 66">
+                <a:extLst>
+                  <a:ext uri="{FF2B5EF4-FFF2-40B4-BE49-F238E27FC236}">
+                    <a16:creationId xmlns:a16="http://schemas.microsoft.com/office/drawing/2014/main" id="{B2BF9E06-D0C0-4F15-93AB-D01614140FA3}"/>
+                  </a:ext>
+                </a:extLst>
+              </p:cNvPr>
+              <p:cNvPicPr>
+                <a:picLocks noChangeAspect="1"/>
+              </p:cNvPicPr>
+              <p:nvPr/>
+            </p:nvPicPr>
+            <p:blipFill>
+              <a:blip r:embed="rId2"/>
+              <a:stretch>
+                <a:fillRect/>
+              </a:stretch>
+            </p:blipFill>
+            <p:spPr>
+              <a:xfrm>
+                <a:off x="3803705" y="2051184"/>
+                <a:ext cx="4584589" cy="2755631"/>
+              </a:xfrm>
+              <a:prstGeom prst="rect">
+                <a:avLst/>
+              </a:prstGeom>
+            </p:spPr>
+          </p:pic>
+          <p:pic>
+            <p:nvPicPr>
+              <p:cNvPr id="68" name="図 67">
+                <a:extLst>
+                  <a:ext uri="{FF2B5EF4-FFF2-40B4-BE49-F238E27FC236}">
+                    <a16:creationId xmlns:a16="http://schemas.microsoft.com/office/drawing/2014/main" id="{B4AF5E5B-1231-44B8-9DCC-6BB77D86885F}"/>
+                  </a:ext>
+                </a:extLst>
+              </p:cNvPr>
+              <p:cNvPicPr>
+                <a:picLocks noChangeAspect="1"/>
+              </p:cNvPicPr>
+              <p:nvPr/>
+            </p:nvPicPr>
+            <p:blipFill>
+              <a:blip r:embed="rId2"/>
+              <a:stretch>
+                <a:fillRect/>
+              </a:stretch>
+            </p:blipFill>
+            <p:spPr>
+              <a:xfrm flipV="1">
+                <a:off x="3803705" y="4665430"/>
+                <a:ext cx="4584589" cy="2755631"/>
+              </a:xfrm>
+              <a:prstGeom prst="rect">
+                <a:avLst/>
+              </a:prstGeom>
+            </p:spPr>
+          </p:pic>
+        </p:grpSp>
+        <p:cxnSp>
+          <p:nvCxnSpPr>
+            <p:cNvPr id="65" name="直線コネクタ 64">
+              <a:extLst>
+                <a:ext uri="{FF2B5EF4-FFF2-40B4-BE49-F238E27FC236}">
+                  <a16:creationId xmlns:a16="http://schemas.microsoft.com/office/drawing/2014/main" id="{79C644ED-353D-45F8-B050-C50665AFDF04}"/>
+                </a:ext>
+              </a:extLst>
+            </p:cNvPr>
+            <p:cNvCxnSpPr/>
+            <p:nvPr/>
+          </p:nvCxnSpPr>
+          <p:spPr>
+            <a:xfrm>
+              <a:off x="3803705" y="4712322"/>
+              <a:ext cx="4584589" cy="0"/>
+            </a:xfrm>
+            <a:prstGeom prst="line">
+              <a:avLst/>
+            </a:prstGeom>
+            <a:ln>
+              <a:solidFill>
+                <a:schemeClr val="tx1"/>
+              </a:solidFill>
+            </a:ln>
+          </p:spPr>
+          <p:style>
+            <a:lnRef idx="1">
+              <a:schemeClr val="accent1"/>
+            </a:lnRef>
+            <a:fillRef idx="0">
+              <a:schemeClr val="accent1"/>
+            </a:fillRef>
+            <a:effectRef idx="0">
+              <a:schemeClr val="accent1"/>
+            </a:effectRef>
+            <a:fontRef idx="minor">
+              <a:schemeClr val="tx1"/>
+            </a:fontRef>
+          </p:style>
+        </p:cxnSp>
+        <p:cxnSp>
+          <p:nvCxnSpPr>
+            <p:cNvPr id="66" name="直線コネクタ 65">
+              <a:extLst>
+                <a:ext uri="{FF2B5EF4-FFF2-40B4-BE49-F238E27FC236}">
+                  <a16:creationId xmlns:a16="http://schemas.microsoft.com/office/drawing/2014/main" id="{C80A7C82-E969-471B-B1DB-F3EE152A3352}"/>
+                </a:ext>
+              </a:extLst>
+            </p:cNvPr>
+            <p:cNvCxnSpPr>
+              <a:cxnSpLocks/>
+            </p:cNvCxnSpPr>
+            <p:nvPr/>
+          </p:nvCxnSpPr>
+          <p:spPr>
+            <a:xfrm flipV="1">
+              <a:off x="5322277" y="2004292"/>
+              <a:ext cx="0" cy="5463308"/>
+            </a:xfrm>
+            <a:prstGeom prst="line">
+              <a:avLst/>
+            </a:prstGeom>
+            <a:ln>
+              <a:solidFill>
+                <a:schemeClr val="tx1"/>
+              </a:solidFill>
+            </a:ln>
+          </p:spPr>
+          <p:style>
+            <a:lnRef idx="1">
+              <a:schemeClr val="accent1"/>
+            </a:lnRef>
+            <a:fillRef idx="0">
+              <a:schemeClr val="accent1"/>
+            </a:fillRef>
+            <a:effectRef idx="0">
+              <a:schemeClr val="accent1"/>
+            </a:effectRef>
+            <a:fontRef idx="minor">
+              <a:schemeClr val="tx1"/>
+            </a:fontRef>
+          </p:style>
+        </p:cxnSp>
+      </p:grpSp>
+      <p:cxnSp>
+        <p:nvCxnSpPr>
+          <p:cNvPr id="50" name="直線コネクタ 49">
+            <a:extLst>
+              <a:ext uri="{FF2B5EF4-FFF2-40B4-BE49-F238E27FC236}">
+                <a16:creationId xmlns:a16="http://schemas.microsoft.com/office/drawing/2014/main" id="{54C92541-6DC8-4DB3-B62E-42D6B9BD81AA}"/>
+              </a:ext>
+            </a:extLst>
+          </p:cNvPr>
+          <p:cNvCxnSpPr>
+            <a:cxnSpLocks/>
+          </p:cNvCxnSpPr>
+          <p:nvPr/>
+        </p:nvCxnSpPr>
+        <p:spPr>
+          <a:xfrm flipV="1">
+            <a:off x="5357090" y="1730181"/>
+            <a:ext cx="1987847" cy="851279"/>
+          </a:xfrm>
+          <a:prstGeom prst="line">
+            <a:avLst/>
+          </a:prstGeom>
+          <a:ln w="6350">
+            <a:solidFill>
+              <a:schemeClr val="tx1"/>
+            </a:solidFill>
+            <a:headEnd type="none" w="med" len="med"/>
+            <a:tailEnd type="none" w="med" len="med"/>
+          </a:ln>
+        </p:spPr>
+        <p:style>
+          <a:lnRef idx="1">
+            <a:schemeClr val="accent1"/>
+          </a:lnRef>
+          <a:fillRef idx="0">
+            <a:schemeClr val="accent1"/>
+          </a:fillRef>
+          <a:effectRef idx="0">
+            <a:schemeClr val="accent1"/>
+          </a:effectRef>
+          <a:fontRef idx="minor">
+            <a:schemeClr val="tx1"/>
+          </a:fontRef>
+        </p:style>
+      </p:cxnSp>
+      <p:cxnSp>
+        <p:nvCxnSpPr>
+          <p:cNvPr id="51" name="直線コネクタ 50">
+            <a:extLst>
+              <a:ext uri="{FF2B5EF4-FFF2-40B4-BE49-F238E27FC236}">
+                <a16:creationId xmlns:a16="http://schemas.microsoft.com/office/drawing/2014/main" id="{644FAF5C-19D4-426C-80AF-CC3F5DAEDE14}"/>
+              </a:ext>
+            </a:extLst>
+          </p:cNvPr>
+          <p:cNvCxnSpPr/>
+          <p:nvPr/>
+        </p:nvCxnSpPr>
+        <p:spPr>
+          <a:xfrm>
+            <a:off x="7344937" y="1706733"/>
+            <a:ext cx="0" cy="2733955"/>
+          </a:xfrm>
+          <a:prstGeom prst="line">
+            <a:avLst/>
+          </a:prstGeom>
+          <a:ln>
+            <a:solidFill>
+              <a:schemeClr val="tx1"/>
+            </a:solidFill>
+            <a:headEnd type="none" w="med" len="med"/>
+            <a:tailEnd type="arrow" w="med" len="med"/>
+          </a:ln>
+        </p:spPr>
+        <p:style>
+          <a:lnRef idx="1">
+            <a:schemeClr val="accent1"/>
+          </a:lnRef>
+          <a:fillRef idx="0">
+            <a:schemeClr val="accent1"/>
+          </a:fillRef>
+          <a:effectRef idx="0">
+            <a:schemeClr val="accent1"/>
+          </a:effectRef>
+          <a:fontRef idx="minor">
+            <a:schemeClr val="tx1"/>
+          </a:fontRef>
+        </p:style>
+      </p:cxnSp>
+      <p:sp>
+        <p:nvSpPr>
+          <p:cNvPr id="52" name="楕円 51">
+            <a:extLst>
+              <a:ext uri="{FF2B5EF4-FFF2-40B4-BE49-F238E27FC236}">
+                <a16:creationId xmlns:a16="http://schemas.microsoft.com/office/drawing/2014/main" id="{6F3310B4-A5AD-4FEE-80DE-0AF1FC1374A6}"/>
+              </a:ext>
+            </a:extLst>
+          </p:cNvPr>
+          <p:cNvSpPr/>
+          <p:nvPr/>
+        </p:nvSpPr>
+        <p:spPr>
+          <a:xfrm flipV="1">
+            <a:off x="7274584" y="4425443"/>
+            <a:ext cx="117231" cy="117231"/>
+          </a:xfrm>
+          <a:prstGeom prst="ellipse">
+            <a:avLst/>
+          </a:prstGeom>
+          <a:solidFill>
+            <a:schemeClr val="tx1"/>
+          </a:solidFill>
+          <a:ln>
+            <a:noFill/>
+          </a:ln>
+        </p:spPr>
+        <p:style>
+          <a:lnRef idx="2">
+            <a:schemeClr val="accent1">
+              <a:shade val="50000"/>
+            </a:schemeClr>
+          </a:lnRef>
+          <a:fillRef idx="1">
+            <a:schemeClr val="accent1"/>
+          </a:fillRef>
+          <a:effectRef idx="0">
+            <a:schemeClr val="accent1"/>
+          </a:effectRef>
+          <a:fontRef idx="minor">
+            <a:schemeClr val="lt1"/>
+          </a:fontRef>
+        </p:style>
+        <p:txBody>
+          <a:bodyPr rtlCol="0" anchor="ctr"/>
+          <a:lstStyle/>
+          <a:p>
+            <a:pPr algn="ctr"/>
+            <a:endParaRPr kumimoji="1" lang="ja-JP" altLang="en-US"/>
+          </a:p>
+        </p:txBody>
+      </p:sp>
+      <p:sp>
+        <p:nvSpPr>
+          <p:cNvPr id="53" name="楕円 52">
+            <a:extLst>
+              <a:ext uri="{FF2B5EF4-FFF2-40B4-BE49-F238E27FC236}">
+                <a16:creationId xmlns:a16="http://schemas.microsoft.com/office/drawing/2014/main" id="{EBBF3455-AA6B-47E4-BCCF-A1845688D516}"/>
+              </a:ext>
+            </a:extLst>
+          </p:cNvPr>
+          <p:cNvSpPr/>
+          <p:nvPr/>
+        </p:nvSpPr>
+        <p:spPr>
+          <a:xfrm flipV="1">
+            <a:off x="5211330" y="2561793"/>
+            <a:ext cx="117231" cy="117231"/>
+          </a:xfrm>
+          <a:prstGeom prst="ellipse">
+            <a:avLst/>
+          </a:prstGeom>
+          <a:solidFill>
+            <a:schemeClr val="tx1"/>
+          </a:solidFill>
+          <a:ln>
+            <a:noFill/>
+          </a:ln>
+        </p:spPr>
+        <p:style>
+          <a:lnRef idx="2">
+            <a:schemeClr val="accent1">
+              <a:shade val="50000"/>
+            </a:schemeClr>
+          </a:lnRef>
+          <a:fillRef idx="1">
+            <a:schemeClr val="accent1"/>
+          </a:fillRef>
+          <a:effectRef idx="0">
+            <a:schemeClr val="accent1"/>
+          </a:effectRef>
+          <a:fontRef idx="minor">
+            <a:schemeClr val="lt1"/>
+          </a:fontRef>
+        </p:style>
+        <p:txBody>
+          <a:bodyPr rtlCol="0" anchor="ctr"/>
+          <a:lstStyle/>
+          <a:p>
+            <a:pPr algn="ctr"/>
+            <a:endParaRPr kumimoji="1" lang="ja-JP" altLang="en-US"/>
+          </a:p>
+        </p:txBody>
+      </p:sp>
+      <p:sp>
+        <p:nvSpPr>
+          <p:cNvPr id="55" name="楕円 54">
+            <a:extLst>
+              <a:ext uri="{FF2B5EF4-FFF2-40B4-BE49-F238E27FC236}">
+                <a16:creationId xmlns:a16="http://schemas.microsoft.com/office/drawing/2014/main" id="{4958A3C0-B35E-434C-90E4-B506DB334BCB}"/>
+              </a:ext>
+            </a:extLst>
+          </p:cNvPr>
+          <p:cNvSpPr/>
+          <p:nvPr/>
+        </p:nvSpPr>
+        <p:spPr>
+          <a:xfrm flipV="1">
+            <a:off x="7286308" y="1659124"/>
+            <a:ext cx="117231" cy="117231"/>
+          </a:xfrm>
+          <a:prstGeom prst="ellipse">
+            <a:avLst/>
+          </a:prstGeom>
+          <a:solidFill>
+            <a:schemeClr val="tx1"/>
+          </a:solidFill>
+          <a:ln>
+            <a:noFill/>
+          </a:ln>
+        </p:spPr>
+        <p:style>
+          <a:lnRef idx="2">
+            <a:schemeClr val="accent1">
+              <a:shade val="50000"/>
+            </a:schemeClr>
+          </a:lnRef>
+          <a:fillRef idx="1">
+            <a:schemeClr val="accent1"/>
+          </a:fillRef>
+          <a:effectRef idx="0">
+            <a:schemeClr val="accent1"/>
+          </a:effectRef>
+          <a:fontRef idx="minor">
+            <a:schemeClr val="lt1"/>
+          </a:fontRef>
+        </p:style>
+        <p:txBody>
+          <a:bodyPr rtlCol="0" anchor="ctr"/>
+          <a:lstStyle/>
+          <a:p>
+            <a:pPr algn="ctr"/>
+            <a:endParaRPr kumimoji="1" lang="ja-JP" altLang="en-US"/>
+          </a:p>
+        </p:txBody>
+      </p:sp>
+      <p:sp>
+        <p:nvSpPr>
+          <p:cNvPr id="56" name="テキスト ボックス 55">
+            <a:extLst>
+              <a:ext uri="{FF2B5EF4-FFF2-40B4-BE49-F238E27FC236}">
+                <a16:creationId xmlns:a16="http://schemas.microsoft.com/office/drawing/2014/main" id="{83374857-E434-4B74-89AF-4BE39BC834B8}"/>
               </a:ext>
             </a:extLst>
           </p:cNvPr>
@@ -39373,8 +41134,8 @@
         </p:nvSpPr>
         <p:spPr>
           <a:xfrm>
-            <a:off x="2636875" y="1701432"/>
-            <a:ext cx="9615133" cy="523220"/>
+            <a:off x="4926648" y="2342616"/>
+            <a:ext cx="312906" cy="369332"/>
           </a:xfrm>
           <a:prstGeom prst="rect">
             <a:avLst/>
@@ -39388,87 +41149,1256 @@
           <a:lstStyle/>
           <a:p>
             <a:r>
-              <a:rPr kumimoji="1" lang="ja-JP" altLang="en-US" sz="2800" b="1" dirty="0"/>
-              <a:t>加算　　　→　２倍算　　　→　</a:t>
-            </a:r>
-            <a:r>
-              <a:rPr kumimoji="1" lang="en-US" altLang="ja-JP" sz="2800" b="1" dirty="0"/>
-              <a:t>2^n</a:t>
-            </a:r>
-            <a:r>
-              <a:rPr kumimoji="1" lang="ja-JP" altLang="en-US" sz="2800" b="1" dirty="0"/>
-              <a:t>倍（</a:t>
-            </a:r>
-            <a:r>
-              <a:rPr kumimoji="1" lang="en-US" altLang="ja-JP" sz="2800" b="1" dirty="0"/>
-              <a:t>2</a:t>
-            </a:r>
-            <a:r>
-              <a:rPr kumimoji="1" lang="ja-JP" altLang="en-US" sz="2800" b="1" dirty="0"/>
-              <a:t>のべき乗</a:t>
-            </a:r>
-            <a:r>
-              <a:rPr lang="ja-JP" altLang="en-US" sz="2800" b="1" dirty="0"/>
-              <a:t>倍</a:t>
-            </a:r>
-            <a:r>
-              <a:rPr kumimoji="1" lang="ja-JP" altLang="en-US" sz="2800" b="1" dirty="0"/>
-              <a:t>）</a:t>
-            </a:r>
-          </a:p>
-        </p:txBody>
-      </p:sp>
-      <p:pic>
-        <p:nvPicPr>
-          <p:cNvPr id="1030" name="Picture 6">
-            <a:extLst>
-              <a:ext uri="{FF2B5EF4-FFF2-40B4-BE49-F238E27FC236}">
-                <a16:creationId xmlns:a16="http://schemas.microsoft.com/office/drawing/2014/main" id="{8EA66C67-8E1C-4F1F-8617-37227AAA3FCE}"/>
-              </a:ext>
-            </a:extLst>
-          </p:cNvPr>
-          <p:cNvPicPr>
-            <a:picLocks noChangeAspect="1" noChangeArrowheads="1"/>
-          </p:cNvPicPr>
-          <p:nvPr/>
-        </p:nvPicPr>
-        <p:blipFill>
-          <a:blip r:embed="rId3">
-            <a:extLst>
-              <a:ext uri="{28A0092B-C50C-407E-A947-70E740481C1C}">
-                <a14:useLocalDpi xmlns:a14="http://schemas.microsoft.com/office/drawing/2010/main" val="0"/>
-              </a:ext>
-            </a:extLst>
-          </a:blip>
-          <a:srcRect/>
-          <a:stretch>
-            <a:fillRect/>
-          </a:stretch>
-        </p:blipFill>
-        <p:spPr bwMode="auto">
-          <a:xfrm>
-            <a:off x="6900087" y="2553096"/>
-            <a:ext cx="4047718" cy="3939779"/>
+              <a:rPr kumimoji="1" lang="en-US" altLang="ja-JP" dirty="0"/>
+              <a:t>a</a:t>
+            </a:r>
+            <a:endParaRPr kumimoji="1" lang="ja-JP" altLang="en-US" dirty="0"/>
+          </a:p>
+        </p:txBody>
+      </p:sp>
+      <p:sp>
+        <p:nvSpPr>
+          <p:cNvPr id="58" name="テキスト ボックス 57">
+            <a:extLst>
+              <a:ext uri="{FF2B5EF4-FFF2-40B4-BE49-F238E27FC236}">
+                <a16:creationId xmlns:a16="http://schemas.microsoft.com/office/drawing/2014/main" id="{71266915-8B1A-4116-8808-62C69193791A}"/>
+              </a:ext>
+            </a:extLst>
+          </p:cNvPr>
+          <p:cNvSpPr txBox="1"/>
+          <p:nvPr/>
+        </p:nvSpPr>
+        <p:spPr>
+          <a:xfrm>
+            <a:off x="7403539" y="4292166"/>
+            <a:ext cx="1034963" cy="369332"/>
           </a:xfrm>
           <a:prstGeom prst="rect">
             <a:avLst/>
           </a:prstGeom>
           <a:noFill/>
-          <a:extLst>
-            <a:ext uri="{909E8E84-426E-40DD-AFC4-6F175D3DCCD1}">
-              <a14:hiddenFill xmlns:a14="http://schemas.microsoft.com/office/drawing/2010/main">
-                <a:solidFill>
-                  <a:srgbClr val="FFFFFF"/>
-                </a:solidFill>
-              </a14:hiddenFill>
-            </a:ext>
-          </a:extLst>
-        </p:spPr>
-      </p:pic>
+        </p:spPr>
+        <p:txBody>
+          <a:bodyPr wrap="square" rtlCol="0">
+            <a:spAutoFit/>
+          </a:bodyPr>
+          <a:lstStyle/>
+          <a:p>
+            <a:r>
+              <a:rPr kumimoji="1" lang="en-US" altLang="ja-JP" dirty="0"/>
+              <a:t>2a</a:t>
+            </a:r>
+          </a:p>
+        </p:txBody>
+      </p:sp>
+      <p:cxnSp>
+        <p:nvCxnSpPr>
+          <p:cNvPr id="59" name="直線コネクタ 58">
+            <a:extLst>
+              <a:ext uri="{FF2B5EF4-FFF2-40B4-BE49-F238E27FC236}">
+                <a16:creationId xmlns:a16="http://schemas.microsoft.com/office/drawing/2014/main" id="{901D16BA-FADF-4894-ADEF-DFBB8EE8D241}"/>
+              </a:ext>
+            </a:extLst>
+          </p:cNvPr>
+          <p:cNvCxnSpPr>
+            <a:cxnSpLocks/>
+          </p:cNvCxnSpPr>
+          <p:nvPr/>
+        </p:nvCxnSpPr>
+        <p:spPr>
+          <a:xfrm flipH="1" flipV="1">
+            <a:off x="5712099" y="1695010"/>
+            <a:ext cx="1591377" cy="29008"/>
+          </a:xfrm>
+          <a:prstGeom prst="line">
+            <a:avLst/>
+          </a:prstGeom>
+          <a:ln>
+            <a:solidFill>
+              <a:schemeClr val="tx1"/>
+            </a:solidFill>
+            <a:prstDash val="dash"/>
+          </a:ln>
+        </p:spPr>
+        <p:style>
+          <a:lnRef idx="1">
+            <a:schemeClr val="accent1"/>
+          </a:lnRef>
+          <a:fillRef idx="0">
+            <a:schemeClr val="accent1"/>
+          </a:fillRef>
+          <a:effectRef idx="0">
+            <a:schemeClr val="accent1"/>
+          </a:effectRef>
+          <a:fontRef idx="minor">
+            <a:schemeClr val="tx1"/>
+          </a:fontRef>
+        </p:style>
+      </p:cxnSp>
+      <p:cxnSp>
+        <p:nvCxnSpPr>
+          <p:cNvPr id="60" name="直線コネクタ 59">
+            <a:extLst>
+              <a:ext uri="{FF2B5EF4-FFF2-40B4-BE49-F238E27FC236}">
+                <a16:creationId xmlns:a16="http://schemas.microsoft.com/office/drawing/2014/main" id="{DE680A1A-2611-4F33-B05F-C0FB7F6DF416}"/>
+              </a:ext>
+            </a:extLst>
+          </p:cNvPr>
+          <p:cNvCxnSpPr>
+            <a:cxnSpLocks/>
+          </p:cNvCxnSpPr>
+          <p:nvPr/>
+        </p:nvCxnSpPr>
+        <p:spPr>
+          <a:xfrm flipH="1" flipV="1">
+            <a:off x="5770715" y="4461658"/>
+            <a:ext cx="1591377" cy="29008"/>
+          </a:xfrm>
+          <a:prstGeom prst="line">
+            <a:avLst/>
+          </a:prstGeom>
+          <a:ln>
+            <a:solidFill>
+              <a:schemeClr val="tx1"/>
+            </a:solidFill>
+            <a:prstDash val="dash"/>
+          </a:ln>
+        </p:spPr>
+        <p:style>
+          <a:lnRef idx="1">
+            <a:schemeClr val="accent1"/>
+          </a:lnRef>
+          <a:fillRef idx="0">
+            <a:schemeClr val="accent1"/>
+          </a:fillRef>
+          <a:effectRef idx="0">
+            <a:schemeClr val="accent1"/>
+          </a:effectRef>
+          <a:fontRef idx="minor">
+            <a:schemeClr val="tx1"/>
+          </a:fontRef>
+        </p:style>
+      </p:cxnSp>
+      <p:sp>
+        <p:nvSpPr>
+          <p:cNvPr id="61" name="テキスト ボックス 60">
+            <a:extLst>
+              <a:ext uri="{FF2B5EF4-FFF2-40B4-BE49-F238E27FC236}">
+                <a16:creationId xmlns:a16="http://schemas.microsoft.com/office/drawing/2014/main" id="{FF52D372-9117-4BCF-A1B7-285782716035}"/>
+              </a:ext>
+            </a:extLst>
+          </p:cNvPr>
+          <p:cNvSpPr txBox="1"/>
+          <p:nvPr/>
+        </p:nvSpPr>
+        <p:spPr>
+          <a:xfrm>
+            <a:off x="5399099" y="1498145"/>
+            <a:ext cx="425873" cy="369332"/>
+          </a:xfrm>
+          <a:prstGeom prst="rect">
+            <a:avLst/>
+          </a:prstGeom>
+          <a:noFill/>
+        </p:spPr>
+        <p:txBody>
+          <a:bodyPr wrap="square" rtlCol="0">
+            <a:spAutoFit/>
+          </a:bodyPr>
+          <a:lstStyle/>
+          <a:p>
+            <a:r>
+              <a:rPr lang="en-US" altLang="ja-JP" dirty="0"/>
+              <a:t>c</a:t>
+            </a:r>
+            <a:r>
+              <a:rPr lang="en-US" altLang="ja-JP" sz="1000" dirty="0"/>
+              <a:t>y</a:t>
+            </a:r>
+            <a:endParaRPr kumimoji="1" lang="en-US" altLang="ja-JP" sz="1000" dirty="0"/>
+          </a:p>
+        </p:txBody>
+      </p:sp>
+      <p:sp>
+        <p:nvSpPr>
+          <p:cNvPr id="62" name="テキスト ボックス 61">
+            <a:extLst>
+              <a:ext uri="{FF2B5EF4-FFF2-40B4-BE49-F238E27FC236}">
+                <a16:creationId xmlns:a16="http://schemas.microsoft.com/office/drawing/2014/main" id="{1F5C48FA-935F-4773-85EB-E7C71A47A6C4}"/>
+              </a:ext>
+            </a:extLst>
+          </p:cNvPr>
+          <p:cNvSpPr txBox="1"/>
+          <p:nvPr/>
+        </p:nvSpPr>
+        <p:spPr>
+          <a:xfrm>
+            <a:off x="5357090" y="4299392"/>
+            <a:ext cx="596832" cy="369332"/>
+          </a:xfrm>
+          <a:prstGeom prst="rect">
+            <a:avLst/>
+          </a:prstGeom>
+          <a:noFill/>
+        </p:spPr>
+        <p:txBody>
+          <a:bodyPr wrap="square" rtlCol="0">
+            <a:spAutoFit/>
+          </a:bodyPr>
+          <a:lstStyle/>
+          <a:p>
+            <a:r>
+              <a:rPr lang="en-US" altLang="ja-JP" dirty="0"/>
+              <a:t>-c</a:t>
+            </a:r>
+            <a:r>
+              <a:rPr lang="en-US" altLang="ja-JP" sz="1000" dirty="0"/>
+              <a:t>y</a:t>
+            </a:r>
+            <a:endParaRPr kumimoji="1" lang="en-US" altLang="ja-JP" sz="1000" dirty="0"/>
+          </a:p>
+        </p:txBody>
+      </p:sp>
+      <p:sp>
+        <p:nvSpPr>
+          <p:cNvPr id="63" name="テキスト ボックス 62">
+            <a:extLst>
+              <a:ext uri="{FF2B5EF4-FFF2-40B4-BE49-F238E27FC236}">
+                <a16:creationId xmlns:a16="http://schemas.microsoft.com/office/drawing/2014/main" id="{FF43543D-A466-4A24-BE14-1EFAA2B068E4}"/>
+              </a:ext>
+            </a:extLst>
+          </p:cNvPr>
+          <p:cNvSpPr txBox="1"/>
+          <p:nvPr/>
+        </p:nvSpPr>
+        <p:spPr>
+          <a:xfrm>
+            <a:off x="7407897" y="1527250"/>
+            <a:ext cx="303288" cy="369332"/>
+          </a:xfrm>
+          <a:prstGeom prst="rect">
+            <a:avLst/>
+          </a:prstGeom>
+          <a:noFill/>
+        </p:spPr>
+        <p:txBody>
+          <a:bodyPr wrap="none" rtlCol="0">
+            <a:spAutoFit/>
+          </a:bodyPr>
+          <a:lstStyle/>
+          <a:p>
+            <a:r>
+              <a:rPr lang="en-US" altLang="ja-JP" dirty="0"/>
+              <a:t>c</a:t>
+            </a:r>
+            <a:endParaRPr kumimoji="1" lang="ja-JP" altLang="en-US" dirty="0"/>
+          </a:p>
+        </p:txBody>
+      </p:sp>
+      <p:sp>
+        <p:nvSpPr>
+          <p:cNvPr id="71" name="テキスト ボックス 70">
+            <a:extLst>
+              <a:ext uri="{FF2B5EF4-FFF2-40B4-BE49-F238E27FC236}">
+                <a16:creationId xmlns:a16="http://schemas.microsoft.com/office/drawing/2014/main" id="{4EEA712E-9364-41FD-94F8-6FD44D9C6A7E}"/>
+              </a:ext>
+            </a:extLst>
+          </p:cNvPr>
+          <p:cNvSpPr txBox="1"/>
+          <p:nvPr/>
+        </p:nvSpPr>
+        <p:spPr>
+          <a:xfrm>
+            <a:off x="1696517" y="5219535"/>
+            <a:ext cx="1832553" cy="369332"/>
+          </a:xfrm>
+          <a:prstGeom prst="rect">
+            <a:avLst/>
+          </a:prstGeom>
+          <a:noFill/>
+        </p:spPr>
+        <p:txBody>
+          <a:bodyPr wrap="none" rtlCol="0">
+            <a:spAutoFit/>
+          </a:bodyPr>
+          <a:lstStyle/>
+          <a:p>
+            <a:r>
+              <a:rPr kumimoji="1" lang="ja-JP" altLang="en-US" dirty="0"/>
+              <a:t>点</a:t>
+            </a:r>
+            <a:r>
+              <a:rPr kumimoji="1" lang="en-US" altLang="ja-JP" dirty="0"/>
+              <a:t>a</a:t>
+            </a:r>
+            <a:r>
+              <a:rPr kumimoji="1" lang="ja-JP" altLang="en-US" dirty="0"/>
+              <a:t>と</a:t>
+            </a:r>
+            <a:r>
+              <a:rPr lang="ja-JP" altLang="en-US" dirty="0"/>
+              <a:t>点</a:t>
+            </a:r>
+            <a:r>
+              <a:rPr lang="en-US" altLang="ja-JP" dirty="0"/>
+              <a:t>b</a:t>
+            </a:r>
+            <a:r>
+              <a:rPr lang="ja-JP" altLang="en-US" dirty="0"/>
+              <a:t>の</a:t>
+            </a:r>
+            <a:r>
+              <a:rPr kumimoji="1" lang="ja-JP" altLang="en-US" dirty="0"/>
+              <a:t>加算</a:t>
+            </a:r>
+          </a:p>
+        </p:txBody>
+      </p:sp>
+      <p:sp>
+        <p:nvSpPr>
+          <p:cNvPr id="72" name="テキスト ボックス 71">
+            <a:extLst>
+              <a:ext uri="{FF2B5EF4-FFF2-40B4-BE49-F238E27FC236}">
+                <a16:creationId xmlns:a16="http://schemas.microsoft.com/office/drawing/2014/main" id="{70246E65-9999-4DFD-A81F-236D4CFEB7C5}"/>
+              </a:ext>
+            </a:extLst>
+          </p:cNvPr>
+          <p:cNvSpPr txBox="1"/>
+          <p:nvPr/>
+        </p:nvSpPr>
+        <p:spPr>
+          <a:xfrm>
+            <a:off x="6056381" y="5179267"/>
+            <a:ext cx="902811" cy="369332"/>
+          </a:xfrm>
+          <a:prstGeom prst="rect">
+            <a:avLst/>
+          </a:prstGeom>
+          <a:noFill/>
+        </p:spPr>
+        <p:txBody>
+          <a:bodyPr wrap="none" rtlCol="0">
+            <a:spAutoFit/>
+          </a:bodyPr>
+          <a:lstStyle/>
+          <a:p>
+            <a:r>
+              <a:rPr kumimoji="1" lang="ja-JP" altLang="en-US" dirty="0"/>
+              <a:t>点</a:t>
+            </a:r>
+            <a:r>
+              <a:rPr kumimoji="1" lang="en-US" altLang="ja-JP" dirty="0"/>
+              <a:t>a×2</a:t>
+            </a:r>
+            <a:endParaRPr kumimoji="1" lang="ja-JP" altLang="en-US" dirty="0"/>
+          </a:p>
+        </p:txBody>
+      </p:sp>
+      <p:grpSp>
+        <p:nvGrpSpPr>
+          <p:cNvPr id="73" name="グループ化 72">
+            <a:extLst>
+              <a:ext uri="{FF2B5EF4-FFF2-40B4-BE49-F238E27FC236}">
+                <a16:creationId xmlns:a16="http://schemas.microsoft.com/office/drawing/2014/main" id="{56334308-C98A-4486-8856-88CA311FAB85}"/>
+              </a:ext>
+            </a:extLst>
+          </p:cNvPr>
+          <p:cNvGrpSpPr/>
+          <p:nvPr/>
+        </p:nvGrpSpPr>
+        <p:grpSpPr>
+          <a:xfrm>
+            <a:off x="8640963" y="1156156"/>
+            <a:ext cx="3241864" cy="3863226"/>
+            <a:chOff x="3803705" y="2004292"/>
+            <a:chExt cx="4584589" cy="5463308"/>
+          </a:xfrm>
+        </p:grpSpPr>
+        <p:grpSp>
+          <p:nvGrpSpPr>
+            <p:cNvPr id="74" name="グループ化 73">
+              <a:extLst>
+                <a:ext uri="{FF2B5EF4-FFF2-40B4-BE49-F238E27FC236}">
+                  <a16:creationId xmlns:a16="http://schemas.microsoft.com/office/drawing/2014/main" id="{1C09D1E7-7947-432A-8846-8B874D80B949}"/>
+                </a:ext>
+              </a:extLst>
+            </p:cNvPr>
+            <p:cNvGrpSpPr/>
+            <p:nvPr/>
+          </p:nvGrpSpPr>
+          <p:grpSpPr>
+            <a:xfrm>
+              <a:off x="3803705" y="2051184"/>
+              <a:ext cx="4584589" cy="5369877"/>
+              <a:chOff x="3803705" y="2051184"/>
+              <a:chExt cx="4584589" cy="5369877"/>
+            </a:xfrm>
+          </p:grpSpPr>
+          <p:pic>
+            <p:nvPicPr>
+              <p:cNvPr id="77" name="図 76">
+                <a:extLst>
+                  <a:ext uri="{FF2B5EF4-FFF2-40B4-BE49-F238E27FC236}">
+                    <a16:creationId xmlns:a16="http://schemas.microsoft.com/office/drawing/2014/main" id="{9A882B67-C98E-48EC-9BAF-DEA8A8746FF0}"/>
+                  </a:ext>
+                </a:extLst>
+              </p:cNvPr>
+              <p:cNvPicPr>
+                <a:picLocks noChangeAspect="1"/>
+              </p:cNvPicPr>
+              <p:nvPr/>
+            </p:nvPicPr>
+            <p:blipFill>
+              <a:blip r:embed="rId2"/>
+              <a:stretch>
+                <a:fillRect/>
+              </a:stretch>
+            </p:blipFill>
+            <p:spPr>
+              <a:xfrm>
+                <a:off x="3803705" y="2051184"/>
+                <a:ext cx="4584589" cy="2755631"/>
+              </a:xfrm>
+              <a:prstGeom prst="rect">
+                <a:avLst/>
+              </a:prstGeom>
+            </p:spPr>
+          </p:pic>
+          <p:pic>
+            <p:nvPicPr>
+              <p:cNvPr id="78" name="図 77">
+                <a:extLst>
+                  <a:ext uri="{FF2B5EF4-FFF2-40B4-BE49-F238E27FC236}">
+                    <a16:creationId xmlns:a16="http://schemas.microsoft.com/office/drawing/2014/main" id="{2ED71D2D-F486-45CF-B12B-DC86841F209B}"/>
+                  </a:ext>
+                </a:extLst>
+              </p:cNvPr>
+              <p:cNvPicPr>
+                <a:picLocks noChangeAspect="1"/>
+              </p:cNvPicPr>
+              <p:nvPr/>
+            </p:nvPicPr>
+            <p:blipFill>
+              <a:blip r:embed="rId2"/>
+              <a:stretch>
+                <a:fillRect/>
+              </a:stretch>
+            </p:blipFill>
+            <p:spPr>
+              <a:xfrm flipV="1">
+                <a:off x="3803705" y="4665430"/>
+                <a:ext cx="4584589" cy="2755631"/>
+              </a:xfrm>
+              <a:prstGeom prst="rect">
+                <a:avLst/>
+              </a:prstGeom>
+            </p:spPr>
+          </p:pic>
+        </p:grpSp>
+        <p:cxnSp>
+          <p:nvCxnSpPr>
+            <p:cNvPr id="75" name="直線コネクタ 74">
+              <a:extLst>
+                <a:ext uri="{FF2B5EF4-FFF2-40B4-BE49-F238E27FC236}">
+                  <a16:creationId xmlns:a16="http://schemas.microsoft.com/office/drawing/2014/main" id="{83563FF1-525B-42DE-9D76-44B683C64622}"/>
+                </a:ext>
+              </a:extLst>
+            </p:cNvPr>
+            <p:cNvCxnSpPr/>
+            <p:nvPr/>
+          </p:nvCxnSpPr>
+          <p:spPr>
+            <a:xfrm>
+              <a:off x="3803705" y="4712322"/>
+              <a:ext cx="4584589" cy="0"/>
+            </a:xfrm>
+            <a:prstGeom prst="line">
+              <a:avLst/>
+            </a:prstGeom>
+            <a:ln>
+              <a:solidFill>
+                <a:schemeClr val="tx1"/>
+              </a:solidFill>
+            </a:ln>
+          </p:spPr>
+          <p:style>
+            <a:lnRef idx="1">
+              <a:schemeClr val="accent1"/>
+            </a:lnRef>
+            <a:fillRef idx="0">
+              <a:schemeClr val="accent1"/>
+            </a:fillRef>
+            <a:effectRef idx="0">
+              <a:schemeClr val="accent1"/>
+            </a:effectRef>
+            <a:fontRef idx="minor">
+              <a:schemeClr val="tx1"/>
+            </a:fontRef>
+          </p:style>
+        </p:cxnSp>
+        <p:cxnSp>
+          <p:nvCxnSpPr>
+            <p:cNvPr id="76" name="直線コネクタ 75">
+              <a:extLst>
+                <a:ext uri="{FF2B5EF4-FFF2-40B4-BE49-F238E27FC236}">
+                  <a16:creationId xmlns:a16="http://schemas.microsoft.com/office/drawing/2014/main" id="{A15795AD-974E-4572-9F17-E4942BB8DDCE}"/>
+                </a:ext>
+              </a:extLst>
+            </p:cNvPr>
+            <p:cNvCxnSpPr>
+              <a:cxnSpLocks/>
+            </p:cNvCxnSpPr>
+            <p:nvPr/>
+          </p:nvCxnSpPr>
+          <p:spPr>
+            <a:xfrm flipV="1">
+              <a:off x="5322277" y="2004292"/>
+              <a:ext cx="0" cy="5463308"/>
+            </a:xfrm>
+            <a:prstGeom prst="line">
+              <a:avLst/>
+            </a:prstGeom>
+            <a:ln>
+              <a:solidFill>
+                <a:schemeClr val="tx1"/>
+              </a:solidFill>
+            </a:ln>
+          </p:spPr>
+          <p:style>
+            <a:lnRef idx="1">
+              <a:schemeClr val="accent1"/>
+            </a:lnRef>
+            <a:fillRef idx="0">
+              <a:schemeClr val="accent1"/>
+            </a:fillRef>
+            <a:effectRef idx="0">
+              <a:schemeClr val="accent1"/>
+            </a:effectRef>
+            <a:fontRef idx="minor">
+              <a:schemeClr val="tx1"/>
+            </a:fontRef>
+          </p:style>
+        </p:cxnSp>
+      </p:grpSp>
+      <p:cxnSp>
+        <p:nvCxnSpPr>
+          <p:cNvPr id="79" name="直線コネクタ 78">
+            <a:extLst>
+              <a:ext uri="{FF2B5EF4-FFF2-40B4-BE49-F238E27FC236}">
+                <a16:creationId xmlns:a16="http://schemas.microsoft.com/office/drawing/2014/main" id="{E4F0D208-1E6B-47CE-9DCC-206710F1B287}"/>
+              </a:ext>
+            </a:extLst>
+          </p:cNvPr>
+          <p:cNvCxnSpPr>
+            <a:cxnSpLocks/>
+          </p:cNvCxnSpPr>
+          <p:nvPr/>
+        </p:nvCxnSpPr>
+        <p:spPr>
+          <a:xfrm flipV="1">
+            <a:off x="9308825" y="1713476"/>
+            <a:ext cx="1987847" cy="851279"/>
+          </a:xfrm>
+          <a:prstGeom prst="line">
+            <a:avLst/>
+          </a:prstGeom>
+          <a:ln w="6350">
+            <a:solidFill>
+              <a:schemeClr val="tx1"/>
+            </a:solidFill>
+            <a:headEnd type="none" w="med" len="med"/>
+            <a:tailEnd type="none" w="med" len="med"/>
+          </a:ln>
+        </p:spPr>
+        <p:style>
+          <a:lnRef idx="1">
+            <a:schemeClr val="accent1"/>
+          </a:lnRef>
+          <a:fillRef idx="0">
+            <a:schemeClr val="accent1"/>
+          </a:fillRef>
+          <a:effectRef idx="0">
+            <a:schemeClr val="accent1"/>
+          </a:effectRef>
+          <a:fontRef idx="minor">
+            <a:schemeClr val="tx1"/>
+          </a:fontRef>
+        </p:style>
+      </p:cxnSp>
+      <p:cxnSp>
+        <p:nvCxnSpPr>
+          <p:cNvPr id="80" name="直線コネクタ 79">
+            <a:extLst>
+              <a:ext uri="{FF2B5EF4-FFF2-40B4-BE49-F238E27FC236}">
+                <a16:creationId xmlns:a16="http://schemas.microsoft.com/office/drawing/2014/main" id="{D8C01137-91F7-4A1C-9033-58A67843C1D4}"/>
+              </a:ext>
+            </a:extLst>
+          </p:cNvPr>
+          <p:cNvCxnSpPr/>
+          <p:nvPr/>
+        </p:nvCxnSpPr>
+        <p:spPr>
+          <a:xfrm>
+            <a:off x="11296672" y="1690028"/>
+            <a:ext cx="0" cy="2733955"/>
+          </a:xfrm>
+          <a:prstGeom prst="line">
+            <a:avLst/>
+          </a:prstGeom>
+          <a:ln>
+            <a:solidFill>
+              <a:schemeClr val="tx1"/>
+            </a:solidFill>
+            <a:headEnd type="none" w="med" len="med"/>
+            <a:tailEnd type="arrow" w="med" len="med"/>
+          </a:ln>
+        </p:spPr>
+        <p:style>
+          <a:lnRef idx="1">
+            <a:schemeClr val="accent1"/>
+          </a:lnRef>
+          <a:fillRef idx="0">
+            <a:schemeClr val="accent1"/>
+          </a:fillRef>
+          <a:effectRef idx="0">
+            <a:schemeClr val="accent1"/>
+          </a:effectRef>
+          <a:fontRef idx="minor">
+            <a:schemeClr val="tx1"/>
+          </a:fontRef>
+        </p:style>
+      </p:cxnSp>
+      <p:sp>
+        <p:nvSpPr>
+          <p:cNvPr id="81" name="楕円 80">
+            <a:extLst>
+              <a:ext uri="{FF2B5EF4-FFF2-40B4-BE49-F238E27FC236}">
+                <a16:creationId xmlns:a16="http://schemas.microsoft.com/office/drawing/2014/main" id="{C572F522-8DAA-4EAB-8131-716215545673}"/>
+              </a:ext>
+            </a:extLst>
+          </p:cNvPr>
+          <p:cNvSpPr/>
+          <p:nvPr/>
+        </p:nvSpPr>
+        <p:spPr>
+          <a:xfrm flipV="1">
+            <a:off x="11226319" y="4408738"/>
+            <a:ext cx="117231" cy="117231"/>
+          </a:xfrm>
+          <a:prstGeom prst="ellipse">
+            <a:avLst/>
+          </a:prstGeom>
+          <a:solidFill>
+            <a:schemeClr val="tx1"/>
+          </a:solidFill>
+          <a:ln>
+            <a:noFill/>
+          </a:ln>
+        </p:spPr>
+        <p:style>
+          <a:lnRef idx="2">
+            <a:schemeClr val="accent1">
+              <a:shade val="50000"/>
+            </a:schemeClr>
+          </a:lnRef>
+          <a:fillRef idx="1">
+            <a:schemeClr val="accent1"/>
+          </a:fillRef>
+          <a:effectRef idx="0">
+            <a:schemeClr val="accent1"/>
+          </a:effectRef>
+          <a:fontRef idx="minor">
+            <a:schemeClr val="lt1"/>
+          </a:fontRef>
+        </p:style>
+        <p:txBody>
+          <a:bodyPr rtlCol="0" anchor="ctr"/>
+          <a:lstStyle/>
+          <a:p>
+            <a:pPr algn="ctr"/>
+            <a:endParaRPr kumimoji="1" lang="ja-JP" altLang="en-US"/>
+          </a:p>
+        </p:txBody>
+      </p:sp>
+      <p:sp>
+        <p:nvSpPr>
+          <p:cNvPr id="82" name="楕円 81">
+            <a:extLst>
+              <a:ext uri="{FF2B5EF4-FFF2-40B4-BE49-F238E27FC236}">
+                <a16:creationId xmlns:a16="http://schemas.microsoft.com/office/drawing/2014/main" id="{AD099979-C84D-40E1-B218-A1444DE7B0AA}"/>
+              </a:ext>
+            </a:extLst>
+          </p:cNvPr>
+          <p:cNvSpPr/>
+          <p:nvPr/>
+        </p:nvSpPr>
+        <p:spPr>
+          <a:xfrm flipV="1">
+            <a:off x="9163065" y="2545088"/>
+            <a:ext cx="117231" cy="117231"/>
+          </a:xfrm>
+          <a:prstGeom prst="ellipse">
+            <a:avLst/>
+          </a:prstGeom>
+          <a:solidFill>
+            <a:schemeClr val="tx1"/>
+          </a:solidFill>
+          <a:ln>
+            <a:noFill/>
+          </a:ln>
+        </p:spPr>
+        <p:style>
+          <a:lnRef idx="2">
+            <a:schemeClr val="accent1">
+              <a:shade val="50000"/>
+            </a:schemeClr>
+          </a:lnRef>
+          <a:fillRef idx="1">
+            <a:schemeClr val="accent1"/>
+          </a:fillRef>
+          <a:effectRef idx="0">
+            <a:schemeClr val="accent1"/>
+          </a:effectRef>
+          <a:fontRef idx="minor">
+            <a:schemeClr val="lt1"/>
+          </a:fontRef>
+        </p:style>
+        <p:txBody>
+          <a:bodyPr rtlCol="0" anchor="ctr"/>
+          <a:lstStyle/>
+          <a:p>
+            <a:pPr algn="ctr"/>
+            <a:endParaRPr kumimoji="1" lang="ja-JP" altLang="en-US"/>
+          </a:p>
+        </p:txBody>
+      </p:sp>
+      <p:sp>
+        <p:nvSpPr>
+          <p:cNvPr id="83" name="楕円 82">
+            <a:extLst>
+              <a:ext uri="{FF2B5EF4-FFF2-40B4-BE49-F238E27FC236}">
+                <a16:creationId xmlns:a16="http://schemas.microsoft.com/office/drawing/2014/main" id="{FE4502A2-626E-4FC0-A6CD-C20252D48AB0}"/>
+              </a:ext>
+            </a:extLst>
+          </p:cNvPr>
+          <p:cNvSpPr/>
+          <p:nvPr/>
+        </p:nvSpPr>
+        <p:spPr>
+          <a:xfrm flipV="1">
+            <a:off x="11238043" y="1642419"/>
+            <a:ext cx="117231" cy="117231"/>
+          </a:xfrm>
+          <a:prstGeom prst="ellipse">
+            <a:avLst/>
+          </a:prstGeom>
+          <a:solidFill>
+            <a:schemeClr val="tx1"/>
+          </a:solidFill>
+          <a:ln>
+            <a:noFill/>
+          </a:ln>
+        </p:spPr>
+        <p:style>
+          <a:lnRef idx="2">
+            <a:schemeClr val="accent1">
+              <a:shade val="50000"/>
+            </a:schemeClr>
+          </a:lnRef>
+          <a:fillRef idx="1">
+            <a:schemeClr val="accent1"/>
+          </a:fillRef>
+          <a:effectRef idx="0">
+            <a:schemeClr val="accent1"/>
+          </a:effectRef>
+          <a:fontRef idx="minor">
+            <a:schemeClr val="lt1"/>
+          </a:fontRef>
+        </p:style>
+        <p:txBody>
+          <a:bodyPr rtlCol="0" anchor="ctr"/>
+          <a:lstStyle/>
+          <a:p>
+            <a:pPr algn="ctr"/>
+            <a:endParaRPr kumimoji="1" lang="ja-JP" altLang="en-US"/>
+          </a:p>
+        </p:txBody>
+      </p:sp>
+      <p:sp>
+        <p:nvSpPr>
+          <p:cNvPr id="84" name="テキスト ボックス 83">
+            <a:extLst>
+              <a:ext uri="{FF2B5EF4-FFF2-40B4-BE49-F238E27FC236}">
+                <a16:creationId xmlns:a16="http://schemas.microsoft.com/office/drawing/2014/main" id="{45F32A98-5A94-4721-B86B-E95015D895E6}"/>
+              </a:ext>
+            </a:extLst>
+          </p:cNvPr>
+          <p:cNvSpPr txBox="1"/>
+          <p:nvPr/>
+        </p:nvSpPr>
+        <p:spPr>
+          <a:xfrm>
+            <a:off x="8878383" y="2325911"/>
+            <a:ext cx="312906" cy="369332"/>
+          </a:xfrm>
+          <a:prstGeom prst="rect">
+            <a:avLst/>
+          </a:prstGeom>
+          <a:noFill/>
+        </p:spPr>
+        <p:txBody>
+          <a:bodyPr wrap="none" rtlCol="0">
+            <a:spAutoFit/>
+          </a:bodyPr>
+          <a:lstStyle/>
+          <a:p>
+            <a:r>
+              <a:rPr kumimoji="1" lang="en-US" altLang="ja-JP" dirty="0"/>
+              <a:t>a</a:t>
+            </a:r>
+            <a:endParaRPr kumimoji="1" lang="ja-JP" altLang="en-US" dirty="0"/>
+          </a:p>
+        </p:txBody>
+      </p:sp>
+      <p:sp>
+        <p:nvSpPr>
+          <p:cNvPr id="85" name="テキスト ボックス 84">
+            <a:extLst>
+              <a:ext uri="{FF2B5EF4-FFF2-40B4-BE49-F238E27FC236}">
+                <a16:creationId xmlns:a16="http://schemas.microsoft.com/office/drawing/2014/main" id="{6F27A903-4F09-4DEC-856C-DEAA419B9181}"/>
+              </a:ext>
+            </a:extLst>
+          </p:cNvPr>
+          <p:cNvSpPr txBox="1"/>
+          <p:nvPr/>
+        </p:nvSpPr>
+        <p:spPr>
+          <a:xfrm>
+            <a:off x="11355274" y="4275461"/>
+            <a:ext cx="1034963" cy="369332"/>
+          </a:xfrm>
+          <a:prstGeom prst="rect">
+            <a:avLst/>
+          </a:prstGeom>
+          <a:noFill/>
+        </p:spPr>
+        <p:txBody>
+          <a:bodyPr wrap="square" rtlCol="0">
+            <a:spAutoFit/>
+          </a:bodyPr>
+          <a:lstStyle/>
+          <a:p>
+            <a:r>
+              <a:rPr kumimoji="1" lang="en-US" altLang="ja-JP" dirty="0"/>
+              <a:t>2a</a:t>
+            </a:r>
+          </a:p>
+        </p:txBody>
+      </p:sp>
+      <p:sp>
+        <p:nvSpPr>
+          <p:cNvPr id="90" name="テキスト ボックス 89">
+            <a:extLst>
+              <a:ext uri="{FF2B5EF4-FFF2-40B4-BE49-F238E27FC236}">
+                <a16:creationId xmlns:a16="http://schemas.microsoft.com/office/drawing/2014/main" id="{4066EA2A-C724-4CF0-864D-DDA686288B28}"/>
+              </a:ext>
+            </a:extLst>
+          </p:cNvPr>
+          <p:cNvSpPr txBox="1"/>
+          <p:nvPr/>
+        </p:nvSpPr>
+        <p:spPr>
+          <a:xfrm>
+            <a:off x="9261224" y="3770451"/>
+            <a:ext cx="617680" cy="369332"/>
+          </a:xfrm>
+          <a:prstGeom prst="rect">
+            <a:avLst/>
+          </a:prstGeom>
+          <a:noFill/>
+        </p:spPr>
+        <p:txBody>
+          <a:bodyPr wrap="square" rtlCol="0">
+            <a:spAutoFit/>
+          </a:bodyPr>
+          <a:lstStyle/>
+          <a:p>
+            <a:r>
+              <a:rPr kumimoji="1" lang="en-US" altLang="ja-JP" dirty="0"/>
+              <a:t>4a</a:t>
+            </a:r>
+            <a:endParaRPr kumimoji="1" lang="ja-JP" altLang="en-US" dirty="0"/>
+          </a:p>
+        </p:txBody>
+      </p:sp>
+      <p:sp>
+        <p:nvSpPr>
+          <p:cNvPr id="91" name="テキスト ボックス 90">
+            <a:extLst>
+              <a:ext uri="{FF2B5EF4-FFF2-40B4-BE49-F238E27FC236}">
+                <a16:creationId xmlns:a16="http://schemas.microsoft.com/office/drawing/2014/main" id="{DF68BE92-5155-4649-9369-FA373E4C8DF8}"/>
+              </a:ext>
+            </a:extLst>
+          </p:cNvPr>
+          <p:cNvSpPr txBox="1"/>
+          <p:nvPr/>
+        </p:nvSpPr>
+        <p:spPr>
+          <a:xfrm>
+            <a:off x="10008116" y="5162562"/>
+            <a:ext cx="1154483" cy="369332"/>
+          </a:xfrm>
+          <a:prstGeom prst="rect">
+            <a:avLst/>
+          </a:prstGeom>
+          <a:noFill/>
+        </p:spPr>
+        <p:txBody>
+          <a:bodyPr wrap="none" rtlCol="0">
+            <a:spAutoFit/>
+          </a:bodyPr>
+          <a:lstStyle/>
+          <a:p>
+            <a:r>
+              <a:rPr kumimoji="1" lang="ja-JP" altLang="en-US" dirty="0"/>
+              <a:t>点</a:t>
+            </a:r>
+            <a:r>
+              <a:rPr kumimoji="1" lang="en-US" altLang="ja-JP" dirty="0"/>
+              <a:t>a×2^n</a:t>
+            </a:r>
+            <a:endParaRPr kumimoji="1" lang="ja-JP" altLang="en-US" dirty="0"/>
+          </a:p>
+        </p:txBody>
+      </p:sp>
+      <p:cxnSp>
+        <p:nvCxnSpPr>
+          <p:cNvPr id="92" name="直線コネクタ 91">
+            <a:extLst>
+              <a:ext uri="{FF2B5EF4-FFF2-40B4-BE49-F238E27FC236}">
+                <a16:creationId xmlns:a16="http://schemas.microsoft.com/office/drawing/2014/main" id="{37A1FFB5-94C5-43D5-89B8-05462061C361}"/>
+              </a:ext>
+            </a:extLst>
+          </p:cNvPr>
+          <p:cNvCxnSpPr>
+            <a:cxnSpLocks/>
+          </p:cNvCxnSpPr>
+          <p:nvPr/>
+        </p:nvCxnSpPr>
+        <p:spPr>
+          <a:xfrm flipH="1" flipV="1">
+            <a:off x="9545896" y="2526548"/>
+            <a:ext cx="1797656" cy="1982970"/>
+          </a:xfrm>
+          <a:prstGeom prst="line">
+            <a:avLst/>
+          </a:prstGeom>
+          <a:ln>
+            <a:solidFill>
+              <a:schemeClr val="tx1"/>
+            </a:solidFill>
+            <a:headEnd type="none" w="med" len="med"/>
+            <a:tailEnd type="none" w="med" len="med"/>
+          </a:ln>
+        </p:spPr>
+        <p:style>
+          <a:lnRef idx="1">
+            <a:schemeClr val="accent1"/>
+          </a:lnRef>
+          <a:fillRef idx="0">
+            <a:schemeClr val="accent1"/>
+          </a:fillRef>
+          <a:effectRef idx="0">
+            <a:schemeClr val="accent1"/>
+          </a:effectRef>
+          <a:fontRef idx="minor">
+            <a:schemeClr val="tx1"/>
+          </a:fontRef>
+        </p:style>
+      </p:cxnSp>
+      <p:cxnSp>
+        <p:nvCxnSpPr>
+          <p:cNvPr id="96" name="直線コネクタ 95">
+            <a:extLst>
+              <a:ext uri="{FF2B5EF4-FFF2-40B4-BE49-F238E27FC236}">
+                <a16:creationId xmlns:a16="http://schemas.microsoft.com/office/drawing/2014/main" id="{E5B57A5D-40B7-4ADC-9BED-B522C078911E}"/>
+              </a:ext>
+            </a:extLst>
+          </p:cNvPr>
+          <p:cNvCxnSpPr>
+            <a:cxnSpLocks/>
+          </p:cNvCxnSpPr>
+          <p:nvPr/>
+        </p:nvCxnSpPr>
+        <p:spPr>
+          <a:xfrm>
+            <a:off x="9534171" y="2507516"/>
+            <a:ext cx="0" cy="1193915"/>
+          </a:xfrm>
+          <a:prstGeom prst="line">
+            <a:avLst/>
+          </a:prstGeom>
+          <a:ln>
+            <a:solidFill>
+              <a:schemeClr val="tx1"/>
+            </a:solidFill>
+            <a:headEnd type="none" w="med" len="med"/>
+            <a:tailEnd type="arrow" w="med" len="med"/>
+          </a:ln>
+        </p:spPr>
+        <p:style>
+          <a:lnRef idx="1">
+            <a:schemeClr val="accent1"/>
+          </a:lnRef>
+          <a:fillRef idx="0">
+            <a:schemeClr val="accent1"/>
+          </a:fillRef>
+          <a:effectRef idx="0">
+            <a:schemeClr val="accent1"/>
+          </a:effectRef>
+          <a:fontRef idx="minor">
+            <a:schemeClr val="tx1"/>
+          </a:fontRef>
+        </p:style>
+      </p:cxnSp>
+      <p:cxnSp>
+        <p:nvCxnSpPr>
+          <p:cNvPr id="99" name="直線コネクタ 98">
+            <a:extLst>
+              <a:ext uri="{FF2B5EF4-FFF2-40B4-BE49-F238E27FC236}">
+                <a16:creationId xmlns:a16="http://schemas.microsoft.com/office/drawing/2014/main" id="{431D5077-A700-4E38-B535-D66966769C46}"/>
+              </a:ext>
+            </a:extLst>
+          </p:cNvPr>
+          <p:cNvCxnSpPr>
+            <a:cxnSpLocks/>
+          </p:cNvCxnSpPr>
+          <p:nvPr/>
+        </p:nvCxnSpPr>
+        <p:spPr>
+          <a:xfrm>
+            <a:off x="9517998" y="3688778"/>
+            <a:ext cx="1192520" cy="195359"/>
+          </a:xfrm>
+          <a:prstGeom prst="line">
+            <a:avLst/>
+          </a:prstGeom>
+          <a:ln w="6350">
+            <a:solidFill>
+              <a:schemeClr val="tx1"/>
+            </a:solidFill>
+            <a:headEnd type="none" w="med" len="med"/>
+            <a:tailEnd type="none" w="med" len="med"/>
+          </a:ln>
+        </p:spPr>
+        <p:style>
+          <a:lnRef idx="1">
+            <a:schemeClr val="accent1"/>
+          </a:lnRef>
+          <a:fillRef idx="0">
+            <a:schemeClr val="accent1"/>
+          </a:fillRef>
+          <a:effectRef idx="0">
+            <a:schemeClr val="accent1"/>
+          </a:effectRef>
+          <a:fontRef idx="minor">
+            <a:schemeClr val="tx1"/>
+          </a:fontRef>
+        </p:style>
+      </p:cxnSp>
+      <p:cxnSp>
+        <p:nvCxnSpPr>
+          <p:cNvPr id="105" name="直線コネクタ 104">
+            <a:extLst>
+              <a:ext uri="{FF2B5EF4-FFF2-40B4-BE49-F238E27FC236}">
+                <a16:creationId xmlns:a16="http://schemas.microsoft.com/office/drawing/2014/main" id="{A9C9EE6C-1483-4EE6-B2D2-9569BBD9396A}"/>
+              </a:ext>
+            </a:extLst>
+          </p:cNvPr>
+          <p:cNvCxnSpPr>
+            <a:cxnSpLocks/>
+          </p:cNvCxnSpPr>
+          <p:nvPr/>
+        </p:nvCxnSpPr>
+        <p:spPr>
+          <a:xfrm flipV="1">
+            <a:off x="10694753" y="2297079"/>
+            <a:ext cx="0" cy="1556752"/>
+          </a:xfrm>
+          <a:prstGeom prst="line">
+            <a:avLst/>
+          </a:prstGeom>
+          <a:ln>
+            <a:solidFill>
+              <a:schemeClr val="tx1"/>
+            </a:solidFill>
+            <a:headEnd type="none" w="med" len="med"/>
+            <a:tailEnd type="arrow" w="med" len="med"/>
+          </a:ln>
+        </p:spPr>
+        <p:style>
+          <a:lnRef idx="1">
+            <a:schemeClr val="accent1"/>
+          </a:lnRef>
+          <a:fillRef idx="0">
+            <a:schemeClr val="accent1"/>
+          </a:fillRef>
+          <a:effectRef idx="0">
+            <a:schemeClr val="accent1"/>
+          </a:effectRef>
+          <a:fontRef idx="minor">
+            <a:schemeClr val="tx1"/>
+          </a:fontRef>
+        </p:style>
+      </p:cxnSp>
+      <p:sp>
+        <p:nvSpPr>
+          <p:cNvPr id="107" name="楕円 106">
+            <a:extLst>
+              <a:ext uri="{FF2B5EF4-FFF2-40B4-BE49-F238E27FC236}">
+                <a16:creationId xmlns:a16="http://schemas.microsoft.com/office/drawing/2014/main" id="{DE1F0BF5-CE93-42BC-862B-EF18B7C92B3A}"/>
+              </a:ext>
+            </a:extLst>
+          </p:cNvPr>
+          <p:cNvSpPr/>
+          <p:nvPr/>
+        </p:nvSpPr>
+        <p:spPr>
+          <a:xfrm flipV="1">
+            <a:off x="9456141" y="3623605"/>
+            <a:ext cx="117231" cy="117231"/>
+          </a:xfrm>
+          <a:prstGeom prst="ellipse">
+            <a:avLst/>
+          </a:prstGeom>
+          <a:solidFill>
+            <a:schemeClr val="tx1"/>
+          </a:solidFill>
+          <a:ln>
+            <a:noFill/>
+          </a:ln>
+        </p:spPr>
+        <p:style>
+          <a:lnRef idx="2">
+            <a:schemeClr val="accent1">
+              <a:shade val="50000"/>
+            </a:schemeClr>
+          </a:lnRef>
+          <a:fillRef idx="1">
+            <a:schemeClr val="accent1"/>
+          </a:fillRef>
+          <a:effectRef idx="0">
+            <a:schemeClr val="accent1"/>
+          </a:effectRef>
+          <a:fontRef idx="minor">
+            <a:schemeClr val="lt1"/>
+          </a:fontRef>
+        </p:style>
+        <p:txBody>
+          <a:bodyPr rtlCol="0" anchor="ctr"/>
+          <a:lstStyle/>
+          <a:p>
+            <a:pPr algn="ctr"/>
+            <a:endParaRPr kumimoji="1" lang="ja-JP" altLang="en-US"/>
+          </a:p>
+        </p:txBody>
+      </p:sp>
+      <p:sp>
+        <p:nvSpPr>
+          <p:cNvPr id="108" name="楕円 107">
+            <a:extLst>
+              <a:ext uri="{FF2B5EF4-FFF2-40B4-BE49-F238E27FC236}">
+                <a16:creationId xmlns:a16="http://schemas.microsoft.com/office/drawing/2014/main" id="{1D679E11-70F8-4FF2-A0C1-D54567CB98F6}"/>
+              </a:ext>
+            </a:extLst>
+          </p:cNvPr>
+          <p:cNvSpPr/>
+          <p:nvPr/>
+        </p:nvSpPr>
+        <p:spPr>
+          <a:xfrm flipV="1">
+            <a:off x="10616722" y="2193392"/>
+            <a:ext cx="117231" cy="117231"/>
+          </a:xfrm>
+          <a:prstGeom prst="ellipse">
+            <a:avLst/>
+          </a:prstGeom>
+          <a:solidFill>
+            <a:schemeClr val="tx1"/>
+          </a:solidFill>
+          <a:ln>
+            <a:noFill/>
+          </a:ln>
+        </p:spPr>
+        <p:style>
+          <a:lnRef idx="2">
+            <a:schemeClr val="accent1">
+              <a:shade val="50000"/>
+            </a:schemeClr>
+          </a:lnRef>
+          <a:fillRef idx="1">
+            <a:schemeClr val="accent1"/>
+          </a:fillRef>
+          <a:effectRef idx="0">
+            <a:schemeClr val="accent1"/>
+          </a:effectRef>
+          <a:fontRef idx="minor">
+            <a:schemeClr val="lt1"/>
+          </a:fontRef>
+        </p:style>
+        <p:txBody>
+          <a:bodyPr rtlCol="0" anchor="ctr"/>
+          <a:lstStyle/>
+          <a:p>
+            <a:pPr algn="ctr"/>
+            <a:endParaRPr kumimoji="1" lang="ja-JP" altLang="en-US"/>
+          </a:p>
+        </p:txBody>
+      </p:sp>
+      <p:sp>
+        <p:nvSpPr>
+          <p:cNvPr id="109" name="テキスト ボックス 108">
+            <a:extLst>
+              <a:ext uri="{FF2B5EF4-FFF2-40B4-BE49-F238E27FC236}">
+                <a16:creationId xmlns:a16="http://schemas.microsoft.com/office/drawing/2014/main" id="{7B412355-820F-4D00-B8A2-13B8BA3F2F28}"/>
+              </a:ext>
+            </a:extLst>
+          </p:cNvPr>
+          <p:cNvSpPr txBox="1"/>
+          <p:nvPr/>
+        </p:nvSpPr>
+        <p:spPr>
+          <a:xfrm>
+            <a:off x="10657067" y="2187350"/>
+            <a:ext cx="617680" cy="369332"/>
+          </a:xfrm>
+          <a:prstGeom prst="rect">
+            <a:avLst/>
+          </a:prstGeom>
+          <a:noFill/>
+        </p:spPr>
+        <p:txBody>
+          <a:bodyPr wrap="square" rtlCol="0">
+            <a:spAutoFit/>
+          </a:bodyPr>
+          <a:lstStyle/>
+          <a:p>
+            <a:r>
+              <a:rPr lang="en-US" altLang="ja-JP" dirty="0"/>
+              <a:t>8</a:t>
+            </a:r>
+            <a:r>
+              <a:rPr kumimoji="1" lang="en-US" altLang="ja-JP" dirty="0"/>
+              <a:t>a</a:t>
+            </a:r>
+            <a:endParaRPr kumimoji="1" lang="ja-JP" altLang="en-US" dirty="0"/>
+          </a:p>
+        </p:txBody>
+      </p:sp>
     </p:spTree>
     <p:extLst>
       <p:ext uri="{BB962C8B-B14F-4D97-AF65-F5344CB8AC3E}">
-        <p14:creationId xmlns:p14="http://schemas.microsoft.com/office/powerpoint/2010/main" val="3906188608"/>
+        <p14:creationId xmlns:p14="http://schemas.microsoft.com/office/powerpoint/2010/main" val="2187104733"/>
       </p:ext>
     </p:extLst>
   </p:cSld>
@@ -39495,156 +42425,4270 @@
           <a:chExt cx="0" cy="0"/>
         </a:xfrm>
       </p:grpSpPr>
+      <p:sp>
+        <p:nvSpPr>
+          <p:cNvPr id="44" name="正方形/長方形 43">
+            <a:extLst>
+              <a:ext uri="{FF2B5EF4-FFF2-40B4-BE49-F238E27FC236}">
+                <a16:creationId xmlns:a16="http://schemas.microsoft.com/office/drawing/2014/main" id="{0B2DDC2D-8E13-4946-9A45-0E10096E0959}"/>
+              </a:ext>
+            </a:extLst>
+          </p:cNvPr>
+          <p:cNvSpPr/>
+          <p:nvPr/>
+        </p:nvSpPr>
+        <p:spPr>
+          <a:xfrm>
+            <a:off x="2261699" y="1664857"/>
+            <a:ext cx="2299855" cy="402441"/>
+          </a:xfrm>
+          <a:prstGeom prst="rect">
+            <a:avLst/>
+          </a:prstGeom>
+          <a:solidFill>
+            <a:schemeClr val="bg1"/>
+          </a:solidFill>
+          <a:ln>
+            <a:solidFill>
+              <a:schemeClr val="tx1"/>
+            </a:solidFill>
+          </a:ln>
+        </p:spPr>
+        <p:style>
+          <a:lnRef idx="2">
+            <a:schemeClr val="accent1">
+              <a:shade val="50000"/>
+            </a:schemeClr>
+          </a:lnRef>
+          <a:fillRef idx="1">
+            <a:schemeClr val="accent1"/>
+          </a:fillRef>
+          <a:effectRef idx="0">
+            <a:schemeClr val="accent1"/>
+          </a:effectRef>
+          <a:fontRef idx="minor">
+            <a:schemeClr val="lt1"/>
+          </a:fontRef>
+        </p:style>
+        <p:txBody>
+          <a:bodyPr rtlCol="0" anchor="ctr"/>
+          <a:lstStyle/>
+          <a:p>
+            <a:pPr algn="ctr"/>
+            <a:endParaRPr kumimoji="1" lang="ja-JP" altLang="en-US"/>
+          </a:p>
+        </p:txBody>
+      </p:sp>
+      <p:sp>
+        <p:nvSpPr>
+          <p:cNvPr id="46" name="テキスト ボックス 45">
+            <a:extLst>
+              <a:ext uri="{FF2B5EF4-FFF2-40B4-BE49-F238E27FC236}">
+                <a16:creationId xmlns:a16="http://schemas.microsoft.com/office/drawing/2014/main" id="{9CD88EA9-447C-4AD0-A88F-2B57184A4A0B}"/>
+              </a:ext>
+            </a:extLst>
+          </p:cNvPr>
+          <p:cNvSpPr txBox="1"/>
+          <p:nvPr/>
+        </p:nvSpPr>
+        <p:spPr>
+          <a:xfrm>
+            <a:off x="657203" y="1375894"/>
+            <a:ext cx="1188146" cy="523220"/>
+          </a:xfrm>
+          <a:prstGeom prst="rect">
+            <a:avLst/>
+          </a:prstGeom>
+          <a:noFill/>
+        </p:spPr>
+        <p:txBody>
+          <a:bodyPr wrap="none" rtlCol="0">
+            <a:spAutoFit/>
+          </a:bodyPr>
+          <a:lstStyle/>
+          <a:p>
+            <a:r>
+              <a:rPr kumimoji="1" lang="en-US" altLang="ja-JP" sz="2800" dirty="0"/>
+              <a:t>ECDH</a:t>
+            </a:r>
+            <a:endParaRPr kumimoji="1" lang="ja-JP" altLang="en-US" sz="2800" dirty="0"/>
+          </a:p>
+        </p:txBody>
+      </p:sp>
+      <p:sp>
+        <p:nvSpPr>
+          <p:cNvPr id="49" name="正方形/長方形 48">
+            <a:extLst>
+              <a:ext uri="{FF2B5EF4-FFF2-40B4-BE49-F238E27FC236}">
+                <a16:creationId xmlns:a16="http://schemas.microsoft.com/office/drawing/2014/main" id="{0FD83BE0-68C9-46D2-9B50-01958D0150C7}"/>
+              </a:ext>
+            </a:extLst>
+          </p:cNvPr>
+          <p:cNvSpPr/>
+          <p:nvPr/>
+        </p:nvSpPr>
+        <p:spPr>
+          <a:xfrm>
+            <a:off x="8041511" y="1677829"/>
+            <a:ext cx="2299855" cy="402441"/>
+          </a:xfrm>
+          <a:prstGeom prst="rect">
+            <a:avLst/>
+          </a:prstGeom>
+          <a:solidFill>
+            <a:schemeClr val="bg1"/>
+          </a:solidFill>
+          <a:ln>
+            <a:solidFill>
+              <a:schemeClr val="tx1"/>
+            </a:solidFill>
+          </a:ln>
+        </p:spPr>
+        <p:style>
+          <a:lnRef idx="2">
+            <a:schemeClr val="accent1">
+              <a:shade val="50000"/>
+            </a:schemeClr>
+          </a:lnRef>
+          <a:fillRef idx="1">
+            <a:schemeClr val="accent1"/>
+          </a:fillRef>
+          <a:effectRef idx="0">
+            <a:schemeClr val="accent1"/>
+          </a:effectRef>
+          <a:fontRef idx="minor">
+            <a:schemeClr val="lt1"/>
+          </a:fontRef>
+        </p:style>
+        <p:txBody>
+          <a:bodyPr rtlCol="0" anchor="ctr"/>
+          <a:lstStyle/>
+          <a:p>
+            <a:pPr algn="ctr"/>
+            <a:endParaRPr kumimoji="1" lang="ja-JP" altLang="en-US"/>
+          </a:p>
+        </p:txBody>
+      </p:sp>
+      <p:sp>
+        <p:nvSpPr>
+          <p:cNvPr id="50" name="テキスト ボックス 49">
+            <a:extLst>
+              <a:ext uri="{FF2B5EF4-FFF2-40B4-BE49-F238E27FC236}">
+                <a16:creationId xmlns:a16="http://schemas.microsoft.com/office/drawing/2014/main" id="{06B13091-2EBC-4FF4-98C9-C158B3D5DE25}"/>
+              </a:ext>
+            </a:extLst>
+          </p:cNvPr>
+          <p:cNvSpPr txBox="1"/>
+          <p:nvPr/>
+        </p:nvSpPr>
+        <p:spPr>
+          <a:xfrm>
+            <a:off x="2297277" y="1680979"/>
+            <a:ext cx="2299855" cy="338554"/>
+          </a:xfrm>
+          <a:prstGeom prst="rect">
+            <a:avLst/>
+          </a:prstGeom>
+          <a:noFill/>
+        </p:spPr>
+        <p:txBody>
+          <a:bodyPr wrap="square" rtlCol="0">
+            <a:spAutoFit/>
+          </a:bodyPr>
+          <a:lstStyle/>
+          <a:p>
+            <a:r>
+              <a:rPr kumimoji="1" lang="en-US" altLang="ja-JP" sz="1600" dirty="0">
+                <a:latin typeface="Arial" panose="020B0604020202020204" pitchFamily="34" charset="0"/>
+              </a:rPr>
+              <a:t>DH Parameter: (G)</a:t>
+            </a:r>
+            <a:endParaRPr kumimoji="1" lang="ja-JP" altLang="en-US" sz="1600" dirty="0"/>
+          </a:p>
+        </p:txBody>
+      </p:sp>
+      <p:cxnSp>
+        <p:nvCxnSpPr>
+          <p:cNvPr id="52" name="直線矢印コネクタ 51">
+            <a:extLst>
+              <a:ext uri="{FF2B5EF4-FFF2-40B4-BE49-F238E27FC236}">
+                <a16:creationId xmlns:a16="http://schemas.microsoft.com/office/drawing/2014/main" id="{535BF08B-15AD-43DF-A8F1-18DCFE5F3570}"/>
+              </a:ext>
+            </a:extLst>
+          </p:cNvPr>
+          <p:cNvCxnSpPr>
+            <a:cxnSpLocks/>
+          </p:cNvCxnSpPr>
+          <p:nvPr/>
+        </p:nvCxnSpPr>
+        <p:spPr>
+          <a:xfrm flipH="1">
+            <a:off x="4632345" y="1865195"/>
+            <a:ext cx="3304520" cy="0"/>
+          </a:xfrm>
+          <a:prstGeom prst="straightConnector1">
+            <a:avLst/>
+          </a:prstGeom>
+          <a:ln w="38100">
+            <a:solidFill>
+              <a:schemeClr val="tx1"/>
+            </a:solidFill>
+            <a:headEnd type="arrow" w="med" len="med"/>
+            <a:tailEnd type="arrow" w="med" len="med"/>
+          </a:ln>
+        </p:spPr>
+        <p:style>
+          <a:lnRef idx="1">
+            <a:schemeClr val="accent1"/>
+          </a:lnRef>
+          <a:fillRef idx="0">
+            <a:schemeClr val="accent1"/>
+          </a:fillRef>
+          <a:effectRef idx="0">
+            <a:schemeClr val="accent1"/>
+          </a:effectRef>
+          <a:fontRef idx="minor">
+            <a:schemeClr val="tx1"/>
+          </a:fontRef>
+        </p:style>
+      </p:cxnSp>
+      <p:sp>
+        <p:nvSpPr>
+          <p:cNvPr id="54" name="正方形/長方形 53">
+            <a:extLst>
+              <a:ext uri="{FF2B5EF4-FFF2-40B4-BE49-F238E27FC236}">
+                <a16:creationId xmlns:a16="http://schemas.microsoft.com/office/drawing/2014/main" id="{817E0896-6969-4FE8-AE5F-8943414C5448}"/>
+              </a:ext>
+            </a:extLst>
+          </p:cNvPr>
+          <p:cNvSpPr/>
+          <p:nvPr/>
+        </p:nvSpPr>
+        <p:spPr>
+          <a:xfrm>
+            <a:off x="2253712" y="2497137"/>
+            <a:ext cx="2299855" cy="402441"/>
+          </a:xfrm>
+          <a:prstGeom prst="rect">
+            <a:avLst/>
+          </a:prstGeom>
+          <a:solidFill>
+            <a:schemeClr val="bg1"/>
+          </a:solidFill>
+          <a:ln>
+            <a:solidFill>
+              <a:schemeClr val="tx1"/>
+            </a:solidFill>
+          </a:ln>
+        </p:spPr>
+        <p:style>
+          <a:lnRef idx="2">
+            <a:schemeClr val="accent1">
+              <a:shade val="50000"/>
+            </a:schemeClr>
+          </a:lnRef>
+          <a:fillRef idx="1">
+            <a:schemeClr val="accent1"/>
+          </a:fillRef>
+          <a:effectRef idx="0">
+            <a:schemeClr val="accent1"/>
+          </a:effectRef>
+          <a:fontRef idx="minor">
+            <a:schemeClr val="lt1"/>
+          </a:fontRef>
+        </p:style>
+        <p:txBody>
+          <a:bodyPr rtlCol="0" anchor="ctr"/>
+          <a:lstStyle/>
+          <a:p>
+            <a:pPr algn="ctr"/>
+            <a:endParaRPr kumimoji="1" lang="ja-JP" altLang="en-US"/>
+          </a:p>
+        </p:txBody>
+      </p:sp>
+      <p:sp>
+        <p:nvSpPr>
+          <p:cNvPr id="55" name="テキスト ボックス 54">
+            <a:extLst>
+              <a:ext uri="{FF2B5EF4-FFF2-40B4-BE49-F238E27FC236}">
+                <a16:creationId xmlns:a16="http://schemas.microsoft.com/office/drawing/2014/main" id="{C8E755D2-3EF6-4B33-A604-406B5A4FE02D}"/>
+              </a:ext>
+            </a:extLst>
+          </p:cNvPr>
+          <p:cNvSpPr txBox="1"/>
+          <p:nvPr/>
+        </p:nvSpPr>
+        <p:spPr>
+          <a:xfrm>
+            <a:off x="2640175" y="2529080"/>
+            <a:ext cx="1713499" cy="338554"/>
+          </a:xfrm>
+          <a:prstGeom prst="rect">
+            <a:avLst/>
+          </a:prstGeom>
+          <a:noFill/>
+        </p:spPr>
+        <p:txBody>
+          <a:bodyPr wrap="square" rtlCol="0">
+            <a:spAutoFit/>
+          </a:bodyPr>
+          <a:lstStyle/>
+          <a:p>
+            <a:r>
+              <a:rPr kumimoji="1" lang="en-US" altLang="ja-JP" sz="1600" dirty="0">
+                <a:latin typeface="Arial" panose="020B0604020202020204" pitchFamily="34" charset="0"/>
+              </a:rPr>
+              <a:t>Gen. public key</a:t>
+            </a:r>
+            <a:endParaRPr kumimoji="1" lang="ja-JP" altLang="en-US" sz="1600" dirty="0"/>
+          </a:p>
+        </p:txBody>
+      </p:sp>
+      <p:sp>
+        <p:nvSpPr>
+          <p:cNvPr id="56" name="正方形/長方形 55">
+            <a:extLst>
+              <a:ext uri="{FF2B5EF4-FFF2-40B4-BE49-F238E27FC236}">
+                <a16:creationId xmlns:a16="http://schemas.microsoft.com/office/drawing/2014/main" id="{69D82BBA-7BC3-4468-8BFA-F9559736671E}"/>
+              </a:ext>
+            </a:extLst>
+          </p:cNvPr>
+          <p:cNvSpPr/>
+          <p:nvPr/>
+        </p:nvSpPr>
+        <p:spPr>
+          <a:xfrm>
+            <a:off x="8041511" y="2538545"/>
+            <a:ext cx="2299855" cy="402441"/>
+          </a:xfrm>
+          <a:prstGeom prst="rect">
+            <a:avLst/>
+          </a:prstGeom>
+          <a:solidFill>
+            <a:schemeClr val="bg1"/>
+          </a:solidFill>
+          <a:ln>
+            <a:solidFill>
+              <a:schemeClr val="tx1"/>
+            </a:solidFill>
+          </a:ln>
+        </p:spPr>
+        <p:style>
+          <a:lnRef idx="2">
+            <a:schemeClr val="accent1">
+              <a:shade val="50000"/>
+            </a:schemeClr>
+          </a:lnRef>
+          <a:fillRef idx="1">
+            <a:schemeClr val="accent1"/>
+          </a:fillRef>
+          <a:effectRef idx="0">
+            <a:schemeClr val="accent1"/>
+          </a:effectRef>
+          <a:fontRef idx="minor">
+            <a:schemeClr val="lt1"/>
+          </a:fontRef>
+        </p:style>
+        <p:txBody>
+          <a:bodyPr rtlCol="0" anchor="ctr"/>
+          <a:lstStyle/>
+          <a:p>
+            <a:pPr algn="ctr"/>
+            <a:endParaRPr kumimoji="1" lang="ja-JP" altLang="en-US"/>
+          </a:p>
+        </p:txBody>
+      </p:sp>
+      <p:sp>
+        <p:nvSpPr>
+          <p:cNvPr id="57" name="テキスト ボックス 56">
+            <a:extLst>
+              <a:ext uri="{FF2B5EF4-FFF2-40B4-BE49-F238E27FC236}">
+                <a16:creationId xmlns:a16="http://schemas.microsoft.com/office/drawing/2014/main" id="{4302DA64-B255-4475-A303-480C6E3F8B1A}"/>
+              </a:ext>
+            </a:extLst>
+          </p:cNvPr>
+          <p:cNvSpPr txBox="1"/>
+          <p:nvPr/>
+        </p:nvSpPr>
+        <p:spPr>
+          <a:xfrm>
+            <a:off x="8427974" y="2570488"/>
+            <a:ext cx="1713499" cy="338554"/>
+          </a:xfrm>
+          <a:prstGeom prst="rect">
+            <a:avLst/>
+          </a:prstGeom>
+          <a:noFill/>
+        </p:spPr>
+        <p:txBody>
+          <a:bodyPr wrap="square" rtlCol="0">
+            <a:spAutoFit/>
+          </a:bodyPr>
+          <a:lstStyle/>
+          <a:p>
+            <a:r>
+              <a:rPr kumimoji="1" lang="en-US" altLang="ja-JP" sz="1600" dirty="0">
+                <a:latin typeface="Arial" panose="020B0604020202020204" pitchFamily="34" charset="0"/>
+              </a:rPr>
+              <a:t>Gen. public key</a:t>
+            </a:r>
+            <a:endParaRPr kumimoji="1" lang="ja-JP" altLang="en-US" sz="1600" dirty="0"/>
+          </a:p>
+        </p:txBody>
+      </p:sp>
+      <p:sp>
+        <p:nvSpPr>
+          <p:cNvPr id="58" name="正方形/長方形 57">
+            <a:extLst>
+              <a:ext uri="{FF2B5EF4-FFF2-40B4-BE49-F238E27FC236}">
+                <a16:creationId xmlns:a16="http://schemas.microsoft.com/office/drawing/2014/main" id="{C3F3E01C-D74A-46C9-A5D9-22D7CD0E6A0F}"/>
+              </a:ext>
+            </a:extLst>
+          </p:cNvPr>
+          <p:cNvSpPr/>
+          <p:nvPr/>
+        </p:nvSpPr>
+        <p:spPr>
+          <a:xfrm>
+            <a:off x="2244893" y="3454531"/>
+            <a:ext cx="2299855" cy="402441"/>
+          </a:xfrm>
+          <a:prstGeom prst="rect">
+            <a:avLst/>
+          </a:prstGeom>
+          <a:solidFill>
+            <a:schemeClr val="bg1"/>
+          </a:solidFill>
+          <a:ln>
+            <a:solidFill>
+              <a:schemeClr val="tx1"/>
+            </a:solidFill>
+          </a:ln>
+        </p:spPr>
+        <p:style>
+          <a:lnRef idx="2">
+            <a:schemeClr val="accent1">
+              <a:shade val="50000"/>
+            </a:schemeClr>
+          </a:lnRef>
+          <a:fillRef idx="1">
+            <a:schemeClr val="accent1"/>
+          </a:fillRef>
+          <a:effectRef idx="0">
+            <a:schemeClr val="accent1"/>
+          </a:effectRef>
+          <a:fontRef idx="minor">
+            <a:schemeClr val="lt1"/>
+          </a:fontRef>
+        </p:style>
+        <p:txBody>
+          <a:bodyPr rtlCol="0" anchor="ctr"/>
+          <a:lstStyle/>
+          <a:p>
+            <a:pPr algn="ctr"/>
+            <a:endParaRPr kumimoji="1" lang="ja-JP" altLang="en-US"/>
+          </a:p>
+        </p:txBody>
+      </p:sp>
+      <p:sp>
+        <p:nvSpPr>
+          <p:cNvPr id="59" name="テキスト ボックス 58">
+            <a:extLst>
+              <a:ext uri="{FF2B5EF4-FFF2-40B4-BE49-F238E27FC236}">
+                <a16:creationId xmlns:a16="http://schemas.microsoft.com/office/drawing/2014/main" id="{E69512C1-B4BC-45C2-88E1-F1317FB56843}"/>
+              </a:ext>
+            </a:extLst>
+          </p:cNvPr>
+          <p:cNvSpPr txBox="1"/>
+          <p:nvPr/>
+        </p:nvSpPr>
+        <p:spPr>
+          <a:xfrm>
+            <a:off x="2644152" y="3500046"/>
+            <a:ext cx="1930198" cy="338554"/>
+          </a:xfrm>
+          <a:prstGeom prst="rect">
+            <a:avLst/>
+          </a:prstGeom>
+          <a:noFill/>
+        </p:spPr>
+        <p:txBody>
+          <a:bodyPr wrap="square" rtlCol="0">
+            <a:spAutoFit/>
+          </a:bodyPr>
+          <a:lstStyle/>
+          <a:p>
+            <a:r>
+              <a:rPr kumimoji="1" lang="en-US" altLang="ja-JP" sz="1600" dirty="0"/>
+              <a:t>Gen Secret Value</a:t>
+            </a:r>
+            <a:endParaRPr kumimoji="1" lang="ja-JP" altLang="en-US" sz="1600" dirty="0"/>
+          </a:p>
+        </p:txBody>
+      </p:sp>
+      <p:sp>
+        <p:nvSpPr>
+          <p:cNvPr id="60" name="正方形/長方形 59">
+            <a:extLst>
+              <a:ext uri="{FF2B5EF4-FFF2-40B4-BE49-F238E27FC236}">
+                <a16:creationId xmlns:a16="http://schemas.microsoft.com/office/drawing/2014/main" id="{BC627CDE-7E96-4376-BCA3-0052251772B2}"/>
+              </a:ext>
+            </a:extLst>
+          </p:cNvPr>
+          <p:cNvSpPr/>
+          <p:nvPr/>
+        </p:nvSpPr>
+        <p:spPr>
+          <a:xfrm>
+            <a:off x="8046149" y="3486475"/>
+            <a:ext cx="2299855" cy="402441"/>
+          </a:xfrm>
+          <a:prstGeom prst="rect">
+            <a:avLst/>
+          </a:prstGeom>
+          <a:solidFill>
+            <a:schemeClr val="bg1"/>
+          </a:solidFill>
+          <a:ln>
+            <a:solidFill>
+              <a:schemeClr val="tx1"/>
+            </a:solidFill>
+          </a:ln>
+        </p:spPr>
+        <p:style>
+          <a:lnRef idx="2">
+            <a:schemeClr val="accent1">
+              <a:shade val="50000"/>
+            </a:schemeClr>
+          </a:lnRef>
+          <a:fillRef idx="1">
+            <a:schemeClr val="accent1"/>
+          </a:fillRef>
+          <a:effectRef idx="0">
+            <a:schemeClr val="accent1"/>
+          </a:effectRef>
+          <a:fontRef idx="minor">
+            <a:schemeClr val="lt1"/>
+          </a:fontRef>
+        </p:style>
+        <p:txBody>
+          <a:bodyPr rtlCol="0" anchor="ctr"/>
+          <a:lstStyle/>
+          <a:p>
+            <a:pPr algn="ctr"/>
+            <a:endParaRPr kumimoji="1" lang="ja-JP" altLang="en-US"/>
+          </a:p>
+        </p:txBody>
+      </p:sp>
+      <p:sp>
+        <p:nvSpPr>
+          <p:cNvPr id="61" name="テキスト ボックス 60">
+            <a:extLst>
+              <a:ext uri="{FF2B5EF4-FFF2-40B4-BE49-F238E27FC236}">
+                <a16:creationId xmlns:a16="http://schemas.microsoft.com/office/drawing/2014/main" id="{3EBD379F-0518-4139-BB85-C84DEAEF0D1B}"/>
+              </a:ext>
+            </a:extLst>
+          </p:cNvPr>
+          <p:cNvSpPr txBox="1"/>
+          <p:nvPr/>
+        </p:nvSpPr>
+        <p:spPr>
+          <a:xfrm>
+            <a:off x="8432612" y="3518418"/>
+            <a:ext cx="1930198" cy="338554"/>
+          </a:xfrm>
+          <a:prstGeom prst="rect">
+            <a:avLst/>
+          </a:prstGeom>
+          <a:noFill/>
+        </p:spPr>
+        <p:txBody>
+          <a:bodyPr wrap="square" rtlCol="0">
+            <a:spAutoFit/>
+          </a:bodyPr>
+          <a:lstStyle/>
+          <a:p>
+            <a:r>
+              <a:rPr kumimoji="1" lang="en-US" altLang="ja-JP" sz="1600" dirty="0"/>
+              <a:t>Gen Secret Value</a:t>
+            </a:r>
+            <a:endParaRPr kumimoji="1" lang="ja-JP" altLang="en-US" sz="1600" dirty="0"/>
+          </a:p>
+        </p:txBody>
+      </p:sp>
+      <p:sp>
+        <p:nvSpPr>
+          <p:cNvPr id="62" name="フリーフォーム: 図形 61">
+            <a:extLst>
+              <a:ext uri="{FF2B5EF4-FFF2-40B4-BE49-F238E27FC236}">
+                <a16:creationId xmlns:a16="http://schemas.microsoft.com/office/drawing/2014/main" id="{C494E69B-8733-4861-B785-0543A720C88F}"/>
+              </a:ext>
+            </a:extLst>
+          </p:cNvPr>
+          <p:cNvSpPr/>
+          <p:nvPr/>
+        </p:nvSpPr>
+        <p:spPr>
+          <a:xfrm>
+            <a:off x="4717222" y="2635698"/>
+            <a:ext cx="3214255" cy="1122218"/>
+          </a:xfrm>
+          <a:custGeom>
+            <a:avLst/>
+            <a:gdLst>
+              <a:gd name="connsiteX0" fmla="*/ 0 w 3214255"/>
+              <a:gd name="connsiteY0" fmla="*/ 27709 h 1122218"/>
+              <a:gd name="connsiteX1" fmla="*/ 720437 w 3214255"/>
+              <a:gd name="connsiteY1" fmla="*/ 0 h 1122218"/>
+              <a:gd name="connsiteX2" fmla="*/ 2646218 w 3214255"/>
+              <a:gd name="connsiteY2" fmla="*/ 1122218 h 1122218"/>
+              <a:gd name="connsiteX3" fmla="*/ 3214255 w 3214255"/>
+              <a:gd name="connsiteY3" fmla="*/ 1108363 h 1122218"/>
+            </a:gdLst>
+            <a:ahLst/>
+            <a:cxnLst>
+              <a:cxn ang="0">
+                <a:pos x="connsiteX0" y="connsiteY0"/>
+              </a:cxn>
+              <a:cxn ang="0">
+                <a:pos x="connsiteX1" y="connsiteY1"/>
+              </a:cxn>
+              <a:cxn ang="0">
+                <a:pos x="connsiteX2" y="connsiteY2"/>
+              </a:cxn>
+              <a:cxn ang="0">
+                <a:pos x="connsiteX3" y="connsiteY3"/>
+              </a:cxn>
+            </a:cxnLst>
+            <a:rect l="l" t="t" r="r" b="b"/>
+            <a:pathLst>
+              <a:path w="3214255" h="1122218">
+                <a:moveTo>
+                  <a:pt x="0" y="27709"/>
+                </a:moveTo>
+                <a:lnTo>
+                  <a:pt x="720437" y="0"/>
+                </a:lnTo>
+                <a:lnTo>
+                  <a:pt x="2646218" y="1122218"/>
+                </a:lnTo>
+                <a:lnTo>
+                  <a:pt x="3214255" y="1108363"/>
+                </a:lnTo>
+              </a:path>
+            </a:pathLst>
+          </a:custGeom>
+          <a:noFill/>
+          <a:ln w="28575">
+            <a:solidFill>
+              <a:schemeClr val="tx1"/>
+            </a:solidFill>
+            <a:headEnd type="none" w="med" len="med"/>
+            <a:tailEnd type="arrow" w="lg" len="lg"/>
+          </a:ln>
+        </p:spPr>
+        <p:style>
+          <a:lnRef idx="2">
+            <a:schemeClr val="accent1">
+              <a:shade val="50000"/>
+            </a:schemeClr>
+          </a:lnRef>
+          <a:fillRef idx="1">
+            <a:schemeClr val="accent1"/>
+          </a:fillRef>
+          <a:effectRef idx="0">
+            <a:schemeClr val="accent1"/>
+          </a:effectRef>
+          <a:fontRef idx="minor">
+            <a:schemeClr val="lt1"/>
+          </a:fontRef>
+        </p:style>
+        <p:txBody>
+          <a:bodyPr rtlCol="0" anchor="ctr"/>
+          <a:lstStyle/>
+          <a:p>
+            <a:pPr algn="ctr"/>
+            <a:endParaRPr kumimoji="1" lang="ja-JP" altLang="en-US"/>
+          </a:p>
+        </p:txBody>
+      </p:sp>
+      <p:sp>
+        <p:nvSpPr>
+          <p:cNvPr id="63" name="フリーフォーム: 図形 62">
+            <a:extLst>
+              <a:ext uri="{FF2B5EF4-FFF2-40B4-BE49-F238E27FC236}">
+                <a16:creationId xmlns:a16="http://schemas.microsoft.com/office/drawing/2014/main" id="{42D320CD-9FCA-40B8-AB4E-417C402E56F1}"/>
+              </a:ext>
+            </a:extLst>
+          </p:cNvPr>
+          <p:cNvSpPr/>
+          <p:nvPr/>
+        </p:nvSpPr>
+        <p:spPr>
+          <a:xfrm flipH="1">
+            <a:off x="4722610" y="2663403"/>
+            <a:ext cx="3214255" cy="1122218"/>
+          </a:xfrm>
+          <a:custGeom>
+            <a:avLst/>
+            <a:gdLst>
+              <a:gd name="connsiteX0" fmla="*/ 0 w 3214255"/>
+              <a:gd name="connsiteY0" fmla="*/ 27709 h 1122218"/>
+              <a:gd name="connsiteX1" fmla="*/ 720437 w 3214255"/>
+              <a:gd name="connsiteY1" fmla="*/ 0 h 1122218"/>
+              <a:gd name="connsiteX2" fmla="*/ 2646218 w 3214255"/>
+              <a:gd name="connsiteY2" fmla="*/ 1122218 h 1122218"/>
+              <a:gd name="connsiteX3" fmla="*/ 3214255 w 3214255"/>
+              <a:gd name="connsiteY3" fmla="*/ 1108363 h 1122218"/>
+            </a:gdLst>
+            <a:ahLst/>
+            <a:cxnLst>
+              <a:cxn ang="0">
+                <a:pos x="connsiteX0" y="connsiteY0"/>
+              </a:cxn>
+              <a:cxn ang="0">
+                <a:pos x="connsiteX1" y="connsiteY1"/>
+              </a:cxn>
+              <a:cxn ang="0">
+                <a:pos x="connsiteX2" y="connsiteY2"/>
+              </a:cxn>
+              <a:cxn ang="0">
+                <a:pos x="connsiteX3" y="connsiteY3"/>
+              </a:cxn>
+            </a:cxnLst>
+            <a:rect l="l" t="t" r="r" b="b"/>
+            <a:pathLst>
+              <a:path w="3214255" h="1122218">
+                <a:moveTo>
+                  <a:pt x="0" y="27709"/>
+                </a:moveTo>
+                <a:lnTo>
+                  <a:pt x="720437" y="0"/>
+                </a:lnTo>
+                <a:lnTo>
+                  <a:pt x="2646218" y="1122218"/>
+                </a:lnTo>
+                <a:lnTo>
+                  <a:pt x="3214255" y="1108363"/>
+                </a:lnTo>
+              </a:path>
+            </a:pathLst>
+          </a:custGeom>
+          <a:noFill/>
+          <a:ln w="28575">
+            <a:solidFill>
+              <a:schemeClr val="tx1"/>
+            </a:solidFill>
+            <a:headEnd type="none" w="med" len="med"/>
+            <a:tailEnd type="arrow" w="lg" len="lg"/>
+          </a:ln>
+        </p:spPr>
+        <p:style>
+          <a:lnRef idx="2">
+            <a:schemeClr val="accent1">
+              <a:shade val="50000"/>
+            </a:schemeClr>
+          </a:lnRef>
+          <a:fillRef idx="1">
+            <a:schemeClr val="accent1"/>
+          </a:fillRef>
+          <a:effectRef idx="0">
+            <a:schemeClr val="accent1"/>
+          </a:effectRef>
+          <a:fontRef idx="minor">
+            <a:schemeClr val="lt1"/>
+          </a:fontRef>
+        </p:style>
+        <p:txBody>
+          <a:bodyPr rtlCol="0" anchor="ctr"/>
+          <a:lstStyle/>
+          <a:p>
+            <a:pPr algn="ctr"/>
+            <a:endParaRPr kumimoji="1" lang="ja-JP" altLang="en-US" dirty="0"/>
+          </a:p>
+        </p:txBody>
+      </p:sp>
+      <p:sp>
+        <p:nvSpPr>
+          <p:cNvPr id="64" name="正方形/長方形 63">
+            <a:extLst>
+              <a:ext uri="{FF2B5EF4-FFF2-40B4-BE49-F238E27FC236}">
+                <a16:creationId xmlns:a16="http://schemas.microsoft.com/office/drawing/2014/main" id="{D097581F-D896-44E0-A881-B24E1C262886}"/>
+              </a:ext>
+            </a:extLst>
+          </p:cNvPr>
+          <p:cNvSpPr/>
+          <p:nvPr/>
+        </p:nvSpPr>
+        <p:spPr>
+          <a:xfrm>
+            <a:off x="8428213" y="4240068"/>
+            <a:ext cx="1572353" cy="402441"/>
+          </a:xfrm>
+          <a:prstGeom prst="rect">
+            <a:avLst/>
+          </a:prstGeom>
+          <a:solidFill>
+            <a:schemeClr val="bg1"/>
+          </a:solidFill>
+          <a:ln>
+            <a:solidFill>
+              <a:schemeClr val="tx1"/>
+            </a:solidFill>
+          </a:ln>
+        </p:spPr>
+        <p:style>
+          <a:lnRef idx="2">
+            <a:schemeClr val="accent1">
+              <a:shade val="50000"/>
+            </a:schemeClr>
+          </a:lnRef>
+          <a:fillRef idx="1">
+            <a:schemeClr val="accent1"/>
+          </a:fillRef>
+          <a:effectRef idx="0">
+            <a:schemeClr val="accent1"/>
+          </a:effectRef>
+          <a:fontRef idx="minor">
+            <a:schemeClr val="lt1"/>
+          </a:fontRef>
+        </p:style>
+        <p:txBody>
+          <a:bodyPr rtlCol="0" anchor="ctr"/>
+          <a:lstStyle/>
+          <a:p>
+            <a:pPr algn="ctr"/>
+            <a:endParaRPr kumimoji="1" lang="ja-JP" altLang="en-US"/>
+          </a:p>
+        </p:txBody>
+      </p:sp>
+      <p:sp>
+        <p:nvSpPr>
+          <p:cNvPr id="65" name="テキスト ボックス 64">
+            <a:extLst>
+              <a:ext uri="{FF2B5EF4-FFF2-40B4-BE49-F238E27FC236}">
+                <a16:creationId xmlns:a16="http://schemas.microsoft.com/office/drawing/2014/main" id="{6D3D2320-4772-4623-91EA-09357A839F82}"/>
+              </a:ext>
+            </a:extLst>
+          </p:cNvPr>
+          <p:cNvSpPr txBox="1"/>
+          <p:nvPr/>
+        </p:nvSpPr>
+        <p:spPr>
+          <a:xfrm>
+            <a:off x="8609372" y="4220284"/>
+            <a:ext cx="1930198" cy="338554"/>
+          </a:xfrm>
+          <a:prstGeom prst="rect">
+            <a:avLst/>
+          </a:prstGeom>
+          <a:noFill/>
+        </p:spPr>
+        <p:txBody>
+          <a:bodyPr wrap="square" rtlCol="0">
+            <a:spAutoFit/>
+          </a:bodyPr>
+          <a:lstStyle/>
+          <a:p>
+            <a:r>
+              <a:rPr kumimoji="1" lang="en-US" altLang="ja-JP" sz="1600" dirty="0"/>
+              <a:t>Secret Value</a:t>
+            </a:r>
+            <a:endParaRPr kumimoji="1" lang="ja-JP" altLang="en-US" sz="1600" dirty="0"/>
+          </a:p>
+        </p:txBody>
+      </p:sp>
+      <p:sp>
+        <p:nvSpPr>
+          <p:cNvPr id="66" name="正方形/長方形 65">
+            <a:extLst>
+              <a:ext uri="{FF2B5EF4-FFF2-40B4-BE49-F238E27FC236}">
+                <a16:creationId xmlns:a16="http://schemas.microsoft.com/office/drawing/2014/main" id="{C599E83F-686C-4BCC-A01D-D8C41F160182}"/>
+              </a:ext>
+            </a:extLst>
+          </p:cNvPr>
+          <p:cNvSpPr/>
+          <p:nvPr/>
+        </p:nvSpPr>
+        <p:spPr>
+          <a:xfrm>
+            <a:off x="2775080" y="4289607"/>
+            <a:ext cx="1572353" cy="402441"/>
+          </a:xfrm>
+          <a:prstGeom prst="rect">
+            <a:avLst/>
+          </a:prstGeom>
+          <a:solidFill>
+            <a:schemeClr val="bg1"/>
+          </a:solidFill>
+          <a:ln>
+            <a:solidFill>
+              <a:schemeClr val="tx1"/>
+            </a:solidFill>
+          </a:ln>
+        </p:spPr>
+        <p:style>
+          <a:lnRef idx="2">
+            <a:schemeClr val="accent1">
+              <a:shade val="50000"/>
+            </a:schemeClr>
+          </a:lnRef>
+          <a:fillRef idx="1">
+            <a:schemeClr val="accent1"/>
+          </a:fillRef>
+          <a:effectRef idx="0">
+            <a:schemeClr val="accent1"/>
+          </a:effectRef>
+          <a:fontRef idx="minor">
+            <a:schemeClr val="lt1"/>
+          </a:fontRef>
+        </p:style>
+        <p:txBody>
+          <a:bodyPr rtlCol="0" anchor="ctr"/>
+          <a:lstStyle/>
+          <a:p>
+            <a:pPr algn="ctr"/>
+            <a:endParaRPr kumimoji="1" lang="ja-JP" altLang="en-US"/>
+          </a:p>
+        </p:txBody>
+      </p:sp>
+      <p:sp>
+        <p:nvSpPr>
+          <p:cNvPr id="67" name="テキスト ボックス 66">
+            <a:extLst>
+              <a:ext uri="{FF2B5EF4-FFF2-40B4-BE49-F238E27FC236}">
+                <a16:creationId xmlns:a16="http://schemas.microsoft.com/office/drawing/2014/main" id="{C5215599-A1F4-4CC4-BB2D-0B5C9EB6A498}"/>
+              </a:ext>
+            </a:extLst>
+          </p:cNvPr>
+          <p:cNvSpPr txBox="1"/>
+          <p:nvPr/>
+        </p:nvSpPr>
+        <p:spPr>
+          <a:xfrm>
+            <a:off x="2891875" y="4321550"/>
+            <a:ext cx="1930198" cy="338554"/>
+          </a:xfrm>
+          <a:prstGeom prst="rect">
+            <a:avLst/>
+          </a:prstGeom>
+          <a:noFill/>
+        </p:spPr>
+        <p:txBody>
+          <a:bodyPr wrap="square" rtlCol="0">
+            <a:spAutoFit/>
+          </a:bodyPr>
+          <a:lstStyle/>
+          <a:p>
+            <a:r>
+              <a:rPr kumimoji="1" lang="en-US" altLang="ja-JP" sz="1600" dirty="0"/>
+              <a:t>Secret Value</a:t>
+            </a:r>
+            <a:endParaRPr kumimoji="1" lang="ja-JP" altLang="en-US" sz="1600" dirty="0"/>
+          </a:p>
+        </p:txBody>
+      </p:sp>
+      <p:sp>
+        <p:nvSpPr>
+          <p:cNvPr id="68" name="矢印: 右 67">
+            <a:extLst>
+              <a:ext uri="{FF2B5EF4-FFF2-40B4-BE49-F238E27FC236}">
+                <a16:creationId xmlns:a16="http://schemas.microsoft.com/office/drawing/2014/main" id="{A3648BEB-EC84-498C-9B42-AFC5C4AE3096}"/>
+              </a:ext>
+            </a:extLst>
+          </p:cNvPr>
+          <p:cNvSpPr/>
+          <p:nvPr/>
+        </p:nvSpPr>
+        <p:spPr>
+          <a:xfrm rot="16200000" flipH="1">
+            <a:off x="9150365" y="2100586"/>
+            <a:ext cx="241087" cy="396424"/>
+          </a:xfrm>
+          <a:prstGeom prst="rightArrow">
+            <a:avLst/>
+          </a:prstGeom>
+          <a:solidFill>
+            <a:schemeClr val="bg1"/>
+          </a:solidFill>
+          <a:ln>
+            <a:solidFill>
+              <a:schemeClr val="tx1"/>
+            </a:solidFill>
+          </a:ln>
+        </p:spPr>
+        <p:style>
+          <a:lnRef idx="2">
+            <a:schemeClr val="accent1">
+              <a:shade val="50000"/>
+            </a:schemeClr>
+          </a:lnRef>
+          <a:fillRef idx="1">
+            <a:schemeClr val="accent1"/>
+          </a:fillRef>
+          <a:effectRef idx="0">
+            <a:schemeClr val="accent1"/>
+          </a:effectRef>
+          <a:fontRef idx="minor">
+            <a:schemeClr val="lt1"/>
+          </a:fontRef>
+        </p:style>
+        <p:txBody>
+          <a:bodyPr rtlCol="0" anchor="ctr"/>
+          <a:lstStyle/>
+          <a:p>
+            <a:pPr algn="ctr"/>
+            <a:endParaRPr kumimoji="1" lang="ja-JP" altLang="en-US"/>
+          </a:p>
+        </p:txBody>
+      </p:sp>
+      <p:sp>
+        <p:nvSpPr>
+          <p:cNvPr id="69" name="矢印: 右 68">
+            <a:extLst>
+              <a:ext uri="{FF2B5EF4-FFF2-40B4-BE49-F238E27FC236}">
+                <a16:creationId xmlns:a16="http://schemas.microsoft.com/office/drawing/2014/main" id="{5AFB4A50-A628-4074-AB43-3D8B8A790525}"/>
+              </a:ext>
+            </a:extLst>
+          </p:cNvPr>
+          <p:cNvSpPr/>
+          <p:nvPr/>
+        </p:nvSpPr>
+        <p:spPr>
+          <a:xfrm rot="16200000" flipH="1">
+            <a:off x="3329883" y="2100584"/>
+            <a:ext cx="241087" cy="396424"/>
+          </a:xfrm>
+          <a:prstGeom prst="rightArrow">
+            <a:avLst/>
+          </a:prstGeom>
+          <a:solidFill>
+            <a:schemeClr val="bg1"/>
+          </a:solidFill>
+          <a:ln>
+            <a:solidFill>
+              <a:schemeClr val="tx1"/>
+            </a:solidFill>
+          </a:ln>
+        </p:spPr>
+        <p:style>
+          <a:lnRef idx="2">
+            <a:schemeClr val="accent1">
+              <a:shade val="50000"/>
+            </a:schemeClr>
+          </a:lnRef>
+          <a:fillRef idx="1">
+            <a:schemeClr val="accent1"/>
+          </a:fillRef>
+          <a:effectRef idx="0">
+            <a:schemeClr val="accent1"/>
+          </a:effectRef>
+          <a:fontRef idx="minor">
+            <a:schemeClr val="lt1"/>
+          </a:fontRef>
+        </p:style>
+        <p:txBody>
+          <a:bodyPr rtlCol="0" anchor="ctr"/>
+          <a:lstStyle/>
+          <a:p>
+            <a:pPr algn="ctr"/>
+            <a:endParaRPr kumimoji="1" lang="ja-JP" altLang="en-US"/>
+          </a:p>
+        </p:txBody>
+      </p:sp>
+      <p:sp>
+        <p:nvSpPr>
+          <p:cNvPr id="71" name="矢印: 右 70">
+            <a:extLst>
+              <a:ext uri="{FF2B5EF4-FFF2-40B4-BE49-F238E27FC236}">
+                <a16:creationId xmlns:a16="http://schemas.microsoft.com/office/drawing/2014/main" id="{1E488C7C-D680-4A9F-B8B2-3209F40A8126}"/>
+              </a:ext>
+            </a:extLst>
+          </p:cNvPr>
+          <p:cNvSpPr/>
+          <p:nvPr/>
+        </p:nvSpPr>
+        <p:spPr>
+          <a:xfrm rot="16200000" flipH="1">
+            <a:off x="3440713" y="3866280"/>
+            <a:ext cx="241087" cy="396424"/>
+          </a:xfrm>
+          <a:prstGeom prst="rightArrow">
+            <a:avLst/>
+          </a:prstGeom>
+          <a:solidFill>
+            <a:schemeClr val="bg1"/>
+          </a:solidFill>
+          <a:ln>
+            <a:solidFill>
+              <a:schemeClr val="tx1"/>
+            </a:solidFill>
+          </a:ln>
+        </p:spPr>
+        <p:style>
+          <a:lnRef idx="2">
+            <a:schemeClr val="accent1">
+              <a:shade val="50000"/>
+            </a:schemeClr>
+          </a:lnRef>
+          <a:fillRef idx="1">
+            <a:schemeClr val="accent1"/>
+          </a:fillRef>
+          <a:effectRef idx="0">
+            <a:schemeClr val="accent1"/>
+          </a:effectRef>
+          <a:fontRef idx="minor">
+            <a:schemeClr val="lt1"/>
+          </a:fontRef>
+        </p:style>
+        <p:txBody>
+          <a:bodyPr rtlCol="0" anchor="ctr"/>
+          <a:lstStyle/>
+          <a:p>
+            <a:pPr algn="ctr"/>
+            <a:endParaRPr kumimoji="1" lang="ja-JP" altLang="en-US"/>
+          </a:p>
+        </p:txBody>
+      </p:sp>
+      <p:sp>
+        <p:nvSpPr>
+          <p:cNvPr id="72" name="矢印: 右 71">
+            <a:extLst>
+              <a:ext uri="{FF2B5EF4-FFF2-40B4-BE49-F238E27FC236}">
+                <a16:creationId xmlns:a16="http://schemas.microsoft.com/office/drawing/2014/main" id="{00A4D03C-DC22-49A0-9ED6-0CAD66408CC6}"/>
+              </a:ext>
+            </a:extLst>
+          </p:cNvPr>
+          <p:cNvSpPr/>
+          <p:nvPr/>
+        </p:nvSpPr>
+        <p:spPr>
+          <a:xfrm rot="16200000" flipH="1">
+            <a:off x="9024763" y="3866280"/>
+            <a:ext cx="241087" cy="396424"/>
+          </a:xfrm>
+          <a:prstGeom prst="rightArrow">
+            <a:avLst/>
+          </a:prstGeom>
+          <a:solidFill>
+            <a:schemeClr val="bg1"/>
+          </a:solidFill>
+          <a:ln>
+            <a:solidFill>
+              <a:schemeClr val="tx1"/>
+            </a:solidFill>
+          </a:ln>
+        </p:spPr>
+        <p:style>
+          <a:lnRef idx="2">
+            <a:schemeClr val="accent1">
+              <a:shade val="50000"/>
+            </a:schemeClr>
+          </a:lnRef>
+          <a:fillRef idx="1">
+            <a:schemeClr val="accent1"/>
+          </a:fillRef>
+          <a:effectRef idx="0">
+            <a:schemeClr val="accent1"/>
+          </a:effectRef>
+          <a:fontRef idx="minor">
+            <a:schemeClr val="lt1"/>
+          </a:fontRef>
+        </p:style>
+        <p:txBody>
+          <a:bodyPr rtlCol="0" anchor="ctr"/>
+          <a:lstStyle/>
+          <a:p>
+            <a:pPr algn="ctr"/>
+            <a:endParaRPr kumimoji="1" lang="ja-JP" altLang="en-US"/>
+          </a:p>
+        </p:txBody>
+      </p:sp>
+      <p:cxnSp>
+        <p:nvCxnSpPr>
+          <p:cNvPr id="73" name="直線矢印コネクタ 72">
+            <a:extLst>
+              <a:ext uri="{FF2B5EF4-FFF2-40B4-BE49-F238E27FC236}">
+                <a16:creationId xmlns:a16="http://schemas.microsoft.com/office/drawing/2014/main" id="{C932A0A6-6FD9-4842-85C1-C300EF7F74CE}"/>
+              </a:ext>
+            </a:extLst>
+          </p:cNvPr>
+          <p:cNvCxnSpPr>
+            <a:cxnSpLocks/>
+          </p:cNvCxnSpPr>
+          <p:nvPr/>
+        </p:nvCxnSpPr>
+        <p:spPr>
+          <a:xfrm flipH="1">
+            <a:off x="4717222" y="4437541"/>
+            <a:ext cx="3304520" cy="0"/>
+          </a:xfrm>
+          <a:prstGeom prst="straightConnector1">
+            <a:avLst/>
+          </a:prstGeom>
+          <a:ln w="38100">
+            <a:solidFill>
+              <a:schemeClr val="tx1"/>
+            </a:solidFill>
+            <a:prstDash val="dash"/>
+            <a:headEnd type="arrow" w="med" len="med"/>
+            <a:tailEnd type="arrow" w="med" len="med"/>
+          </a:ln>
+        </p:spPr>
+        <p:style>
+          <a:lnRef idx="1">
+            <a:schemeClr val="accent1"/>
+          </a:lnRef>
+          <a:fillRef idx="0">
+            <a:schemeClr val="accent1"/>
+          </a:fillRef>
+          <a:effectRef idx="0">
+            <a:schemeClr val="accent1"/>
+          </a:effectRef>
+          <a:fontRef idx="minor">
+            <a:schemeClr val="tx1"/>
+          </a:fontRef>
+        </p:style>
+      </p:cxnSp>
+      <p:sp>
+        <p:nvSpPr>
+          <p:cNvPr id="74" name="爆発: 8 pt 73">
+            <a:extLst>
+              <a:ext uri="{FF2B5EF4-FFF2-40B4-BE49-F238E27FC236}">
+                <a16:creationId xmlns:a16="http://schemas.microsoft.com/office/drawing/2014/main" id="{74713162-2BC1-4AB2-8CBF-EF135D9B23E2}"/>
+              </a:ext>
+            </a:extLst>
+          </p:cNvPr>
+          <p:cNvSpPr/>
+          <p:nvPr/>
+        </p:nvSpPr>
+        <p:spPr>
+          <a:xfrm>
+            <a:off x="1085916" y="2430015"/>
+            <a:ext cx="638742" cy="536683"/>
+          </a:xfrm>
+          <a:prstGeom prst="irregularSeal1">
+            <a:avLst/>
+          </a:prstGeom>
+          <a:noFill/>
+          <a:ln>
+            <a:solidFill>
+              <a:schemeClr val="tx1"/>
+            </a:solidFill>
+          </a:ln>
+        </p:spPr>
+        <p:style>
+          <a:lnRef idx="2">
+            <a:schemeClr val="accent1">
+              <a:shade val="50000"/>
+            </a:schemeClr>
+          </a:lnRef>
+          <a:fillRef idx="1">
+            <a:schemeClr val="accent1"/>
+          </a:fillRef>
+          <a:effectRef idx="0">
+            <a:schemeClr val="accent1"/>
+          </a:effectRef>
+          <a:fontRef idx="minor">
+            <a:schemeClr val="lt1"/>
+          </a:fontRef>
+        </p:style>
+        <p:txBody>
+          <a:bodyPr rtlCol="0" anchor="ctr"/>
+          <a:lstStyle/>
+          <a:p>
+            <a:pPr algn="ctr"/>
+            <a:endParaRPr kumimoji="1" lang="ja-JP" altLang="en-US"/>
+          </a:p>
+        </p:txBody>
+      </p:sp>
+      <p:sp>
+        <p:nvSpPr>
+          <p:cNvPr id="75" name="爆発: 8 pt 74">
+            <a:extLst>
+              <a:ext uri="{FF2B5EF4-FFF2-40B4-BE49-F238E27FC236}">
+                <a16:creationId xmlns:a16="http://schemas.microsoft.com/office/drawing/2014/main" id="{99C4D69D-658B-4724-8E85-4AA83D884839}"/>
+              </a:ext>
+            </a:extLst>
+          </p:cNvPr>
+          <p:cNvSpPr/>
+          <p:nvPr/>
+        </p:nvSpPr>
+        <p:spPr>
+          <a:xfrm>
+            <a:off x="11053179" y="2454133"/>
+            <a:ext cx="638742" cy="536683"/>
+          </a:xfrm>
+          <a:prstGeom prst="irregularSeal1">
+            <a:avLst/>
+          </a:prstGeom>
+          <a:noFill/>
+          <a:ln>
+            <a:solidFill>
+              <a:schemeClr val="tx1"/>
+            </a:solidFill>
+          </a:ln>
+        </p:spPr>
+        <p:style>
+          <a:lnRef idx="2">
+            <a:schemeClr val="accent1">
+              <a:shade val="50000"/>
+            </a:schemeClr>
+          </a:lnRef>
+          <a:fillRef idx="1">
+            <a:schemeClr val="accent1"/>
+          </a:fillRef>
+          <a:effectRef idx="0">
+            <a:schemeClr val="accent1"/>
+          </a:effectRef>
+          <a:fontRef idx="minor">
+            <a:schemeClr val="lt1"/>
+          </a:fontRef>
+        </p:style>
+        <p:txBody>
+          <a:bodyPr rtlCol="0" anchor="ctr"/>
+          <a:lstStyle/>
+          <a:p>
+            <a:pPr algn="ctr"/>
+            <a:endParaRPr kumimoji="1" lang="ja-JP" altLang="en-US"/>
+          </a:p>
+        </p:txBody>
+      </p:sp>
+      <p:sp>
+        <p:nvSpPr>
+          <p:cNvPr id="76" name="矢印: 右 75">
+            <a:extLst>
+              <a:ext uri="{FF2B5EF4-FFF2-40B4-BE49-F238E27FC236}">
+                <a16:creationId xmlns:a16="http://schemas.microsoft.com/office/drawing/2014/main" id="{9E7F6312-722B-4AF7-BF44-607D245AD1BD}"/>
+              </a:ext>
+            </a:extLst>
+          </p:cNvPr>
+          <p:cNvSpPr/>
+          <p:nvPr/>
+        </p:nvSpPr>
+        <p:spPr>
+          <a:xfrm rot="10800000" flipH="1">
+            <a:off x="1763384" y="2497137"/>
+            <a:ext cx="417731" cy="396424"/>
+          </a:xfrm>
+          <a:prstGeom prst="rightArrow">
+            <a:avLst/>
+          </a:prstGeom>
+          <a:solidFill>
+            <a:schemeClr val="bg1"/>
+          </a:solidFill>
+          <a:ln>
+            <a:solidFill>
+              <a:schemeClr val="tx1"/>
+            </a:solidFill>
+          </a:ln>
+        </p:spPr>
+        <p:style>
+          <a:lnRef idx="2">
+            <a:schemeClr val="accent1">
+              <a:shade val="50000"/>
+            </a:schemeClr>
+          </a:lnRef>
+          <a:fillRef idx="1">
+            <a:schemeClr val="accent1"/>
+          </a:fillRef>
+          <a:effectRef idx="0">
+            <a:schemeClr val="accent1"/>
+          </a:effectRef>
+          <a:fontRef idx="minor">
+            <a:schemeClr val="lt1"/>
+          </a:fontRef>
+        </p:style>
+        <p:txBody>
+          <a:bodyPr rtlCol="0" anchor="ctr"/>
+          <a:lstStyle/>
+          <a:p>
+            <a:pPr algn="ctr"/>
+            <a:endParaRPr kumimoji="1" lang="ja-JP" altLang="en-US"/>
+          </a:p>
+        </p:txBody>
+      </p:sp>
+      <p:sp>
+        <p:nvSpPr>
+          <p:cNvPr id="77" name="矢印: 右 76">
+            <a:extLst>
+              <a:ext uri="{FF2B5EF4-FFF2-40B4-BE49-F238E27FC236}">
+                <a16:creationId xmlns:a16="http://schemas.microsoft.com/office/drawing/2014/main" id="{7D41FBED-E5AC-49E5-B465-17863BE5A022}"/>
+              </a:ext>
+            </a:extLst>
+          </p:cNvPr>
+          <p:cNvSpPr/>
+          <p:nvPr/>
+        </p:nvSpPr>
+        <p:spPr>
+          <a:xfrm rot="10800000">
+            <a:off x="10463662" y="2538545"/>
+            <a:ext cx="417731" cy="396424"/>
+          </a:xfrm>
+          <a:prstGeom prst="rightArrow">
+            <a:avLst/>
+          </a:prstGeom>
+          <a:solidFill>
+            <a:schemeClr val="bg1"/>
+          </a:solidFill>
+          <a:ln>
+            <a:solidFill>
+              <a:schemeClr val="tx1"/>
+            </a:solidFill>
+          </a:ln>
+        </p:spPr>
+        <p:style>
+          <a:lnRef idx="2">
+            <a:schemeClr val="accent1">
+              <a:shade val="50000"/>
+            </a:schemeClr>
+          </a:lnRef>
+          <a:fillRef idx="1">
+            <a:schemeClr val="accent1"/>
+          </a:fillRef>
+          <a:effectRef idx="0">
+            <a:schemeClr val="accent1"/>
+          </a:effectRef>
+          <a:fontRef idx="minor">
+            <a:schemeClr val="lt1"/>
+          </a:fontRef>
+        </p:style>
+        <p:txBody>
+          <a:bodyPr rtlCol="0" anchor="ctr"/>
+          <a:lstStyle/>
+          <a:p>
+            <a:pPr algn="ctr"/>
+            <a:endParaRPr kumimoji="1" lang="ja-JP" altLang="en-US"/>
+          </a:p>
+        </p:txBody>
+      </p:sp>
+      <p:sp>
+        <p:nvSpPr>
+          <p:cNvPr id="78" name="テキスト ボックス 77">
+            <a:extLst>
+              <a:ext uri="{FF2B5EF4-FFF2-40B4-BE49-F238E27FC236}">
+                <a16:creationId xmlns:a16="http://schemas.microsoft.com/office/drawing/2014/main" id="{8B62803D-8EB3-413A-8CF8-C687922092BC}"/>
+              </a:ext>
+            </a:extLst>
+          </p:cNvPr>
+          <p:cNvSpPr txBox="1"/>
+          <p:nvPr/>
+        </p:nvSpPr>
+        <p:spPr>
+          <a:xfrm>
+            <a:off x="738770" y="3004523"/>
+            <a:ext cx="1713499" cy="338554"/>
+          </a:xfrm>
+          <a:prstGeom prst="rect">
+            <a:avLst/>
+          </a:prstGeom>
+          <a:noFill/>
+        </p:spPr>
+        <p:txBody>
+          <a:bodyPr wrap="square" rtlCol="0">
+            <a:spAutoFit/>
+          </a:bodyPr>
+          <a:lstStyle/>
+          <a:p>
+            <a:r>
+              <a:rPr kumimoji="1" lang="en-US" altLang="ja-JP" sz="1600" dirty="0">
+                <a:latin typeface="Arial" panose="020B0604020202020204" pitchFamily="34" charset="0"/>
+              </a:rPr>
+              <a:t>Random gen</a:t>
+            </a:r>
+            <a:endParaRPr kumimoji="1" lang="ja-JP" altLang="en-US" sz="1600" dirty="0"/>
+          </a:p>
+        </p:txBody>
+      </p:sp>
+      <p:sp>
+        <p:nvSpPr>
+          <p:cNvPr id="79" name="テキスト ボックス 78">
+            <a:extLst>
+              <a:ext uri="{FF2B5EF4-FFF2-40B4-BE49-F238E27FC236}">
+                <a16:creationId xmlns:a16="http://schemas.microsoft.com/office/drawing/2014/main" id="{CD3640F4-3120-4301-BEDB-985578803784}"/>
+              </a:ext>
+            </a:extLst>
+          </p:cNvPr>
+          <p:cNvSpPr txBox="1"/>
+          <p:nvPr/>
+        </p:nvSpPr>
+        <p:spPr>
+          <a:xfrm>
+            <a:off x="10601502" y="1977645"/>
+            <a:ext cx="1713499" cy="338554"/>
+          </a:xfrm>
+          <a:prstGeom prst="rect">
+            <a:avLst/>
+          </a:prstGeom>
+          <a:noFill/>
+        </p:spPr>
+        <p:txBody>
+          <a:bodyPr wrap="square" rtlCol="0">
+            <a:spAutoFit/>
+          </a:bodyPr>
+          <a:lstStyle/>
+          <a:p>
+            <a:r>
+              <a:rPr kumimoji="1" lang="en-US" altLang="ja-JP" sz="1600" dirty="0">
+                <a:latin typeface="Arial" panose="020B0604020202020204" pitchFamily="34" charset="0"/>
+              </a:rPr>
+              <a:t>Random gen.</a:t>
+            </a:r>
+            <a:endParaRPr kumimoji="1" lang="ja-JP" altLang="en-US" sz="1600" dirty="0"/>
+          </a:p>
+        </p:txBody>
+      </p:sp>
+      <p:sp>
+        <p:nvSpPr>
+          <p:cNvPr id="81" name="テキスト ボックス 80">
+            <a:extLst>
+              <a:ext uri="{FF2B5EF4-FFF2-40B4-BE49-F238E27FC236}">
+                <a16:creationId xmlns:a16="http://schemas.microsoft.com/office/drawing/2014/main" id="{FB9F1983-874C-469D-BCF0-768FE40E1C16}"/>
+              </a:ext>
+            </a:extLst>
+          </p:cNvPr>
+          <p:cNvSpPr txBox="1"/>
+          <p:nvPr/>
+        </p:nvSpPr>
+        <p:spPr>
+          <a:xfrm>
+            <a:off x="6458633" y="2348010"/>
+            <a:ext cx="2033966" cy="338554"/>
+          </a:xfrm>
+          <a:prstGeom prst="rect">
+            <a:avLst/>
+          </a:prstGeom>
+          <a:noFill/>
+        </p:spPr>
+        <p:txBody>
+          <a:bodyPr wrap="square" rtlCol="0">
+            <a:spAutoFit/>
+          </a:bodyPr>
+          <a:lstStyle/>
+          <a:p>
+            <a:r>
+              <a:rPr kumimoji="1" lang="en-US" altLang="ja-JP" sz="1600" dirty="0"/>
+              <a:t>Pa = G x a </a:t>
+            </a:r>
+          </a:p>
+        </p:txBody>
+      </p:sp>
+      <p:sp>
+        <p:nvSpPr>
+          <p:cNvPr id="83" name="テキスト ボックス 82">
+            <a:extLst>
+              <a:ext uri="{FF2B5EF4-FFF2-40B4-BE49-F238E27FC236}">
+                <a16:creationId xmlns:a16="http://schemas.microsoft.com/office/drawing/2014/main" id="{B4C0AF0C-0961-4DD7-B1F6-F8E3A907517D}"/>
+              </a:ext>
+            </a:extLst>
+          </p:cNvPr>
+          <p:cNvSpPr txBox="1"/>
+          <p:nvPr/>
+        </p:nvSpPr>
+        <p:spPr>
+          <a:xfrm>
+            <a:off x="8159953" y="1709772"/>
+            <a:ext cx="2299855" cy="338554"/>
+          </a:xfrm>
+          <a:prstGeom prst="rect">
+            <a:avLst/>
+          </a:prstGeom>
+          <a:noFill/>
+        </p:spPr>
+        <p:txBody>
+          <a:bodyPr wrap="square" rtlCol="0">
+            <a:spAutoFit/>
+          </a:bodyPr>
+          <a:lstStyle/>
+          <a:p>
+            <a:r>
+              <a:rPr kumimoji="1" lang="en-US" altLang="ja-JP" sz="1600" dirty="0">
+                <a:latin typeface="Arial" panose="020B0604020202020204" pitchFamily="34" charset="0"/>
+              </a:rPr>
+              <a:t>DH Parameter: (G)</a:t>
+            </a:r>
+            <a:endParaRPr kumimoji="1" lang="ja-JP" altLang="en-US" sz="1600" dirty="0"/>
+          </a:p>
+        </p:txBody>
+      </p:sp>
+      <p:sp>
+        <p:nvSpPr>
+          <p:cNvPr id="86" name="テキスト ボックス 85">
+            <a:extLst>
+              <a:ext uri="{FF2B5EF4-FFF2-40B4-BE49-F238E27FC236}">
+                <a16:creationId xmlns:a16="http://schemas.microsoft.com/office/drawing/2014/main" id="{D786B3E6-E4C0-48BC-86E6-4DAB6DD9E30B}"/>
+              </a:ext>
+            </a:extLst>
+          </p:cNvPr>
+          <p:cNvSpPr txBox="1"/>
+          <p:nvPr/>
+        </p:nvSpPr>
+        <p:spPr>
+          <a:xfrm>
+            <a:off x="4570654" y="2332609"/>
+            <a:ext cx="1189749" cy="338554"/>
+          </a:xfrm>
+          <a:prstGeom prst="rect">
+            <a:avLst/>
+          </a:prstGeom>
+          <a:noFill/>
+        </p:spPr>
+        <p:txBody>
+          <a:bodyPr wrap="none" rtlCol="0">
+            <a:spAutoFit/>
+          </a:bodyPr>
+          <a:lstStyle/>
+          <a:p>
+            <a:r>
+              <a:rPr kumimoji="1" lang="en-US" altLang="ja-JP" sz="1600" dirty="0"/>
+              <a:t>Pb = G x a</a:t>
+            </a:r>
+          </a:p>
+        </p:txBody>
+      </p:sp>
+      <p:sp>
+        <p:nvSpPr>
+          <p:cNvPr id="89" name="テキスト ボックス 88">
+            <a:extLst>
+              <a:ext uri="{FF2B5EF4-FFF2-40B4-BE49-F238E27FC236}">
+                <a16:creationId xmlns:a16="http://schemas.microsoft.com/office/drawing/2014/main" id="{25E541EF-4559-45A6-BFA6-C37F49A3CA89}"/>
+              </a:ext>
+            </a:extLst>
+          </p:cNvPr>
+          <p:cNvSpPr txBox="1"/>
+          <p:nvPr/>
+        </p:nvSpPr>
+        <p:spPr>
+          <a:xfrm>
+            <a:off x="10404639" y="3624098"/>
+            <a:ext cx="925253" cy="369332"/>
+          </a:xfrm>
+          <a:prstGeom prst="rect">
+            <a:avLst/>
+          </a:prstGeom>
+          <a:noFill/>
+        </p:spPr>
+        <p:txBody>
+          <a:bodyPr wrap="none" rtlCol="0">
+            <a:spAutoFit/>
+          </a:bodyPr>
+          <a:lstStyle/>
+          <a:p>
+            <a:r>
+              <a:rPr lang="en-US" altLang="ja-JP" dirty="0"/>
+              <a:t>G x ab</a:t>
+            </a:r>
+            <a:r>
+              <a:rPr kumimoji="1" lang="en-US" altLang="ja-JP" dirty="0"/>
+              <a:t> </a:t>
+            </a:r>
+            <a:endParaRPr kumimoji="1" lang="ja-JP" altLang="en-US" dirty="0"/>
+          </a:p>
+        </p:txBody>
+      </p:sp>
+      <p:sp>
+        <p:nvSpPr>
+          <p:cNvPr id="94" name="テキスト ボックス 93">
+            <a:extLst>
+              <a:ext uri="{FF2B5EF4-FFF2-40B4-BE49-F238E27FC236}">
+                <a16:creationId xmlns:a16="http://schemas.microsoft.com/office/drawing/2014/main" id="{83B6FAA9-5265-4D58-ADAC-75A1FBD53759}"/>
+              </a:ext>
+            </a:extLst>
+          </p:cNvPr>
+          <p:cNvSpPr txBox="1"/>
+          <p:nvPr/>
+        </p:nvSpPr>
+        <p:spPr>
+          <a:xfrm>
+            <a:off x="4839148" y="3742248"/>
+            <a:ext cx="404278" cy="307777"/>
+          </a:xfrm>
+          <a:prstGeom prst="rect">
+            <a:avLst/>
+          </a:prstGeom>
+          <a:noFill/>
+        </p:spPr>
+        <p:txBody>
+          <a:bodyPr wrap="none" rtlCol="0">
+            <a:spAutoFit/>
+          </a:bodyPr>
+          <a:lstStyle/>
+          <a:p>
+            <a:r>
+              <a:rPr kumimoji="1" lang="en-US" altLang="ja-JP" dirty="0"/>
+              <a:t>Pa</a:t>
+            </a:r>
+            <a:endParaRPr kumimoji="1" lang="ja-JP" altLang="en-US" dirty="0"/>
+          </a:p>
+        </p:txBody>
+      </p:sp>
+      <p:sp>
+        <p:nvSpPr>
+          <p:cNvPr id="95" name="テキスト ボックス 94">
+            <a:extLst>
+              <a:ext uri="{FF2B5EF4-FFF2-40B4-BE49-F238E27FC236}">
+                <a16:creationId xmlns:a16="http://schemas.microsoft.com/office/drawing/2014/main" id="{2CCDF454-885D-448B-85F5-2EEBA4651526}"/>
+              </a:ext>
+            </a:extLst>
+          </p:cNvPr>
+          <p:cNvSpPr txBox="1"/>
+          <p:nvPr/>
+        </p:nvSpPr>
+        <p:spPr>
+          <a:xfrm>
+            <a:off x="7347471" y="3720956"/>
+            <a:ext cx="404278" cy="307777"/>
+          </a:xfrm>
+          <a:prstGeom prst="rect">
+            <a:avLst/>
+          </a:prstGeom>
+          <a:noFill/>
+        </p:spPr>
+        <p:txBody>
+          <a:bodyPr wrap="none" rtlCol="0">
+            <a:spAutoFit/>
+          </a:bodyPr>
+          <a:lstStyle/>
+          <a:p>
+            <a:r>
+              <a:rPr kumimoji="1" lang="en-US" altLang="ja-JP" dirty="0"/>
+              <a:t>Pb</a:t>
+            </a:r>
+            <a:endParaRPr kumimoji="1" lang="ja-JP" altLang="en-US" dirty="0"/>
+          </a:p>
+        </p:txBody>
+      </p:sp>
+      <p:sp>
+        <p:nvSpPr>
+          <p:cNvPr id="96" name="テキスト ボックス 95">
+            <a:extLst>
+              <a:ext uri="{FF2B5EF4-FFF2-40B4-BE49-F238E27FC236}">
+                <a16:creationId xmlns:a16="http://schemas.microsoft.com/office/drawing/2014/main" id="{334B2D84-D011-48EE-8A30-DD9900C8067C}"/>
+              </a:ext>
+            </a:extLst>
+          </p:cNvPr>
+          <p:cNvSpPr txBox="1"/>
+          <p:nvPr/>
+        </p:nvSpPr>
+        <p:spPr>
+          <a:xfrm>
+            <a:off x="11210709" y="2582868"/>
+            <a:ext cx="312906" cy="369332"/>
+          </a:xfrm>
+          <a:prstGeom prst="rect">
+            <a:avLst/>
+          </a:prstGeom>
+          <a:noFill/>
+        </p:spPr>
+        <p:txBody>
+          <a:bodyPr wrap="none" rtlCol="0">
+            <a:spAutoFit/>
+          </a:bodyPr>
+          <a:lstStyle/>
+          <a:p>
+            <a:r>
+              <a:rPr lang="en-US" altLang="ja-JP" dirty="0"/>
+              <a:t>a</a:t>
+            </a:r>
+            <a:endParaRPr kumimoji="1" lang="ja-JP" altLang="en-US" dirty="0"/>
+          </a:p>
+        </p:txBody>
+      </p:sp>
+      <p:sp>
+        <p:nvSpPr>
+          <p:cNvPr id="98" name="テキスト ボックス 97">
+            <a:extLst>
+              <a:ext uri="{FF2B5EF4-FFF2-40B4-BE49-F238E27FC236}">
+                <a16:creationId xmlns:a16="http://schemas.microsoft.com/office/drawing/2014/main" id="{A625D6D1-E7D9-443D-9D50-385E4C6A1C0C}"/>
+              </a:ext>
+            </a:extLst>
+          </p:cNvPr>
+          <p:cNvSpPr txBox="1"/>
+          <p:nvPr/>
+        </p:nvSpPr>
+        <p:spPr>
+          <a:xfrm>
+            <a:off x="1260063" y="2541460"/>
+            <a:ext cx="787857" cy="369332"/>
+          </a:xfrm>
+          <a:prstGeom prst="rect">
+            <a:avLst/>
+          </a:prstGeom>
+          <a:noFill/>
+        </p:spPr>
+        <p:txBody>
+          <a:bodyPr wrap="square" rtlCol="0">
+            <a:spAutoFit/>
+          </a:bodyPr>
+          <a:lstStyle/>
+          <a:p>
+            <a:r>
+              <a:rPr lang="en-US" altLang="ja-JP" dirty="0"/>
+              <a:t>b</a:t>
+            </a:r>
+            <a:endParaRPr kumimoji="1" lang="ja-JP" altLang="en-US" dirty="0"/>
+          </a:p>
+        </p:txBody>
+      </p:sp>
+      <p:sp>
+        <p:nvSpPr>
+          <p:cNvPr id="51" name="テキスト ボックス 50">
+            <a:extLst>
+              <a:ext uri="{FF2B5EF4-FFF2-40B4-BE49-F238E27FC236}">
+                <a16:creationId xmlns:a16="http://schemas.microsoft.com/office/drawing/2014/main" id="{4D39584A-9E38-4CB7-87D2-35E53D8C1777}"/>
+              </a:ext>
+            </a:extLst>
+          </p:cNvPr>
+          <p:cNvSpPr txBox="1"/>
+          <p:nvPr/>
+        </p:nvSpPr>
+        <p:spPr>
+          <a:xfrm>
+            <a:off x="1319640" y="3564721"/>
+            <a:ext cx="925253" cy="369332"/>
+          </a:xfrm>
+          <a:prstGeom prst="rect">
+            <a:avLst/>
+          </a:prstGeom>
+          <a:noFill/>
+        </p:spPr>
+        <p:txBody>
+          <a:bodyPr wrap="none" rtlCol="0">
+            <a:spAutoFit/>
+          </a:bodyPr>
+          <a:lstStyle/>
+          <a:p>
+            <a:r>
+              <a:rPr lang="en-US" altLang="ja-JP" dirty="0"/>
+              <a:t>G x </a:t>
+            </a:r>
+            <a:r>
+              <a:rPr lang="en-US" altLang="ja-JP" dirty="0" err="1"/>
+              <a:t>ba</a:t>
+            </a:r>
+            <a:r>
+              <a:rPr kumimoji="1" lang="en-US" altLang="ja-JP" dirty="0"/>
+              <a:t> </a:t>
+            </a:r>
+            <a:endParaRPr kumimoji="1" lang="ja-JP" altLang="en-US" dirty="0"/>
+          </a:p>
+        </p:txBody>
+      </p:sp>
+    </p:spTree>
+    <p:extLst>
+      <p:ext uri="{BB962C8B-B14F-4D97-AF65-F5344CB8AC3E}">
+        <p14:creationId xmlns:p14="http://schemas.microsoft.com/office/powerpoint/2010/main" val="3552552560"/>
+      </p:ext>
+    </p:extLst>
+  </p:cSld>
+  <p:clrMapOvr>
+    <a:masterClrMapping/>
+  </p:clrMapOvr>
+</p:sld>
+</file>
+
+<file path=ppt/slides/slide28.xml><?xml version="1.0" encoding="utf-8"?>
+<p:sld xmlns:a="http://schemas.openxmlformats.org/drawingml/2006/main" xmlns:r="http://schemas.openxmlformats.org/officeDocument/2006/relationships" xmlns:p="http://schemas.openxmlformats.org/presentationml/2006/main">
+  <p:cSld>
+    <p:spTree>
+      <p:nvGrpSpPr>
+        <p:cNvPr id="1" name=""/>
+        <p:cNvGrpSpPr/>
+        <p:nvPr/>
+      </p:nvGrpSpPr>
+      <p:grpSpPr>
+        <a:xfrm>
+          <a:off x="0" y="0"/>
+          <a:ext cx="0" cy="0"/>
+          <a:chOff x="0" y="0"/>
+          <a:chExt cx="0" cy="0"/>
+        </a:xfrm>
+      </p:grpSpPr>
+      <p:sp>
+        <p:nvSpPr>
+          <p:cNvPr id="47" name="テキスト ボックス 46">
+            <a:extLst>
+              <a:ext uri="{FF2B5EF4-FFF2-40B4-BE49-F238E27FC236}">
+                <a16:creationId xmlns:a16="http://schemas.microsoft.com/office/drawing/2014/main" id="{B2225F7A-AA7E-AA45-8478-206D94C3F147}"/>
+              </a:ext>
+            </a:extLst>
+          </p:cNvPr>
+          <p:cNvSpPr txBox="1"/>
+          <p:nvPr/>
+        </p:nvSpPr>
+        <p:spPr>
+          <a:xfrm>
+            <a:off x="10453558" y="2508390"/>
+            <a:ext cx="1377300" cy="523220"/>
+          </a:xfrm>
+          <a:prstGeom prst="rect">
+            <a:avLst/>
+          </a:prstGeom>
+          <a:noFill/>
+        </p:spPr>
+        <p:txBody>
+          <a:bodyPr wrap="none" rtlCol="0">
+            <a:spAutoFit/>
+          </a:bodyPr>
+          <a:lstStyle/>
+          <a:p>
+            <a:r>
+              <a:rPr kumimoji="1" lang="en-US" altLang="ja-JP" sz="2000" dirty="0"/>
+              <a:t>1 &lt; </a:t>
+            </a:r>
+            <a:r>
+              <a:rPr kumimoji="1" lang="en-US" altLang="ja-JP" sz="2800" b="1" dirty="0"/>
+              <a:t>k </a:t>
+            </a:r>
+            <a:r>
+              <a:rPr kumimoji="1" lang="en-US" altLang="ja-JP" sz="2000" dirty="0"/>
+              <a:t>&lt; q</a:t>
+            </a:r>
+            <a:endParaRPr kumimoji="1" lang="ja-JP" altLang="en-US" sz="2800"/>
+          </a:p>
+        </p:txBody>
+      </p:sp>
+      <p:sp>
+        <p:nvSpPr>
+          <p:cNvPr id="48" name="正方形/長方形 47">
+            <a:extLst>
+              <a:ext uri="{FF2B5EF4-FFF2-40B4-BE49-F238E27FC236}">
+                <a16:creationId xmlns:a16="http://schemas.microsoft.com/office/drawing/2014/main" id="{E284A2CE-C2D9-9142-8BAD-9D3633588976}"/>
+              </a:ext>
+            </a:extLst>
+          </p:cNvPr>
+          <p:cNvSpPr/>
+          <p:nvPr/>
+        </p:nvSpPr>
+        <p:spPr>
+          <a:xfrm>
+            <a:off x="10346143" y="2454529"/>
+            <a:ext cx="1592131" cy="630942"/>
+          </a:xfrm>
+          <a:prstGeom prst="rect">
+            <a:avLst/>
+          </a:prstGeom>
+          <a:noFill/>
+          <a:ln w="19050">
+            <a:solidFill>
+              <a:schemeClr val="tx1"/>
+            </a:solidFill>
+          </a:ln>
+        </p:spPr>
+        <p:style>
+          <a:lnRef idx="2">
+            <a:schemeClr val="accent1">
+              <a:shade val="50000"/>
+            </a:schemeClr>
+          </a:lnRef>
+          <a:fillRef idx="1">
+            <a:schemeClr val="accent1"/>
+          </a:fillRef>
+          <a:effectRef idx="0">
+            <a:schemeClr val="accent1"/>
+          </a:effectRef>
+          <a:fontRef idx="minor">
+            <a:schemeClr val="lt1"/>
+          </a:fontRef>
+        </p:style>
+        <p:txBody>
+          <a:bodyPr rtlCol="0" anchor="ctr"/>
+          <a:lstStyle/>
+          <a:p>
+            <a:pPr algn="ctr"/>
+            <a:endParaRPr kumimoji="1" lang="ja-JP" altLang="en-US"/>
+          </a:p>
+        </p:txBody>
+      </p:sp>
+      <p:sp>
+        <p:nvSpPr>
+          <p:cNvPr id="51" name="フリーフォーム 50">
+            <a:extLst>
+              <a:ext uri="{FF2B5EF4-FFF2-40B4-BE49-F238E27FC236}">
+                <a16:creationId xmlns:a16="http://schemas.microsoft.com/office/drawing/2014/main" id="{EBCE6EC7-2A2D-7048-A304-E1759CCE3CBD}"/>
+              </a:ext>
+            </a:extLst>
+          </p:cNvPr>
+          <p:cNvSpPr/>
+          <p:nvPr/>
+        </p:nvSpPr>
+        <p:spPr>
+          <a:xfrm flipV="1">
+            <a:off x="7240442" y="4195484"/>
+            <a:ext cx="1398576" cy="569909"/>
+          </a:xfrm>
+          <a:custGeom>
+            <a:avLst/>
+            <a:gdLst>
+              <a:gd name="connsiteX0" fmla="*/ 0 w 2398955"/>
+              <a:gd name="connsiteY0" fmla="*/ 0 h 559398"/>
+              <a:gd name="connsiteX1" fmla="*/ 75303 w 2398955"/>
+              <a:gd name="connsiteY1" fmla="*/ 161365 h 559398"/>
+              <a:gd name="connsiteX2" fmla="*/ 2259106 w 2398955"/>
+              <a:gd name="connsiteY2" fmla="*/ 182880 h 559398"/>
+              <a:gd name="connsiteX3" fmla="*/ 2398955 w 2398955"/>
+              <a:gd name="connsiteY3" fmla="*/ 376518 h 559398"/>
+              <a:gd name="connsiteX4" fmla="*/ 2388198 w 2398955"/>
+              <a:gd name="connsiteY4" fmla="*/ 559398 h 559398"/>
+            </a:gdLst>
+            <a:ahLst/>
+            <a:cxnLst>
+              <a:cxn ang="0">
+                <a:pos x="connsiteX0" y="connsiteY0"/>
+              </a:cxn>
+              <a:cxn ang="0">
+                <a:pos x="connsiteX1" y="connsiteY1"/>
+              </a:cxn>
+              <a:cxn ang="0">
+                <a:pos x="connsiteX2" y="connsiteY2"/>
+              </a:cxn>
+              <a:cxn ang="0">
+                <a:pos x="connsiteX3" y="connsiteY3"/>
+              </a:cxn>
+              <a:cxn ang="0">
+                <a:pos x="connsiteX4" y="connsiteY4"/>
+              </a:cxn>
+            </a:cxnLst>
+            <a:rect l="l" t="t" r="r" b="b"/>
+            <a:pathLst>
+              <a:path w="2398955" h="559398">
+                <a:moveTo>
+                  <a:pt x="0" y="0"/>
+                </a:moveTo>
+                <a:lnTo>
+                  <a:pt x="75303" y="161365"/>
+                </a:lnTo>
+                <a:lnTo>
+                  <a:pt x="2259106" y="182880"/>
+                </a:lnTo>
+                <a:lnTo>
+                  <a:pt x="2398955" y="376518"/>
+                </a:lnTo>
+                <a:lnTo>
+                  <a:pt x="2388198" y="559398"/>
+                </a:lnTo>
+              </a:path>
+            </a:pathLst>
+          </a:custGeom>
+          <a:noFill/>
+          <a:ln w="19050">
+            <a:solidFill>
+              <a:schemeClr val="tx1"/>
+            </a:solidFill>
+            <a:tailEnd type="arrow"/>
+          </a:ln>
+        </p:spPr>
+        <p:style>
+          <a:lnRef idx="2">
+            <a:schemeClr val="accent1">
+              <a:shade val="50000"/>
+            </a:schemeClr>
+          </a:lnRef>
+          <a:fillRef idx="1">
+            <a:schemeClr val="accent1"/>
+          </a:fillRef>
+          <a:effectRef idx="0">
+            <a:schemeClr val="accent1"/>
+          </a:effectRef>
+          <a:fontRef idx="minor">
+            <a:schemeClr val="lt1"/>
+          </a:fontRef>
+        </p:style>
+        <p:txBody>
+          <a:bodyPr rtlCol="0" anchor="ctr"/>
+          <a:lstStyle/>
+          <a:p>
+            <a:pPr algn="ctr"/>
+            <a:endParaRPr kumimoji="1" lang="ja-JP" altLang="en-US"/>
+          </a:p>
+        </p:txBody>
+      </p:sp>
+      <p:sp>
+        <p:nvSpPr>
+          <p:cNvPr id="58" name="フリーフォーム 57">
+            <a:extLst>
+              <a:ext uri="{FF2B5EF4-FFF2-40B4-BE49-F238E27FC236}">
+                <a16:creationId xmlns:a16="http://schemas.microsoft.com/office/drawing/2014/main" id="{40A9A8AE-27E3-3A48-B507-7C95F4EF0288}"/>
+              </a:ext>
+            </a:extLst>
+          </p:cNvPr>
+          <p:cNvSpPr/>
+          <p:nvPr/>
+        </p:nvSpPr>
+        <p:spPr>
+          <a:xfrm>
+            <a:off x="3150672" y="3057180"/>
+            <a:ext cx="2255075" cy="568747"/>
+          </a:xfrm>
+          <a:custGeom>
+            <a:avLst/>
+            <a:gdLst>
+              <a:gd name="connsiteX0" fmla="*/ 4260028 w 4260028"/>
+              <a:gd name="connsiteY0" fmla="*/ 0 h 677731"/>
+              <a:gd name="connsiteX1" fmla="*/ 301214 w 4260028"/>
+              <a:gd name="connsiteY1" fmla="*/ 21515 h 677731"/>
+              <a:gd name="connsiteX2" fmla="*/ 10758 w 4260028"/>
+              <a:gd name="connsiteY2" fmla="*/ 268941 h 677731"/>
+              <a:gd name="connsiteX3" fmla="*/ 0 w 4260028"/>
+              <a:gd name="connsiteY3" fmla="*/ 677731 h 677731"/>
+              <a:gd name="connsiteX0" fmla="*/ 4260028 w 4260028"/>
+              <a:gd name="connsiteY0" fmla="*/ 87 h 677818"/>
+              <a:gd name="connsiteX1" fmla="*/ 540448 w 4260028"/>
+              <a:gd name="connsiteY1" fmla="*/ 0 h 677818"/>
+              <a:gd name="connsiteX2" fmla="*/ 10758 w 4260028"/>
+              <a:gd name="connsiteY2" fmla="*/ 269028 h 677818"/>
+              <a:gd name="connsiteX3" fmla="*/ 0 w 4260028"/>
+              <a:gd name="connsiteY3" fmla="*/ 677818 h 677818"/>
+              <a:gd name="connsiteX0" fmla="*/ 4260028 w 4260028"/>
+              <a:gd name="connsiteY0" fmla="*/ 87 h 677818"/>
+              <a:gd name="connsiteX1" fmla="*/ 540448 w 4260028"/>
+              <a:gd name="connsiteY1" fmla="*/ 0 h 677818"/>
+              <a:gd name="connsiteX2" fmla="*/ 10758 w 4260028"/>
+              <a:gd name="connsiteY2" fmla="*/ 144821 h 677818"/>
+              <a:gd name="connsiteX3" fmla="*/ 0 w 4260028"/>
+              <a:gd name="connsiteY3" fmla="*/ 677818 h 677818"/>
+              <a:gd name="connsiteX0" fmla="*/ 4249270 w 4249270"/>
+              <a:gd name="connsiteY0" fmla="*/ 87 h 261996"/>
+              <a:gd name="connsiteX1" fmla="*/ 529690 w 4249270"/>
+              <a:gd name="connsiteY1" fmla="*/ 0 h 261996"/>
+              <a:gd name="connsiteX2" fmla="*/ 0 w 4249270"/>
+              <a:gd name="connsiteY2" fmla="*/ 144821 h 261996"/>
+              <a:gd name="connsiteX3" fmla="*/ 29114 w 4249270"/>
+              <a:gd name="connsiteY3" fmla="*/ 261996 h 261996"/>
+            </a:gdLst>
+            <a:ahLst/>
+            <a:cxnLst>
+              <a:cxn ang="0">
+                <a:pos x="connsiteX0" y="connsiteY0"/>
+              </a:cxn>
+              <a:cxn ang="0">
+                <a:pos x="connsiteX1" y="connsiteY1"/>
+              </a:cxn>
+              <a:cxn ang="0">
+                <a:pos x="connsiteX2" y="connsiteY2"/>
+              </a:cxn>
+              <a:cxn ang="0">
+                <a:pos x="connsiteX3" y="connsiteY3"/>
+              </a:cxn>
+            </a:cxnLst>
+            <a:rect l="l" t="t" r="r" b="b"/>
+            <a:pathLst>
+              <a:path w="4249270" h="261996">
+                <a:moveTo>
+                  <a:pt x="4249270" y="87"/>
+                </a:moveTo>
+                <a:lnTo>
+                  <a:pt x="529690" y="0"/>
+                </a:lnTo>
+                <a:lnTo>
+                  <a:pt x="0" y="144821"/>
+                </a:lnTo>
+                <a:lnTo>
+                  <a:pt x="29114" y="261996"/>
+                </a:lnTo>
+              </a:path>
+            </a:pathLst>
+          </a:custGeom>
+          <a:noFill/>
+          <a:ln w="19050">
+            <a:solidFill>
+              <a:schemeClr val="tx1"/>
+            </a:solidFill>
+            <a:tailEnd type="arrow"/>
+          </a:ln>
+        </p:spPr>
+        <p:style>
+          <a:lnRef idx="2">
+            <a:schemeClr val="accent1">
+              <a:shade val="50000"/>
+            </a:schemeClr>
+          </a:lnRef>
+          <a:fillRef idx="1">
+            <a:schemeClr val="accent1"/>
+          </a:fillRef>
+          <a:effectRef idx="0">
+            <a:schemeClr val="accent1"/>
+          </a:effectRef>
+          <a:fontRef idx="minor">
+            <a:schemeClr val="lt1"/>
+          </a:fontRef>
+        </p:style>
+        <p:txBody>
+          <a:bodyPr rtlCol="0" anchor="ctr"/>
+          <a:lstStyle/>
+          <a:p>
+            <a:pPr algn="ctr"/>
+            <a:endParaRPr kumimoji="1" lang="ja-JP" altLang="en-US"/>
+          </a:p>
+        </p:txBody>
+      </p:sp>
+      <p:sp>
+        <p:nvSpPr>
+          <p:cNvPr id="71" name="フリーフォーム 70">
+            <a:extLst>
+              <a:ext uri="{FF2B5EF4-FFF2-40B4-BE49-F238E27FC236}">
+                <a16:creationId xmlns:a16="http://schemas.microsoft.com/office/drawing/2014/main" id="{D882D7EF-B016-784F-9546-1837475FC2CD}"/>
+              </a:ext>
+            </a:extLst>
+          </p:cNvPr>
+          <p:cNvSpPr/>
+          <p:nvPr/>
+        </p:nvSpPr>
+        <p:spPr>
+          <a:xfrm>
+            <a:off x="6243572" y="4998645"/>
+            <a:ext cx="677075" cy="1090183"/>
+          </a:xfrm>
+          <a:custGeom>
+            <a:avLst/>
+            <a:gdLst>
+              <a:gd name="connsiteX0" fmla="*/ 559398 w 559398"/>
+              <a:gd name="connsiteY0" fmla="*/ 0 h 3743661"/>
+              <a:gd name="connsiteX1" fmla="*/ 247426 w 559398"/>
+              <a:gd name="connsiteY1" fmla="*/ 10758 h 3743661"/>
+              <a:gd name="connsiteX2" fmla="*/ 10758 w 559398"/>
+              <a:gd name="connsiteY2" fmla="*/ 225910 h 3743661"/>
+              <a:gd name="connsiteX3" fmla="*/ 0 w 559398"/>
+              <a:gd name="connsiteY3" fmla="*/ 3743661 h 3743661"/>
+            </a:gdLst>
+            <a:ahLst/>
+            <a:cxnLst>
+              <a:cxn ang="0">
+                <a:pos x="connsiteX0" y="connsiteY0"/>
+              </a:cxn>
+              <a:cxn ang="0">
+                <a:pos x="connsiteX1" y="connsiteY1"/>
+              </a:cxn>
+              <a:cxn ang="0">
+                <a:pos x="connsiteX2" y="connsiteY2"/>
+              </a:cxn>
+              <a:cxn ang="0">
+                <a:pos x="connsiteX3" y="connsiteY3"/>
+              </a:cxn>
+            </a:cxnLst>
+            <a:rect l="l" t="t" r="r" b="b"/>
+            <a:pathLst>
+              <a:path w="559398" h="3743661">
+                <a:moveTo>
+                  <a:pt x="559398" y="0"/>
+                </a:moveTo>
+                <a:lnTo>
+                  <a:pt x="247426" y="10758"/>
+                </a:lnTo>
+                <a:lnTo>
+                  <a:pt x="10758" y="225910"/>
+                </a:lnTo>
+                <a:lnTo>
+                  <a:pt x="0" y="3743661"/>
+                </a:lnTo>
+              </a:path>
+            </a:pathLst>
+          </a:custGeom>
+          <a:noFill/>
+          <a:ln w="19050">
+            <a:solidFill>
+              <a:schemeClr val="tx1"/>
+            </a:solidFill>
+            <a:tailEnd type="arrow"/>
+          </a:ln>
+        </p:spPr>
+        <p:style>
+          <a:lnRef idx="2">
+            <a:schemeClr val="accent1">
+              <a:shade val="50000"/>
+            </a:schemeClr>
+          </a:lnRef>
+          <a:fillRef idx="1">
+            <a:schemeClr val="accent1"/>
+          </a:fillRef>
+          <a:effectRef idx="0">
+            <a:schemeClr val="accent1"/>
+          </a:effectRef>
+          <a:fontRef idx="minor">
+            <a:schemeClr val="lt1"/>
+          </a:fontRef>
+        </p:style>
+        <p:txBody>
+          <a:bodyPr rtlCol="0" anchor="ctr"/>
+          <a:lstStyle/>
+          <a:p>
+            <a:pPr algn="ctr"/>
+            <a:endParaRPr kumimoji="1" lang="ja-JP" altLang="en-US"/>
+          </a:p>
+        </p:txBody>
+      </p:sp>
+      <p:sp>
+        <p:nvSpPr>
+          <p:cNvPr id="72" name="テキスト ボックス 71">
+            <a:extLst>
+              <a:ext uri="{FF2B5EF4-FFF2-40B4-BE49-F238E27FC236}">
+                <a16:creationId xmlns:a16="http://schemas.microsoft.com/office/drawing/2014/main" id="{69DA571F-B8C4-3D4C-A158-C4C44A3F4BE0}"/>
+              </a:ext>
+            </a:extLst>
+          </p:cNvPr>
+          <p:cNvSpPr txBox="1"/>
+          <p:nvPr/>
+        </p:nvSpPr>
+        <p:spPr>
+          <a:xfrm>
+            <a:off x="5405747" y="6149713"/>
+            <a:ext cx="1669047" cy="584775"/>
+          </a:xfrm>
+          <a:prstGeom prst="rect">
+            <a:avLst/>
+          </a:prstGeom>
+          <a:noFill/>
+        </p:spPr>
+        <p:txBody>
+          <a:bodyPr wrap="none" rtlCol="0">
+            <a:spAutoFit/>
+          </a:bodyPr>
+          <a:lstStyle/>
+          <a:p>
+            <a:r>
+              <a:rPr kumimoji="1" lang="en-US" altLang="ja-JP" sz="3200" b="1" dirty="0"/>
+              <a:t>v</a:t>
+            </a:r>
+            <a:r>
+              <a:rPr kumimoji="1" lang="en-US" altLang="ja-JP" sz="3200" dirty="0"/>
+              <a:t> </a:t>
+            </a:r>
+            <a:r>
+              <a:rPr kumimoji="1" lang="en-US" altLang="ja-JP" sz="2800" dirty="0"/>
+              <a:t>==</a:t>
+            </a:r>
+            <a:r>
+              <a:rPr kumimoji="1" lang="en-US" altLang="ja-JP" sz="3200" dirty="0"/>
+              <a:t> </a:t>
+            </a:r>
+            <a:r>
+              <a:rPr kumimoji="1" lang="en-US" altLang="ja-JP" sz="3200" b="1" dirty="0"/>
+              <a:t>r ?</a:t>
+            </a:r>
+            <a:endParaRPr kumimoji="1" lang="ja-JP" altLang="en-US" sz="3200" b="1"/>
+          </a:p>
+        </p:txBody>
+      </p:sp>
+      <p:sp>
+        <p:nvSpPr>
+          <p:cNvPr id="73" name="正方形/長方形 72">
+            <a:extLst>
+              <a:ext uri="{FF2B5EF4-FFF2-40B4-BE49-F238E27FC236}">
+                <a16:creationId xmlns:a16="http://schemas.microsoft.com/office/drawing/2014/main" id="{8C96F120-E0D3-7747-BB49-F3196CA9FA91}"/>
+              </a:ext>
+            </a:extLst>
+          </p:cNvPr>
+          <p:cNvSpPr/>
+          <p:nvPr/>
+        </p:nvSpPr>
+        <p:spPr>
+          <a:xfrm>
+            <a:off x="5142706" y="6199205"/>
+            <a:ext cx="2226282" cy="535283"/>
+          </a:xfrm>
+          <a:prstGeom prst="rect">
+            <a:avLst/>
+          </a:prstGeom>
+          <a:noFill/>
+          <a:ln w="19050">
+            <a:solidFill>
+              <a:schemeClr val="tx1"/>
+            </a:solidFill>
+          </a:ln>
+        </p:spPr>
+        <p:style>
+          <a:lnRef idx="2">
+            <a:schemeClr val="accent1">
+              <a:shade val="50000"/>
+            </a:schemeClr>
+          </a:lnRef>
+          <a:fillRef idx="1">
+            <a:schemeClr val="accent1"/>
+          </a:fillRef>
+          <a:effectRef idx="0">
+            <a:schemeClr val="accent1"/>
+          </a:effectRef>
+          <a:fontRef idx="minor">
+            <a:schemeClr val="lt1"/>
+          </a:fontRef>
+        </p:style>
+        <p:txBody>
+          <a:bodyPr rtlCol="0" anchor="ctr"/>
+          <a:lstStyle/>
+          <a:p>
+            <a:pPr algn="ctr"/>
+            <a:endParaRPr kumimoji="1" lang="ja-JP" altLang="en-US"/>
+          </a:p>
+        </p:txBody>
+      </p:sp>
+      <p:sp>
+        <p:nvSpPr>
+          <p:cNvPr id="74" name="フリーフォーム 73">
+            <a:extLst>
+              <a:ext uri="{FF2B5EF4-FFF2-40B4-BE49-F238E27FC236}">
+                <a16:creationId xmlns:a16="http://schemas.microsoft.com/office/drawing/2014/main" id="{B8FFF0AB-A468-9242-BC14-2EA57A762E48}"/>
+              </a:ext>
+            </a:extLst>
+          </p:cNvPr>
+          <p:cNvSpPr/>
+          <p:nvPr/>
+        </p:nvSpPr>
+        <p:spPr>
+          <a:xfrm>
+            <a:off x="1756108" y="6088827"/>
+            <a:ext cx="3386048" cy="408497"/>
+          </a:xfrm>
+          <a:custGeom>
+            <a:avLst/>
+            <a:gdLst>
+              <a:gd name="connsiteX0" fmla="*/ 0 w 3259567"/>
+              <a:gd name="connsiteY0" fmla="*/ 0 h 301214"/>
+              <a:gd name="connsiteX1" fmla="*/ 139850 w 3259567"/>
+              <a:gd name="connsiteY1" fmla="*/ 301214 h 301214"/>
+              <a:gd name="connsiteX2" fmla="*/ 3259567 w 3259567"/>
+              <a:gd name="connsiteY2" fmla="*/ 290456 h 301214"/>
+            </a:gdLst>
+            <a:ahLst/>
+            <a:cxnLst>
+              <a:cxn ang="0">
+                <a:pos x="connsiteX0" y="connsiteY0"/>
+              </a:cxn>
+              <a:cxn ang="0">
+                <a:pos x="connsiteX1" y="connsiteY1"/>
+              </a:cxn>
+              <a:cxn ang="0">
+                <a:pos x="connsiteX2" y="connsiteY2"/>
+              </a:cxn>
+            </a:cxnLst>
+            <a:rect l="l" t="t" r="r" b="b"/>
+            <a:pathLst>
+              <a:path w="3259567" h="301214">
+                <a:moveTo>
+                  <a:pt x="0" y="0"/>
+                </a:moveTo>
+                <a:lnTo>
+                  <a:pt x="139850" y="301214"/>
+                </a:lnTo>
+                <a:lnTo>
+                  <a:pt x="3259567" y="290456"/>
+                </a:lnTo>
+              </a:path>
+            </a:pathLst>
+          </a:custGeom>
+          <a:noFill/>
+          <a:ln w="19050">
+            <a:solidFill>
+              <a:schemeClr val="tx1"/>
+            </a:solidFill>
+            <a:tailEnd type="arrow"/>
+          </a:ln>
+        </p:spPr>
+        <p:style>
+          <a:lnRef idx="2">
+            <a:schemeClr val="accent1">
+              <a:shade val="50000"/>
+            </a:schemeClr>
+          </a:lnRef>
+          <a:fillRef idx="1">
+            <a:schemeClr val="accent1"/>
+          </a:fillRef>
+          <a:effectRef idx="0">
+            <a:schemeClr val="accent1"/>
+          </a:effectRef>
+          <a:fontRef idx="minor">
+            <a:schemeClr val="lt1"/>
+          </a:fontRef>
+        </p:style>
+        <p:txBody>
+          <a:bodyPr rtlCol="0" anchor="ctr"/>
+          <a:lstStyle/>
+          <a:p>
+            <a:pPr algn="ctr"/>
+            <a:endParaRPr kumimoji="1" lang="ja-JP" altLang="en-US"/>
+          </a:p>
+        </p:txBody>
+      </p:sp>
+      <p:sp>
+        <p:nvSpPr>
+          <p:cNvPr id="80" name="テキスト ボックス 79">
+            <a:extLst>
+              <a:ext uri="{FF2B5EF4-FFF2-40B4-BE49-F238E27FC236}">
+                <a16:creationId xmlns:a16="http://schemas.microsoft.com/office/drawing/2014/main" id="{4EFD63A9-0652-BF41-BB5A-52E58A2D7527}"/>
+              </a:ext>
+            </a:extLst>
+          </p:cNvPr>
+          <p:cNvSpPr txBox="1"/>
+          <p:nvPr/>
+        </p:nvSpPr>
+        <p:spPr>
+          <a:xfrm>
+            <a:off x="8509230" y="5454931"/>
+            <a:ext cx="1723549" cy="461665"/>
+          </a:xfrm>
+          <a:prstGeom prst="rect">
+            <a:avLst/>
+          </a:prstGeom>
+          <a:noFill/>
+        </p:spPr>
+        <p:txBody>
+          <a:bodyPr wrap="none" rtlCol="0">
+            <a:spAutoFit/>
+          </a:bodyPr>
+          <a:lstStyle/>
+          <a:p>
+            <a:r>
+              <a:rPr kumimoji="1" lang="ja-JP" altLang="en-US" sz="2400" b="1" dirty="0"/>
+              <a:t>署名の生成</a:t>
+            </a:r>
+          </a:p>
+        </p:txBody>
+      </p:sp>
+      <p:sp>
+        <p:nvSpPr>
+          <p:cNvPr id="81" name="テキスト ボックス 80">
+            <a:extLst>
+              <a:ext uri="{FF2B5EF4-FFF2-40B4-BE49-F238E27FC236}">
+                <a16:creationId xmlns:a16="http://schemas.microsoft.com/office/drawing/2014/main" id="{D18FD58A-E239-154E-ACA7-63B7B37BA5B5}"/>
+              </a:ext>
+            </a:extLst>
+          </p:cNvPr>
+          <p:cNvSpPr txBox="1"/>
+          <p:nvPr/>
+        </p:nvSpPr>
+        <p:spPr>
+          <a:xfrm>
+            <a:off x="495362" y="3010221"/>
+            <a:ext cx="1723549" cy="461665"/>
+          </a:xfrm>
+          <a:prstGeom prst="rect">
+            <a:avLst/>
+          </a:prstGeom>
+          <a:noFill/>
+        </p:spPr>
+        <p:txBody>
+          <a:bodyPr wrap="none" rtlCol="0">
+            <a:spAutoFit/>
+          </a:bodyPr>
+          <a:lstStyle/>
+          <a:p>
+            <a:r>
+              <a:rPr kumimoji="1" lang="ja-JP" altLang="en-US" sz="2400" b="1" dirty="0"/>
+              <a:t>署名の検証</a:t>
+            </a:r>
+          </a:p>
+        </p:txBody>
+      </p:sp>
+      <p:sp>
+        <p:nvSpPr>
+          <p:cNvPr id="85" name="テキスト ボックス 84">
+            <a:extLst>
+              <a:ext uri="{FF2B5EF4-FFF2-40B4-BE49-F238E27FC236}">
+                <a16:creationId xmlns:a16="http://schemas.microsoft.com/office/drawing/2014/main" id="{81D52719-583A-FA4D-801B-CC1422163DC8}"/>
+              </a:ext>
+            </a:extLst>
+          </p:cNvPr>
+          <p:cNvSpPr txBox="1"/>
+          <p:nvPr/>
+        </p:nvSpPr>
+        <p:spPr>
+          <a:xfrm>
+            <a:off x="9626462" y="1919946"/>
+            <a:ext cx="2286000" cy="461665"/>
+          </a:xfrm>
+          <a:prstGeom prst="rect">
+            <a:avLst/>
+          </a:prstGeom>
+          <a:noFill/>
+        </p:spPr>
+        <p:txBody>
+          <a:bodyPr wrap="square" rtlCol="0">
+            <a:spAutoFit/>
+          </a:bodyPr>
+          <a:lstStyle/>
+          <a:p>
+            <a:pPr algn="ctr"/>
+            <a:r>
+              <a:rPr lang="ja-JP" altLang="en-US" sz="2400" b="1" dirty="0"/>
+              <a:t>署名</a:t>
+            </a:r>
+            <a:r>
+              <a:rPr kumimoji="1" lang="ja-JP" altLang="en-US" sz="2400" b="1" dirty="0"/>
+              <a:t>鍵</a:t>
+            </a:r>
+            <a:endParaRPr kumimoji="1" lang="ja-JP" altLang="en-US" dirty="0"/>
+          </a:p>
+        </p:txBody>
+      </p:sp>
+      <p:sp>
+        <p:nvSpPr>
+          <p:cNvPr id="59" name="テキスト ボックス 58">
+            <a:extLst>
+              <a:ext uri="{FF2B5EF4-FFF2-40B4-BE49-F238E27FC236}">
+                <a16:creationId xmlns:a16="http://schemas.microsoft.com/office/drawing/2014/main" id="{052C2C22-204D-4A47-B699-3DD1E7D109E6}"/>
+              </a:ext>
+            </a:extLst>
+          </p:cNvPr>
+          <p:cNvSpPr txBox="1"/>
+          <p:nvPr/>
+        </p:nvSpPr>
+        <p:spPr>
+          <a:xfrm>
+            <a:off x="6452663" y="5676656"/>
+            <a:ext cx="1723549" cy="461665"/>
+          </a:xfrm>
+          <a:prstGeom prst="rect">
+            <a:avLst/>
+          </a:prstGeom>
+          <a:noFill/>
+        </p:spPr>
+        <p:txBody>
+          <a:bodyPr wrap="none" rtlCol="0">
+            <a:spAutoFit/>
+          </a:bodyPr>
+          <a:lstStyle/>
+          <a:p>
+            <a:r>
+              <a:rPr kumimoji="1" lang="ja-JP" altLang="en-US" sz="2400" b="1" dirty="0"/>
+              <a:t>同じ値か？</a:t>
+            </a:r>
+          </a:p>
+        </p:txBody>
+      </p:sp>
+      <p:sp>
+        <p:nvSpPr>
+          <p:cNvPr id="60" name="タイトル 1">
+            <a:extLst>
+              <a:ext uri="{FF2B5EF4-FFF2-40B4-BE49-F238E27FC236}">
+                <a16:creationId xmlns:a16="http://schemas.microsoft.com/office/drawing/2014/main" id="{A06D7102-154D-4473-844C-2C716A450F2C}"/>
+              </a:ext>
+            </a:extLst>
+          </p:cNvPr>
+          <p:cNvSpPr txBox="1">
+            <a:spLocks/>
+          </p:cNvSpPr>
+          <p:nvPr/>
+        </p:nvSpPr>
+        <p:spPr>
+          <a:xfrm>
+            <a:off x="-473285" y="26113"/>
+            <a:ext cx="5398450" cy="827646"/>
+          </a:xfrm>
+          <a:prstGeom prst="rect">
+            <a:avLst/>
+          </a:prstGeom>
+        </p:spPr>
+        <p:txBody>
+          <a:bodyPr vert="horz" lIns="91440" tIns="45720" rIns="91440" bIns="45720" rtlCol="0" anchor="b">
+            <a:normAutofit/>
+          </a:bodyPr>
+          <a:lstStyle>
+            <a:lvl1pPr algn="ctr" defTabSz="914400" rtl="0" eaLnBrk="1" latinLnBrk="0" hangingPunct="1">
+              <a:lnSpc>
+                <a:spcPct val="90000"/>
+              </a:lnSpc>
+              <a:spcBef>
+                <a:spcPct val="0"/>
+              </a:spcBef>
+              <a:buNone/>
+              <a:defRPr kumimoji="1" sz="6000" kern="1200">
+                <a:solidFill>
+                  <a:schemeClr val="tx1"/>
+                </a:solidFill>
+                <a:latin typeface="+mj-lt"/>
+                <a:ea typeface="+mj-ea"/>
+                <a:cs typeface="+mj-cs"/>
+              </a:defRPr>
+            </a:lvl1pPr>
+          </a:lstStyle>
+          <a:p>
+            <a:r>
+              <a:rPr lang="en-US" altLang="ja-JP" sz="3600" dirty="0"/>
+              <a:t>ECDSA</a:t>
+            </a:r>
+            <a:r>
+              <a:rPr lang="ja-JP" altLang="en-US" sz="3600" dirty="0"/>
+              <a:t>署名のしくみ</a:t>
+            </a:r>
+          </a:p>
+        </p:txBody>
+      </p:sp>
+      <p:sp>
+        <p:nvSpPr>
+          <p:cNvPr id="61" name="下矢印吹き出し 39">
+            <a:extLst>
+              <a:ext uri="{FF2B5EF4-FFF2-40B4-BE49-F238E27FC236}">
+                <a16:creationId xmlns:a16="http://schemas.microsoft.com/office/drawing/2014/main" id="{71BADE6F-BF55-4359-BFA8-7292E25AC9F5}"/>
+              </a:ext>
+            </a:extLst>
+          </p:cNvPr>
+          <p:cNvSpPr/>
+          <p:nvPr/>
+        </p:nvSpPr>
+        <p:spPr>
+          <a:xfrm>
+            <a:off x="5058017" y="1901107"/>
+            <a:ext cx="1624405" cy="978946"/>
+          </a:xfrm>
+          <a:prstGeom prst="downArrowCallout">
+            <a:avLst/>
+          </a:prstGeom>
+          <a:noFill/>
+          <a:ln w="19050">
+            <a:solidFill>
+              <a:schemeClr val="tx1"/>
+            </a:solidFill>
+          </a:ln>
+        </p:spPr>
+        <p:style>
+          <a:lnRef idx="2">
+            <a:schemeClr val="accent1">
+              <a:shade val="50000"/>
+            </a:schemeClr>
+          </a:lnRef>
+          <a:fillRef idx="1">
+            <a:schemeClr val="accent1"/>
+          </a:fillRef>
+          <a:effectRef idx="0">
+            <a:schemeClr val="accent1"/>
+          </a:effectRef>
+          <a:fontRef idx="minor">
+            <a:schemeClr val="lt1"/>
+          </a:fontRef>
+        </p:style>
+        <p:txBody>
+          <a:bodyPr rtlCol="0" anchor="ctr"/>
+          <a:lstStyle/>
+          <a:p>
+            <a:pPr algn="ctr"/>
+            <a:endParaRPr kumimoji="1" lang="ja-JP" altLang="en-US"/>
+          </a:p>
+        </p:txBody>
+      </p:sp>
+      <p:sp>
+        <p:nvSpPr>
+          <p:cNvPr id="67" name="テキスト ボックス 66">
+            <a:extLst>
+              <a:ext uri="{FF2B5EF4-FFF2-40B4-BE49-F238E27FC236}">
+                <a16:creationId xmlns:a16="http://schemas.microsoft.com/office/drawing/2014/main" id="{414061DB-47AD-4391-9A72-F2F8FCEC3AF8}"/>
+              </a:ext>
+            </a:extLst>
+          </p:cNvPr>
+          <p:cNvSpPr txBox="1"/>
+          <p:nvPr/>
+        </p:nvSpPr>
+        <p:spPr>
+          <a:xfrm>
+            <a:off x="5299389" y="1995693"/>
+            <a:ext cx="1141659" cy="369332"/>
+          </a:xfrm>
+          <a:prstGeom prst="rect">
+            <a:avLst/>
+          </a:prstGeom>
+          <a:noFill/>
+        </p:spPr>
+        <p:txBody>
+          <a:bodyPr wrap="none" rtlCol="0">
+            <a:spAutoFit/>
+          </a:bodyPr>
+          <a:lstStyle/>
+          <a:p>
+            <a:r>
+              <a:rPr lang="en-US" altLang="ja-JP" dirty="0"/>
+              <a:t>Message</a:t>
+            </a:r>
+            <a:endParaRPr kumimoji="1" lang="ja-JP" altLang="en-US"/>
+          </a:p>
+        </p:txBody>
+      </p:sp>
+      <p:sp>
+        <p:nvSpPr>
+          <p:cNvPr id="68" name="テキスト ボックス 67">
+            <a:extLst>
+              <a:ext uri="{FF2B5EF4-FFF2-40B4-BE49-F238E27FC236}">
+                <a16:creationId xmlns:a16="http://schemas.microsoft.com/office/drawing/2014/main" id="{011EEF7F-1ECE-4ED4-928B-BD51946C4C69}"/>
+              </a:ext>
+            </a:extLst>
+          </p:cNvPr>
+          <p:cNvSpPr txBox="1"/>
+          <p:nvPr/>
+        </p:nvSpPr>
+        <p:spPr>
+          <a:xfrm>
+            <a:off x="5403451" y="2871902"/>
+            <a:ext cx="950901" cy="461665"/>
+          </a:xfrm>
+          <a:prstGeom prst="rect">
+            <a:avLst/>
+          </a:prstGeom>
+          <a:noFill/>
+        </p:spPr>
+        <p:txBody>
+          <a:bodyPr wrap="none" rtlCol="0">
+            <a:spAutoFit/>
+          </a:bodyPr>
+          <a:lstStyle/>
+          <a:p>
+            <a:r>
+              <a:rPr kumimoji="1" lang="en-US" altLang="ja-JP" sz="2400" b="1" dirty="0"/>
+              <a:t>H(m)</a:t>
+            </a:r>
+            <a:endParaRPr kumimoji="1" lang="ja-JP" altLang="en-US" sz="2400" b="1" dirty="0"/>
+          </a:p>
+        </p:txBody>
+      </p:sp>
+      <p:sp>
+        <p:nvSpPr>
+          <p:cNvPr id="77" name="テキスト ボックス 76">
+            <a:extLst>
+              <a:ext uri="{FF2B5EF4-FFF2-40B4-BE49-F238E27FC236}">
+                <a16:creationId xmlns:a16="http://schemas.microsoft.com/office/drawing/2014/main" id="{2AA09B39-589E-4577-B45A-50AA24C0C8E2}"/>
+              </a:ext>
+            </a:extLst>
+          </p:cNvPr>
+          <p:cNvSpPr txBox="1"/>
+          <p:nvPr/>
+        </p:nvSpPr>
+        <p:spPr>
+          <a:xfrm>
+            <a:off x="4102498" y="2634701"/>
+            <a:ext cx="1338828" cy="369332"/>
+          </a:xfrm>
+          <a:prstGeom prst="rect">
+            <a:avLst/>
+          </a:prstGeom>
+          <a:noFill/>
+        </p:spPr>
+        <p:txBody>
+          <a:bodyPr wrap="none" rtlCol="0">
+            <a:spAutoFit/>
+          </a:bodyPr>
+          <a:lstStyle/>
+          <a:p>
+            <a:r>
+              <a:rPr kumimoji="1" lang="ja-JP" altLang="en-US" dirty="0"/>
+              <a:t>ハッシュ値</a:t>
+            </a:r>
+            <a:endParaRPr kumimoji="1" lang="en-US" altLang="ja-JP" dirty="0"/>
+          </a:p>
+        </p:txBody>
+      </p:sp>
+      <p:sp>
+        <p:nvSpPr>
+          <p:cNvPr id="52" name="テキスト ボックス 51">
+            <a:extLst>
+              <a:ext uri="{FF2B5EF4-FFF2-40B4-BE49-F238E27FC236}">
+                <a16:creationId xmlns:a16="http://schemas.microsoft.com/office/drawing/2014/main" id="{AB47D73B-145E-4AA1-96DF-898A46FC2B72}"/>
+              </a:ext>
+            </a:extLst>
+          </p:cNvPr>
+          <p:cNvSpPr txBox="1"/>
+          <p:nvPr/>
+        </p:nvSpPr>
+        <p:spPr>
+          <a:xfrm>
+            <a:off x="6452663" y="4273639"/>
+            <a:ext cx="646331" cy="369332"/>
+          </a:xfrm>
+          <a:prstGeom prst="rect">
+            <a:avLst/>
+          </a:prstGeom>
+          <a:noFill/>
+        </p:spPr>
+        <p:txBody>
+          <a:bodyPr wrap="none" rtlCol="0">
+            <a:spAutoFit/>
+          </a:bodyPr>
+          <a:lstStyle/>
+          <a:p>
+            <a:r>
+              <a:rPr kumimoji="1" lang="ja-JP" altLang="en-US" b="1" u="sng" dirty="0"/>
+              <a:t>署名</a:t>
+            </a:r>
+            <a:endParaRPr kumimoji="1" lang="en-US" altLang="ja-JP" b="1" u="sng" dirty="0"/>
+          </a:p>
+        </p:txBody>
+      </p:sp>
+      <p:sp>
+        <p:nvSpPr>
+          <p:cNvPr id="2" name="フリーフォーム: 図形 1">
+            <a:extLst>
+              <a:ext uri="{FF2B5EF4-FFF2-40B4-BE49-F238E27FC236}">
+                <a16:creationId xmlns:a16="http://schemas.microsoft.com/office/drawing/2014/main" id="{E39627FC-81C6-409A-BB25-547887C9DC37}"/>
+              </a:ext>
+            </a:extLst>
+          </p:cNvPr>
+          <p:cNvSpPr/>
+          <p:nvPr/>
+        </p:nvSpPr>
+        <p:spPr>
+          <a:xfrm>
+            <a:off x="6236677" y="3059723"/>
+            <a:ext cx="2203938" cy="479330"/>
+          </a:xfrm>
+          <a:custGeom>
+            <a:avLst/>
+            <a:gdLst>
+              <a:gd name="connsiteX0" fmla="*/ 0 w 2203938"/>
+              <a:gd name="connsiteY0" fmla="*/ 0 h 879231"/>
+              <a:gd name="connsiteX1" fmla="*/ 1992923 w 2203938"/>
+              <a:gd name="connsiteY1" fmla="*/ 23446 h 879231"/>
+              <a:gd name="connsiteX2" fmla="*/ 2192215 w 2203938"/>
+              <a:gd name="connsiteY2" fmla="*/ 293077 h 879231"/>
+              <a:gd name="connsiteX3" fmla="*/ 2203938 w 2203938"/>
+              <a:gd name="connsiteY3" fmla="*/ 879231 h 879231"/>
+              <a:gd name="connsiteX0" fmla="*/ 0 w 2203938"/>
+              <a:gd name="connsiteY0" fmla="*/ 0 h 545621"/>
+              <a:gd name="connsiteX1" fmla="*/ 1992923 w 2203938"/>
+              <a:gd name="connsiteY1" fmla="*/ 23446 h 545621"/>
+              <a:gd name="connsiteX2" fmla="*/ 2192215 w 2203938"/>
+              <a:gd name="connsiteY2" fmla="*/ 293077 h 545621"/>
+              <a:gd name="connsiteX3" fmla="*/ 2203938 w 2203938"/>
+              <a:gd name="connsiteY3" fmla="*/ 545621 h 545621"/>
+            </a:gdLst>
+            <a:ahLst/>
+            <a:cxnLst>
+              <a:cxn ang="0">
+                <a:pos x="connsiteX0" y="connsiteY0"/>
+              </a:cxn>
+              <a:cxn ang="0">
+                <a:pos x="connsiteX1" y="connsiteY1"/>
+              </a:cxn>
+              <a:cxn ang="0">
+                <a:pos x="connsiteX2" y="connsiteY2"/>
+              </a:cxn>
+              <a:cxn ang="0">
+                <a:pos x="connsiteX3" y="connsiteY3"/>
+              </a:cxn>
+            </a:cxnLst>
+            <a:rect l="l" t="t" r="r" b="b"/>
+            <a:pathLst>
+              <a:path w="2203938" h="545621">
+                <a:moveTo>
+                  <a:pt x="0" y="0"/>
+                </a:moveTo>
+                <a:lnTo>
+                  <a:pt x="1992923" y="23446"/>
+                </a:lnTo>
+                <a:lnTo>
+                  <a:pt x="2192215" y="293077"/>
+                </a:lnTo>
+                <a:cubicBezTo>
+                  <a:pt x="2196123" y="488462"/>
+                  <a:pt x="2200030" y="350236"/>
+                  <a:pt x="2203938" y="545621"/>
+                </a:cubicBezTo>
+              </a:path>
+            </a:pathLst>
+          </a:custGeom>
+          <a:noFill/>
+          <a:ln w="19050">
+            <a:solidFill>
+              <a:schemeClr val="tx1"/>
+            </a:solidFill>
+            <a:headEnd type="none" w="med" len="med"/>
+            <a:tailEnd type="arrow" w="med" len="med"/>
+          </a:ln>
+        </p:spPr>
+        <p:style>
+          <a:lnRef idx="2">
+            <a:schemeClr val="accent1">
+              <a:shade val="50000"/>
+            </a:schemeClr>
+          </a:lnRef>
+          <a:fillRef idx="1">
+            <a:schemeClr val="accent1"/>
+          </a:fillRef>
+          <a:effectRef idx="0">
+            <a:schemeClr val="accent1"/>
+          </a:effectRef>
+          <a:fontRef idx="minor">
+            <a:schemeClr val="lt1"/>
+          </a:fontRef>
+        </p:style>
+        <p:txBody>
+          <a:bodyPr rtlCol="0" anchor="ctr"/>
+          <a:lstStyle/>
+          <a:p>
+            <a:pPr algn="ctr"/>
+            <a:endParaRPr kumimoji="1" lang="ja-JP" altLang="en-US"/>
+          </a:p>
+        </p:txBody>
+      </p:sp>
+      <p:sp>
+        <p:nvSpPr>
+          <p:cNvPr id="3" name="フリーフォーム: 図形 2">
+            <a:extLst>
+              <a:ext uri="{FF2B5EF4-FFF2-40B4-BE49-F238E27FC236}">
+                <a16:creationId xmlns:a16="http://schemas.microsoft.com/office/drawing/2014/main" id="{00A2C409-468A-4086-8049-CB989F461E06}"/>
+              </a:ext>
+            </a:extLst>
+          </p:cNvPr>
+          <p:cNvSpPr/>
+          <p:nvPr/>
+        </p:nvSpPr>
+        <p:spPr>
+          <a:xfrm>
+            <a:off x="7092462" y="785446"/>
+            <a:ext cx="1852246" cy="2743200"/>
+          </a:xfrm>
+          <a:custGeom>
+            <a:avLst/>
+            <a:gdLst>
+              <a:gd name="connsiteX0" fmla="*/ 0 w 1852246"/>
+              <a:gd name="connsiteY0" fmla="*/ 0 h 2743200"/>
+              <a:gd name="connsiteX1" fmla="*/ 1312984 w 1852246"/>
+              <a:gd name="connsiteY1" fmla="*/ 11723 h 2743200"/>
+              <a:gd name="connsiteX2" fmla="*/ 1817076 w 1852246"/>
+              <a:gd name="connsiteY2" fmla="*/ 656492 h 2743200"/>
+              <a:gd name="connsiteX3" fmla="*/ 1852246 w 1852246"/>
+              <a:gd name="connsiteY3" fmla="*/ 2743200 h 2743200"/>
+            </a:gdLst>
+            <a:ahLst/>
+            <a:cxnLst>
+              <a:cxn ang="0">
+                <a:pos x="connsiteX0" y="connsiteY0"/>
+              </a:cxn>
+              <a:cxn ang="0">
+                <a:pos x="connsiteX1" y="connsiteY1"/>
+              </a:cxn>
+              <a:cxn ang="0">
+                <a:pos x="connsiteX2" y="connsiteY2"/>
+              </a:cxn>
+              <a:cxn ang="0">
+                <a:pos x="connsiteX3" y="connsiteY3"/>
+              </a:cxn>
+            </a:cxnLst>
+            <a:rect l="l" t="t" r="r" b="b"/>
+            <a:pathLst>
+              <a:path w="1852246" h="2743200">
+                <a:moveTo>
+                  <a:pt x="0" y="0"/>
+                </a:moveTo>
+                <a:lnTo>
+                  <a:pt x="1312984" y="11723"/>
+                </a:lnTo>
+                <a:lnTo>
+                  <a:pt x="1817076" y="656492"/>
+                </a:lnTo>
+                <a:lnTo>
+                  <a:pt x="1852246" y="2743200"/>
+                </a:lnTo>
+              </a:path>
+            </a:pathLst>
+          </a:custGeom>
+          <a:noFill/>
+          <a:ln w="19050">
+            <a:solidFill>
+              <a:schemeClr val="tx1"/>
+            </a:solidFill>
+            <a:headEnd type="none" w="med" len="med"/>
+            <a:tailEnd type="arrow" w="med" len="med"/>
+          </a:ln>
+        </p:spPr>
+        <p:style>
+          <a:lnRef idx="2">
+            <a:schemeClr val="accent1">
+              <a:shade val="50000"/>
+            </a:schemeClr>
+          </a:lnRef>
+          <a:fillRef idx="1">
+            <a:schemeClr val="accent1"/>
+          </a:fillRef>
+          <a:effectRef idx="0">
+            <a:schemeClr val="accent1"/>
+          </a:effectRef>
+          <a:fontRef idx="minor">
+            <a:schemeClr val="lt1"/>
+          </a:fontRef>
+        </p:style>
+        <p:txBody>
+          <a:bodyPr rtlCol="0" anchor="ctr"/>
+          <a:lstStyle/>
+          <a:p>
+            <a:pPr algn="ctr"/>
+            <a:endParaRPr kumimoji="1" lang="ja-JP" altLang="en-US"/>
+          </a:p>
+        </p:txBody>
+      </p:sp>
+      <p:sp>
+        <p:nvSpPr>
+          <p:cNvPr id="70" name="フリーフォーム: 図形 69">
+            <a:extLst>
+              <a:ext uri="{FF2B5EF4-FFF2-40B4-BE49-F238E27FC236}">
+                <a16:creationId xmlns:a16="http://schemas.microsoft.com/office/drawing/2014/main" id="{CF4DAFBB-C411-4A45-89AF-4E6016D31328}"/>
+              </a:ext>
+            </a:extLst>
+          </p:cNvPr>
+          <p:cNvSpPr/>
+          <p:nvPr/>
+        </p:nvSpPr>
+        <p:spPr>
+          <a:xfrm flipH="1">
+            <a:off x="2685035" y="831032"/>
+            <a:ext cx="1852246" cy="2743200"/>
+          </a:xfrm>
+          <a:custGeom>
+            <a:avLst/>
+            <a:gdLst>
+              <a:gd name="connsiteX0" fmla="*/ 0 w 1852246"/>
+              <a:gd name="connsiteY0" fmla="*/ 0 h 2743200"/>
+              <a:gd name="connsiteX1" fmla="*/ 1312984 w 1852246"/>
+              <a:gd name="connsiteY1" fmla="*/ 11723 h 2743200"/>
+              <a:gd name="connsiteX2" fmla="*/ 1817076 w 1852246"/>
+              <a:gd name="connsiteY2" fmla="*/ 656492 h 2743200"/>
+              <a:gd name="connsiteX3" fmla="*/ 1852246 w 1852246"/>
+              <a:gd name="connsiteY3" fmla="*/ 2743200 h 2743200"/>
+            </a:gdLst>
+            <a:ahLst/>
+            <a:cxnLst>
+              <a:cxn ang="0">
+                <a:pos x="connsiteX0" y="connsiteY0"/>
+              </a:cxn>
+              <a:cxn ang="0">
+                <a:pos x="connsiteX1" y="connsiteY1"/>
+              </a:cxn>
+              <a:cxn ang="0">
+                <a:pos x="connsiteX2" y="connsiteY2"/>
+              </a:cxn>
+              <a:cxn ang="0">
+                <a:pos x="connsiteX3" y="connsiteY3"/>
+              </a:cxn>
+            </a:cxnLst>
+            <a:rect l="l" t="t" r="r" b="b"/>
+            <a:pathLst>
+              <a:path w="1852246" h="2743200">
+                <a:moveTo>
+                  <a:pt x="0" y="0"/>
+                </a:moveTo>
+                <a:lnTo>
+                  <a:pt x="1312984" y="11723"/>
+                </a:lnTo>
+                <a:lnTo>
+                  <a:pt x="1817076" y="656492"/>
+                </a:lnTo>
+                <a:lnTo>
+                  <a:pt x="1852246" y="2743200"/>
+                </a:lnTo>
+              </a:path>
+            </a:pathLst>
+          </a:custGeom>
+          <a:noFill/>
+          <a:ln w="19050">
+            <a:solidFill>
+              <a:schemeClr val="tx1"/>
+            </a:solidFill>
+            <a:headEnd type="none" w="med" len="med"/>
+            <a:tailEnd type="arrow" w="med" len="med"/>
+          </a:ln>
+        </p:spPr>
+        <p:style>
+          <a:lnRef idx="2">
+            <a:schemeClr val="accent1">
+              <a:shade val="50000"/>
+            </a:schemeClr>
+          </a:lnRef>
+          <a:fillRef idx="1">
+            <a:schemeClr val="accent1"/>
+          </a:fillRef>
+          <a:effectRef idx="0">
+            <a:schemeClr val="accent1"/>
+          </a:effectRef>
+          <a:fontRef idx="minor">
+            <a:schemeClr val="lt1"/>
+          </a:fontRef>
+        </p:style>
+        <p:txBody>
+          <a:bodyPr rtlCol="0" anchor="ctr"/>
+          <a:lstStyle/>
+          <a:p>
+            <a:pPr algn="ctr"/>
+            <a:endParaRPr kumimoji="1" lang="ja-JP" altLang="en-US"/>
+          </a:p>
+        </p:txBody>
+      </p:sp>
+      <p:sp>
+        <p:nvSpPr>
+          <p:cNvPr id="10" name="フリーフォーム: 図形 9">
+            <a:extLst>
+              <a:ext uri="{FF2B5EF4-FFF2-40B4-BE49-F238E27FC236}">
+                <a16:creationId xmlns:a16="http://schemas.microsoft.com/office/drawing/2014/main" id="{46E93644-BD8E-4FEE-AE08-66E660E09396}"/>
+              </a:ext>
+            </a:extLst>
+          </p:cNvPr>
+          <p:cNvSpPr/>
+          <p:nvPr/>
+        </p:nvSpPr>
+        <p:spPr>
+          <a:xfrm>
+            <a:off x="10996246" y="3094892"/>
+            <a:ext cx="222739" cy="630942"/>
+          </a:xfrm>
+          <a:custGeom>
+            <a:avLst/>
+            <a:gdLst>
+              <a:gd name="connsiteX0" fmla="*/ 222739 w 222739"/>
+              <a:gd name="connsiteY0" fmla="*/ 0 h 867508"/>
+              <a:gd name="connsiteX1" fmla="*/ 222739 w 222739"/>
+              <a:gd name="connsiteY1" fmla="*/ 668216 h 867508"/>
+              <a:gd name="connsiteX2" fmla="*/ 0 w 222739"/>
+              <a:gd name="connsiteY2" fmla="*/ 867508 h 867508"/>
+            </a:gdLst>
+            <a:ahLst/>
+            <a:cxnLst>
+              <a:cxn ang="0">
+                <a:pos x="connsiteX0" y="connsiteY0"/>
+              </a:cxn>
+              <a:cxn ang="0">
+                <a:pos x="connsiteX1" y="connsiteY1"/>
+              </a:cxn>
+              <a:cxn ang="0">
+                <a:pos x="connsiteX2" y="connsiteY2"/>
+              </a:cxn>
+            </a:cxnLst>
+            <a:rect l="l" t="t" r="r" b="b"/>
+            <a:pathLst>
+              <a:path w="222739" h="867508">
+                <a:moveTo>
+                  <a:pt x="222739" y="0"/>
+                </a:moveTo>
+                <a:lnTo>
+                  <a:pt x="222739" y="668216"/>
+                </a:lnTo>
+                <a:lnTo>
+                  <a:pt x="0" y="867508"/>
+                </a:lnTo>
+              </a:path>
+            </a:pathLst>
+          </a:custGeom>
+          <a:noFill/>
+          <a:ln w="19050">
+            <a:solidFill>
+              <a:schemeClr val="tx1"/>
+            </a:solidFill>
+            <a:headEnd type="none" w="med" len="med"/>
+            <a:tailEnd type="arrow" w="med" len="med"/>
+          </a:ln>
+        </p:spPr>
+        <p:style>
+          <a:lnRef idx="2">
+            <a:schemeClr val="accent1">
+              <a:shade val="50000"/>
+            </a:schemeClr>
+          </a:lnRef>
+          <a:fillRef idx="1">
+            <a:schemeClr val="accent1"/>
+          </a:fillRef>
+          <a:effectRef idx="0">
+            <a:schemeClr val="accent1"/>
+          </a:effectRef>
+          <a:fontRef idx="minor">
+            <a:schemeClr val="lt1"/>
+          </a:fontRef>
+        </p:style>
+        <p:txBody>
+          <a:bodyPr rtlCol="0" anchor="ctr"/>
+          <a:lstStyle/>
+          <a:p>
+            <a:pPr algn="ctr"/>
+            <a:endParaRPr kumimoji="1" lang="ja-JP" altLang="en-US"/>
+          </a:p>
+        </p:txBody>
+      </p:sp>
+      <p:sp>
+        <p:nvSpPr>
+          <p:cNvPr id="11" name="フリーフォーム: 図形 10">
+            <a:extLst>
+              <a:ext uri="{FF2B5EF4-FFF2-40B4-BE49-F238E27FC236}">
+                <a16:creationId xmlns:a16="http://schemas.microsoft.com/office/drawing/2014/main" id="{83CCFF7D-16B9-43BA-A78D-A22493546404}"/>
+              </a:ext>
+            </a:extLst>
+          </p:cNvPr>
+          <p:cNvSpPr/>
+          <p:nvPr/>
+        </p:nvSpPr>
+        <p:spPr>
+          <a:xfrm>
+            <a:off x="10984523" y="3106615"/>
+            <a:ext cx="633046" cy="1648059"/>
+          </a:xfrm>
+          <a:custGeom>
+            <a:avLst/>
+            <a:gdLst>
+              <a:gd name="connsiteX0" fmla="*/ 586154 w 633046"/>
+              <a:gd name="connsiteY0" fmla="*/ 0 h 1887416"/>
+              <a:gd name="connsiteX1" fmla="*/ 633046 w 633046"/>
+              <a:gd name="connsiteY1" fmla="*/ 1395047 h 1887416"/>
+              <a:gd name="connsiteX2" fmla="*/ 0 w 633046"/>
+              <a:gd name="connsiteY2" fmla="*/ 1887416 h 1887416"/>
+            </a:gdLst>
+            <a:ahLst/>
+            <a:cxnLst>
+              <a:cxn ang="0">
+                <a:pos x="connsiteX0" y="connsiteY0"/>
+              </a:cxn>
+              <a:cxn ang="0">
+                <a:pos x="connsiteX1" y="connsiteY1"/>
+              </a:cxn>
+              <a:cxn ang="0">
+                <a:pos x="connsiteX2" y="connsiteY2"/>
+              </a:cxn>
+            </a:cxnLst>
+            <a:rect l="l" t="t" r="r" b="b"/>
+            <a:pathLst>
+              <a:path w="633046" h="1887416">
+                <a:moveTo>
+                  <a:pt x="586154" y="0"/>
+                </a:moveTo>
+                <a:lnTo>
+                  <a:pt x="633046" y="1395047"/>
+                </a:lnTo>
+                <a:lnTo>
+                  <a:pt x="0" y="1887416"/>
+                </a:lnTo>
+              </a:path>
+            </a:pathLst>
+          </a:custGeom>
+          <a:noFill/>
+          <a:ln w="19050">
+            <a:solidFill>
+              <a:schemeClr val="tx1"/>
+            </a:solidFill>
+            <a:headEnd type="none" w="med" len="med"/>
+            <a:tailEnd type="arrow" w="med" len="med"/>
+          </a:ln>
+        </p:spPr>
+        <p:style>
+          <a:lnRef idx="2">
+            <a:schemeClr val="accent1">
+              <a:shade val="50000"/>
+            </a:schemeClr>
+          </a:lnRef>
+          <a:fillRef idx="1">
+            <a:schemeClr val="accent1"/>
+          </a:fillRef>
+          <a:effectRef idx="0">
+            <a:schemeClr val="accent1"/>
+          </a:effectRef>
+          <a:fontRef idx="minor">
+            <a:schemeClr val="lt1"/>
+          </a:fontRef>
+        </p:style>
+        <p:txBody>
+          <a:bodyPr rtlCol="0" anchor="ctr"/>
+          <a:lstStyle/>
+          <a:p>
+            <a:pPr algn="ctr"/>
+            <a:endParaRPr kumimoji="1" lang="ja-JP" altLang="en-US"/>
+          </a:p>
+        </p:txBody>
+      </p:sp>
+      <p:cxnSp>
+        <p:nvCxnSpPr>
+          <p:cNvPr id="13" name="直線コネクタ 12">
+            <a:extLst>
+              <a:ext uri="{FF2B5EF4-FFF2-40B4-BE49-F238E27FC236}">
+                <a16:creationId xmlns:a16="http://schemas.microsoft.com/office/drawing/2014/main" id="{FCC2C57C-5766-4479-BFB9-3D2A8DDD2856}"/>
+              </a:ext>
+            </a:extLst>
+          </p:cNvPr>
+          <p:cNvCxnSpPr/>
+          <p:nvPr/>
+        </p:nvCxnSpPr>
+        <p:spPr>
+          <a:xfrm flipH="1">
+            <a:off x="5635766" y="4119181"/>
+            <a:ext cx="1298599" cy="0"/>
+          </a:xfrm>
+          <a:prstGeom prst="line">
+            <a:avLst/>
+          </a:prstGeom>
+          <a:ln w="19050">
+            <a:solidFill>
+              <a:schemeClr val="tx1"/>
+            </a:solidFill>
+            <a:headEnd type="none" w="med" len="med"/>
+            <a:tailEnd type="arrow" w="med" len="med"/>
+          </a:ln>
+        </p:spPr>
+        <p:style>
+          <a:lnRef idx="1">
+            <a:schemeClr val="accent1"/>
+          </a:lnRef>
+          <a:fillRef idx="0">
+            <a:schemeClr val="accent1"/>
+          </a:fillRef>
+          <a:effectRef idx="0">
+            <a:schemeClr val="accent1"/>
+          </a:effectRef>
+          <a:fontRef idx="minor">
+            <a:schemeClr val="tx1"/>
+          </a:fontRef>
+        </p:style>
+      </p:cxnSp>
+      <p:sp>
+        <p:nvSpPr>
+          <p:cNvPr id="83" name="フリーフォーム 61">
+            <a:extLst>
+              <a:ext uri="{FF2B5EF4-FFF2-40B4-BE49-F238E27FC236}">
+                <a16:creationId xmlns:a16="http://schemas.microsoft.com/office/drawing/2014/main" id="{160BDB9C-E62B-4308-83D9-480B4DEBFBF6}"/>
+              </a:ext>
+            </a:extLst>
+          </p:cNvPr>
+          <p:cNvSpPr/>
+          <p:nvPr/>
+        </p:nvSpPr>
+        <p:spPr>
+          <a:xfrm flipH="1">
+            <a:off x="8383172" y="3519140"/>
+            <a:ext cx="54255" cy="322515"/>
+          </a:xfrm>
+          <a:custGeom>
+            <a:avLst/>
+            <a:gdLst>
+              <a:gd name="connsiteX0" fmla="*/ 0 w 0"/>
+              <a:gd name="connsiteY0" fmla="*/ 0 h 484094"/>
+              <a:gd name="connsiteX1" fmla="*/ 0 w 0"/>
+              <a:gd name="connsiteY1" fmla="*/ 0 h 484094"/>
+              <a:gd name="connsiteX2" fmla="*/ 0 w 0"/>
+              <a:gd name="connsiteY2" fmla="*/ 484094 h 484094"/>
+              <a:gd name="connsiteX3" fmla="*/ 0 w 0"/>
+              <a:gd name="connsiteY3" fmla="*/ 484094 h 484094"/>
+            </a:gdLst>
+            <a:ahLst/>
+            <a:cxnLst>
+              <a:cxn ang="0">
+                <a:pos x="connsiteX0" y="connsiteY0"/>
+              </a:cxn>
+              <a:cxn ang="0">
+                <a:pos x="connsiteX1" y="connsiteY1"/>
+              </a:cxn>
+              <a:cxn ang="0">
+                <a:pos x="connsiteX2" y="connsiteY2"/>
+              </a:cxn>
+              <a:cxn ang="0">
+                <a:pos x="connsiteX3" y="connsiteY3"/>
+              </a:cxn>
+            </a:cxnLst>
+            <a:rect l="l" t="t" r="r" b="b"/>
+            <a:pathLst>
+              <a:path h="484094">
+                <a:moveTo>
+                  <a:pt x="0" y="0"/>
+                </a:moveTo>
+                <a:lnTo>
+                  <a:pt x="0" y="0"/>
+                </a:lnTo>
+                <a:lnTo>
+                  <a:pt x="0" y="484094"/>
+                </a:lnTo>
+                <a:lnTo>
+                  <a:pt x="0" y="484094"/>
+                </a:lnTo>
+              </a:path>
+            </a:pathLst>
+          </a:custGeom>
+          <a:noFill/>
+          <a:ln w="19050">
+            <a:solidFill>
+              <a:schemeClr val="tx1"/>
+            </a:solidFill>
+            <a:tailEnd type="arrow"/>
+          </a:ln>
+        </p:spPr>
+        <p:style>
+          <a:lnRef idx="2">
+            <a:schemeClr val="accent1">
+              <a:shade val="50000"/>
+            </a:schemeClr>
+          </a:lnRef>
+          <a:fillRef idx="1">
+            <a:schemeClr val="accent1"/>
+          </a:fillRef>
+          <a:effectRef idx="0">
+            <a:schemeClr val="accent1"/>
+          </a:effectRef>
+          <a:fontRef idx="minor">
+            <a:schemeClr val="lt1"/>
+          </a:fontRef>
+        </p:style>
+        <p:txBody>
+          <a:bodyPr rtlCol="0" anchor="ctr"/>
+          <a:lstStyle/>
+          <a:p>
+            <a:pPr algn="ctr"/>
+            <a:endParaRPr kumimoji="1" lang="ja-JP" altLang="en-US"/>
+          </a:p>
+        </p:txBody>
+      </p:sp>
+      <p:sp>
+        <p:nvSpPr>
+          <p:cNvPr id="14" name="フリーフォーム: 図形 13">
+            <a:extLst>
+              <a:ext uri="{FF2B5EF4-FFF2-40B4-BE49-F238E27FC236}">
+                <a16:creationId xmlns:a16="http://schemas.microsoft.com/office/drawing/2014/main" id="{0E6042B0-013B-4FEE-A359-9550EC313CFB}"/>
+              </a:ext>
+            </a:extLst>
+          </p:cNvPr>
+          <p:cNvSpPr/>
+          <p:nvPr/>
+        </p:nvSpPr>
+        <p:spPr>
+          <a:xfrm>
+            <a:off x="7795846" y="3692769"/>
+            <a:ext cx="3153508" cy="152400"/>
+          </a:xfrm>
+          <a:custGeom>
+            <a:avLst/>
+            <a:gdLst>
+              <a:gd name="connsiteX0" fmla="*/ 3153508 w 3153508"/>
+              <a:gd name="connsiteY0" fmla="*/ 11723 h 152400"/>
+              <a:gd name="connsiteX1" fmla="*/ 128954 w 3153508"/>
+              <a:gd name="connsiteY1" fmla="*/ 0 h 152400"/>
+              <a:gd name="connsiteX2" fmla="*/ 0 w 3153508"/>
+              <a:gd name="connsiteY2" fmla="*/ 152400 h 152400"/>
+            </a:gdLst>
+            <a:ahLst/>
+            <a:cxnLst>
+              <a:cxn ang="0">
+                <a:pos x="connsiteX0" y="connsiteY0"/>
+              </a:cxn>
+              <a:cxn ang="0">
+                <a:pos x="connsiteX1" y="connsiteY1"/>
+              </a:cxn>
+              <a:cxn ang="0">
+                <a:pos x="connsiteX2" y="connsiteY2"/>
+              </a:cxn>
+            </a:cxnLst>
+            <a:rect l="l" t="t" r="r" b="b"/>
+            <a:pathLst>
+              <a:path w="3153508" h="152400">
+                <a:moveTo>
+                  <a:pt x="3153508" y="11723"/>
+                </a:moveTo>
+                <a:lnTo>
+                  <a:pt x="128954" y="0"/>
+                </a:lnTo>
+                <a:lnTo>
+                  <a:pt x="0" y="152400"/>
+                </a:lnTo>
+              </a:path>
+            </a:pathLst>
+          </a:custGeom>
+          <a:noFill/>
+          <a:ln w="19050">
+            <a:solidFill>
+              <a:schemeClr val="tx1"/>
+            </a:solidFill>
+            <a:headEnd type="none" w="med" len="med"/>
+            <a:tailEnd type="arrow" w="med" len="med"/>
+          </a:ln>
+        </p:spPr>
+        <p:style>
+          <a:lnRef idx="2">
+            <a:schemeClr val="accent1">
+              <a:shade val="50000"/>
+            </a:schemeClr>
+          </a:lnRef>
+          <a:fillRef idx="1">
+            <a:schemeClr val="accent1"/>
+          </a:fillRef>
+          <a:effectRef idx="0">
+            <a:schemeClr val="accent1"/>
+          </a:effectRef>
+          <a:fontRef idx="minor">
+            <a:schemeClr val="lt1"/>
+          </a:fontRef>
+        </p:style>
+        <p:txBody>
+          <a:bodyPr rtlCol="0" anchor="ctr"/>
+          <a:lstStyle/>
+          <a:p>
+            <a:pPr algn="ctr"/>
+            <a:endParaRPr kumimoji="1" lang="ja-JP" altLang="en-US"/>
+          </a:p>
+        </p:txBody>
+      </p:sp>
+      <p:sp>
+        <p:nvSpPr>
+          <p:cNvPr id="69" name="テキスト ボックス 68">
+            <a:extLst>
+              <a:ext uri="{FF2B5EF4-FFF2-40B4-BE49-F238E27FC236}">
+                <a16:creationId xmlns:a16="http://schemas.microsoft.com/office/drawing/2014/main" id="{29D10F48-1BF9-40A0-97A1-34C25DE520AF}"/>
+              </a:ext>
+            </a:extLst>
+          </p:cNvPr>
+          <p:cNvSpPr txBox="1"/>
+          <p:nvPr/>
+        </p:nvSpPr>
+        <p:spPr>
+          <a:xfrm>
+            <a:off x="4807627" y="1239583"/>
+            <a:ext cx="2286000" cy="461665"/>
+          </a:xfrm>
+          <a:prstGeom prst="rect">
+            <a:avLst/>
+          </a:prstGeom>
+          <a:noFill/>
+        </p:spPr>
+        <p:txBody>
+          <a:bodyPr wrap="square" rtlCol="0">
+            <a:spAutoFit/>
+          </a:bodyPr>
+          <a:lstStyle/>
+          <a:p>
+            <a:pPr algn="ctr"/>
+            <a:r>
+              <a:rPr lang="ja-JP" altLang="en-US" sz="2400" b="1" dirty="0"/>
+              <a:t>ユーザ</a:t>
+            </a:r>
+            <a:r>
+              <a:rPr kumimoji="1" lang="ja-JP" altLang="en-US" sz="2400" b="1" dirty="0"/>
+              <a:t>鍵</a:t>
+            </a:r>
+            <a:endParaRPr kumimoji="1" lang="ja-JP" altLang="en-US" dirty="0"/>
+          </a:p>
+        </p:txBody>
+      </p:sp>
+      <p:sp>
+        <p:nvSpPr>
+          <p:cNvPr id="97" name="テキスト ボックス 96">
+            <a:extLst>
+              <a:ext uri="{FF2B5EF4-FFF2-40B4-BE49-F238E27FC236}">
+                <a16:creationId xmlns:a16="http://schemas.microsoft.com/office/drawing/2014/main" id="{FD6A5173-867D-44AE-847B-1C6874812106}"/>
+              </a:ext>
+            </a:extLst>
+          </p:cNvPr>
+          <p:cNvSpPr txBox="1"/>
+          <p:nvPr/>
+        </p:nvSpPr>
+        <p:spPr>
+          <a:xfrm>
+            <a:off x="6592730" y="958206"/>
+            <a:ext cx="2286000" cy="461665"/>
+          </a:xfrm>
+          <a:prstGeom prst="rect">
+            <a:avLst/>
+          </a:prstGeom>
+          <a:noFill/>
+        </p:spPr>
+        <p:txBody>
+          <a:bodyPr wrap="square" rtlCol="0">
+            <a:spAutoFit/>
+          </a:bodyPr>
+          <a:lstStyle/>
+          <a:p>
+            <a:pPr algn="ctr"/>
+            <a:r>
+              <a:rPr kumimoji="1" lang="ja-JP" altLang="en-US" sz="2400" b="1" dirty="0"/>
+              <a:t>秘密鍵</a:t>
+            </a:r>
+            <a:endParaRPr kumimoji="1" lang="ja-JP" altLang="en-US" dirty="0"/>
+          </a:p>
+        </p:txBody>
+      </p:sp>
+      <p:sp>
+        <p:nvSpPr>
+          <p:cNvPr id="98" name="テキスト ボックス 97">
+            <a:extLst>
+              <a:ext uri="{FF2B5EF4-FFF2-40B4-BE49-F238E27FC236}">
+                <a16:creationId xmlns:a16="http://schemas.microsoft.com/office/drawing/2014/main" id="{FE6BA11A-AEFD-46AD-9ED1-2B2D7577429D}"/>
+              </a:ext>
+            </a:extLst>
+          </p:cNvPr>
+          <p:cNvSpPr txBox="1"/>
+          <p:nvPr/>
+        </p:nvSpPr>
+        <p:spPr>
+          <a:xfrm>
+            <a:off x="2881556" y="993437"/>
+            <a:ext cx="2286000" cy="461665"/>
+          </a:xfrm>
+          <a:prstGeom prst="rect">
+            <a:avLst/>
+          </a:prstGeom>
+          <a:noFill/>
+        </p:spPr>
+        <p:txBody>
+          <a:bodyPr wrap="square" rtlCol="0">
+            <a:spAutoFit/>
+          </a:bodyPr>
+          <a:lstStyle/>
+          <a:p>
+            <a:pPr algn="ctr"/>
+            <a:r>
+              <a:rPr kumimoji="1" lang="ja-JP" altLang="en-US" sz="2400" b="1" dirty="0"/>
+              <a:t>公開鍵</a:t>
+            </a:r>
+            <a:endParaRPr kumimoji="1" lang="ja-JP" altLang="en-US" dirty="0"/>
+          </a:p>
+        </p:txBody>
+      </p:sp>
       <p:pic>
         <p:nvPicPr>
-          <p:cNvPr id="1028" name="Picture 4">
-            <a:extLst>
-              <a:ext uri="{FF2B5EF4-FFF2-40B4-BE49-F238E27FC236}">
-                <a16:creationId xmlns:a16="http://schemas.microsoft.com/office/drawing/2014/main" id="{0EE824A7-FC37-44FB-8D15-3851E6975172}"/>
+          <p:cNvPr id="6" name="図 5">
+            <a:extLst>
+              <a:ext uri="{FF2B5EF4-FFF2-40B4-BE49-F238E27FC236}">
+                <a16:creationId xmlns:a16="http://schemas.microsoft.com/office/drawing/2014/main" id="{7A07B6CE-4430-45F6-A1DE-0F1D39FDE032}"/>
               </a:ext>
             </a:extLst>
           </p:cNvPr>
           <p:cNvPicPr>
-            <a:picLocks noChangeAspect="1" noChangeArrowheads="1"/>
+            <a:picLocks noChangeAspect="1"/>
           </p:cNvPicPr>
           <p:nvPr/>
         </p:nvPicPr>
         <p:blipFill>
-          <a:blip r:embed="rId2">
-            <a:extLst>
-              <a:ext uri="{28A0092B-C50C-407E-A947-70E740481C1C}">
-                <a14:useLocalDpi xmlns:a14="http://schemas.microsoft.com/office/drawing/2010/main" val="0"/>
-              </a:ext>
-            </a:extLst>
-          </a:blip>
-          <a:srcRect/>
+          <a:blip r:embed="rId3"/>
           <a:stretch>
             <a:fillRect/>
           </a:stretch>
         </p:blipFill>
-        <p:spPr bwMode="auto">
-          <a:xfrm>
-            <a:off x="264631" y="2112261"/>
-            <a:ext cx="11662737" cy="6560290"/>
+        <p:spPr>
+          <a:xfrm>
+            <a:off x="7083018" y="4799972"/>
+            <a:ext cx="1854327" cy="421437"/>
           </a:xfrm>
           <a:prstGeom prst="rect">
             <a:avLst/>
           </a:prstGeom>
-          <a:noFill/>
-          <a:extLst>
-            <a:ext uri="{909E8E84-426E-40DD-AFC4-6F175D3DCCD1}">
-              <a14:hiddenFill xmlns:a14="http://schemas.microsoft.com/office/drawing/2010/main">
-                <a:solidFill>
-                  <a:srgbClr val="FFFFFF"/>
-                </a:solidFill>
-              </a14:hiddenFill>
-            </a:ext>
-          </a:extLst>
         </p:spPr>
       </p:pic>
-      <p:sp>
-        <p:nvSpPr>
-          <p:cNvPr id="2" name="タイトル 1">
-            <a:extLst>
-              <a:ext uri="{FF2B5EF4-FFF2-40B4-BE49-F238E27FC236}">
-                <a16:creationId xmlns:a16="http://schemas.microsoft.com/office/drawing/2014/main" id="{DACDCBA6-846F-44F3-A367-BC5E75F58CAB}"/>
-              </a:ext>
-            </a:extLst>
-          </p:cNvPr>
-          <p:cNvSpPr>
-            <a:spLocks noGrp="1"/>
-          </p:cNvSpPr>
-          <p:nvPr>
-            <p:ph type="title"/>
-          </p:nvPr>
-        </p:nvSpPr>
-        <p:spPr/>
-        <p:txBody>
-          <a:bodyPr/>
-          <a:lstStyle/>
-          <a:p>
-            <a:r>
-              <a:rPr kumimoji="1" lang="ja-JP" altLang="en-US" dirty="0"/>
-              <a:t>楕円曲線上のスカラー乗算</a:t>
-            </a:r>
-          </a:p>
-        </p:txBody>
-      </p:sp>
       <p:pic>
         <p:nvPicPr>
-          <p:cNvPr id="1030" name="Picture 6">
-            <a:extLst>
-              <a:ext uri="{FF2B5EF4-FFF2-40B4-BE49-F238E27FC236}">
-                <a16:creationId xmlns:a16="http://schemas.microsoft.com/office/drawing/2014/main" id="{8EA66C67-8E1C-4F1F-8617-37227AAA3FCE}"/>
+          <p:cNvPr id="8" name="図 7">
+            <a:extLst>
+              <a:ext uri="{FF2B5EF4-FFF2-40B4-BE49-F238E27FC236}">
+                <a16:creationId xmlns:a16="http://schemas.microsoft.com/office/drawing/2014/main" id="{B91493DB-6F8D-476D-90A7-9D8E7DCB5099}"/>
               </a:ext>
             </a:extLst>
           </p:cNvPr>
           <p:cNvPicPr>
-            <a:picLocks noChangeAspect="1" noChangeArrowheads="1"/>
+            <a:picLocks noChangeAspect="1"/>
           </p:cNvPicPr>
           <p:nvPr/>
         </p:nvPicPr>
         <p:blipFill>
-          <a:blip r:embed="rId3">
-            <a:extLst>
-              <a:ext uri="{28A0092B-C50C-407E-A947-70E740481C1C}">
-                <a14:useLocalDpi xmlns:a14="http://schemas.microsoft.com/office/drawing/2010/main" val="0"/>
-              </a:ext>
-            </a:extLst>
-          </a:blip>
-          <a:srcRect/>
+          <a:blip r:embed="rId4"/>
           <a:stretch>
             <a:fillRect/>
           </a:stretch>
         </p:blipFill>
-        <p:spPr bwMode="auto">
-          <a:xfrm>
-            <a:off x="6900087" y="2553096"/>
-            <a:ext cx="4047718" cy="3939779"/>
+        <p:spPr>
+          <a:xfrm>
+            <a:off x="6981322" y="3807653"/>
+            <a:ext cx="3021044" cy="401882"/>
           </a:xfrm>
           <a:prstGeom prst="rect">
             <a:avLst/>
           </a:prstGeom>
+        </p:spPr>
+      </p:pic>
+      <p:pic>
+        <p:nvPicPr>
+          <p:cNvPr id="12" name="図 11">
+            <a:extLst>
+              <a:ext uri="{FF2B5EF4-FFF2-40B4-BE49-F238E27FC236}">
+                <a16:creationId xmlns:a16="http://schemas.microsoft.com/office/drawing/2014/main" id="{F4CC1692-8E8D-44CE-B4BB-F9A9AF410D7D}"/>
+              </a:ext>
+            </a:extLst>
+          </p:cNvPr>
+          <p:cNvPicPr>
+            <a:picLocks noChangeAspect="1"/>
+          </p:cNvPicPr>
+          <p:nvPr/>
+        </p:nvPicPr>
+        <p:blipFill>
+          <a:blip r:embed="rId5"/>
+          <a:stretch>
+            <a:fillRect/>
+          </a:stretch>
+        </p:blipFill>
+        <p:spPr>
+          <a:xfrm>
+            <a:off x="9171703" y="4765393"/>
+            <a:ext cx="1674028" cy="430816"/>
+          </a:xfrm>
+          <a:prstGeom prst="rect">
+            <a:avLst/>
+          </a:prstGeom>
+        </p:spPr>
+      </p:pic>
+      <p:sp>
+        <p:nvSpPr>
+          <p:cNvPr id="93" name="フリーフォーム: 図形 92">
+            <a:extLst>
+              <a:ext uri="{FF2B5EF4-FFF2-40B4-BE49-F238E27FC236}">
+                <a16:creationId xmlns:a16="http://schemas.microsoft.com/office/drawing/2014/main" id="{0C22C7A2-3CBF-4CA6-BBFF-FD48B6E15ACC}"/>
+              </a:ext>
+            </a:extLst>
+          </p:cNvPr>
+          <p:cNvSpPr/>
+          <p:nvPr/>
+        </p:nvSpPr>
+        <p:spPr>
+          <a:xfrm>
+            <a:off x="10360479" y="4711347"/>
+            <a:ext cx="624044" cy="94927"/>
+          </a:xfrm>
+          <a:custGeom>
+            <a:avLst/>
+            <a:gdLst>
+              <a:gd name="connsiteX0" fmla="*/ 3153508 w 3153508"/>
+              <a:gd name="connsiteY0" fmla="*/ 11723 h 152400"/>
+              <a:gd name="connsiteX1" fmla="*/ 128954 w 3153508"/>
+              <a:gd name="connsiteY1" fmla="*/ 0 h 152400"/>
+              <a:gd name="connsiteX2" fmla="*/ 0 w 3153508"/>
+              <a:gd name="connsiteY2" fmla="*/ 152400 h 152400"/>
+            </a:gdLst>
+            <a:ahLst/>
+            <a:cxnLst>
+              <a:cxn ang="0">
+                <a:pos x="connsiteX0" y="connsiteY0"/>
+              </a:cxn>
+              <a:cxn ang="0">
+                <a:pos x="connsiteX1" y="connsiteY1"/>
+              </a:cxn>
+              <a:cxn ang="0">
+                <a:pos x="connsiteX2" y="connsiteY2"/>
+              </a:cxn>
+            </a:cxnLst>
+            <a:rect l="l" t="t" r="r" b="b"/>
+            <a:pathLst>
+              <a:path w="3153508" h="152400">
+                <a:moveTo>
+                  <a:pt x="3153508" y="11723"/>
+                </a:moveTo>
+                <a:lnTo>
+                  <a:pt x="128954" y="0"/>
+                </a:lnTo>
+                <a:lnTo>
+                  <a:pt x="0" y="152400"/>
+                </a:lnTo>
+              </a:path>
+            </a:pathLst>
+          </a:custGeom>
           <a:noFill/>
-          <a:extLst>
-            <a:ext uri="{909E8E84-426E-40DD-AFC4-6F175D3DCCD1}">
-              <a14:hiddenFill xmlns:a14="http://schemas.microsoft.com/office/drawing/2010/main">
-                <a:solidFill>
-                  <a:srgbClr val="FFFFFF"/>
-                </a:solidFill>
-              </a14:hiddenFill>
-            </a:ext>
-          </a:extLst>
+          <a:ln w="19050">
+            <a:solidFill>
+              <a:schemeClr val="tx1"/>
+            </a:solidFill>
+            <a:headEnd type="none" w="med" len="med"/>
+            <a:tailEnd type="arrow" w="med" len="med"/>
+          </a:ln>
+        </p:spPr>
+        <p:style>
+          <a:lnRef idx="2">
+            <a:schemeClr val="accent1">
+              <a:shade val="50000"/>
+            </a:schemeClr>
+          </a:lnRef>
+          <a:fillRef idx="1">
+            <a:schemeClr val="accent1"/>
+          </a:fillRef>
+          <a:effectRef idx="0">
+            <a:schemeClr val="accent1"/>
+          </a:effectRef>
+          <a:fontRef idx="minor">
+            <a:schemeClr val="lt1"/>
+          </a:fontRef>
+        </p:style>
+        <p:txBody>
+          <a:bodyPr rtlCol="0" anchor="ctr"/>
+          <a:lstStyle/>
+          <a:p>
+            <a:pPr algn="ctr"/>
+            <a:endParaRPr kumimoji="1" lang="ja-JP" altLang="en-US"/>
+          </a:p>
+        </p:txBody>
+      </p:sp>
+      <p:sp>
+        <p:nvSpPr>
+          <p:cNvPr id="15" name="テキスト ボックス 14">
+            <a:extLst>
+              <a:ext uri="{FF2B5EF4-FFF2-40B4-BE49-F238E27FC236}">
+                <a16:creationId xmlns:a16="http://schemas.microsoft.com/office/drawing/2014/main" id="{0C95E601-6A9E-4FD9-ABE9-911B8478F7A3}"/>
+              </a:ext>
+            </a:extLst>
+          </p:cNvPr>
+          <p:cNvSpPr txBox="1"/>
+          <p:nvPr/>
+        </p:nvSpPr>
+        <p:spPr>
+          <a:xfrm>
+            <a:off x="8813486" y="4826175"/>
+            <a:ext cx="388918" cy="369332"/>
+          </a:xfrm>
+          <a:prstGeom prst="rect">
+            <a:avLst/>
+          </a:prstGeom>
+          <a:noFill/>
+        </p:spPr>
+        <p:txBody>
+          <a:bodyPr wrap="square" rtlCol="0">
+            <a:spAutoFit/>
+          </a:bodyPr>
+          <a:lstStyle/>
+          <a:p>
+            <a:r>
+              <a:rPr kumimoji="1" lang="en-US" altLang="ja-JP" b="1" dirty="0"/>
+              <a:t>,</a:t>
+            </a:r>
+            <a:endParaRPr kumimoji="1" lang="ja-JP" altLang="en-US" b="1" dirty="0"/>
+          </a:p>
+        </p:txBody>
+      </p:sp>
+      <p:sp>
+        <p:nvSpPr>
+          <p:cNvPr id="17" name="テキスト ボックス 16">
+            <a:extLst>
+              <a:ext uri="{FF2B5EF4-FFF2-40B4-BE49-F238E27FC236}">
+                <a16:creationId xmlns:a16="http://schemas.microsoft.com/office/drawing/2014/main" id="{63DC745A-C98F-4C13-B005-DAF76A9D398C}"/>
+              </a:ext>
+            </a:extLst>
+          </p:cNvPr>
+          <p:cNvSpPr txBox="1"/>
+          <p:nvPr/>
+        </p:nvSpPr>
+        <p:spPr>
+          <a:xfrm>
+            <a:off x="5052647" y="595931"/>
+            <a:ext cx="1510350" cy="369332"/>
+          </a:xfrm>
+          <a:prstGeom prst="rect">
+            <a:avLst/>
+          </a:prstGeom>
+          <a:noFill/>
+        </p:spPr>
+        <p:txBody>
+          <a:bodyPr wrap="none" rtlCol="0">
+            <a:spAutoFit/>
+          </a:bodyPr>
+          <a:lstStyle/>
+          <a:p>
+            <a:r>
+              <a:rPr kumimoji="1" lang="en-US" altLang="ja-JP" dirty="0"/>
+              <a:t>CURVE, G, n</a:t>
+            </a:r>
+            <a:endParaRPr kumimoji="1" lang="ja-JP" altLang="en-US" dirty="0"/>
+          </a:p>
+        </p:txBody>
+      </p:sp>
+      <p:pic>
+        <p:nvPicPr>
+          <p:cNvPr id="19" name="図 18">
+            <a:extLst>
+              <a:ext uri="{FF2B5EF4-FFF2-40B4-BE49-F238E27FC236}">
+                <a16:creationId xmlns:a16="http://schemas.microsoft.com/office/drawing/2014/main" id="{46C582B1-43BD-43EB-9217-50AC8F6175A0}"/>
+              </a:ext>
+            </a:extLst>
+          </p:cNvPr>
+          <p:cNvPicPr>
+            <a:picLocks noChangeAspect="1"/>
+          </p:cNvPicPr>
+          <p:nvPr/>
+        </p:nvPicPr>
+        <p:blipFill>
+          <a:blip r:embed="rId6"/>
+          <a:stretch>
+            <a:fillRect/>
+          </a:stretch>
+        </p:blipFill>
+        <p:spPr>
+          <a:xfrm>
+            <a:off x="2464713" y="3697810"/>
+            <a:ext cx="1791585" cy="383911"/>
+          </a:xfrm>
+          <a:prstGeom prst="rect">
+            <a:avLst/>
+          </a:prstGeom>
         </p:spPr>
       </p:pic>
+      <p:pic>
+        <p:nvPicPr>
+          <p:cNvPr id="21" name="図 20">
+            <a:extLst>
+              <a:ext uri="{FF2B5EF4-FFF2-40B4-BE49-F238E27FC236}">
+                <a16:creationId xmlns:a16="http://schemas.microsoft.com/office/drawing/2014/main" id="{9B9B35FB-17D6-45E8-846E-B63D5125179C}"/>
+              </a:ext>
+            </a:extLst>
+          </p:cNvPr>
+          <p:cNvPicPr>
+            <a:picLocks noChangeAspect="1"/>
+          </p:cNvPicPr>
+          <p:nvPr/>
+        </p:nvPicPr>
+        <p:blipFill>
+          <a:blip r:embed="rId7"/>
+          <a:stretch>
+            <a:fillRect/>
+          </a:stretch>
+        </p:blipFill>
+        <p:spPr>
+          <a:xfrm>
+            <a:off x="2424578" y="4309833"/>
+            <a:ext cx="1780963" cy="353753"/>
+          </a:xfrm>
+          <a:prstGeom prst="rect">
+            <a:avLst/>
+          </a:prstGeom>
+        </p:spPr>
+      </p:pic>
+      <p:pic>
+        <p:nvPicPr>
+          <p:cNvPr id="23" name="図 22">
+            <a:extLst>
+              <a:ext uri="{FF2B5EF4-FFF2-40B4-BE49-F238E27FC236}">
+                <a16:creationId xmlns:a16="http://schemas.microsoft.com/office/drawing/2014/main" id="{39C3C38D-4846-44CE-A365-60AEE25A9083}"/>
+              </a:ext>
+            </a:extLst>
+          </p:cNvPr>
+          <p:cNvPicPr>
+            <a:picLocks noChangeAspect="1"/>
+          </p:cNvPicPr>
+          <p:nvPr/>
+        </p:nvPicPr>
+        <p:blipFill>
+          <a:blip r:embed="rId8"/>
+          <a:stretch>
+            <a:fillRect/>
+          </a:stretch>
+        </p:blipFill>
+        <p:spPr>
+          <a:xfrm>
+            <a:off x="2477923" y="4642971"/>
+            <a:ext cx="1778375" cy="355675"/>
+          </a:xfrm>
+          <a:prstGeom prst="rect">
+            <a:avLst/>
+          </a:prstGeom>
+        </p:spPr>
+      </p:pic>
+      <p:pic>
+        <p:nvPicPr>
+          <p:cNvPr id="25" name="図 24">
+            <a:extLst>
+              <a:ext uri="{FF2B5EF4-FFF2-40B4-BE49-F238E27FC236}">
+                <a16:creationId xmlns:a16="http://schemas.microsoft.com/office/drawing/2014/main" id="{7B03D7A6-A821-422C-BD0D-D6E838E062F0}"/>
+              </a:ext>
+            </a:extLst>
+          </p:cNvPr>
+          <p:cNvPicPr>
+            <a:picLocks noChangeAspect="1"/>
+          </p:cNvPicPr>
+          <p:nvPr/>
+        </p:nvPicPr>
+        <p:blipFill>
+          <a:blip r:embed="rId9"/>
+          <a:stretch>
+            <a:fillRect/>
+          </a:stretch>
+        </p:blipFill>
+        <p:spPr>
+          <a:xfrm>
+            <a:off x="2125083" y="5121901"/>
+            <a:ext cx="2793995" cy="421934"/>
+          </a:xfrm>
+          <a:prstGeom prst="rect">
+            <a:avLst/>
+          </a:prstGeom>
+        </p:spPr>
+      </p:pic>
+      <p:pic>
+        <p:nvPicPr>
+          <p:cNvPr id="27" name="図 26">
+            <a:extLst>
+              <a:ext uri="{FF2B5EF4-FFF2-40B4-BE49-F238E27FC236}">
+                <a16:creationId xmlns:a16="http://schemas.microsoft.com/office/drawing/2014/main" id="{E02083F0-2633-425B-95A3-3AF15AB522AC}"/>
+              </a:ext>
+            </a:extLst>
+          </p:cNvPr>
+          <p:cNvPicPr>
+            <a:picLocks noChangeAspect="1"/>
+          </p:cNvPicPr>
+          <p:nvPr/>
+        </p:nvPicPr>
+        <p:blipFill>
+          <a:blip r:embed="rId10"/>
+          <a:stretch>
+            <a:fillRect/>
+          </a:stretch>
+        </p:blipFill>
+        <p:spPr>
+          <a:xfrm>
+            <a:off x="1756107" y="5704739"/>
+            <a:ext cx="2002143" cy="383745"/>
+          </a:xfrm>
+          <a:prstGeom prst="rect">
+            <a:avLst/>
+          </a:prstGeom>
+        </p:spPr>
+      </p:pic>
+      <p:sp>
+        <p:nvSpPr>
+          <p:cNvPr id="64" name="正方形/長方形 63">
+            <a:extLst>
+              <a:ext uri="{FF2B5EF4-FFF2-40B4-BE49-F238E27FC236}">
+                <a16:creationId xmlns:a16="http://schemas.microsoft.com/office/drawing/2014/main" id="{F92788B3-566A-B340-97E1-DBE81D94BCF5}"/>
+              </a:ext>
+            </a:extLst>
+          </p:cNvPr>
+          <p:cNvSpPr/>
+          <p:nvPr/>
+        </p:nvSpPr>
+        <p:spPr>
+          <a:xfrm>
+            <a:off x="2395528" y="4328476"/>
+            <a:ext cx="405803" cy="727293"/>
+          </a:xfrm>
+          <a:prstGeom prst="rect">
+            <a:avLst/>
+          </a:prstGeom>
+          <a:noFill/>
+          <a:ln w="9525">
+            <a:solidFill>
+              <a:schemeClr val="tx1"/>
+            </a:solidFill>
+          </a:ln>
+        </p:spPr>
+        <p:style>
+          <a:lnRef idx="2">
+            <a:schemeClr val="accent1">
+              <a:shade val="50000"/>
+            </a:schemeClr>
+          </a:lnRef>
+          <a:fillRef idx="1">
+            <a:schemeClr val="accent1"/>
+          </a:fillRef>
+          <a:effectRef idx="0">
+            <a:schemeClr val="accent1"/>
+          </a:effectRef>
+          <a:fontRef idx="minor">
+            <a:schemeClr val="lt1"/>
+          </a:fontRef>
+        </p:style>
+        <p:txBody>
+          <a:bodyPr rtlCol="0" anchor="ctr"/>
+          <a:lstStyle/>
+          <a:p>
+            <a:pPr algn="ctr"/>
+            <a:endParaRPr kumimoji="1" lang="ja-JP" altLang="en-US"/>
+          </a:p>
+        </p:txBody>
+      </p:sp>
+      <p:sp>
+        <p:nvSpPr>
+          <p:cNvPr id="4" name="フリーフォーム: 図形 3">
+            <a:extLst>
+              <a:ext uri="{FF2B5EF4-FFF2-40B4-BE49-F238E27FC236}">
+                <a16:creationId xmlns:a16="http://schemas.microsoft.com/office/drawing/2014/main" id="{790D8596-4871-4AAE-87FB-4F2BB8B10195}"/>
+              </a:ext>
+            </a:extLst>
+          </p:cNvPr>
+          <p:cNvSpPr/>
+          <p:nvPr/>
+        </p:nvSpPr>
+        <p:spPr>
+          <a:xfrm>
+            <a:off x="4197333" y="3962401"/>
+            <a:ext cx="1421099" cy="164122"/>
+          </a:xfrm>
+          <a:custGeom>
+            <a:avLst/>
+            <a:gdLst>
+              <a:gd name="connsiteX0" fmla="*/ 2590800 w 2590800"/>
+              <a:gd name="connsiteY0" fmla="*/ 140677 h 164123"/>
+              <a:gd name="connsiteX1" fmla="*/ 105507 w 2590800"/>
+              <a:gd name="connsiteY1" fmla="*/ 164123 h 164123"/>
+              <a:gd name="connsiteX2" fmla="*/ 0 w 2590800"/>
+              <a:gd name="connsiteY2" fmla="*/ 0 h 164123"/>
+            </a:gdLst>
+            <a:ahLst/>
+            <a:cxnLst>
+              <a:cxn ang="0">
+                <a:pos x="connsiteX0" y="connsiteY0"/>
+              </a:cxn>
+              <a:cxn ang="0">
+                <a:pos x="connsiteX1" y="connsiteY1"/>
+              </a:cxn>
+              <a:cxn ang="0">
+                <a:pos x="connsiteX2" y="connsiteY2"/>
+              </a:cxn>
+            </a:cxnLst>
+            <a:rect l="l" t="t" r="r" b="b"/>
+            <a:pathLst>
+              <a:path w="2590800" h="164123">
+                <a:moveTo>
+                  <a:pt x="2590800" y="140677"/>
+                </a:moveTo>
+                <a:lnTo>
+                  <a:pt x="105507" y="164123"/>
+                </a:lnTo>
+                <a:lnTo>
+                  <a:pt x="0" y="0"/>
+                </a:lnTo>
+              </a:path>
+            </a:pathLst>
+          </a:custGeom>
+          <a:noFill/>
+          <a:ln w="19050">
+            <a:solidFill>
+              <a:schemeClr val="tx1"/>
+            </a:solidFill>
+            <a:headEnd type="none" w="med" len="med"/>
+            <a:tailEnd type="arrow" w="med" len="med"/>
+          </a:ln>
+        </p:spPr>
+        <p:style>
+          <a:lnRef idx="2">
+            <a:schemeClr val="accent1">
+              <a:shade val="50000"/>
+            </a:schemeClr>
+          </a:lnRef>
+          <a:fillRef idx="1">
+            <a:schemeClr val="accent1"/>
+          </a:fillRef>
+          <a:effectRef idx="0">
+            <a:schemeClr val="accent1"/>
+          </a:effectRef>
+          <a:fontRef idx="minor">
+            <a:schemeClr val="lt1"/>
+          </a:fontRef>
+        </p:style>
+        <p:txBody>
+          <a:bodyPr rtlCol="0" anchor="ctr"/>
+          <a:lstStyle/>
+          <a:p>
+            <a:pPr algn="ctr"/>
+            <a:endParaRPr kumimoji="1" lang="ja-JP" altLang="en-US"/>
+          </a:p>
+        </p:txBody>
+      </p:sp>
       <p:cxnSp>
         <p:nvCxnSpPr>
-          <p:cNvPr id="5" name="直線コネクタ 4">
-            <a:extLst>
-              <a:ext uri="{FF2B5EF4-FFF2-40B4-BE49-F238E27FC236}">
-                <a16:creationId xmlns:a16="http://schemas.microsoft.com/office/drawing/2014/main" id="{61C3A7F9-809B-4E1B-BB3C-2A9AF30537FE}"/>
-              </a:ext>
-            </a:extLst>
-          </p:cNvPr>
-          <p:cNvCxnSpPr>
-            <a:cxnSpLocks/>
-          </p:cNvCxnSpPr>
+          <p:cNvPr id="29" name="直線コネクタ 28">
+            <a:extLst>
+              <a:ext uri="{FF2B5EF4-FFF2-40B4-BE49-F238E27FC236}">
+                <a16:creationId xmlns:a16="http://schemas.microsoft.com/office/drawing/2014/main" id="{3D298678-96DA-462E-949E-95F039495A36}"/>
+              </a:ext>
+            </a:extLst>
+          </p:cNvPr>
+          <p:cNvCxnSpPr/>
           <p:nvPr/>
         </p:nvCxnSpPr>
         <p:spPr>
           <a:xfrm>
-            <a:off x="4546600" y="3924300"/>
-            <a:ext cx="1841500" cy="2387600"/>
+            <a:off x="3150672" y="3603812"/>
+            <a:ext cx="0" cy="833130"/>
           </a:xfrm>
           <a:prstGeom prst="line">
             <a:avLst/>
           </a:prstGeom>
-          <a:ln w="38100">
+          <a:ln w="19050">
             <a:solidFill>
-              <a:schemeClr val="accent6">
-                <a:lumMod val="75000"/>
-              </a:schemeClr>
+              <a:schemeClr val="tx1"/>
             </a:solidFill>
+            <a:headEnd type="none" w="med" len="med"/>
+            <a:tailEnd type="arrow" w="med" len="med"/>
           </a:ln>
         </p:spPr>
         <p:style>
@@ -39664,10 +46708,10 @@
       </p:cxnSp>
       <p:cxnSp>
         <p:nvCxnSpPr>
-          <p:cNvPr id="8" name="直線コネクタ 7">
-            <a:extLst>
-              <a:ext uri="{FF2B5EF4-FFF2-40B4-BE49-F238E27FC236}">
-                <a16:creationId xmlns:a16="http://schemas.microsoft.com/office/drawing/2014/main" id="{7B0724C8-C9B3-4861-BBF8-246F67872825}"/>
+          <p:cNvPr id="84" name="直線コネクタ 83">
+            <a:extLst>
+              <a:ext uri="{FF2B5EF4-FFF2-40B4-BE49-F238E27FC236}">
+                <a16:creationId xmlns:a16="http://schemas.microsoft.com/office/drawing/2014/main" id="{0519B3C3-A0E9-48AB-968C-9D6267D4A617}"/>
               </a:ext>
             </a:extLst>
           </p:cNvPr>
@@ -39675,14 +46719,17 @@
           <p:nvPr/>
         </p:nvCxnSpPr>
         <p:spPr>
-          <a:xfrm flipV="1">
-            <a:off x="5397500" y="4254801"/>
-            <a:ext cx="0" cy="761699"/>
+          <a:xfrm flipH="1">
+            <a:off x="5606547" y="4845214"/>
+            <a:ext cx="1298599" cy="0"/>
           </a:xfrm>
           <a:prstGeom prst="line">
             <a:avLst/>
           </a:prstGeom>
-          <a:ln>
+          <a:ln w="19050">
+            <a:solidFill>
+              <a:schemeClr val="tx1"/>
+            </a:solidFill>
             <a:headEnd type="none" w="med" len="med"/>
             <a:tailEnd type="arrow" w="med" len="med"/>
           </a:ln>
@@ -39704,10 +46751,477 @@
       </p:cxnSp>
       <p:sp>
         <p:nvSpPr>
-          <p:cNvPr id="9" name="テキスト ボックス 8">
-            <a:extLst>
-              <a:ext uri="{FF2B5EF4-FFF2-40B4-BE49-F238E27FC236}">
-                <a16:creationId xmlns:a16="http://schemas.microsoft.com/office/drawing/2014/main" id="{888A9E81-9745-4FE4-9660-689DC8820D53}"/>
+          <p:cNvPr id="30" name="フリーフォーム: 図形 29">
+            <a:extLst>
+              <a:ext uri="{FF2B5EF4-FFF2-40B4-BE49-F238E27FC236}">
+                <a16:creationId xmlns:a16="http://schemas.microsoft.com/office/drawing/2014/main" id="{6DDD5C16-FA62-4BF1-86A6-3106CB068DAE}"/>
+              </a:ext>
+            </a:extLst>
+          </p:cNvPr>
+          <p:cNvSpPr/>
+          <p:nvPr/>
+        </p:nvSpPr>
+        <p:spPr>
+          <a:xfrm>
+            <a:off x="3223846" y="4841631"/>
+            <a:ext cx="2379785" cy="246184"/>
+          </a:xfrm>
+          <a:custGeom>
+            <a:avLst/>
+            <a:gdLst>
+              <a:gd name="connsiteX0" fmla="*/ 2379785 w 2379785"/>
+              <a:gd name="connsiteY0" fmla="*/ 0 h 246184"/>
+              <a:gd name="connsiteX1" fmla="*/ 1992923 w 2379785"/>
+              <a:gd name="connsiteY1" fmla="*/ 222738 h 246184"/>
+              <a:gd name="connsiteX2" fmla="*/ 82062 w 2379785"/>
+              <a:gd name="connsiteY2" fmla="*/ 246184 h 246184"/>
+              <a:gd name="connsiteX3" fmla="*/ 0 w 2379785"/>
+              <a:gd name="connsiteY3" fmla="*/ 82061 h 246184"/>
+            </a:gdLst>
+            <a:ahLst/>
+            <a:cxnLst>
+              <a:cxn ang="0">
+                <a:pos x="connsiteX0" y="connsiteY0"/>
+              </a:cxn>
+              <a:cxn ang="0">
+                <a:pos x="connsiteX1" y="connsiteY1"/>
+              </a:cxn>
+              <a:cxn ang="0">
+                <a:pos x="connsiteX2" y="connsiteY2"/>
+              </a:cxn>
+              <a:cxn ang="0">
+                <a:pos x="connsiteX3" y="connsiteY3"/>
+              </a:cxn>
+            </a:cxnLst>
+            <a:rect l="l" t="t" r="r" b="b"/>
+            <a:pathLst>
+              <a:path w="2379785" h="246184">
+                <a:moveTo>
+                  <a:pt x="2379785" y="0"/>
+                </a:moveTo>
+                <a:lnTo>
+                  <a:pt x="1992923" y="222738"/>
+                </a:lnTo>
+                <a:lnTo>
+                  <a:pt x="82062" y="246184"/>
+                </a:lnTo>
+                <a:lnTo>
+                  <a:pt x="0" y="82061"/>
+                </a:lnTo>
+              </a:path>
+            </a:pathLst>
+          </a:custGeom>
+          <a:noFill/>
+          <a:ln w="19050">
+            <a:solidFill>
+              <a:schemeClr val="tx1"/>
+            </a:solidFill>
+            <a:headEnd type="none" w="med" len="med"/>
+            <a:tailEnd type="arrow" w="med" len="med"/>
+          </a:ln>
+        </p:spPr>
+        <p:style>
+          <a:lnRef idx="2">
+            <a:schemeClr val="accent1">
+              <a:shade val="50000"/>
+            </a:schemeClr>
+          </a:lnRef>
+          <a:fillRef idx="1">
+            <a:schemeClr val="accent1"/>
+          </a:fillRef>
+          <a:effectRef idx="0">
+            <a:schemeClr val="accent1"/>
+          </a:effectRef>
+          <a:fontRef idx="minor">
+            <a:schemeClr val="lt1"/>
+          </a:fontRef>
+        </p:style>
+        <p:txBody>
+          <a:bodyPr rtlCol="0" anchor="ctr"/>
+          <a:lstStyle/>
+          <a:p>
+            <a:pPr algn="ctr"/>
+            <a:endParaRPr kumimoji="1" lang="ja-JP" altLang="en-US"/>
+          </a:p>
+        </p:txBody>
+      </p:sp>
+      <p:sp>
+        <p:nvSpPr>
+          <p:cNvPr id="31" name="フリーフォーム: 図形 30">
+            <a:extLst>
+              <a:ext uri="{FF2B5EF4-FFF2-40B4-BE49-F238E27FC236}">
+                <a16:creationId xmlns:a16="http://schemas.microsoft.com/office/drawing/2014/main" id="{88783C5D-671A-4B2A-8798-0DC3E9BD3266}"/>
+              </a:ext>
+            </a:extLst>
+          </p:cNvPr>
+          <p:cNvSpPr/>
+          <p:nvPr/>
+        </p:nvSpPr>
+        <p:spPr>
+          <a:xfrm>
+            <a:off x="2661138" y="5040923"/>
+            <a:ext cx="1595160" cy="293077"/>
+          </a:xfrm>
+          <a:custGeom>
+            <a:avLst/>
+            <a:gdLst>
+              <a:gd name="connsiteX0" fmla="*/ 0 w 1805354"/>
+              <a:gd name="connsiteY0" fmla="*/ 0 h 269631"/>
+              <a:gd name="connsiteX1" fmla="*/ 46893 w 1805354"/>
+              <a:gd name="connsiteY1" fmla="*/ 164123 h 269631"/>
+              <a:gd name="connsiteX2" fmla="*/ 1735016 w 1805354"/>
+              <a:gd name="connsiteY2" fmla="*/ 140677 h 269631"/>
+              <a:gd name="connsiteX3" fmla="*/ 1805354 w 1805354"/>
+              <a:gd name="connsiteY3" fmla="*/ 269631 h 269631"/>
+            </a:gdLst>
+            <a:ahLst/>
+            <a:cxnLst>
+              <a:cxn ang="0">
+                <a:pos x="connsiteX0" y="connsiteY0"/>
+              </a:cxn>
+              <a:cxn ang="0">
+                <a:pos x="connsiteX1" y="connsiteY1"/>
+              </a:cxn>
+              <a:cxn ang="0">
+                <a:pos x="connsiteX2" y="connsiteY2"/>
+              </a:cxn>
+              <a:cxn ang="0">
+                <a:pos x="connsiteX3" y="connsiteY3"/>
+              </a:cxn>
+            </a:cxnLst>
+            <a:rect l="l" t="t" r="r" b="b"/>
+            <a:pathLst>
+              <a:path w="1805354" h="269631">
+                <a:moveTo>
+                  <a:pt x="0" y="0"/>
+                </a:moveTo>
+                <a:lnTo>
+                  <a:pt x="46893" y="164123"/>
+                </a:lnTo>
+                <a:lnTo>
+                  <a:pt x="1735016" y="140677"/>
+                </a:lnTo>
+                <a:lnTo>
+                  <a:pt x="1805354" y="269631"/>
+                </a:lnTo>
+              </a:path>
+            </a:pathLst>
+          </a:custGeom>
+          <a:noFill/>
+          <a:ln w="19050">
+            <a:solidFill>
+              <a:schemeClr val="tx1"/>
+            </a:solidFill>
+            <a:headEnd type="none" w="med" len="med"/>
+            <a:tailEnd type="arrow" w="med" len="med"/>
+          </a:ln>
+        </p:spPr>
+        <p:style>
+          <a:lnRef idx="2">
+            <a:schemeClr val="accent1">
+              <a:shade val="50000"/>
+            </a:schemeClr>
+          </a:lnRef>
+          <a:fillRef idx="1">
+            <a:schemeClr val="accent1"/>
+          </a:fillRef>
+          <a:effectRef idx="0">
+            <a:schemeClr val="accent1"/>
+          </a:effectRef>
+          <a:fontRef idx="minor">
+            <a:schemeClr val="lt1"/>
+          </a:fontRef>
+        </p:style>
+        <p:txBody>
+          <a:bodyPr rtlCol="0" anchor="ctr"/>
+          <a:lstStyle/>
+          <a:p>
+            <a:pPr algn="ctr"/>
+            <a:endParaRPr kumimoji="1" lang="ja-JP" altLang="en-US"/>
+          </a:p>
+        </p:txBody>
+      </p:sp>
+      <p:cxnSp>
+        <p:nvCxnSpPr>
+          <p:cNvPr id="33" name="直線コネクタ 32">
+            <a:extLst>
+              <a:ext uri="{FF2B5EF4-FFF2-40B4-BE49-F238E27FC236}">
+                <a16:creationId xmlns:a16="http://schemas.microsoft.com/office/drawing/2014/main" id="{C139C90B-D8FE-43EE-8758-81D88E109285}"/>
+              </a:ext>
+            </a:extLst>
+          </p:cNvPr>
+          <p:cNvCxnSpPr>
+            <a:cxnSpLocks/>
+          </p:cNvCxnSpPr>
+          <p:nvPr/>
+        </p:nvCxnSpPr>
+        <p:spPr>
+          <a:xfrm>
+            <a:off x="3156096" y="5195507"/>
+            <a:ext cx="145261" cy="138493"/>
+          </a:xfrm>
+          <a:prstGeom prst="line">
+            <a:avLst/>
+          </a:prstGeom>
+          <a:ln w="19050">
+            <a:solidFill>
+              <a:schemeClr val="tx1"/>
+            </a:solidFill>
+            <a:headEnd type="none" w="med" len="med"/>
+            <a:tailEnd type="arrow" w="med" len="med"/>
+          </a:ln>
+        </p:spPr>
+        <p:style>
+          <a:lnRef idx="1">
+            <a:schemeClr val="accent1"/>
+          </a:lnRef>
+          <a:fillRef idx="0">
+            <a:schemeClr val="accent1"/>
+          </a:fillRef>
+          <a:effectRef idx="0">
+            <a:schemeClr val="accent1"/>
+          </a:effectRef>
+          <a:fontRef idx="minor">
+            <a:schemeClr val="tx1"/>
+          </a:fontRef>
+        </p:style>
+      </p:cxnSp>
+      <p:sp>
+        <p:nvSpPr>
+          <p:cNvPr id="76" name="正方形/長方形 75">
+            <a:extLst>
+              <a:ext uri="{FF2B5EF4-FFF2-40B4-BE49-F238E27FC236}">
+                <a16:creationId xmlns:a16="http://schemas.microsoft.com/office/drawing/2014/main" id="{232F0750-6E3B-E647-9A3C-01EC3C6CA2BB}"/>
+              </a:ext>
+            </a:extLst>
+          </p:cNvPr>
+          <p:cNvSpPr/>
+          <p:nvPr/>
+        </p:nvSpPr>
+        <p:spPr>
+          <a:xfrm>
+            <a:off x="4565580" y="318224"/>
+            <a:ext cx="2528047" cy="911003"/>
+          </a:xfrm>
+          <a:prstGeom prst="rect">
+            <a:avLst/>
+          </a:prstGeom>
+          <a:solidFill>
+            <a:srgbClr val="F8F8F8">
+              <a:alpha val="69804"/>
+            </a:srgbClr>
+          </a:solidFill>
+          <a:ln w="19050">
+            <a:solidFill>
+              <a:schemeClr val="tx1"/>
+            </a:solidFill>
+          </a:ln>
+        </p:spPr>
+        <p:style>
+          <a:lnRef idx="2">
+            <a:schemeClr val="accent1">
+              <a:shade val="50000"/>
+            </a:schemeClr>
+          </a:lnRef>
+          <a:fillRef idx="1">
+            <a:schemeClr val="accent1"/>
+          </a:fillRef>
+          <a:effectRef idx="0">
+            <a:schemeClr val="accent1"/>
+          </a:effectRef>
+          <a:fontRef idx="minor">
+            <a:schemeClr val="lt1"/>
+          </a:fontRef>
+        </p:style>
+        <p:txBody>
+          <a:bodyPr rtlCol="0" anchor="ctr"/>
+          <a:lstStyle/>
+          <a:p>
+            <a:pPr algn="ctr"/>
+            <a:endParaRPr kumimoji="1" lang="ja-JP" altLang="en-US"/>
+          </a:p>
+        </p:txBody>
+      </p:sp>
+      <p:sp>
+        <p:nvSpPr>
+          <p:cNvPr id="79" name="正方形/長方形 78">
+            <a:extLst>
+              <a:ext uri="{FF2B5EF4-FFF2-40B4-BE49-F238E27FC236}">
+                <a16:creationId xmlns:a16="http://schemas.microsoft.com/office/drawing/2014/main" id="{4EE1B7ED-D68D-442C-AF45-F5E5CB1E3E60}"/>
+              </a:ext>
+            </a:extLst>
+          </p:cNvPr>
+          <p:cNvSpPr/>
+          <p:nvPr/>
+        </p:nvSpPr>
+        <p:spPr>
+          <a:xfrm>
+            <a:off x="7212313" y="4509125"/>
+            <a:ext cx="3783853" cy="871313"/>
+          </a:xfrm>
+          <a:prstGeom prst="rect">
+            <a:avLst/>
+          </a:prstGeom>
+          <a:solidFill>
+            <a:srgbClr val="F8F8F8">
+              <a:alpha val="69804"/>
+            </a:srgbClr>
+          </a:solidFill>
+          <a:ln w="19050">
+            <a:solidFill>
+              <a:schemeClr val="tx1"/>
+            </a:solidFill>
+          </a:ln>
+        </p:spPr>
+        <p:style>
+          <a:lnRef idx="2">
+            <a:schemeClr val="accent1">
+              <a:shade val="50000"/>
+            </a:schemeClr>
+          </a:lnRef>
+          <a:fillRef idx="1">
+            <a:schemeClr val="accent1"/>
+          </a:fillRef>
+          <a:effectRef idx="0">
+            <a:schemeClr val="accent1"/>
+          </a:effectRef>
+          <a:fontRef idx="minor">
+            <a:schemeClr val="lt1"/>
+          </a:fontRef>
+        </p:style>
+        <p:txBody>
+          <a:bodyPr rtlCol="0" anchor="ctr"/>
+          <a:lstStyle/>
+          <a:p>
+            <a:pPr algn="ctr"/>
+            <a:r>
+              <a:rPr kumimoji="1" lang="en-US" altLang="ja-JP" dirty="0" err="1"/>
+              <a:t>vbv</a:t>
+            </a:r>
+            <a:endParaRPr kumimoji="1" lang="ja-JP" altLang="en-US"/>
+          </a:p>
+        </p:txBody>
+      </p:sp>
+      <p:sp>
+        <p:nvSpPr>
+          <p:cNvPr id="75" name="正方形/長方形 74">
+            <a:extLst>
+              <a:ext uri="{FF2B5EF4-FFF2-40B4-BE49-F238E27FC236}">
+                <a16:creationId xmlns:a16="http://schemas.microsoft.com/office/drawing/2014/main" id="{FC60DF96-754D-124D-8F72-96D60A9AA773}"/>
+              </a:ext>
+            </a:extLst>
+          </p:cNvPr>
+          <p:cNvSpPr/>
+          <p:nvPr/>
+        </p:nvSpPr>
+        <p:spPr>
+          <a:xfrm>
+            <a:off x="7208796" y="3536189"/>
+            <a:ext cx="3783853" cy="871313"/>
+          </a:xfrm>
+          <a:prstGeom prst="rect">
+            <a:avLst/>
+          </a:prstGeom>
+          <a:solidFill>
+            <a:srgbClr val="F8F8F8">
+              <a:alpha val="69804"/>
+            </a:srgbClr>
+          </a:solidFill>
+          <a:ln w="19050">
+            <a:solidFill>
+              <a:schemeClr val="tx1"/>
+            </a:solidFill>
+          </a:ln>
+        </p:spPr>
+        <p:style>
+          <a:lnRef idx="2">
+            <a:schemeClr val="accent1">
+              <a:shade val="50000"/>
+            </a:schemeClr>
+          </a:lnRef>
+          <a:fillRef idx="1">
+            <a:schemeClr val="accent1"/>
+          </a:fillRef>
+          <a:effectRef idx="0">
+            <a:schemeClr val="accent1"/>
+          </a:effectRef>
+          <a:fontRef idx="minor">
+            <a:schemeClr val="lt1"/>
+          </a:fontRef>
+        </p:style>
+        <p:txBody>
+          <a:bodyPr rtlCol="0" anchor="ctr"/>
+          <a:lstStyle/>
+          <a:p>
+            <a:pPr algn="ctr"/>
+            <a:r>
+              <a:rPr kumimoji="1" lang="en-US" altLang="ja-JP" dirty="0" err="1"/>
+              <a:t>vbv</a:t>
+            </a:r>
+            <a:endParaRPr kumimoji="1" lang="ja-JP" altLang="en-US"/>
+          </a:p>
+        </p:txBody>
+      </p:sp>
+      <p:sp>
+        <p:nvSpPr>
+          <p:cNvPr id="95" name="正方形/長方形 94">
+            <a:extLst>
+              <a:ext uri="{FF2B5EF4-FFF2-40B4-BE49-F238E27FC236}">
+                <a16:creationId xmlns:a16="http://schemas.microsoft.com/office/drawing/2014/main" id="{9E3BFDDB-5730-4C94-95C6-98145ED5B25E}"/>
+              </a:ext>
+            </a:extLst>
+          </p:cNvPr>
+          <p:cNvSpPr/>
+          <p:nvPr/>
+        </p:nvSpPr>
+        <p:spPr>
+          <a:xfrm>
+            <a:off x="6947586" y="608818"/>
+            <a:ext cx="388918" cy="365760"/>
+          </a:xfrm>
+          <a:prstGeom prst="rect">
+            <a:avLst/>
+          </a:prstGeom>
+          <a:solidFill>
+            <a:srgbClr val="FFFFFF"/>
+          </a:solidFill>
+          <a:ln w="19050">
+            <a:solidFill>
+              <a:schemeClr val="tx1"/>
+            </a:solidFill>
+          </a:ln>
+        </p:spPr>
+        <p:style>
+          <a:lnRef idx="2">
+            <a:schemeClr val="accent1">
+              <a:shade val="50000"/>
+            </a:schemeClr>
+          </a:lnRef>
+          <a:fillRef idx="1">
+            <a:schemeClr val="accent1"/>
+          </a:fillRef>
+          <a:effectRef idx="0">
+            <a:schemeClr val="accent1"/>
+          </a:effectRef>
+          <a:fontRef idx="minor">
+            <a:schemeClr val="lt1"/>
+          </a:fontRef>
+        </p:style>
+        <p:txBody>
+          <a:bodyPr rtlCol="0" anchor="ctr"/>
+          <a:lstStyle/>
+          <a:p>
+            <a:pPr algn="ctr"/>
+            <a:endParaRPr kumimoji="1" lang="ja-JP" altLang="en-US" sz="1400"/>
+          </a:p>
+        </p:txBody>
+      </p:sp>
+      <p:sp>
+        <p:nvSpPr>
+          <p:cNvPr id="96" name="テキスト ボックス 95">
+            <a:extLst>
+              <a:ext uri="{FF2B5EF4-FFF2-40B4-BE49-F238E27FC236}">
+                <a16:creationId xmlns:a16="http://schemas.microsoft.com/office/drawing/2014/main" id="{C39130B5-F5A1-4EBF-BCB6-DAD78B28CE7B}"/>
               </a:ext>
             </a:extLst>
           </p:cNvPr>
@@ -39715,9 +47229,9 @@
           <p:nvPr/>
         </p:nvSpPr>
         <p:spPr>
-          <a:xfrm>
-            <a:off x="5397500" y="4122875"/>
-            <a:ext cx="660400" cy="400110"/>
+          <a:xfrm rot="10635209" flipH="1" flipV="1">
+            <a:off x="6952887" y="554612"/>
+            <a:ext cx="303295" cy="461665"/>
           </a:xfrm>
           <a:prstGeom prst="rect">
             <a:avLst/>
@@ -39731,19 +47245,73 @@
           <a:lstStyle/>
           <a:p>
             <a:r>
-              <a:rPr kumimoji="1" lang="en-US" altLang="ja-JP" sz="2000" b="1" dirty="0"/>
-              <a:t>3A</a:t>
-            </a:r>
-            <a:endParaRPr kumimoji="1" lang="ja-JP" altLang="en-US" sz="2000" b="1" dirty="0"/>
-          </a:p>
-        </p:txBody>
-      </p:sp>
-      <p:sp>
-        <p:nvSpPr>
-          <p:cNvPr id="12" name="テキスト ボックス 11">
-            <a:extLst>
-              <a:ext uri="{FF2B5EF4-FFF2-40B4-BE49-F238E27FC236}">
-                <a16:creationId xmlns:a16="http://schemas.microsoft.com/office/drawing/2014/main" id="{91304A3D-B9B7-4A48-B9BA-982A256BD70E}"/>
+              <a:rPr lang="en-US" altLang="ja-JP" sz="2400" b="1" dirty="0"/>
+              <a:t>n</a:t>
+            </a:r>
+            <a:endParaRPr kumimoji="1" lang="ja-JP" altLang="en-US" sz="2400" b="1" dirty="0"/>
+          </a:p>
+        </p:txBody>
+      </p:sp>
+      <p:sp>
+        <p:nvSpPr>
+          <p:cNvPr id="86" name="正方形/長方形 85">
+            <a:extLst>
+              <a:ext uri="{FF2B5EF4-FFF2-40B4-BE49-F238E27FC236}">
+                <a16:creationId xmlns:a16="http://schemas.microsoft.com/office/drawing/2014/main" id="{C35057DA-02B8-4C54-8686-62C4863D59D9}"/>
+              </a:ext>
+            </a:extLst>
+          </p:cNvPr>
+          <p:cNvSpPr/>
+          <p:nvPr/>
+        </p:nvSpPr>
+        <p:spPr>
+          <a:xfrm>
+            <a:off x="6942901" y="3819005"/>
+            <a:ext cx="388918" cy="365760"/>
+          </a:xfrm>
+          <a:prstGeom prst="rect">
+            <a:avLst/>
+          </a:prstGeom>
+          <a:solidFill>
+            <a:srgbClr val="FFFFFF"/>
+          </a:solidFill>
+          <a:ln w="19050">
+            <a:solidFill>
+              <a:schemeClr val="tx1"/>
+            </a:solidFill>
+          </a:ln>
+        </p:spPr>
+        <p:style>
+          <a:lnRef idx="2">
+            <a:schemeClr val="accent1">
+              <a:shade val="50000"/>
+            </a:schemeClr>
+          </a:lnRef>
+          <a:fillRef idx="1">
+            <a:schemeClr val="accent1"/>
+          </a:fillRef>
+          <a:effectRef idx="0">
+            <a:schemeClr val="accent1"/>
+          </a:effectRef>
+          <a:fontRef idx="minor">
+            <a:schemeClr val="lt1"/>
+          </a:fontRef>
+        </p:style>
+        <p:txBody>
+          <a:bodyPr rtlCol="0" anchor="ctr"/>
+          <a:lstStyle/>
+          <a:p>
+            <a:pPr algn="ctr"/>
+            <a:endParaRPr kumimoji="1" lang="ja-JP" altLang="en-US"/>
+          </a:p>
+        </p:txBody>
+      </p:sp>
+      <p:sp>
+        <p:nvSpPr>
+          <p:cNvPr id="89" name="テキスト ボックス 88">
+            <a:extLst>
+              <a:ext uri="{FF2B5EF4-FFF2-40B4-BE49-F238E27FC236}">
+                <a16:creationId xmlns:a16="http://schemas.microsoft.com/office/drawing/2014/main" id="{9076639F-ED78-42B0-ADB2-05C5565B4FBC}"/>
               </a:ext>
             </a:extLst>
           </p:cNvPr>
@@ -39751,9 +47319,9 @@
           <p:nvPr/>
         </p:nvSpPr>
         <p:spPr>
-          <a:xfrm>
-            <a:off x="5590324" y="5822523"/>
-            <a:ext cx="660400" cy="400110"/>
+          <a:xfrm rot="10635209" flipH="1" flipV="1">
+            <a:off x="6948202" y="3703245"/>
+            <a:ext cx="303295" cy="584775"/>
           </a:xfrm>
           <a:prstGeom prst="rect">
             <a:avLst/>
@@ -39767,23 +47335,73 @@
           <a:lstStyle/>
           <a:p>
             <a:r>
-              <a:rPr lang="en-US" altLang="ja-JP" sz="2000" b="1" dirty="0"/>
-              <a:t>2</a:t>
-            </a:r>
-            <a:r>
-              <a:rPr kumimoji="1" lang="en-US" altLang="ja-JP" sz="2000" b="1" dirty="0"/>
-              <a:t>A</a:t>
-            </a:r>
-            <a:endParaRPr kumimoji="1" lang="ja-JP" altLang="en-US" sz="2000" b="1" dirty="0"/>
-          </a:p>
-        </p:txBody>
-      </p:sp>
-      <p:sp>
-        <p:nvSpPr>
-          <p:cNvPr id="13" name="テキスト ボックス 12">
-            <a:extLst>
-              <a:ext uri="{FF2B5EF4-FFF2-40B4-BE49-F238E27FC236}">
-                <a16:creationId xmlns:a16="http://schemas.microsoft.com/office/drawing/2014/main" id="{AC6E2B2E-BF15-46C0-8859-AF9C8BC95105}"/>
+              <a:rPr lang="en-US" altLang="ja-JP" sz="3200" b="1" dirty="0"/>
+              <a:t>s</a:t>
+            </a:r>
+            <a:endParaRPr kumimoji="1" lang="ja-JP" altLang="en-US" sz="3200" b="1" dirty="0"/>
+          </a:p>
+        </p:txBody>
+      </p:sp>
+      <p:sp>
+        <p:nvSpPr>
+          <p:cNvPr id="87" name="正方形/長方形 86">
+            <a:extLst>
+              <a:ext uri="{FF2B5EF4-FFF2-40B4-BE49-F238E27FC236}">
+                <a16:creationId xmlns:a16="http://schemas.microsoft.com/office/drawing/2014/main" id="{C3E11961-D503-4934-98C2-9F30C05579ED}"/>
+              </a:ext>
+            </a:extLst>
+          </p:cNvPr>
+          <p:cNvSpPr/>
+          <p:nvPr/>
+        </p:nvSpPr>
+        <p:spPr>
+          <a:xfrm>
+            <a:off x="6942965" y="4732024"/>
+            <a:ext cx="388918" cy="365760"/>
+          </a:xfrm>
+          <a:prstGeom prst="rect">
+            <a:avLst/>
+          </a:prstGeom>
+          <a:solidFill>
+            <a:srgbClr val="FFFFFF"/>
+          </a:solidFill>
+          <a:ln w="19050">
+            <a:solidFill>
+              <a:schemeClr val="tx1"/>
+            </a:solidFill>
+          </a:ln>
+        </p:spPr>
+        <p:style>
+          <a:lnRef idx="2">
+            <a:schemeClr val="accent1">
+              <a:shade val="50000"/>
+            </a:schemeClr>
+          </a:lnRef>
+          <a:fillRef idx="1">
+            <a:schemeClr val="accent1"/>
+          </a:fillRef>
+          <a:effectRef idx="0">
+            <a:schemeClr val="accent1"/>
+          </a:effectRef>
+          <a:fontRef idx="minor">
+            <a:schemeClr val="lt1"/>
+          </a:fontRef>
+        </p:style>
+        <p:txBody>
+          <a:bodyPr rtlCol="0" anchor="ctr"/>
+          <a:lstStyle/>
+          <a:p>
+            <a:pPr algn="ctr"/>
+            <a:endParaRPr kumimoji="1" lang="ja-JP" altLang="en-US"/>
+          </a:p>
+        </p:txBody>
+      </p:sp>
+      <p:sp>
+        <p:nvSpPr>
+          <p:cNvPr id="88" name="テキスト ボックス 87">
+            <a:extLst>
+              <a:ext uri="{FF2B5EF4-FFF2-40B4-BE49-F238E27FC236}">
+                <a16:creationId xmlns:a16="http://schemas.microsoft.com/office/drawing/2014/main" id="{6254D544-9F65-46BC-BA31-BC33B11E7ECA}"/>
               </a:ext>
             </a:extLst>
           </p:cNvPr>
@@ -39792,8 +47410,8 @@
         </p:nvSpPr>
         <p:spPr>
           <a:xfrm>
-            <a:off x="2636875" y="1701432"/>
-            <a:ext cx="9615133" cy="523220"/>
+            <a:off x="6964600" y="4634111"/>
+            <a:ext cx="344966" cy="584775"/>
           </a:xfrm>
           <a:prstGeom prst="rect">
             <a:avLst/>
@@ -39807,40 +47425,390 @@
           <a:lstStyle/>
           <a:p>
             <a:r>
-              <a:rPr kumimoji="1" lang="ja-JP" altLang="en-US" sz="2800" b="1" dirty="0"/>
-              <a:t>加算　　　→　２倍算　　　→　</a:t>
-            </a:r>
-            <a:r>
-              <a:rPr kumimoji="1" lang="en-US" altLang="ja-JP" sz="2800" b="1" dirty="0"/>
-              <a:t>2^n</a:t>
-            </a:r>
-            <a:r>
-              <a:rPr kumimoji="1" lang="ja-JP" altLang="en-US" sz="2800" b="1" dirty="0"/>
-              <a:t>倍（</a:t>
-            </a:r>
-            <a:r>
-              <a:rPr kumimoji="1" lang="en-US" altLang="ja-JP" sz="2800" b="1" dirty="0"/>
-              <a:t>2</a:t>
-            </a:r>
-            <a:r>
-              <a:rPr kumimoji="1" lang="ja-JP" altLang="en-US" sz="2800" b="1" dirty="0"/>
-              <a:t>のべき乗</a:t>
-            </a:r>
-            <a:r>
-              <a:rPr lang="ja-JP" altLang="en-US" sz="2800" b="1" dirty="0"/>
-              <a:t>倍</a:t>
-            </a:r>
-            <a:r>
-              <a:rPr kumimoji="1" lang="ja-JP" altLang="en-US" sz="2800" b="1" dirty="0"/>
-              <a:t>）</a:t>
-            </a:r>
+              <a:rPr kumimoji="1" lang="en-US" altLang="ja-JP" sz="3200" b="1" dirty="0"/>
+              <a:t>r</a:t>
+            </a:r>
+            <a:endParaRPr kumimoji="1" lang="ja-JP" altLang="en-US" sz="3200" b="1" dirty="0"/>
+          </a:p>
+        </p:txBody>
+      </p:sp>
+      <p:sp>
+        <p:nvSpPr>
+          <p:cNvPr id="41" name="テキスト ボックス 40">
+            <a:extLst>
+              <a:ext uri="{FF2B5EF4-FFF2-40B4-BE49-F238E27FC236}">
+                <a16:creationId xmlns:a16="http://schemas.microsoft.com/office/drawing/2014/main" id="{BDA38719-4C4C-46A9-B81F-300A058F5860}"/>
+              </a:ext>
+            </a:extLst>
+          </p:cNvPr>
+          <p:cNvSpPr txBox="1"/>
+          <p:nvPr/>
+        </p:nvSpPr>
+        <p:spPr>
+          <a:xfrm>
+            <a:off x="1957905" y="5683983"/>
+            <a:ext cx="321826" cy="369332"/>
+          </a:xfrm>
+          <a:prstGeom prst="rect">
+            <a:avLst/>
+          </a:prstGeom>
+          <a:solidFill>
+            <a:schemeClr val="bg1"/>
+          </a:solidFill>
+        </p:spPr>
+        <p:txBody>
+          <a:bodyPr wrap="square" rtlCol="0">
+            <a:spAutoFit/>
+          </a:bodyPr>
+          <a:lstStyle/>
+          <a:p>
+            <a:r>
+              <a:rPr kumimoji="1" lang="en-US" altLang="ja-JP" dirty="0"/>
+              <a:t>=</a:t>
+            </a:r>
+            <a:endParaRPr kumimoji="1" lang="ja-JP" altLang="en-US" dirty="0"/>
+          </a:p>
+        </p:txBody>
+      </p:sp>
+      <p:cxnSp>
+        <p:nvCxnSpPr>
+          <p:cNvPr id="40" name="直線コネクタ 39">
+            <a:extLst>
+              <a:ext uri="{FF2B5EF4-FFF2-40B4-BE49-F238E27FC236}">
+                <a16:creationId xmlns:a16="http://schemas.microsoft.com/office/drawing/2014/main" id="{1DCF4C71-E12E-4BF4-872A-E626A3BF49BE}"/>
+              </a:ext>
+            </a:extLst>
+          </p:cNvPr>
+          <p:cNvCxnSpPr/>
+          <p:nvPr/>
+        </p:nvCxnSpPr>
+        <p:spPr>
+          <a:xfrm>
+            <a:off x="2395528" y="5512256"/>
+            <a:ext cx="0" cy="300636"/>
+          </a:xfrm>
+          <a:prstGeom prst="line">
+            <a:avLst/>
+          </a:prstGeom>
+          <a:ln w="19050">
+            <a:solidFill>
+              <a:schemeClr val="tx1"/>
+            </a:solidFill>
+            <a:headEnd type="none" w="med" len="med"/>
+            <a:tailEnd type="arrow" w="med" len="med"/>
+          </a:ln>
+        </p:spPr>
+        <p:style>
+          <a:lnRef idx="1">
+            <a:schemeClr val="accent1"/>
+          </a:lnRef>
+          <a:fillRef idx="0">
+            <a:schemeClr val="accent1"/>
+          </a:fillRef>
+          <a:effectRef idx="0">
+            <a:schemeClr val="accent1"/>
+          </a:effectRef>
+          <a:fontRef idx="minor">
+            <a:schemeClr val="tx1"/>
+          </a:fontRef>
+        </p:style>
+      </p:cxnSp>
+      <p:sp>
+        <p:nvSpPr>
+          <p:cNvPr id="78" name="正方形/長方形 77">
+            <a:extLst>
+              <a:ext uri="{FF2B5EF4-FFF2-40B4-BE49-F238E27FC236}">
+                <a16:creationId xmlns:a16="http://schemas.microsoft.com/office/drawing/2014/main" id="{6C477C65-32BC-FC41-94D3-4AB6B5387C0E}"/>
+              </a:ext>
+            </a:extLst>
+          </p:cNvPr>
+          <p:cNvSpPr/>
+          <p:nvPr/>
+        </p:nvSpPr>
+        <p:spPr>
+          <a:xfrm>
+            <a:off x="1537102" y="3603812"/>
+            <a:ext cx="4098664" cy="2496395"/>
+          </a:xfrm>
+          <a:prstGeom prst="rect">
+            <a:avLst/>
+          </a:prstGeom>
+          <a:solidFill>
+            <a:srgbClr val="F8F8F8">
+              <a:alpha val="69804"/>
+            </a:srgbClr>
+          </a:solidFill>
+          <a:ln w="19050">
+            <a:solidFill>
+              <a:schemeClr val="tx1"/>
+            </a:solidFill>
+          </a:ln>
+        </p:spPr>
+        <p:style>
+          <a:lnRef idx="2">
+            <a:schemeClr val="accent1">
+              <a:shade val="50000"/>
+            </a:schemeClr>
+          </a:lnRef>
+          <a:fillRef idx="1">
+            <a:schemeClr val="accent1"/>
+          </a:fillRef>
+          <a:effectRef idx="0">
+            <a:schemeClr val="accent1"/>
+          </a:effectRef>
+          <a:fontRef idx="minor">
+            <a:schemeClr val="lt1"/>
+          </a:fontRef>
+        </p:style>
+        <p:txBody>
+          <a:bodyPr rtlCol="0" anchor="ctr"/>
+          <a:lstStyle/>
+          <a:p>
+            <a:pPr algn="ctr"/>
+            <a:r>
+              <a:rPr kumimoji="1" lang="en-US" altLang="ja-JP" dirty="0" err="1"/>
+              <a:t>vbv</a:t>
+            </a:r>
+            <a:endParaRPr kumimoji="1" lang="ja-JP" altLang="en-US"/>
+          </a:p>
+        </p:txBody>
+      </p:sp>
+      <p:sp>
+        <p:nvSpPr>
+          <p:cNvPr id="90" name="正方形/長方形 89">
+            <a:extLst>
+              <a:ext uri="{FF2B5EF4-FFF2-40B4-BE49-F238E27FC236}">
+                <a16:creationId xmlns:a16="http://schemas.microsoft.com/office/drawing/2014/main" id="{6E378204-205C-4E33-AF7F-DA2F0F8B9DE5}"/>
+              </a:ext>
+            </a:extLst>
+          </p:cNvPr>
+          <p:cNvSpPr/>
+          <p:nvPr/>
+        </p:nvSpPr>
+        <p:spPr>
+          <a:xfrm>
+            <a:off x="1390026" y="5594598"/>
+            <a:ext cx="559398" cy="505609"/>
+          </a:xfrm>
+          <a:prstGeom prst="rect">
+            <a:avLst/>
+          </a:prstGeom>
+          <a:solidFill>
+            <a:schemeClr val="bg1"/>
+          </a:solidFill>
+          <a:ln w="19050">
+            <a:solidFill>
+              <a:schemeClr val="tx1"/>
+            </a:solidFill>
+          </a:ln>
+        </p:spPr>
+        <p:style>
+          <a:lnRef idx="2">
+            <a:schemeClr val="accent1">
+              <a:shade val="50000"/>
+            </a:schemeClr>
+          </a:lnRef>
+          <a:fillRef idx="1">
+            <a:schemeClr val="accent1"/>
+          </a:fillRef>
+          <a:effectRef idx="0">
+            <a:schemeClr val="accent1"/>
+          </a:effectRef>
+          <a:fontRef idx="minor">
+            <a:schemeClr val="lt1"/>
+          </a:fontRef>
+        </p:style>
+        <p:txBody>
+          <a:bodyPr rtlCol="0" anchor="ctr"/>
+          <a:lstStyle/>
+          <a:p>
+            <a:pPr algn="ctr"/>
+            <a:endParaRPr kumimoji="1" lang="ja-JP" altLang="en-US"/>
+          </a:p>
+        </p:txBody>
+      </p:sp>
+      <p:sp>
+        <p:nvSpPr>
+          <p:cNvPr id="91" name="正方形/長方形 90">
+            <a:extLst>
+              <a:ext uri="{FF2B5EF4-FFF2-40B4-BE49-F238E27FC236}">
+                <a16:creationId xmlns:a16="http://schemas.microsoft.com/office/drawing/2014/main" id="{1C26366D-4E0E-4CC5-8580-6FEB191F4216}"/>
+              </a:ext>
+            </a:extLst>
+          </p:cNvPr>
+          <p:cNvSpPr/>
+          <p:nvPr/>
+        </p:nvSpPr>
+        <p:spPr>
+          <a:xfrm>
+            <a:off x="1405619" y="5594598"/>
+            <a:ext cx="559398" cy="505609"/>
+          </a:xfrm>
+          <a:prstGeom prst="rect">
+            <a:avLst/>
+          </a:prstGeom>
+          <a:noFill/>
+          <a:ln w="19050">
+            <a:solidFill>
+              <a:schemeClr val="tx1"/>
+            </a:solidFill>
+          </a:ln>
+        </p:spPr>
+        <p:style>
+          <a:lnRef idx="2">
+            <a:schemeClr val="accent1">
+              <a:shade val="50000"/>
+            </a:schemeClr>
+          </a:lnRef>
+          <a:fillRef idx="1">
+            <a:schemeClr val="accent1"/>
+          </a:fillRef>
+          <a:effectRef idx="0">
+            <a:schemeClr val="accent1"/>
+          </a:effectRef>
+          <a:fontRef idx="minor">
+            <a:schemeClr val="lt1"/>
+          </a:fontRef>
+        </p:style>
+        <p:txBody>
+          <a:bodyPr rtlCol="0" anchor="ctr"/>
+          <a:lstStyle/>
+          <a:p>
+            <a:pPr algn="ctr"/>
+            <a:endParaRPr kumimoji="1" lang="ja-JP" altLang="en-US"/>
+          </a:p>
+        </p:txBody>
+      </p:sp>
+      <p:sp>
+        <p:nvSpPr>
+          <p:cNvPr id="92" name="テキスト ボックス 91">
+            <a:extLst>
+              <a:ext uri="{FF2B5EF4-FFF2-40B4-BE49-F238E27FC236}">
+                <a16:creationId xmlns:a16="http://schemas.microsoft.com/office/drawing/2014/main" id="{C1E9594C-56DA-4341-A50A-BC159A950005}"/>
+              </a:ext>
+            </a:extLst>
+          </p:cNvPr>
+          <p:cNvSpPr txBox="1"/>
+          <p:nvPr/>
+        </p:nvSpPr>
+        <p:spPr>
+          <a:xfrm>
+            <a:off x="1508889" y="5516992"/>
+            <a:ext cx="293874" cy="584775"/>
+          </a:xfrm>
+          <a:prstGeom prst="rect">
+            <a:avLst/>
+          </a:prstGeom>
+          <a:noFill/>
+        </p:spPr>
+        <p:txBody>
+          <a:bodyPr wrap="square" rtlCol="0">
+            <a:spAutoFit/>
+          </a:bodyPr>
+          <a:lstStyle/>
+          <a:p>
+            <a:r>
+              <a:rPr kumimoji="1" lang="en-US" altLang="ja-JP" sz="3200" b="1" dirty="0"/>
+              <a:t>v</a:t>
+            </a:r>
+            <a:endParaRPr kumimoji="1" lang="ja-JP" altLang="en-US" sz="3200" b="1" dirty="0"/>
+          </a:p>
+        </p:txBody>
+      </p:sp>
+      <p:sp>
+        <p:nvSpPr>
+          <p:cNvPr id="82" name="正方形/長方形 81">
+            <a:extLst>
+              <a:ext uri="{FF2B5EF4-FFF2-40B4-BE49-F238E27FC236}">
+                <a16:creationId xmlns:a16="http://schemas.microsoft.com/office/drawing/2014/main" id="{44CA24B8-B33D-42D9-8749-C1CD790E3B45}"/>
+              </a:ext>
+            </a:extLst>
+          </p:cNvPr>
+          <p:cNvSpPr/>
+          <p:nvPr/>
+        </p:nvSpPr>
+        <p:spPr>
+          <a:xfrm>
+            <a:off x="4369408" y="619337"/>
+            <a:ext cx="388918" cy="365760"/>
+          </a:xfrm>
+          <a:prstGeom prst="rect">
+            <a:avLst/>
+          </a:prstGeom>
+          <a:solidFill>
+            <a:srgbClr val="FFFFFF"/>
+          </a:solidFill>
+          <a:ln w="19050">
+            <a:solidFill>
+              <a:schemeClr val="tx1"/>
+            </a:solidFill>
+          </a:ln>
+        </p:spPr>
+        <p:style>
+          <a:lnRef idx="2">
+            <a:schemeClr val="accent1">
+              <a:shade val="50000"/>
+            </a:schemeClr>
+          </a:lnRef>
+          <a:fillRef idx="1">
+            <a:schemeClr val="accent1"/>
+          </a:fillRef>
+          <a:effectRef idx="0">
+            <a:schemeClr val="accent1"/>
+          </a:effectRef>
+          <a:fontRef idx="minor">
+            <a:schemeClr val="lt1"/>
+          </a:fontRef>
+        </p:style>
+        <p:txBody>
+          <a:bodyPr rtlCol="0" anchor="ctr"/>
+          <a:lstStyle/>
+          <a:p>
+            <a:pPr algn="ctr"/>
+            <a:endParaRPr kumimoji="1" lang="ja-JP" altLang="en-US" sz="1400"/>
+          </a:p>
+        </p:txBody>
+      </p:sp>
+      <p:sp>
+        <p:nvSpPr>
+          <p:cNvPr id="94" name="テキスト ボックス 93">
+            <a:extLst>
+              <a:ext uri="{FF2B5EF4-FFF2-40B4-BE49-F238E27FC236}">
+                <a16:creationId xmlns:a16="http://schemas.microsoft.com/office/drawing/2014/main" id="{8A4EC7CC-6B2F-475B-87CE-6056ADC7D0B2}"/>
+              </a:ext>
+            </a:extLst>
+          </p:cNvPr>
+          <p:cNvSpPr txBox="1"/>
+          <p:nvPr/>
+        </p:nvSpPr>
+        <p:spPr>
+          <a:xfrm rot="10635209" flipH="1" flipV="1">
+            <a:off x="4374709" y="565131"/>
+            <a:ext cx="303295" cy="461665"/>
+          </a:xfrm>
+          <a:prstGeom prst="rect">
+            <a:avLst/>
+          </a:prstGeom>
+          <a:noFill/>
+        </p:spPr>
+        <p:txBody>
+          <a:bodyPr wrap="square" rtlCol="0">
+            <a:spAutoFit/>
+          </a:bodyPr>
+          <a:lstStyle/>
+          <a:p>
+            <a:r>
+              <a:rPr kumimoji="1" lang="en-US" altLang="ja-JP" sz="2400" b="1" dirty="0"/>
+              <a:t>y</a:t>
+            </a:r>
+            <a:endParaRPr kumimoji="1" lang="ja-JP" altLang="en-US" sz="2400" b="1" dirty="0"/>
           </a:p>
         </p:txBody>
       </p:sp>
     </p:spTree>
     <p:extLst>
       <p:ext uri="{BB962C8B-B14F-4D97-AF65-F5344CB8AC3E}">
-        <p14:creationId xmlns:p14="http://schemas.microsoft.com/office/powerpoint/2010/main" val="2694789218"/>
+        <p14:creationId xmlns:p14="http://schemas.microsoft.com/office/powerpoint/2010/main" val="2849128137"/>
       </p:ext>
     </p:extLst>
   </p:cSld>

--- a/Part1.Technology/Chapter3.Algorithm/Algorithm-fig-jp.pptx
+++ b/Part1.Technology/Chapter3.Algorithm/Algorithm-fig-jp.pptx
@@ -5,7 +5,7 @@
     <p:sldMasterId id="2147483648" r:id="rId1"/>
   </p:sldMasterIdLst>
   <p:notesMasterIdLst>
-    <p:notesMasterId r:id="rId30"/>
+    <p:notesMasterId r:id="rId31"/>
   </p:notesMasterIdLst>
   <p:sldIdLst>
     <p:sldId id="257" r:id="rId2"/>
@@ -36,6 +36,7 @@
     <p:sldId id="289" r:id="rId27"/>
     <p:sldId id="290" r:id="rId28"/>
     <p:sldId id="291" r:id="rId29"/>
+    <p:sldId id="292" r:id="rId30"/>
   </p:sldIdLst>
   <p:sldSz cx="12192000" cy="6858000"/>
   <p:notesSz cx="6858000" cy="9144000"/>
@@ -224,7 +225,7 @@
           <a:p>
             <a:fld id="{AA086654-FD2F-41F8-8F9E-4A5B5F3FCB68}" type="datetimeFigureOut">
               <a:rPr kumimoji="1" lang="ja-JP" altLang="en-US" smtClean="0"/>
-              <a:t>2021/4/25</a:t>
+              <a:t>2021/5/6</a:t>
             </a:fld>
             <a:endParaRPr kumimoji="1" lang="ja-JP" altLang="en-US"/>
           </a:p>
@@ -1214,7 +1215,7 @@
           <a:p>
             <a:fld id="{293B81DC-4102-FF40-B3FD-14093C4E3488}" type="datetimeFigureOut">
               <a:rPr kumimoji="1" lang="ja-JP" altLang="en-US" smtClean="0"/>
-              <a:t>2021/4/25</a:t>
+              <a:t>2021/5/6</a:t>
             </a:fld>
             <a:endParaRPr kumimoji="1" lang="ja-JP" altLang="en-US"/>
           </a:p>
@@ -1444,7 +1445,7 @@
           <a:p>
             <a:fld id="{293B81DC-4102-FF40-B3FD-14093C4E3488}" type="datetimeFigureOut">
               <a:rPr kumimoji="1" lang="ja-JP" altLang="en-US" smtClean="0"/>
-              <a:t>2021/4/25</a:t>
+              <a:t>2021/5/6</a:t>
             </a:fld>
             <a:endParaRPr kumimoji="1" lang="ja-JP" altLang="en-US"/>
           </a:p>
@@ -1684,7 +1685,7 @@
           <a:p>
             <a:fld id="{293B81DC-4102-FF40-B3FD-14093C4E3488}" type="datetimeFigureOut">
               <a:rPr kumimoji="1" lang="ja-JP" altLang="en-US" smtClean="0"/>
-              <a:t>2021/4/25</a:t>
+              <a:t>2021/5/6</a:t>
             </a:fld>
             <a:endParaRPr kumimoji="1" lang="ja-JP" altLang="en-US"/>
           </a:p>
@@ -1914,7 +1915,7 @@
           <a:p>
             <a:fld id="{293B81DC-4102-FF40-B3FD-14093C4E3488}" type="datetimeFigureOut">
               <a:rPr kumimoji="1" lang="ja-JP" altLang="en-US" smtClean="0"/>
-              <a:t>2021/4/25</a:t>
+              <a:t>2021/5/6</a:t>
             </a:fld>
             <a:endParaRPr kumimoji="1" lang="ja-JP" altLang="en-US"/>
           </a:p>
@@ -2189,7 +2190,7 @@
           <a:p>
             <a:fld id="{293B81DC-4102-FF40-B3FD-14093C4E3488}" type="datetimeFigureOut">
               <a:rPr kumimoji="1" lang="ja-JP" altLang="en-US" smtClean="0"/>
-              <a:t>2021/4/25</a:t>
+              <a:t>2021/5/6</a:t>
             </a:fld>
             <a:endParaRPr kumimoji="1" lang="ja-JP" altLang="en-US"/>
           </a:p>
@@ -2518,7 +2519,7 @@
           <a:p>
             <a:fld id="{293B81DC-4102-FF40-B3FD-14093C4E3488}" type="datetimeFigureOut">
               <a:rPr kumimoji="1" lang="ja-JP" altLang="en-US" smtClean="0"/>
-              <a:t>2021/4/25</a:t>
+              <a:t>2021/5/6</a:t>
             </a:fld>
             <a:endParaRPr kumimoji="1" lang="ja-JP" altLang="en-US"/>
           </a:p>
@@ -2994,7 +2995,7 @@
           <a:p>
             <a:fld id="{293B81DC-4102-FF40-B3FD-14093C4E3488}" type="datetimeFigureOut">
               <a:rPr kumimoji="1" lang="ja-JP" altLang="en-US" smtClean="0"/>
-              <a:t>2021/4/25</a:t>
+              <a:t>2021/5/6</a:t>
             </a:fld>
             <a:endParaRPr kumimoji="1" lang="ja-JP" altLang="en-US"/>
           </a:p>
@@ -3135,7 +3136,7 @@
           <a:p>
             <a:fld id="{293B81DC-4102-FF40-B3FD-14093C4E3488}" type="datetimeFigureOut">
               <a:rPr kumimoji="1" lang="ja-JP" altLang="en-US" smtClean="0"/>
-              <a:t>2021/4/25</a:t>
+              <a:t>2021/5/6</a:t>
             </a:fld>
             <a:endParaRPr kumimoji="1" lang="ja-JP" altLang="en-US"/>
           </a:p>
@@ -3248,7 +3249,7 @@
           <a:p>
             <a:fld id="{293B81DC-4102-FF40-B3FD-14093C4E3488}" type="datetimeFigureOut">
               <a:rPr kumimoji="1" lang="ja-JP" altLang="en-US" smtClean="0"/>
-              <a:t>2021/4/25</a:t>
+              <a:t>2021/5/6</a:t>
             </a:fld>
             <a:endParaRPr kumimoji="1" lang="ja-JP" altLang="en-US"/>
           </a:p>
@@ -3591,7 +3592,7 @@
           <a:p>
             <a:fld id="{293B81DC-4102-FF40-B3FD-14093C4E3488}" type="datetimeFigureOut">
               <a:rPr kumimoji="1" lang="ja-JP" altLang="en-US" smtClean="0"/>
-              <a:t>2021/4/25</a:t>
+              <a:t>2021/5/6</a:t>
             </a:fld>
             <a:endParaRPr kumimoji="1" lang="ja-JP" altLang="en-US"/>
           </a:p>
@@ -3879,7 +3880,7 @@
           <a:p>
             <a:fld id="{293B81DC-4102-FF40-B3FD-14093C4E3488}" type="datetimeFigureOut">
               <a:rPr kumimoji="1" lang="ja-JP" altLang="en-US" smtClean="0"/>
-              <a:t>2021/4/25</a:t>
+              <a:t>2021/5/6</a:t>
             </a:fld>
             <a:endParaRPr kumimoji="1" lang="ja-JP" altLang="en-US"/>
           </a:p>
@@ -4152,7 +4153,7 @@
           <a:p>
             <a:fld id="{293B81DC-4102-FF40-B3FD-14093C4E3488}" type="datetimeFigureOut">
               <a:rPr kumimoji="1" lang="ja-JP" altLang="en-US" smtClean="0"/>
-              <a:t>2021/4/25</a:t>
+              <a:t>2021/5/6</a:t>
             </a:fld>
             <a:endParaRPr kumimoji="1" lang="ja-JP" altLang="en-US"/>
           </a:p>
@@ -47818,6 +47819,3201 @@
 </p:sld>
 </file>
 
+<file path=ppt/slides/slide29.xml><?xml version="1.0" encoding="utf-8"?>
+<p:sld xmlns:a="http://schemas.openxmlformats.org/drawingml/2006/main" xmlns:r="http://schemas.openxmlformats.org/officeDocument/2006/relationships" xmlns:p="http://schemas.openxmlformats.org/presentationml/2006/main">
+  <p:cSld>
+    <p:spTree>
+      <p:nvGrpSpPr>
+        <p:cNvPr id="1" name=""/>
+        <p:cNvGrpSpPr/>
+        <p:nvPr/>
+      </p:nvGrpSpPr>
+      <p:grpSpPr>
+        <a:xfrm>
+          <a:off x="0" y="0"/>
+          <a:ext cx="0" cy="0"/>
+          <a:chOff x="0" y="0"/>
+          <a:chExt cx="0" cy="0"/>
+        </a:xfrm>
+      </p:grpSpPr>
+      <p:sp>
+        <p:nvSpPr>
+          <p:cNvPr id="2" name="タイトル 1">
+            <a:extLst>
+              <a:ext uri="{FF2B5EF4-FFF2-40B4-BE49-F238E27FC236}">
+                <a16:creationId xmlns:a16="http://schemas.microsoft.com/office/drawing/2014/main" id="{7AA6B4BE-E2B5-4050-A247-527A3DF80644}"/>
+              </a:ext>
+            </a:extLst>
+          </p:cNvPr>
+          <p:cNvSpPr>
+            <a:spLocks noGrp="1"/>
+          </p:cNvSpPr>
+          <p:nvPr>
+            <p:ph type="title"/>
+          </p:nvPr>
+        </p:nvSpPr>
+        <p:spPr>
+          <a:xfrm>
+            <a:off x="161196" y="129760"/>
+            <a:ext cx="4358053" cy="248144"/>
+          </a:xfrm>
+        </p:spPr>
+        <p:txBody>
+          <a:bodyPr>
+            <a:noAutofit/>
+          </a:bodyPr>
+          <a:lstStyle/>
+          <a:p>
+            <a:r>
+              <a:rPr kumimoji="1" lang="en-US" altLang="ja-JP" sz="2400" dirty="0"/>
+              <a:t>CRT, OCSP,  OCSP Stapling</a:t>
+            </a:r>
+            <a:endParaRPr kumimoji="1" lang="ja-JP" altLang="en-US" sz="2400" dirty="0"/>
+          </a:p>
+        </p:txBody>
+      </p:sp>
+      <p:sp>
+        <p:nvSpPr>
+          <p:cNvPr id="6" name="テキスト ボックス 5">
+            <a:extLst>
+              <a:ext uri="{FF2B5EF4-FFF2-40B4-BE49-F238E27FC236}">
+                <a16:creationId xmlns:a16="http://schemas.microsoft.com/office/drawing/2014/main" id="{25BA73B3-4AD5-44C8-BF19-5DB26890ED1C}"/>
+              </a:ext>
+            </a:extLst>
+          </p:cNvPr>
+          <p:cNvSpPr txBox="1"/>
+          <p:nvPr/>
+        </p:nvSpPr>
+        <p:spPr>
+          <a:xfrm>
+            <a:off x="1506417" y="1133988"/>
+            <a:ext cx="1831729" cy="531952"/>
+          </a:xfrm>
+          <a:prstGeom prst="rect">
+            <a:avLst/>
+          </a:prstGeom>
+          <a:noFill/>
+        </p:spPr>
+        <p:txBody>
+          <a:bodyPr wrap="square" rtlCol="0">
+            <a:spAutoFit/>
+          </a:bodyPr>
+          <a:lstStyle/>
+          <a:p>
+            <a:pPr algn="ctr"/>
+            <a:r>
+              <a:rPr kumimoji="1" lang="en-US" altLang="ja-JP" dirty="0"/>
+              <a:t>CRL</a:t>
+            </a:r>
+          </a:p>
+          <a:p>
+            <a:pPr algn="ctr"/>
+            <a:r>
+              <a:rPr lang="ja-JP" altLang="en-US" sz="1400" dirty="0"/>
+              <a:t>（</a:t>
+            </a:r>
+            <a:r>
+              <a:rPr lang="en-US" altLang="ja-JP" sz="1400" dirty="0"/>
+              <a:t>RFC5280</a:t>
+            </a:r>
+            <a:r>
+              <a:rPr lang="ja-JP" altLang="en-US" sz="1400" dirty="0"/>
+              <a:t>）</a:t>
+            </a:r>
+            <a:endParaRPr kumimoji="1" lang="ja-JP" altLang="en-US" sz="1400" dirty="0"/>
+          </a:p>
+        </p:txBody>
+      </p:sp>
+      <p:sp>
+        <p:nvSpPr>
+          <p:cNvPr id="7" name="テキスト ボックス 6">
+            <a:extLst>
+              <a:ext uri="{FF2B5EF4-FFF2-40B4-BE49-F238E27FC236}">
+                <a16:creationId xmlns:a16="http://schemas.microsoft.com/office/drawing/2014/main" id="{5A82182B-97B1-4E18-907B-7FE646364078}"/>
+              </a:ext>
+            </a:extLst>
+          </p:cNvPr>
+          <p:cNvSpPr txBox="1"/>
+          <p:nvPr/>
+        </p:nvSpPr>
+        <p:spPr>
+          <a:xfrm>
+            <a:off x="1588476" y="1998411"/>
+            <a:ext cx="1767255" cy="531952"/>
+          </a:xfrm>
+          <a:prstGeom prst="rect">
+            <a:avLst/>
+          </a:prstGeom>
+          <a:noFill/>
+        </p:spPr>
+        <p:txBody>
+          <a:bodyPr wrap="square" rtlCol="0">
+            <a:spAutoFit/>
+          </a:bodyPr>
+          <a:lstStyle/>
+          <a:p>
+            <a:pPr algn="ctr"/>
+            <a:r>
+              <a:rPr kumimoji="1" lang="en-US" altLang="ja-JP" dirty="0"/>
+              <a:t>OCSP</a:t>
+            </a:r>
+          </a:p>
+          <a:p>
+            <a:pPr algn="ctr"/>
+            <a:r>
+              <a:rPr lang="ja-JP" altLang="en-US" sz="1400" dirty="0"/>
+              <a:t>（</a:t>
+            </a:r>
+            <a:r>
+              <a:rPr lang="en-US" altLang="ja-JP" sz="1400" dirty="0"/>
+              <a:t>RFC6960</a:t>
+            </a:r>
+            <a:r>
+              <a:rPr lang="ja-JP" altLang="en-US" sz="1400" dirty="0"/>
+              <a:t>）</a:t>
+            </a:r>
+            <a:endParaRPr kumimoji="1" lang="ja-JP" altLang="en-US" sz="1400" dirty="0"/>
+          </a:p>
+        </p:txBody>
+      </p:sp>
+      <p:sp>
+        <p:nvSpPr>
+          <p:cNvPr id="8" name="テキスト ボックス 7">
+            <a:extLst>
+              <a:ext uri="{FF2B5EF4-FFF2-40B4-BE49-F238E27FC236}">
+                <a16:creationId xmlns:a16="http://schemas.microsoft.com/office/drawing/2014/main" id="{FCA65382-C974-4754-A555-F0467158714F}"/>
+              </a:ext>
+            </a:extLst>
+          </p:cNvPr>
+          <p:cNvSpPr txBox="1"/>
+          <p:nvPr/>
+        </p:nvSpPr>
+        <p:spPr>
+          <a:xfrm>
+            <a:off x="1447805" y="2866016"/>
+            <a:ext cx="2162907" cy="584775"/>
+          </a:xfrm>
+          <a:prstGeom prst="rect">
+            <a:avLst/>
+          </a:prstGeom>
+          <a:noFill/>
+        </p:spPr>
+        <p:txBody>
+          <a:bodyPr wrap="square" rtlCol="0">
+            <a:spAutoFit/>
+          </a:bodyPr>
+          <a:lstStyle/>
+          <a:p>
+            <a:pPr algn="ctr"/>
+            <a:r>
+              <a:rPr kumimoji="1" lang="en-US" altLang="ja-JP" dirty="0"/>
+              <a:t>OCSP Stapling</a:t>
+            </a:r>
+          </a:p>
+          <a:p>
+            <a:pPr algn="ctr"/>
+            <a:r>
+              <a:rPr lang="en-US" altLang="ja-JP" sz="1400" dirty="0"/>
+              <a:t>(RFC6966)</a:t>
+            </a:r>
+            <a:endParaRPr kumimoji="1" lang="ja-JP" altLang="en-US" sz="1400" dirty="0"/>
+          </a:p>
+        </p:txBody>
+      </p:sp>
+      <p:sp>
+        <p:nvSpPr>
+          <p:cNvPr id="9" name="テキスト ボックス 8">
+            <a:extLst>
+              <a:ext uri="{FF2B5EF4-FFF2-40B4-BE49-F238E27FC236}">
+                <a16:creationId xmlns:a16="http://schemas.microsoft.com/office/drawing/2014/main" id="{8542522A-4092-4F05-8EBB-D1002F46B63C}"/>
+              </a:ext>
+            </a:extLst>
+          </p:cNvPr>
+          <p:cNvSpPr txBox="1"/>
+          <p:nvPr/>
+        </p:nvSpPr>
+        <p:spPr>
+          <a:xfrm>
+            <a:off x="1403114" y="3832583"/>
+            <a:ext cx="2162907" cy="531952"/>
+          </a:xfrm>
+          <a:prstGeom prst="rect">
+            <a:avLst/>
+          </a:prstGeom>
+          <a:noFill/>
+        </p:spPr>
+        <p:txBody>
+          <a:bodyPr wrap="square" rtlCol="0">
+            <a:spAutoFit/>
+          </a:bodyPr>
+          <a:lstStyle/>
+          <a:p>
+            <a:r>
+              <a:rPr kumimoji="1" lang="en-US" altLang="ja-JP" dirty="0"/>
+              <a:t>OCSP Stapling V2</a:t>
+            </a:r>
+          </a:p>
+          <a:p>
+            <a:pPr algn="ctr"/>
+            <a:r>
+              <a:rPr lang="en-US" altLang="ja-JP" sz="1400" dirty="0"/>
+              <a:t>(RFC6961)</a:t>
+            </a:r>
+            <a:endParaRPr kumimoji="1" lang="ja-JP" altLang="en-US" sz="1400" dirty="0"/>
+          </a:p>
+        </p:txBody>
+      </p:sp>
+      <p:sp>
+        <p:nvSpPr>
+          <p:cNvPr id="10" name="テキスト ボックス 9">
+            <a:extLst>
+              <a:ext uri="{FF2B5EF4-FFF2-40B4-BE49-F238E27FC236}">
+                <a16:creationId xmlns:a16="http://schemas.microsoft.com/office/drawing/2014/main" id="{B1007E4B-956F-4229-A937-0E7F375FED55}"/>
+              </a:ext>
+            </a:extLst>
+          </p:cNvPr>
+          <p:cNvSpPr txBox="1"/>
+          <p:nvPr/>
+        </p:nvSpPr>
+        <p:spPr>
+          <a:xfrm>
+            <a:off x="920261" y="5044244"/>
+            <a:ext cx="2549769" cy="531952"/>
+          </a:xfrm>
+          <a:prstGeom prst="rect">
+            <a:avLst/>
+          </a:prstGeom>
+          <a:noFill/>
+        </p:spPr>
+        <p:txBody>
+          <a:bodyPr wrap="square" rtlCol="0">
+            <a:spAutoFit/>
+          </a:bodyPr>
+          <a:lstStyle/>
+          <a:p>
+            <a:r>
+              <a:rPr kumimoji="1" lang="en-US" altLang="ja-JP" dirty="0"/>
+              <a:t>OCSP Stapling TLS1.3</a:t>
+            </a:r>
+          </a:p>
+          <a:p>
+            <a:pPr algn="ctr"/>
+            <a:r>
+              <a:rPr lang="en-US" altLang="ja-JP" sz="1400" dirty="0"/>
+              <a:t>(RFC8446)</a:t>
+            </a:r>
+            <a:endParaRPr kumimoji="1" lang="ja-JP" altLang="en-US" sz="1400" dirty="0"/>
+          </a:p>
+        </p:txBody>
+      </p:sp>
+      <p:sp>
+        <p:nvSpPr>
+          <p:cNvPr id="11" name="テキスト ボックス 10">
+            <a:extLst>
+              <a:ext uri="{FF2B5EF4-FFF2-40B4-BE49-F238E27FC236}">
+                <a16:creationId xmlns:a16="http://schemas.microsoft.com/office/drawing/2014/main" id="{3EB781B6-1C12-4530-8B79-462F1137E91A}"/>
+              </a:ext>
+            </a:extLst>
+          </p:cNvPr>
+          <p:cNvSpPr txBox="1"/>
+          <p:nvPr/>
+        </p:nvSpPr>
+        <p:spPr>
+          <a:xfrm>
+            <a:off x="3622431" y="482215"/>
+            <a:ext cx="1758462" cy="369332"/>
+          </a:xfrm>
+          <a:prstGeom prst="rect">
+            <a:avLst/>
+          </a:prstGeom>
+          <a:noFill/>
+        </p:spPr>
+        <p:txBody>
+          <a:bodyPr wrap="square" rtlCol="0">
+            <a:spAutoFit/>
+          </a:bodyPr>
+          <a:lstStyle/>
+          <a:p>
+            <a:r>
+              <a:rPr kumimoji="1" lang="en-US" altLang="ja-JP" dirty="0"/>
+              <a:t>Client</a:t>
+            </a:r>
+            <a:endParaRPr kumimoji="1" lang="ja-JP" altLang="en-US" dirty="0"/>
+          </a:p>
+        </p:txBody>
+      </p:sp>
+      <p:sp>
+        <p:nvSpPr>
+          <p:cNvPr id="13" name="テキスト ボックス 12">
+            <a:extLst>
+              <a:ext uri="{FF2B5EF4-FFF2-40B4-BE49-F238E27FC236}">
+                <a16:creationId xmlns:a16="http://schemas.microsoft.com/office/drawing/2014/main" id="{7D9F8B75-DA24-42C2-95DE-D4233CFBFB80}"/>
+              </a:ext>
+            </a:extLst>
+          </p:cNvPr>
+          <p:cNvSpPr txBox="1"/>
+          <p:nvPr/>
+        </p:nvSpPr>
+        <p:spPr>
+          <a:xfrm>
+            <a:off x="5588975" y="482215"/>
+            <a:ext cx="1125415" cy="369332"/>
+          </a:xfrm>
+          <a:prstGeom prst="rect">
+            <a:avLst/>
+          </a:prstGeom>
+          <a:noFill/>
+        </p:spPr>
+        <p:txBody>
+          <a:bodyPr wrap="square" rtlCol="0">
+            <a:spAutoFit/>
+          </a:bodyPr>
+          <a:lstStyle/>
+          <a:p>
+            <a:r>
+              <a:rPr lang="en-US" altLang="ja-JP" dirty="0"/>
+              <a:t>Server</a:t>
+            </a:r>
+            <a:endParaRPr kumimoji="1" lang="ja-JP" altLang="en-US" dirty="0"/>
+          </a:p>
+        </p:txBody>
+      </p:sp>
+      <p:sp>
+        <p:nvSpPr>
+          <p:cNvPr id="14" name="テキスト ボックス 13">
+            <a:extLst>
+              <a:ext uri="{FF2B5EF4-FFF2-40B4-BE49-F238E27FC236}">
+                <a16:creationId xmlns:a16="http://schemas.microsoft.com/office/drawing/2014/main" id="{5AB4EF2B-E030-48D7-AE36-3F008670D9C8}"/>
+              </a:ext>
+            </a:extLst>
+          </p:cNvPr>
+          <p:cNvSpPr txBox="1"/>
+          <p:nvPr/>
+        </p:nvSpPr>
+        <p:spPr>
+          <a:xfrm>
+            <a:off x="7373819" y="274133"/>
+            <a:ext cx="1559166" cy="646331"/>
+          </a:xfrm>
+          <a:prstGeom prst="rect">
+            <a:avLst/>
+          </a:prstGeom>
+          <a:noFill/>
+        </p:spPr>
+        <p:txBody>
+          <a:bodyPr wrap="square" rtlCol="0">
+            <a:spAutoFit/>
+          </a:bodyPr>
+          <a:lstStyle/>
+          <a:p>
+            <a:pPr algn="ctr"/>
+            <a:r>
+              <a:rPr kumimoji="1" lang="en-US" altLang="ja-JP" dirty="0"/>
+              <a:t>OCSP</a:t>
+            </a:r>
+          </a:p>
+          <a:p>
+            <a:pPr algn="ctr"/>
+            <a:r>
+              <a:rPr kumimoji="1" lang="en-US" altLang="ja-JP" dirty="0"/>
+              <a:t>Responder</a:t>
+            </a:r>
+          </a:p>
+        </p:txBody>
+      </p:sp>
+      <p:sp>
+        <p:nvSpPr>
+          <p:cNvPr id="15" name="テキスト ボックス 14">
+            <a:extLst>
+              <a:ext uri="{FF2B5EF4-FFF2-40B4-BE49-F238E27FC236}">
+                <a16:creationId xmlns:a16="http://schemas.microsoft.com/office/drawing/2014/main" id="{46D486CF-2628-4066-9FCA-792979E531C4}"/>
+              </a:ext>
+            </a:extLst>
+          </p:cNvPr>
+          <p:cNvSpPr txBox="1"/>
+          <p:nvPr/>
+        </p:nvSpPr>
+        <p:spPr>
+          <a:xfrm>
+            <a:off x="9372604" y="524869"/>
+            <a:ext cx="1559166" cy="335970"/>
+          </a:xfrm>
+          <a:prstGeom prst="rect">
+            <a:avLst/>
+          </a:prstGeom>
+          <a:noFill/>
+        </p:spPr>
+        <p:txBody>
+          <a:bodyPr wrap="square" rtlCol="0">
+            <a:spAutoFit/>
+          </a:bodyPr>
+          <a:lstStyle/>
+          <a:p>
+            <a:pPr algn="ctr"/>
+            <a:r>
+              <a:rPr lang="en-US" altLang="ja-JP" dirty="0"/>
+              <a:t>CA</a:t>
+            </a:r>
+            <a:endParaRPr kumimoji="1" lang="en-US" altLang="ja-JP" dirty="0"/>
+          </a:p>
+        </p:txBody>
+      </p:sp>
+      <p:grpSp>
+        <p:nvGrpSpPr>
+          <p:cNvPr id="56" name="グループ化 55">
+            <a:extLst>
+              <a:ext uri="{FF2B5EF4-FFF2-40B4-BE49-F238E27FC236}">
+                <a16:creationId xmlns:a16="http://schemas.microsoft.com/office/drawing/2014/main" id="{B1737C26-CADF-41EA-B1CA-C55E513E4EB1}"/>
+              </a:ext>
+            </a:extLst>
+          </p:cNvPr>
+          <p:cNvGrpSpPr/>
+          <p:nvPr/>
+        </p:nvGrpSpPr>
+        <p:grpSpPr>
+          <a:xfrm>
+            <a:off x="4032740" y="860838"/>
+            <a:ext cx="6142893" cy="5879068"/>
+            <a:chOff x="3364523" y="2432427"/>
+            <a:chExt cx="6142893" cy="3716215"/>
+          </a:xfrm>
+        </p:grpSpPr>
+        <p:cxnSp>
+          <p:nvCxnSpPr>
+            <p:cNvPr id="5" name="直線コネクタ 4">
+              <a:extLst>
+                <a:ext uri="{FF2B5EF4-FFF2-40B4-BE49-F238E27FC236}">
+                  <a16:creationId xmlns:a16="http://schemas.microsoft.com/office/drawing/2014/main" id="{95AC8284-BF2A-4B5E-9F45-E395272B4F74}"/>
+                </a:ext>
+              </a:extLst>
+            </p:cNvPr>
+            <p:cNvCxnSpPr>
+              <a:cxnSpLocks/>
+            </p:cNvCxnSpPr>
+            <p:nvPr/>
+          </p:nvCxnSpPr>
+          <p:spPr>
+            <a:xfrm>
+              <a:off x="3364523" y="2432427"/>
+              <a:ext cx="0" cy="3716215"/>
+            </a:xfrm>
+            <a:prstGeom prst="line">
+              <a:avLst/>
+            </a:prstGeom>
+            <a:ln w="19050">
+              <a:solidFill>
+                <a:schemeClr val="tx1"/>
+              </a:solidFill>
+              <a:headEnd type="none" w="med" len="med"/>
+              <a:tailEnd type="none" w="med" len="med"/>
+            </a:ln>
+          </p:spPr>
+          <p:style>
+            <a:lnRef idx="1">
+              <a:schemeClr val="accent1"/>
+            </a:lnRef>
+            <a:fillRef idx="0">
+              <a:schemeClr val="accent1"/>
+            </a:fillRef>
+            <a:effectRef idx="0">
+              <a:schemeClr val="accent1"/>
+            </a:effectRef>
+            <a:fontRef idx="minor">
+              <a:schemeClr val="tx1"/>
+            </a:fontRef>
+          </p:style>
+        </p:cxnSp>
+        <p:cxnSp>
+          <p:nvCxnSpPr>
+            <p:cNvPr id="12" name="直線コネクタ 11">
+              <a:extLst>
+                <a:ext uri="{FF2B5EF4-FFF2-40B4-BE49-F238E27FC236}">
+                  <a16:creationId xmlns:a16="http://schemas.microsoft.com/office/drawing/2014/main" id="{6BD3192C-53FD-47A3-9580-32B9D3CC4961}"/>
+                </a:ext>
+              </a:extLst>
+            </p:cNvPr>
+            <p:cNvCxnSpPr>
+              <a:cxnSpLocks/>
+            </p:cNvCxnSpPr>
+            <p:nvPr/>
+          </p:nvCxnSpPr>
+          <p:spPr>
+            <a:xfrm>
+              <a:off x="5404339" y="2432427"/>
+              <a:ext cx="0" cy="3716215"/>
+            </a:xfrm>
+            <a:prstGeom prst="line">
+              <a:avLst/>
+            </a:prstGeom>
+            <a:ln w="19050">
+              <a:solidFill>
+                <a:schemeClr val="tx1"/>
+              </a:solidFill>
+              <a:headEnd type="none" w="med" len="med"/>
+              <a:tailEnd type="none" w="med" len="med"/>
+            </a:ln>
+          </p:spPr>
+          <p:style>
+            <a:lnRef idx="1">
+              <a:schemeClr val="accent1"/>
+            </a:lnRef>
+            <a:fillRef idx="0">
+              <a:schemeClr val="accent1"/>
+            </a:fillRef>
+            <a:effectRef idx="0">
+              <a:schemeClr val="accent1"/>
+            </a:effectRef>
+            <a:fontRef idx="minor">
+              <a:schemeClr val="tx1"/>
+            </a:fontRef>
+          </p:style>
+        </p:cxnSp>
+        <p:cxnSp>
+          <p:nvCxnSpPr>
+            <p:cNvPr id="16" name="直線コネクタ 15">
+              <a:extLst>
+                <a:ext uri="{FF2B5EF4-FFF2-40B4-BE49-F238E27FC236}">
+                  <a16:creationId xmlns:a16="http://schemas.microsoft.com/office/drawing/2014/main" id="{324C1989-8B4F-4C9C-9AFA-C0FF7DDFBC87}"/>
+                </a:ext>
+              </a:extLst>
+            </p:cNvPr>
+            <p:cNvCxnSpPr>
+              <a:cxnSpLocks/>
+            </p:cNvCxnSpPr>
+            <p:nvPr/>
+          </p:nvCxnSpPr>
+          <p:spPr>
+            <a:xfrm>
+              <a:off x="7444155" y="2432427"/>
+              <a:ext cx="0" cy="3716215"/>
+            </a:xfrm>
+            <a:prstGeom prst="line">
+              <a:avLst/>
+            </a:prstGeom>
+            <a:ln w="19050">
+              <a:solidFill>
+                <a:schemeClr val="tx1"/>
+              </a:solidFill>
+              <a:headEnd type="none" w="med" len="med"/>
+              <a:tailEnd type="none" w="med" len="med"/>
+            </a:ln>
+          </p:spPr>
+          <p:style>
+            <a:lnRef idx="1">
+              <a:schemeClr val="accent1"/>
+            </a:lnRef>
+            <a:fillRef idx="0">
+              <a:schemeClr val="accent1"/>
+            </a:fillRef>
+            <a:effectRef idx="0">
+              <a:schemeClr val="accent1"/>
+            </a:effectRef>
+            <a:fontRef idx="minor">
+              <a:schemeClr val="tx1"/>
+            </a:fontRef>
+          </p:style>
+        </p:cxnSp>
+        <p:cxnSp>
+          <p:nvCxnSpPr>
+            <p:cNvPr id="17" name="直線コネクタ 16">
+              <a:extLst>
+                <a:ext uri="{FF2B5EF4-FFF2-40B4-BE49-F238E27FC236}">
+                  <a16:creationId xmlns:a16="http://schemas.microsoft.com/office/drawing/2014/main" id="{25654B6E-EF7D-4E3C-A158-FE81C3C65EE9}"/>
+                </a:ext>
+              </a:extLst>
+            </p:cNvPr>
+            <p:cNvCxnSpPr>
+              <a:cxnSpLocks/>
+            </p:cNvCxnSpPr>
+            <p:nvPr/>
+          </p:nvCxnSpPr>
+          <p:spPr>
+            <a:xfrm>
+              <a:off x="9507416" y="2432427"/>
+              <a:ext cx="0" cy="3716215"/>
+            </a:xfrm>
+            <a:prstGeom prst="line">
+              <a:avLst/>
+            </a:prstGeom>
+            <a:ln w="19050">
+              <a:solidFill>
+                <a:schemeClr val="tx1"/>
+              </a:solidFill>
+              <a:headEnd type="none" w="med" len="med"/>
+              <a:tailEnd type="none" w="med" len="med"/>
+            </a:ln>
+          </p:spPr>
+          <p:style>
+            <a:lnRef idx="1">
+              <a:schemeClr val="accent1"/>
+            </a:lnRef>
+            <a:fillRef idx="0">
+              <a:schemeClr val="accent1"/>
+            </a:fillRef>
+            <a:effectRef idx="0">
+              <a:schemeClr val="accent1"/>
+            </a:effectRef>
+            <a:fontRef idx="minor">
+              <a:schemeClr val="tx1"/>
+            </a:fontRef>
+          </p:style>
+        </p:cxnSp>
+      </p:grpSp>
+      <p:cxnSp>
+        <p:nvCxnSpPr>
+          <p:cNvPr id="24" name="直線コネクタ 23">
+            <a:extLst>
+              <a:ext uri="{FF2B5EF4-FFF2-40B4-BE49-F238E27FC236}">
+                <a16:creationId xmlns:a16="http://schemas.microsoft.com/office/drawing/2014/main" id="{E9ED9972-346B-455A-A38E-3B01C9470712}"/>
+              </a:ext>
+            </a:extLst>
+          </p:cNvPr>
+          <p:cNvCxnSpPr>
+            <a:cxnSpLocks/>
+          </p:cNvCxnSpPr>
+          <p:nvPr/>
+        </p:nvCxnSpPr>
+        <p:spPr>
+          <a:xfrm>
+            <a:off x="4009294" y="3981600"/>
+            <a:ext cx="2039816" cy="0"/>
+          </a:xfrm>
+          <a:prstGeom prst="line">
+            <a:avLst/>
+          </a:prstGeom>
+          <a:ln w="12700">
+            <a:solidFill>
+              <a:schemeClr val="tx1"/>
+            </a:solidFill>
+            <a:headEnd type="none" w="med" len="med"/>
+            <a:tailEnd type="arrow" w="lg" len="lg"/>
+          </a:ln>
+        </p:spPr>
+        <p:style>
+          <a:lnRef idx="1">
+            <a:schemeClr val="accent1"/>
+          </a:lnRef>
+          <a:fillRef idx="0">
+            <a:schemeClr val="accent1"/>
+          </a:fillRef>
+          <a:effectRef idx="0">
+            <a:schemeClr val="accent1"/>
+          </a:effectRef>
+          <a:fontRef idx="minor">
+            <a:schemeClr val="tx1"/>
+          </a:fontRef>
+        </p:style>
+      </p:cxnSp>
+      <p:cxnSp>
+        <p:nvCxnSpPr>
+          <p:cNvPr id="25" name="直線コネクタ 24">
+            <a:extLst>
+              <a:ext uri="{FF2B5EF4-FFF2-40B4-BE49-F238E27FC236}">
+                <a16:creationId xmlns:a16="http://schemas.microsoft.com/office/drawing/2014/main" id="{7989E692-AE64-4093-8C01-222CA349D400}"/>
+              </a:ext>
+            </a:extLst>
+          </p:cNvPr>
+          <p:cNvCxnSpPr>
+            <a:cxnSpLocks/>
+          </p:cNvCxnSpPr>
+          <p:nvPr/>
+        </p:nvCxnSpPr>
+        <p:spPr>
+          <a:xfrm>
+            <a:off x="4056184" y="5225111"/>
+            <a:ext cx="2039816" cy="0"/>
+          </a:xfrm>
+          <a:prstGeom prst="line">
+            <a:avLst/>
+          </a:prstGeom>
+          <a:ln w="12700">
+            <a:solidFill>
+              <a:schemeClr val="tx1"/>
+            </a:solidFill>
+            <a:headEnd type="none" w="med" len="med"/>
+            <a:tailEnd type="arrow" w="lg" len="lg"/>
+          </a:ln>
+        </p:spPr>
+        <p:style>
+          <a:lnRef idx="1">
+            <a:schemeClr val="accent1"/>
+          </a:lnRef>
+          <a:fillRef idx="0">
+            <a:schemeClr val="accent1"/>
+          </a:fillRef>
+          <a:effectRef idx="0">
+            <a:schemeClr val="accent1"/>
+          </a:effectRef>
+          <a:fontRef idx="minor">
+            <a:schemeClr val="tx1"/>
+          </a:fontRef>
+        </p:style>
+      </p:cxnSp>
+      <p:cxnSp>
+        <p:nvCxnSpPr>
+          <p:cNvPr id="36" name="直線コネクタ 35">
+            <a:extLst>
+              <a:ext uri="{FF2B5EF4-FFF2-40B4-BE49-F238E27FC236}">
+                <a16:creationId xmlns:a16="http://schemas.microsoft.com/office/drawing/2014/main" id="{0F85619B-176F-4A4F-BBEE-5D302795F72D}"/>
+              </a:ext>
+            </a:extLst>
+          </p:cNvPr>
+          <p:cNvCxnSpPr>
+            <a:cxnSpLocks/>
+          </p:cNvCxnSpPr>
+          <p:nvPr/>
+        </p:nvCxnSpPr>
+        <p:spPr>
+          <a:xfrm>
+            <a:off x="6084279" y="4007999"/>
+            <a:ext cx="2080846" cy="0"/>
+          </a:xfrm>
+          <a:prstGeom prst="line">
+            <a:avLst/>
+          </a:prstGeom>
+          <a:ln w="12700">
+            <a:solidFill>
+              <a:schemeClr val="tx1"/>
+            </a:solidFill>
+            <a:headEnd type="none" w="med" len="med"/>
+            <a:tailEnd type="arrow" w="lg" len="lg"/>
+          </a:ln>
+        </p:spPr>
+        <p:style>
+          <a:lnRef idx="1">
+            <a:schemeClr val="accent1"/>
+          </a:lnRef>
+          <a:fillRef idx="0">
+            <a:schemeClr val="accent1"/>
+          </a:fillRef>
+          <a:effectRef idx="0">
+            <a:schemeClr val="accent1"/>
+          </a:effectRef>
+          <a:fontRef idx="minor">
+            <a:schemeClr val="tx1"/>
+          </a:fontRef>
+        </p:style>
+      </p:cxnSp>
+      <p:cxnSp>
+        <p:nvCxnSpPr>
+          <p:cNvPr id="37" name="直線コネクタ 36">
+            <a:extLst>
+              <a:ext uri="{FF2B5EF4-FFF2-40B4-BE49-F238E27FC236}">
+                <a16:creationId xmlns:a16="http://schemas.microsoft.com/office/drawing/2014/main" id="{42CF70D2-B544-435C-9DAD-7778971CCCA5}"/>
+              </a:ext>
+            </a:extLst>
+          </p:cNvPr>
+          <p:cNvCxnSpPr>
+            <a:cxnSpLocks/>
+          </p:cNvCxnSpPr>
+          <p:nvPr/>
+        </p:nvCxnSpPr>
+        <p:spPr>
+          <a:xfrm>
+            <a:off x="8112373" y="4007999"/>
+            <a:ext cx="2080846" cy="0"/>
+          </a:xfrm>
+          <a:prstGeom prst="line">
+            <a:avLst/>
+          </a:prstGeom>
+          <a:ln w="12700">
+            <a:solidFill>
+              <a:schemeClr val="tx1"/>
+            </a:solidFill>
+            <a:headEnd type="arrow" w="med" len="med"/>
+            <a:tailEnd type="arrow" w="med" len="med"/>
+          </a:ln>
+        </p:spPr>
+        <p:style>
+          <a:lnRef idx="1">
+            <a:schemeClr val="accent1"/>
+          </a:lnRef>
+          <a:fillRef idx="0">
+            <a:schemeClr val="accent1"/>
+          </a:fillRef>
+          <a:effectRef idx="0">
+            <a:schemeClr val="accent1"/>
+          </a:effectRef>
+          <a:fontRef idx="minor">
+            <a:schemeClr val="tx1"/>
+          </a:fontRef>
+        </p:style>
+      </p:cxnSp>
+      <p:cxnSp>
+        <p:nvCxnSpPr>
+          <p:cNvPr id="38" name="直線コネクタ 37">
+            <a:extLst>
+              <a:ext uri="{FF2B5EF4-FFF2-40B4-BE49-F238E27FC236}">
+                <a16:creationId xmlns:a16="http://schemas.microsoft.com/office/drawing/2014/main" id="{423AA8B7-F69B-4F4F-BB71-9E479A3D59AD}"/>
+              </a:ext>
+            </a:extLst>
+          </p:cNvPr>
+          <p:cNvCxnSpPr>
+            <a:cxnSpLocks/>
+          </p:cNvCxnSpPr>
+          <p:nvPr/>
+        </p:nvCxnSpPr>
+        <p:spPr>
+          <a:xfrm>
+            <a:off x="6060834" y="4242609"/>
+            <a:ext cx="2080846" cy="0"/>
+          </a:xfrm>
+          <a:prstGeom prst="line">
+            <a:avLst/>
+          </a:prstGeom>
+          <a:ln w="12700">
+            <a:solidFill>
+              <a:schemeClr val="tx1"/>
+            </a:solidFill>
+            <a:headEnd type="none" w="med" len="med"/>
+            <a:tailEnd type="arrow" w="lg" len="lg"/>
+          </a:ln>
+        </p:spPr>
+        <p:style>
+          <a:lnRef idx="1">
+            <a:schemeClr val="accent1"/>
+          </a:lnRef>
+          <a:fillRef idx="0">
+            <a:schemeClr val="accent1"/>
+          </a:fillRef>
+          <a:effectRef idx="0">
+            <a:schemeClr val="accent1"/>
+          </a:effectRef>
+          <a:fontRef idx="minor">
+            <a:schemeClr val="tx1"/>
+          </a:fontRef>
+        </p:style>
+      </p:cxnSp>
+      <p:cxnSp>
+        <p:nvCxnSpPr>
+          <p:cNvPr id="39" name="直線コネクタ 38">
+            <a:extLst>
+              <a:ext uri="{FF2B5EF4-FFF2-40B4-BE49-F238E27FC236}">
+                <a16:creationId xmlns:a16="http://schemas.microsoft.com/office/drawing/2014/main" id="{CF56DAB6-67B6-4BEE-9BE9-0E85830F8D1B}"/>
+              </a:ext>
+            </a:extLst>
+          </p:cNvPr>
+          <p:cNvCxnSpPr>
+            <a:cxnSpLocks/>
+          </p:cNvCxnSpPr>
+          <p:nvPr/>
+        </p:nvCxnSpPr>
+        <p:spPr>
+          <a:xfrm>
+            <a:off x="8088928" y="4242609"/>
+            <a:ext cx="2080846" cy="0"/>
+          </a:xfrm>
+          <a:prstGeom prst="line">
+            <a:avLst/>
+          </a:prstGeom>
+          <a:ln w="12700">
+            <a:solidFill>
+              <a:schemeClr val="tx1"/>
+            </a:solidFill>
+            <a:headEnd type="arrow" w="med" len="med"/>
+            <a:tailEnd type="arrow" w="med" len="med"/>
+          </a:ln>
+        </p:spPr>
+        <p:style>
+          <a:lnRef idx="1">
+            <a:schemeClr val="accent1"/>
+          </a:lnRef>
+          <a:fillRef idx="0">
+            <a:schemeClr val="accent1"/>
+          </a:fillRef>
+          <a:effectRef idx="0">
+            <a:schemeClr val="accent1"/>
+          </a:effectRef>
+          <a:fontRef idx="minor">
+            <a:schemeClr val="tx1"/>
+          </a:fontRef>
+        </p:style>
+      </p:cxnSp>
+      <p:cxnSp>
+        <p:nvCxnSpPr>
+          <p:cNvPr id="47" name="直線コネクタ 46">
+            <a:extLst>
+              <a:ext uri="{FF2B5EF4-FFF2-40B4-BE49-F238E27FC236}">
+                <a16:creationId xmlns:a16="http://schemas.microsoft.com/office/drawing/2014/main" id="{606C27EB-A60B-454F-A06E-3B41DB83BDB6}"/>
+              </a:ext>
+            </a:extLst>
+          </p:cNvPr>
+          <p:cNvCxnSpPr>
+            <a:cxnSpLocks/>
+          </p:cNvCxnSpPr>
+          <p:nvPr/>
+        </p:nvCxnSpPr>
+        <p:spPr>
+          <a:xfrm flipH="1">
+            <a:off x="6060834" y="4096265"/>
+            <a:ext cx="2080846" cy="0"/>
+          </a:xfrm>
+          <a:prstGeom prst="line">
+            <a:avLst/>
+          </a:prstGeom>
+          <a:ln w="12700">
+            <a:solidFill>
+              <a:schemeClr val="tx1"/>
+            </a:solidFill>
+            <a:headEnd type="none" w="med" len="med"/>
+            <a:tailEnd type="arrow" w="lg" len="lg"/>
+          </a:ln>
+        </p:spPr>
+        <p:style>
+          <a:lnRef idx="1">
+            <a:schemeClr val="accent1"/>
+          </a:lnRef>
+          <a:fillRef idx="0">
+            <a:schemeClr val="accent1"/>
+          </a:fillRef>
+          <a:effectRef idx="0">
+            <a:schemeClr val="accent1"/>
+          </a:effectRef>
+          <a:fontRef idx="minor">
+            <a:schemeClr val="tx1"/>
+          </a:fontRef>
+        </p:style>
+      </p:cxnSp>
+      <p:cxnSp>
+        <p:nvCxnSpPr>
+          <p:cNvPr id="48" name="直線コネクタ 47">
+            <a:extLst>
+              <a:ext uri="{FF2B5EF4-FFF2-40B4-BE49-F238E27FC236}">
+                <a16:creationId xmlns:a16="http://schemas.microsoft.com/office/drawing/2014/main" id="{E6345D78-98DF-4A9D-BFCD-D17A45714495}"/>
+              </a:ext>
+            </a:extLst>
+          </p:cNvPr>
+          <p:cNvCxnSpPr>
+            <a:cxnSpLocks/>
+          </p:cNvCxnSpPr>
+          <p:nvPr/>
+        </p:nvCxnSpPr>
+        <p:spPr>
+          <a:xfrm flipH="1">
+            <a:off x="6049112" y="4320211"/>
+            <a:ext cx="2080846" cy="0"/>
+          </a:xfrm>
+          <a:prstGeom prst="line">
+            <a:avLst/>
+          </a:prstGeom>
+          <a:ln w="12700">
+            <a:solidFill>
+              <a:schemeClr val="tx1"/>
+            </a:solidFill>
+            <a:headEnd type="none" w="med" len="med"/>
+            <a:tailEnd type="arrow" w="lg" len="lg"/>
+          </a:ln>
+        </p:spPr>
+        <p:style>
+          <a:lnRef idx="1">
+            <a:schemeClr val="accent1"/>
+          </a:lnRef>
+          <a:fillRef idx="0">
+            <a:schemeClr val="accent1"/>
+          </a:fillRef>
+          <a:effectRef idx="0">
+            <a:schemeClr val="accent1"/>
+          </a:effectRef>
+          <a:fontRef idx="minor">
+            <a:schemeClr val="tx1"/>
+          </a:fontRef>
+        </p:style>
+      </p:cxnSp>
+      <p:cxnSp>
+        <p:nvCxnSpPr>
+          <p:cNvPr id="49" name="直線コネクタ 48">
+            <a:extLst>
+              <a:ext uri="{FF2B5EF4-FFF2-40B4-BE49-F238E27FC236}">
+                <a16:creationId xmlns:a16="http://schemas.microsoft.com/office/drawing/2014/main" id="{E2870E45-DC37-4504-98EC-F9D3E875F115}"/>
+              </a:ext>
+            </a:extLst>
+          </p:cNvPr>
+          <p:cNvCxnSpPr>
+            <a:cxnSpLocks/>
+          </p:cNvCxnSpPr>
+          <p:nvPr/>
+        </p:nvCxnSpPr>
+        <p:spPr>
+          <a:xfrm>
+            <a:off x="6096001" y="5225111"/>
+            <a:ext cx="2080846" cy="0"/>
+          </a:xfrm>
+          <a:prstGeom prst="line">
+            <a:avLst/>
+          </a:prstGeom>
+          <a:ln w="12700">
+            <a:solidFill>
+              <a:schemeClr val="tx1"/>
+            </a:solidFill>
+            <a:headEnd type="none" w="med" len="med"/>
+            <a:tailEnd type="arrow" w="lg" len="lg"/>
+          </a:ln>
+        </p:spPr>
+        <p:style>
+          <a:lnRef idx="1">
+            <a:schemeClr val="accent1"/>
+          </a:lnRef>
+          <a:fillRef idx="0">
+            <a:schemeClr val="accent1"/>
+          </a:fillRef>
+          <a:effectRef idx="0">
+            <a:schemeClr val="accent1"/>
+          </a:effectRef>
+          <a:fontRef idx="minor">
+            <a:schemeClr val="tx1"/>
+          </a:fontRef>
+        </p:style>
+      </p:cxnSp>
+      <p:cxnSp>
+        <p:nvCxnSpPr>
+          <p:cNvPr id="50" name="直線コネクタ 49">
+            <a:extLst>
+              <a:ext uri="{FF2B5EF4-FFF2-40B4-BE49-F238E27FC236}">
+                <a16:creationId xmlns:a16="http://schemas.microsoft.com/office/drawing/2014/main" id="{9E071F4D-49EA-4879-BC84-D062040B67B9}"/>
+              </a:ext>
+            </a:extLst>
+          </p:cNvPr>
+          <p:cNvCxnSpPr>
+            <a:cxnSpLocks/>
+          </p:cNvCxnSpPr>
+          <p:nvPr/>
+        </p:nvCxnSpPr>
+        <p:spPr>
+          <a:xfrm>
+            <a:off x="8124095" y="5225111"/>
+            <a:ext cx="2080846" cy="0"/>
+          </a:xfrm>
+          <a:prstGeom prst="line">
+            <a:avLst/>
+          </a:prstGeom>
+          <a:ln w="12700">
+            <a:solidFill>
+              <a:schemeClr val="tx1"/>
+            </a:solidFill>
+            <a:headEnd type="arrow" w="med" len="med"/>
+            <a:tailEnd type="arrow" w="med" len="med"/>
+          </a:ln>
+        </p:spPr>
+        <p:style>
+          <a:lnRef idx="1">
+            <a:schemeClr val="accent1"/>
+          </a:lnRef>
+          <a:fillRef idx="0">
+            <a:schemeClr val="accent1"/>
+          </a:fillRef>
+          <a:effectRef idx="0">
+            <a:schemeClr val="accent1"/>
+          </a:effectRef>
+          <a:fontRef idx="minor">
+            <a:schemeClr val="tx1"/>
+          </a:fontRef>
+        </p:style>
+      </p:cxnSp>
+      <p:cxnSp>
+        <p:nvCxnSpPr>
+          <p:cNvPr id="51" name="直線コネクタ 50">
+            <a:extLst>
+              <a:ext uri="{FF2B5EF4-FFF2-40B4-BE49-F238E27FC236}">
+                <a16:creationId xmlns:a16="http://schemas.microsoft.com/office/drawing/2014/main" id="{67AFA399-146F-4D1E-9A5A-56AA282E838C}"/>
+              </a:ext>
+            </a:extLst>
+          </p:cNvPr>
+          <p:cNvCxnSpPr>
+            <a:cxnSpLocks/>
+          </p:cNvCxnSpPr>
+          <p:nvPr/>
+        </p:nvCxnSpPr>
+        <p:spPr>
+          <a:xfrm>
+            <a:off x="6072556" y="5459721"/>
+            <a:ext cx="2080846" cy="0"/>
+          </a:xfrm>
+          <a:prstGeom prst="line">
+            <a:avLst/>
+          </a:prstGeom>
+          <a:ln w="12700">
+            <a:solidFill>
+              <a:schemeClr val="tx1"/>
+            </a:solidFill>
+            <a:headEnd type="none" w="med" len="med"/>
+            <a:tailEnd type="arrow" w="lg" len="lg"/>
+          </a:ln>
+        </p:spPr>
+        <p:style>
+          <a:lnRef idx="1">
+            <a:schemeClr val="accent1"/>
+          </a:lnRef>
+          <a:fillRef idx="0">
+            <a:schemeClr val="accent1"/>
+          </a:fillRef>
+          <a:effectRef idx="0">
+            <a:schemeClr val="accent1"/>
+          </a:effectRef>
+          <a:fontRef idx="minor">
+            <a:schemeClr val="tx1"/>
+          </a:fontRef>
+        </p:style>
+      </p:cxnSp>
+      <p:cxnSp>
+        <p:nvCxnSpPr>
+          <p:cNvPr id="52" name="直線コネクタ 51">
+            <a:extLst>
+              <a:ext uri="{FF2B5EF4-FFF2-40B4-BE49-F238E27FC236}">
+                <a16:creationId xmlns:a16="http://schemas.microsoft.com/office/drawing/2014/main" id="{58501062-2108-4422-BD15-853744B04129}"/>
+              </a:ext>
+            </a:extLst>
+          </p:cNvPr>
+          <p:cNvCxnSpPr>
+            <a:cxnSpLocks/>
+          </p:cNvCxnSpPr>
+          <p:nvPr/>
+        </p:nvCxnSpPr>
+        <p:spPr>
+          <a:xfrm>
+            <a:off x="8100650" y="5459721"/>
+            <a:ext cx="2080846" cy="0"/>
+          </a:xfrm>
+          <a:prstGeom prst="line">
+            <a:avLst/>
+          </a:prstGeom>
+          <a:ln w="12700">
+            <a:solidFill>
+              <a:schemeClr val="tx1"/>
+            </a:solidFill>
+            <a:headEnd type="arrow" w="med" len="med"/>
+            <a:tailEnd type="arrow" w="med" len="med"/>
+          </a:ln>
+        </p:spPr>
+        <p:style>
+          <a:lnRef idx="1">
+            <a:schemeClr val="accent1"/>
+          </a:lnRef>
+          <a:fillRef idx="0">
+            <a:schemeClr val="accent1"/>
+          </a:fillRef>
+          <a:effectRef idx="0">
+            <a:schemeClr val="accent1"/>
+          </a:effectRef>
+          <a:fontRef idx="minor">
+            <a:schemeClr val="tx1"/>
+          </a:fontRef>
+        </p:style>
+      </p:cxnSp>
+      <p:cxnSp>
+        <p:nvCxnSpPr>
+          <p:cNvPr id="53" name="直線コネクタ 52">
+            <a:extLst>
+              <a:ext uri="{FF2B5EF4-FFF2-40B4-BE49-F238E27FC236}">
+                <a16:creationId xmlns:a16="http://schemas.microsoft.com/office/drawing/2014/main" id="{A3CA6100-3A13-4B70-87B3-63026A856279}"/>
+              </a:ext>
+            </a:extLst>
+          </p:cNvPr>
+          <p:cNvCxnSpPr>
+            <a:cxnSpLocks/>
+          </p:cNvCxnSpPr>
+          <p:nvPr/>
+        </p:nvCxnSpPr>
+        <p:spPr>
+          <a:xfrm flipH="1">
+            <a:off x="3968266" y="6353140"/>
+            <a:ext cx="2080846" cy="0"/>
+          </a:xfrm>
+          <a:prstGeom prst="line">
+            <a:avLst/>
+          </a:prstGeom>
+          <a:ln w="12700">
+            <a:solidFill>
+              <a:schemeClr val="tx1"/>
+            </a:solidFill>
+            <a:headEnd type="none" w="med" len="med"/>
+            <a:tailEnd type="arrow" w="lg" len="lg"/>
+          </a:ln>
+        </p:spPr>
+        <p:style>
+          <a:lnRef idx="1">
+            <a:schemeClr val="accent1"/>
+          </a:lnRef>
+          <a:fillRef idx="0">
+            <a:schemeClr val="accent1"/>
+          </a:fillRef>
+          <a:effectRef idx="0">
+            <a:schemeClr val="accent1"/>
+          </a:effectRef>
+          <a:fontRef idx="minor">
+            <a:schemeClr val="tx1"/>
+          </a:fontRef>
+        </p:style>
+      </p:cxnSp>
+      <p:cxnSp>
+        <p:nvCxnSpPr>
+          <p:cNvPr id="54" name="直線コネクタ 53">
+            <a:extLst>
+              <a:ext uri="{FF2B5EF4-FFF2-40B4-BE49-F238E27FC236}">
+                <a16:creationId xmlns:a16="http://schemas.microsoft.com/office/drawing/2014/main" id="{AC691799-49B7-4CCA-9F74-60E76CE64FA3}"/>
+              </a:ext>
+            </a:extLst>
+          </p:cNvPr>
+          <p:cNvCxnSpPr>
+            <a:cxnSpLocks/>
+          </p:cNvCxnSpPr>
+          <p:nvPr/>
+        </p:nvCxnSpPr>
+        <p:spPr>
+          <a:xfrm flipH="1">
+            <a:off x="6060834" y="5566138"/>
+            <a:ext cx="2080846" cy="0"/>
+          </a:xfrm>
+          <a:prstGeom prst="line">
+            <a:avLst/>
+          </a:prstGeom>
+          <a:ln w="12700">
+            <a:solidFill>
+              <a:schemeClr val="tx1"/>
+            </a:solidFill>
+            <a:headEnd type="none" w="med" len="med"/>
+            <a:tailEnd type="arrow" w="lg" len="lg"/>
+          </a:ln>
+        </p:spPr>
+        <p:style>
+          <a:lnRef idx="1">
+            <a:schemeClr val="accent1"/>
+          </a:lnRef>
+          <a:fillRef idx="0">
+            <a:schemeClr val="accent1"/>
+          </a:fillRef>
+          <a:effectRef idx="0">
+            <a:schemeClr val="accent1"/>
+          </a:effectRef>
+          <a:fontRef idx="minor">
+            <a:schemeClr val="tx1"/>
+          </a:fontRef>
+        </p:style>
+      </p:cxnSp>
+      <p:sp>
+        <p:nvSpPr>
+          <p:cNvPr id="57" name="テキスト ボックス 56">
+            <a:extLst>
+              <a:ext uri="{FF2B5EF4-FFF2-40B4-BE49-F238E27FC236}">
+                <a16:creationId xmlns:a16="http://schemas.microsoft.com/office/drawing/2014/main" id="{81D64740-C621-446E-9B8B-62A51DD2B71E}"/>
+              </a:ext>
+            </a:extLst>
+          </p:cNvPr>
+          <p:cNvSpPr txBox="1"/>
+          <p:nvPr/>
+        </p:nvSpPr>
+        <p:spPr>
+          <a:xfrm>
+            <a:off x="10292867" y="1133988"/>
+            <a:ext cx="1652949" cy="338554"/>
+          </a:xfrm>
+          <a:prstGeom prst="rect">
+            <a:avLst/>
+          </a:prstGeom>
+          <a:noFill/>
+        </p:spPr>
+        <p:txBody>
+          <a:bodyPr wrap="square" rtlCol="0">
+            <a:spAutoFit/>
+          </a:bodyPr>
+          <a:lstStyle/>
+          <a:p>
+            <a:r>
+              <a:rPr lang="en-US" altLang="ja-JP" sz="1600" dirty="0"/>
+              <a:t>Trusted</a:t>
+            </a:r>
+            <a:r>
+              <a:rPr lang="ja-JP" altLang="en-US" sz="1600" dirty="0"/>
+              <a:t> </a:t>
+            </a:r>
+            <a:r>
+              <a:rPr kumimoji="1" lang="en-US" altLang="ja-JP" sz="1600" dirty="0"/>
+              <a:t>CA</a:t>
+            </a:r>
+            <a:endParaRPr kumimoji="1" lang="ja-JP" altLang="en-US" sz="1600" dirty="0"/>
+          </a:p>
+        </p:txBody>
+      </p:sp>
+      <p:cxnSp>
+        <p:nvCxnSpPr>
+          <p:cNvPr id="22" name="直線コネクタ 21">
+            <a:extLst>
+              <a:ext uri="{FF2B5EF4-FFF2-40B4-BE49-F238E27FC236}">
+                <a16:creationId xmlns:a16="http://schemas.microsoft.com/office/drawing/2014/main" id="{3D722BF7-4B22-483C-8C09-540BEEBF9CF1}"/>
+              </a:ext>
+            </a:extLst>
+          </p:cNvPr>
+          <p:cNvCxnSpPr>
+            <a:cxnSpLocks/>
+          </p:cNvCxnSpPr>
+          <p:nvPr/>
+        </p:nvCxnSpPr>
+        <p:spPr>
+          <a:xfrm>
+            <a:off x="4032740" y="2915276"/>
+            <a:ext cx="2039816" cy="0"/>
+          </a:xfrm>
+          <a:prstGeom prst="line">
+            <a:avLst/>
+          </a:prstGeom>
+          <a:ln w="12700">
+            <a:solidFill>
+              <a:schemeClr val="tx1"/>
+            </a:solidFill>
+            <a:headEnd type="none" w="med" len="med"/>
+            <a:tailEnd type="arrow" w="lg" len="lg"/>
+          </a:ln>
+        </p:spPr>
+        <p:style>
+          <a:lnRef idx="1">
+            <a:schemeClr val="accent1"/>
+          </a:lnRef>
+          <a:fillRef idx="0">
+            <a:schemeClr val="accent1"/>
+          </a:fillRef>
+          <a:effectRef idx="0">
+            <a:schemeClr val="accent1"/>
+          </a:effectRef>
+          <a:fontRef idx="minor">
+            <a:schemeClr val="tx1"/>
+          </a:fontRef>
+        </p:style>
+      </p:cxnSp>
+      <p:cxnSp>
+        <p:nvCxnSpPr>
+          <p:cNvPr id="31" name="直線コネクタ 30">
+            <a:extLst>
+              <a:ext uri="{FF2B5EF4-FFF2-40B4-BE49-F238E27FC236}">
+                <a16:creationId xmlns:a16="http://schemas.microsoft.com/office/drawing/2014/main" id="{9C9E8182-FA14-460C-82BE-3397EB30D310}"/>
+              </a:ext>
+            </a:extLst>
+          </p:cNvPr>
+          <p:cNvCxnSpPr>
+            <a:cxnSpLocks/>
+          </p:cNvCxnSpPr>
+          <p:nvPr/>
+        </p:nvCxnSpPr>
+        <p:spPr>
+          <a:xfrm>
+            <a:off x="6084278" y="2915276"/>
+            <a:ext cx="2080846" cy="0"/>
+          </a:xfrm>
+          <a:prstGeom prst="line">
+            <a:avLst/>
+          </a:prstGeom>
+          <a:ln w="12700">
+            <a:solidFill>
+              <a:schemeClr val="tx1"/>
+            </a:solidFill>
+            <a:headEnd type="none" w="med" len="med"/>
+            <a:tailEnd type="arrow" w="lg" len="lg"/>
+          </a:ln>
+        </p:spPr>
+        <p:style>
+          <a:lnRef idx="1">
+            <a:schemeClr val="accent1"/>
+          </a:lnRef>
+          <a:fillRef idx="0">
+            <a:schemeClr val="accent1"/>
+          </a:fillRef>
+          <a:effectRef idx="0">
+            <a:schemeClr val="accent1"/>
+          </a:effectRef>
+          <a:fontRef idx="minor">
+            <a:schemeClr val="tx1"/>
+          </a:fontRef>
+        </p:style>
+      </p:cxnSp>
+      <p:cxnSp>
+        <p:nvCxnSpPr>
+          <p:cNvPr id="32" name="直線コネクタ 31">
+            <a:extLst>
+              <a:ext uri="{FF2B5EF4-FFF2-40B4-BE49-F238E27FC236}">
+                <a16:creationId xmlns:a16="http://schemas.microsoft.com/office/drawing/2014/main" id="{941BB111-8F9C-4723-AA21-99F0C542D924}"/>
+              </a:ext>
+            </a:extLst>
+          </p:cNvPr>
+          <p:cNvCxnSpPr>
+            <a:cxnSpLocks/>
+          </p:cNvCxnSpPr>
+          <p:nvPr/>
+        </p:nvCxnSpPr>
+        <p:spPr>
+          <a:xfrm>
+            <a:off x="8112372" y="2915276"/>
+            <a:ext cx="2080846" cy="0"/>
+          </a:xfrm>
+          <a:prstGeom prst="line">
+            <a:avLst/>
+          </a:prstGeom>
+          <a:ln w="12700">
+            <a:solidFill>
+              <a:schemeClr val="tx1"/>
+            </a:solidFill>
+            <a:headEnd type="arrow" w="med" len="med"/>
+            <a:tailEnd type="arrow" w="med" len="med"/>
+          </a:ln>
+        </p:spPr>
+        <p:style>
+          <a:lnRef idx="1">
+            <a:schemeClr val="accent1"/>
+          </a:lnRef>
+          <a:fillRef idx="0">
+            <a:schemeClr val="accent1"/>
+          </a:fillRef>
+          <a:effectRef idx="0">
+            <a:schemeClr val="accent1"/>
+          </a:effectRef>
+          <a:fontRef idx="minor">
+            <a:schemeClr val="tx1"/>
+          </a:fontRef>
+        </p:style>
+      </p:cxnSp>
+      <p:cxnSp>
+        <p:nvCxnSpPr>
+          <p:cNvPr id="44" name="直線コネクタ 43">
+            <a:extLst>
+              <a:ext uri="{FF2B5EF4-FFF2-40B4-BE49-F238E27FC236}">
+                <a16:creationId xmlns:a16="http://schemas.microsoft.com/office/drawing/2014/main" id="{EF0C9D6C-4074-4AC3-A67B-7C6FE5BA1078}"/>
+              </a:ext>
+            </a:extLst>
+          </p:cNvPr>
+          <p:cNvCxnSpPr>
+            <a:cxnSpLocks/>
+          </p:cNvCxnSpPr>
+          <p:nvPr/>
+        </p:nvCxnSpPr>
+        <p:spPr>
+          <a:xfrm flipH="1">
+            <a:off x="6072556" y="3067710"/>
+            <a:ext cx="2080846" cy="0"/>
+          </a:xfrm>
+          <a:prstGeom prst="line">
+            <a:avLst/>
+          </a:prstGeom>
+          <a:ln w="12700">
+            <a:solidFill>
+              <a:schemeClr val="tx1"/>
+            </a:solidFill>
+            <a:headEnd type="none" w="med" len="med"/>
+            <a:tailEnd type="arrow" w="lg" len="lg"/>
+          </a:ln>
+        </p:spPr>
+        <p:style>
+          <a:lnRef idx="1">
+            <a:schemeClr val="accent1"/>
+          </a:lnRef>
+          <a:fillRef idx="0">
+            <a:schemeClr val="accent1"/>
+          </a:fillRef>
+          <a:effectRef idx="0">
+            <a:schemeClr val="accent1"/>
+          </a:effectRef>
+          <a:fontRef idx="minor">
+            <a:schemeClr val="tx1"/>
+          </a:fontRef>
+        </p:style>
+      </p:cxnSp>
+      <p:cxnSp>
+        <p:nvCxnSpPr>
+          <p:cNvPr id="45" name="直線コネクタ 44">
+            <a:extLst>
+              <a:ext uri="{FF2B5EF4-FFF2-40B4-BE49-F238E27FC236}">
+                <a16:creationId xmlns:a16="http://schemas.microsoft.com/office/drawing/2014/main" id="{D6B26F51-5F46-4027-8C7A-D1823615BFB1}"/>
+              </a:ext>
+            </a:extLst>
+          </p:cNvPr>
+          <p:cNvCxnSpPr>
+            <a:cxnSpLocks/>
+          </p:cNvCxnSpPr>
+          <p:nvPr/>
+        </p:nvCxnSpPr>
+        <p:spPr>
+          <a:xfrm flipH="1">
+            <a:off x="4009296" y="3233921"/>
+            <a:ext cx="2039816" cy="0"/>
+          </a:xfrm>
+          <a:prstGeom prst="line">
+            <a:avLst/>
+          </a:prstGeom>
+          <a:ln w="12700">
+            <a:solidFill>
+              <a:schemeClr val="tx1"/>
+            </a:solidFill>
+            <a:headEnd type="none" w="med" len="med"/>
+            <a:tailEnd type="arrow" w="lg" len="lg"/>
+          </a:ln>
+        </p:spPr>
+        <p:style>
+          <a:lnRef idx="1">
+            <a:schemeClr val="accent1"/>
+          </a:lnRef>
+          <a:fillRef idx="0">
+            <a:schemeClr val="accent1"/>
+          </a:fillRef>
+          <a:effectRef idx="0">
+            <a:schemeClr val="accent1"/>
+          </a:effectRef>
+          <a:fontRef idx="minor">
+            <a:schemeClr val="tx1"/>
+          </a:fontRef>
+        </p:style>
+      </p:cxnSp>
+      <p:sp>
+        <p:nvSpPr>
+          <p:cNvPr id="63" name="テキスト ボックス 62">
+            <a:extLst>
+              <a:ext uri="{FF2B5EF4-FFF2-40B4-BE49-F238E27FC236}">
+                <a16:creationId xmlns:a16="http://schemas.microsoft.com/office/drawing/2014/main" id="{3FABAF3E-2BCC-40F8-BDF5-F3D8779AFFD5}"/>
+              </a:ext>
+            </a:extLst>
+          </p:cNvPr>
+          <p:cNvSpPr txBox="1"/>
+          <p:nvPr/>
+        </p:nvSpPr>
+        <p:spPr>
+          <a:xfrm>
+            <a:off x="10304591" y="4130894"/>
+            <a:ext cx="1652949" cy="307972"/>
+          </a:xfrm>
+          <a:prstGeom prst="rect">
+            <a:avLst/>
+          </a:prstGeom>
+          <a:noFill/>
+        </p:spPr>
+        <p:txBody>
+          <a:bodyPr wrap="square" rtlCol="0">
+            <a:spAutoFit/>
+          </a:bodyPr>
+          <a:lstStyle/>
+          <a:p>
+            <a:r>
+              <a:rPr kumimoji="1" lang="en-US" altLang="ja-JP" sz="1600" dirty="0" err="1"/>
+              <a:t>Intermed</a:t>
+            </a:r>
+            <a:r>
+              <a:rPr kumimoji="1" lang="en-US" altLang="ja-JP" sz="1600" dirty="0"/>
+              <a:t> CA</a:t>
+            </a:r>
+            <a:endParaRPr kumimoji="1" lang="ja-JP" altLang="en-US" sz="1600" dirty="0"/>
+          </a:p>
+        </p:txBody>
+      </p:sp>
+      <p:sp>
+        <p:nvSpPr>
+          <p:cNvPr id="65" name="テキスト ボックス 64">
+            <a:extLst>
+              <a:ext uri="{FF2B5EF4-FFF2-40B4-BE49-F238E27FC236}">
+                <a16:creationId xmlns:a16="http://schemas.microsoft.com/office/drawing/2014/main" id="{432F2233-E6E5-43C7-A294-8ABA9CF8DE20}"/>
+              </a:ext>
+            </a:extLst>
+          </p:cNvPr>
+          <p:cNvSpPr txBox="1"/>
+          <p:nvPr/>
+        </p:nvSpPr>
+        <p:spPr>
+          <a:xfrm>
+            <a:off x="10374928" y="5326679"/>
+            <a:ext cx="1652949" cy="307972"/>
+          </a:xfrm>
+          <a:prstGeom prst="rect">
+            <a:avLst/>
+          </a:prstGeom>
+          <a:noFill/>
+        </p:spPr>
+        <p:txBody>
+          <a:bodyPr wrap="square" rtlCol="0">
+            <a:spAutoFit/>
+          </a:bodyPr>
+          <a:lstStyle/>
+          <a:p>
+            <a:r>
+              <a:rPr kumimoji="1" lang="en-US" altLang="ja-JP" sz="1600" dirty="0" err="1"/>
+              <a:t>Intermed</a:t>
+            </a:r>
+            <a:r>
+              <a:rPr kumimoji="1" lang="en-US" altLang="ja-JP" sz="1600" dirty="0"/>
+              <a:t> CA</a:t>
+            </a:r>
+            <a:endParaRPr kumimoji="1" lang="ja-JP" altLang="en-US" sz="1600" dirty="0"/>
+          </a:p>
+        </p:txBody>
+      </p:sp>
+      <p:cxnSp>
+        <p:nvCxnSpPr>
+          <p:cNvPr id="66" name="直線コネクタ 65">
+            <a:extLst>
+              <a:ext uri="{FF2B5EF4-FFF2-40B4-BE49-F238E27FC236}">
+                <a16:creationId xmlns:a16="http://schemas.microsoft.com/office/drawing/2014/main" id="{81403785-CE70-4C2A-83F6-F2B7CB25AD4C}"/>
+              </a:ext>
+            </a:extLst>
+          </p:cNvPr>
+          <p:cNvCxnSpPr>
+            <a:cxnSpLocks/>
+          </p:cNvCxnSpPr>
+          <p:nvPr/>
+        </p:nvCxnSpPr>
+        <p:spPr>
+          <a:xfrm flipH="1">
+            <a:off x="4009294" y="1331324"/>
+            <a:ext cx="6119447" cy="0"/>
+          </a:xfrm>
+          <a:prstGeom prst="line">
+            <a:avLst/>
+          </a:prstGeom>
+          <a:ln w="12700">
+            <a:solidFill>
+              <a:schemeClr val="tx1"/>
+            </a:solidFill>
+            <a:headEnd type="none" w="med" len="med"/>
+            <a:tailEnd type="arrow" w="lg" len="lg"/>
+          </a:ln>
+        </p:spPr>
+        <p:style>
+          <a:lnRef idx="1">
+            <a:schemeClr val="accent1"/>
+          </a:lnRef>
+          <a:fillRef idx="0">
+            <a:schemeClr val="accent1"/>
+          </a:fillRef>
+          <a:effectRef idx="0">
+            <a:schemeClr val="accent1"/>
+          </a:effectRef>
+          <a:fontRef idx="minor">
+            <a:schemeClr val="tx1"/>
+          </a:fontRef>
+        </p:style>
+      </p:cxnSp>
+      <p:sp>
+        <p:nvSpPr>
+          <p:cNvPr id="68" name="テキスト ボックス 67">
+            <a:extLst>
+              <a:ext uri="{FF2B5EF4-FFF2-40B4-BE49-F238E27FC236}">
+                <a16:creationId xmlns:a16="http://schemas.microsoft.com/office/drawing/2014/main" id="{4FC9C77B-5A25-4F13-8F5E-9B4D9EDC74DF}"/>
+              </a:ext>
+            </a:extLst>
+          </p:cNvPr>
+          <p:cNvSpPr txBox="1"/>
+          <p:nvPr/>
+        </p:nvSpPr>
+        <p:spPr>
+          <a:xfrm>
+            <a:off x="6735658" y="1333743"/>
+            <a:ext cx="2022230" cy="251977"/>
+          </a:xfrm>
+          <a:prstGeom prst="rect">
+            <a:avLst/>
+          </a:prstGeom>
+          <a:noFill/>
+        </p:spPr>
+        <p:txBody>
+          <a:bodyPr wrap="square" rtlCol="0">
+            <a:spAutoFit/>
+          </a:bodyPr>
+          <a:lstStyle/>
+          <a:p>
+            <a:r>
+              <a:rPr kumimoji="1" lang="en-US" altLang="ja-JP" sz="1200" dirty="0"/>
+              <a:t>CRL</a:t>
+            </a:r>
+            <a:endParaRPr kumimoji="1" lang="ja-JP" altLang="en-US" sz="1200" dirty="0"/>
+          </a:p>
+        </p:txBody>
+      </p:sp>
+      <p:cxnSp>
+        <p:nvCxnSpPr>
+          <p:cNvPr id="20" name="直線コネクタ 19">
+            <a:extLst>
+              <a:ext uri="{FF2B5EF4-FFF2-40B4-BE49-F238E27FC236}">
+                <a16:creationId xmlns:a16="http://schemas.microsoft.com/office/drawing/2014/main" id="{A03F8C2C-0F23-48B5-BF20-7DDDDE38D72C}"/>
+              </a:ext>
+            </a:extLst>
+          </p:cNvPr>
+          <p:cNvCxnSpPr>
+            <a:cxnSpLocks/>
+          </p:cNvCxnSpPr>
+          <p:nvPr/>
+        </p:nvCxnSpPr>
+        <p:spPr>
+          <a:xfrm>
+            <a:off x="4032740" y="1938331"/>
+            <a:ext cx="4079632" cy="0"/>
+          </a:xfrm>
+          <a:prstGeom prst="line">
+            <a:avLst/>
+          </a:prstGeom>
+          <a:ln w="12700">
+            <a:solidFill>
+              <a:schemeClr val="tx1"/>
+            </a:solidFill>
+            <a:headEnd type="none" w="med" len="med"/>
+            <a:tailEnd type="arrow" w="lg" len="lg"/>
+          </a:ln>
+        </p:spPr>
+        <p:style>
+          <a:lnRef idx="1">
+            <a:schemeClr val="accent1"/>
+          </a:lnRef>
+          <a:fillRef idx="0">
+            <a:schemeClr val="accent1"/>
+          </a:fillRef>
+          <a:effectRef idx="0">
+            <a:schemeClr val="accent1"/>
+          </a:effectRef>
+          <a:fontRef idx="minor">
+            <a:schemeClr val="tx1"/>
+          </a:fontRef>
+        </p:style>
+      </p:cxnSp>
+      <p:cxnSp>
+        <p:nvCxnSpPr>
+          <p:cNvPr id="28" name="直線コネクタ 27">
+            <a:extLst>
+              <a:ext uri="{FF2B5EF4-FFF2-40B4-BE49-F238E27FC236}">
+                <a16:creationId xmlns:a16="http://schemas.microsoft.com/office/drawing/2014/main" id="{2D9A7DE1-8C49-4256-9EA8-F44D3DC1DB4C}"/>
+              </a:ext>
+            </a:extLst>
+          </p:cNvPr>
+          <p:cNvCxnSpPr>
+            <a:cxnSpLocks/>
+          </p:cNvCxnSpPr>
+          <p:nvPr/>
+        </p:nvCxnSpPr>
+        <p:spPr>
+          <a:xfrm>
+            <a:off x="8112372" y="1983920"/>
+            <a:ext cx="2080846" cy="0"/>
+          </a:xfrm>
+          <a:prstGeom prst="line">
+            <a:avLst/>
+          </a:prstGeom>
+          <a:ln w="12700">
+            <a:solidFill>
+              <a:schemeClr val="tx1"/>
+            </a:solidFill>
+            <a:headEnd type="arrow" w="med" len="med"/>
+            <a:tailEnd type="arrow" w="med" len="med"/>
+          </a:ln>
+        </p:spPr>
+        <p:style>
+          <a:lnRef idx="1">
+            <a:schemeClr val="accent1"/>
+          </a:lnRef>
+          <a:fillRef idx="0">
+            <a:schemeClr val="accent1"/>
+          </a:fillRef>
+          <a:effectRef idx="0">
+            <a:schemeClr val="accent1"/>
+          </a:effectRef>
+          <a:fontRef idx="minor">
+            <a:schemeClr val="tx1"/>
+          </a:fontRef>
+        </p:style>
+      </p:cxnSp>
+      <p:cxnSp>
+        <p:nvCxnSpPr>
+          <p:cNvPr id="41" name="直線コネクタ 40">
+            <a:extLst>
+              <a:ext uri="{FF2B5EF4-FFF2-40B4-BE49-F238E27FC236}">
+                <a16:creationId xmlns:a16="http://schemas.microsoft.com/office/drawing/2014/main" id="{F79F9F2B-4517-4F2F-9CFD-A9CA5D16353B}"/>
+              </a:ext>
+            </a:extLst>
+          </p:cNvPr>
+          <p:cNvCxnSpPr>
+            <a:cxnSpLocks/>
+          </p:cNvCxnSpPr>
+          <p:nvPr/>
+        </p:nvCxnSpPr>
+        <p:spPr>
+          <a:xfrm flipH="1">
+            <a:off x="4044464" y="2090059"/>
+            <a:ext cx="4079632" cy="0"/>
+          </a:xfrm>
+          <a:prstGeom prst="line">
+            <a:avLst/>
+          </a:prstGeom>
+          <a:ln w="12700">
+            <a:solidFill>
+              <a:schemeClr val="tx1"/>
+            </a:solidFill>
+            <a:headEnd type="none" w="med" len="med"/>
+            <a:tailEnd type="arrow" w="lg" len="lg"/>
+          </a:ln>
+        </p:spPr>
+        <p:style>
+          <a:lnRef idx="1">
+            <a:schemeClr val="accent1"/>
+          </a:lnRef>
+          <a:fillRef idx="0">
+            <a:schemeClr val="accent1"/>
+          </a:fillRef>
+          <a:effectRef idx="0">
+            <a:schemeClr val="accent1"/>
+          </a:effectRef>
+          <a:fontRef idx="minor">
+            <a:schemeClr val="tx1"/>
+          </a:fontRef>
+        </p:style>
+      </p:cxnSp>
+      <p:sp>
+        <p:nvSpPr>
+          <p:cNvPr id="69" name="テキスト ボックス 68">
+            <a:extLst>
+              <a:ext uri="{FF2B5EF4-FFF2-40B4-BE49-F238E27FC236}">
+                <a16:creationId xmlns:a16="http://schemas.microsoft.com/office/drawing/2014/main" id="{DA1B6D7A-0601-4864-8493-2C7A01F5B02E}"/>
+              </a:ext>
+            </a:extLst>
+          </p:cNvPr>
+          <p:cNvSpPr txBox="1"/>
+          <p:nvPr/>
+        </p:nvSpPr>
+        <p:spPr>
+          <a:xfrm>
+            <a:off x="4481146" y="1706817"/>
+            <a:ext cx="1400906" cy="251977"/>
+          </a:xfrm>
+          <a:prstGeom prst="rect">
+            <a:avLst/>
+          </a:prstGeom>
+          <a:noFill/>
+        </p:spPr>
+        <p:txBody>
+          <a:bodyPr wrap="square" rtlCol="0">
+            <a:spAutoFit/>
+          </a:bodyPr>
+          <a:lstStyle/>
+          <a:p>
+            <a:r>
+              <a:rPr kumimoji="1" lang="en-US" altLang="ja-JP" sz="1200" dirty="0"/>
+              <a:t>OCSP Request</a:t>
+            </a:r>
+            <a:endParaRPr kumimoji="1" lang="ja-JP" altLang="en-US" sz="1200" dirty="0"/>
+          </a:p>
+        </p:txBody>
+      </p:sp>
+      <p:sp>
+        <p:nvSpPr>
+          <p:cNvPr id="73" name="テキスト ボックス 72">
+            <a:extLst>
+              <a:ext uri="{FF2B5EF4-FFF2-40B4-BE49-F238E27FC236}">
+                <a16:creationId xmlns:a16="http://schemas.microsoft.com/office/drawing/2014/main" id="{47DB6066-34FD-44B2-81C9-801D0CFE6699}"/>
+              </a:ext>
+            </a:extLst>
+          </p:cNvPr>
+          <p:cNvSpPr txBox="1"/>
+          <p:nvPr/>
+        </p:nvSpPr>
+        <p:spPr>
+          <a:xfrm>
+            <a:off x="4481146" y="1895106"/>
+            <a:ext cx="1400906" cy="358510"/>
+          </a:xfrm>
+          <a:prstGeom prst="rect">
+            <a:avLst/>
+          </a:prstGeom>
+          <a:noFill/>
+        </p:spPr>
+        <p:txBody>
+          <a:bodyPr wrap="square" rtlCol="0">
+            <a:spAutoFit/>
+          </a:bodyPr>
+          <a:lstStyle/>
+          <a:p>
+            <a:r>
+              <a:rPr kumimoji="1" lang="en-US" altLang="ja-JP" sz="1200" dirty="0"/>
+              <a:t>OCSP Response</a:t>
+            </a:r>
+            <a:endParaRPr kumimoji="1" lang="ja-JP" altLang="en-US" sz="1200" dirty="0"/>
+          </a:p>
+        </p:txBody>
+      </p:sp>
+      <p:sp>
+        <p:nvSpPr>
+          <p:cNvPr id="74" name="テキスト ボックス 73">
+            <a:extLst>
+              <a:ext uri="{FF2B5EF4-FFF2-40B4-BE49-F238E27FC236}">
+                <a16:creationId xmlns:a16="http://schemas.microsoft.com/office/drawing/2014/main" id="{FCEA37F6-B523-4F8D-8F91-AE4BD2DEA85F}"/>
+              </a:ext>
+            </a:extLst>
+          </p:cNvPr>
+          <p:cNvSpPr txBox="1"/>
+          <p:nvPr/>
+        </p:nvSpPr>
+        <p:spPr>
+          <a:xfrm>
+            <a:off x="8502165" y="1961096"/>
+            <a:ext cx="1400906" cy="419962"/>
+          </a:xfrm>
+          <a:prstGeom prst="rect">
+            <a:avLst/>
+          </a:prstGeom>
+          <a:noFill/>
+        </p:spPr>
+        <p:txBody>
+          <a:bodyPr wrap="square" rtlCol="0">
+            <a:spAutoFit/>
+          </a:bodyPr>
+          <a:lstStyle/>
+          <a:p>
+            <a:r>
+              <a:rPr kumimoji="1" lang="en-US" altLang="ja-JP" sz="1200" dirty="0"/>
+              <a:t>CA Proprietary</a:t>
+            </a:r>
+          </a:p>
+          <a:p>
+            <a:r>
+              <a:rPr lang="en-US" altLang="ja-JP" sz="1200" dirty="0"/>
+              <a:t>(CRL, Repo, …)</a:t>
+            </a:r>
+            <a:endParaRPr kumimoji="1" lang="ja-JP" altLang="en-US" sz="1200" dirty="0"/>
+          </a:p>
+        </p:txBody>
+      </p:sp>
+      <p:sp>
+        <p:nvSpPr>
+          <p:cNvPr id="76" name="テキスト ボックス 75">
+            <a:extLst>
+              <a:ext uri="{FF2B5EF4-FFF2-40B4-BE49-F238E27FC236}">
+                <a16:creationId xmlns:a16="http://schemas.microsoft.com/office/drawing/2014/main" id="{353778A8-18C7-4F87-B30B-CD5621A7AFC3}"/>
+              </a:ext>
+            </a:extLst>
+          </p:cNvPr>
+          <p:cNvSpPr txBox="1"/>
+          <p:nvPr/>
+        </p:nvSpPr>
+        <p:spPr>
+          <a:xfrm>
+            <a:off x="6485793" y="2686484"/>
+            <a:ext cx="1400906" cy="251977"/>
+          </a:xfrm>
+          <a:prstGeom prst="rect">
+            <a:avLst/>
+          </a:prstGeom>
+          <a:noFill/>
+        </p:spPr>
+        <p:txBody>
+          <a:bodyPr wrap="square" rtlCol="0">
+            <a:spAutoFit/>
+          </a:bodyPr>
+          <a:lstStyle/>
+          <a:p>
+            <a:r>
+              <a:rPr kumimoji="1" lang="en-US" altLang="ja-JP" sz="1200" dirty="0"/>
+              <a:t>OCSP Request</a:t>
+            </a:r>
+            <a:endParaRPr kumimoji="1" lang="ja-JP" altLang="en-US" sz="1200" dirty="0"/>
+          </a:p>
+        </p:txBody>
+      </p:sp>
+      <p:sp>
+        <p:nvSpPr>
+          <p:cNvPr id="79" name="テキスト ボックス 78">
+            <a:extLst>
+              <a:ext uri="{FF2B5EF4-FFF2-40B4-BE49-F238E27FC236}">
+                <a16:creationId xmlns:a16="http://schemas.microsoft.com/office/drawing/2014/main" id="{9A2730A9-194E-4BCF-AB47-D95EAD21D4D5}"/>
+              </a:ext>
+            </a:extLst>
+          </p:cNvPr>
+          <p:cNvSpPr txBox="1"/>
+          <p:nvPr/>
+        </p:nvSpPr>
+        <p:spPr>
+          <a:xfrm>
+            <a:off x="6494585" y="2875411"/>
+            <a:ext cx="1400906" cy="358510"/>
+          </a:xfrm>
+          <a:prstGeom prst="rect">
+            <a:avLst/>
+          </a:prstGeom>
+          <a:noFill/>
+        </p:spPr>
+        <p:txBody>
+          <a:bodyPr wrap="square" rtlCol="0">
+            <a:spAutoFit/>
+          </a:bodyPr>
+          <a:lstStyle/>
+          <a:p>
+            <a:r>
+              <a:rPr kumimoji="1" lang="en-US" altLang="ja-JP" sz="1200" dirty="0"/>
+              <a:t>OCSP Response</a:t>
+            </a:r>
+            <a:endParaRPr kumimoji="1" lang="ja-JP" altLang="en-US" sz="1200" dirty="0"/>
+          </a:p>
+        </p:txBody>
+      </p:sp>
+      <p:sp>
+        <p:nvSpPr>
+          <p:cNvPr id="81" name="テキスト ボックス 80">
+            <a:extLst>
+              <a:ext uri="{FF2B5EF4-FFF2-40B4-BE49-F238E27FC236}">
+                <a16:creationId xmlns:a16="http://schemas.microsoft.com/office/drawing/2014/main" id="{2614C9DD-00A1-471E-85FB-740DA41DC46F}"/>
+              </a:ext>
+            </a:extLst>
+          </p:cNvPr>
+          <p:cNvSpPr txBox="1"/>
+          <p:nvPr/>
+        </p:nvSpPr>
+        <p:spPr>
+          <a:xfrm>
+            <a:off x="8525612" y="2889028"/>
+            <a:ext cx="1400906" cy="419962"/>
+          </a:xfrm>
+          <a:prstGeom prst="rect">
+            <a:avLst/>
+          </a:prstGeom>
+          <a:noFill/>
+        </p:spPr>
+        <p:txBody>
+          <a:bodyPr wrap="square" rtlCol="0">
+            <a:spAutoFit/>
+          </a:bodyPr>
+          <a:lstStyle/>
+          <a:p>
+            <a:r>
+              <a:rPr kumimoji="1" lang="en-US" altLang="ja-JP" sz="1200" dirty="0"/>
+              <a:t>CA Proprietary</a:t>
+            </a:r>
+          </a:p>
+          <a:p>
+            <a:r>
+              <a:rPr lang="en-US" altLang="ja-JP" sz="1200" dirty="0"/>
+              <a:t>(CRL, Repo, …)</a:t>
+            </a:r>
+            <a:endParaRPr kumimoji="1" lang="ja-JP" altLang="en-US" sz="1200" dirty="0"/>
+          </a:p>
+        </p:txBody>
+      </p:sp>
+      <p:sp>
+        <p:nvSpPr>
+          <p:cNvPr id="83" name="テキスト ボックス 82">
+            <a:extLst>
+              <a:ext uri="{FF2B5EF4-FFF2-40B4-BE49-F238E27FC236}">
+                <a16:creationId xmlns:a16="http://schemas.microsoft.com/office/drawing/2014/main" id="{E4EAB086-E9D2-462A-87B9-E730308F995C}"/>
+              </a:ext>
+            </a:extLst>
+          </p:cNvPr>
+          <p:cNvSpPr txBox="1"/>
+          <p:nvPr/>
+        </p:nvSpPr>
+        <p:spPr>
+          <a:xfrm>
+            <a:off x="6270383" y="3050801"/>
+            <a:ext cx="1685192" cy="251977"/>
+          </a:xfrm>
+          <a:prstGeom prst="rect">
+            <a:avLst/>
+          </a:prstGeom>
+          <a:noFill/>
+        </p:spPr>
+        <p:txBody>
+          <a:bodyPr wrap="square">
+            <a:spAutoFit/>
+          </a:bodyPr>
+          <a:lstStyle/>
+          <a:p>
+            <a:pPr algn="ctr"/>
+            <a:r>
+              <a:rPr lang="ja-JP" altLang="en-US" sz="1200" dirty="0"/>
+              <a:t>（</a:t>
+            </a:r>
+            <a:r>
+              <a:rPr lang="en-US" altLang="ja-JP" sz="1200" dirty="0"/>
+              <a:t>RFC6960</a:t>
+            </a:r>
+            <a:r>
+              <a:rPr lang="ja-JP" altLang="en-US" sz="1200" dirty="0"/>
+              <a:t>）</a:t>
+            </a:r>
+            <a:endParaRPr kumimoji="1" lang="ja-JP" altLang="en-US" sz="1200" dirty="0"/>
+          </a:p>
+        </p:txBody>
+      </p:sp>
+      <p:sp>
+        <p:nvSpPr>
+          <p:cNvPr id="86" name="テキスト ボックス 85">
+            <a:extLst>
+              <a:ext uri="{FF2B5EF4-FFF2-40B4-BE49-F238E27FC236}">
+                <a16:creationId xmlns:a16="http://schemas.microsoft.com/office/drawing/2014/main" id="{5A195377-5296-4560-BFC6-B4E33C859A3F}"/>
+              </a:ext>
+            </a:extLst>
+          </p:cNvPr>
+          <p:cNvSpPr txBox="1"/>
+          <p:nvPr/>
+        </p:nvSpPr>
+        <p:spPr>
+          <a:xfrm>
+            <a:off x="3589113" y="5025980"/>
+            <a:ext cx="3007691" cy="419962"/>
+          </a:xfrm>
+          <a:prstGeom prst="rect">
+            <a:avLst/>
+          </a:prstGeom>
+          <a:noFill/>
+        </p:spPr>
+        <p:txBody>
+          <a:bodyPr wrap="square" rtlCol="0">
+            <a:spAutoFit/>
+          </a:bodyPr>
+          <a:lstStyle/>
+          <a:p>
+            <a:pPr algn="ctr"/>
+            <a:r>
+              <a:rPr kumimoji="1" lang="en-US" altLang="ja-JP" sz="1200" dirty="0"/>
+              <a:t>Certificate Status Requests</a:t>
+            </a:r>
+          </a:p>
+          <a:p>
+            <a:pPr algn="ctr"/>
+            <a:r>
+              <a:rPr lang="en-US" altLang="ja-JP" sz="1200" dirty="0"/>
+              <a:t>(Client Hello)</a:t>
+            </a:r>
+            <a:endParaRPr kumimoji="1" lang="en-US" altLang="ja-JP" sz="1200" dirty="0"/>
+          </a:p>
+        </p:txBody>
+      </p:sp>
+      <p:sp>
+        <p:nvSpPr>
+          <p:cNvPr id="87" name="テキスト ボックス 86">
+            <a:extLst>
+              <a:ext uri="{FF2B5EF4-FFF2-40B4-BE49-F238E27FC236}">
+                <a16:creationId xmlns:a16="http://schemas.microsoft.com/office/drawing/2014/main" id="{5A90FEA3-F912-40AF-BBDB-98C67B6492E5}"/>
+              </a:ext>
+            </a:extLst>
+          </p:cNvPr>
+          <p:cNvSpPr txBox="1"/>
+          <p:nvPr/>
+        </p:nvSpPr>
+        <p:spPr>
+          <a:xfrm>
+            <a:off x="3930163" y="3038594"/>
+            <a:ext cx="2221520" cy="587947"/>
+          </a:xfrm>
+          <a:prstGeom prst="rect">
+            <a:avLst/>
+          </a:prstGeom>
+          <a:noFill/>
+        </p:spPr>
+        <p:txBody>
+          <a:bodyPr wrap="square" rtlCol="0">
+            <a:spAutoFit/>
+          </a:bodyPr>
+          <a:lstStyle/>
+          <a:p>
+            <a:pPr algn="ctr"/>
+            <a:r>
+              <a:rPr lang="en-US" altLang="ja-JP" sz="1200" dirty="0"/>
+              <a:t>OCSP Response on </a:t>
+            </a:r>
+            <a:r>
+              <a:rPr kumimoji="1" lang="en-US" altLang="ja-JP" sz="1200" dirty="0"/>
+              <a:t>Certificate Status Record</a:t>
+            </a:r>
+          </a:p>
+          <a:p>
+            <a:pPr algn="ctr"/>
+            <a:r>
+              <a:rPr kumimoji="1" lang="en-US" altLang="ja-JP" sz="1200" dirty="0"/>
+              <a:t>(RFC6066)</a:t>
+            </a:r>
+          </a:p>
+        </p:txBody>
+      </p:sp>
+      <p:cxnSp>
+        <p:nvCxnSpPr>
+          <p:cNvPr id="90" name="直線コネクタ 89">
+            <a:extLst>
+              <a:ext uri="{FF2B5EF4-FFF2-40B4-BE49-F238E27FC236}">
+                <a16:creationId xmlns:a16="http://schemas.microsoft.com/office/drawing/2014/main" id="{AC72D02C-1EC4-4585-9B06-D05198E7A589}"/>
+              </a:ext>
+            </a:extLst>
+          </p:cNvPr>
+          <p:cNvCxnSpPr>
+            <a:cxnSpLocks/>
+          </p:cNvCxnSpPr>
+          <p:nvPr/>
+        </p:nvCxnSpPr>
+        <p:spPr>
+          <a:xfrm flipH="1">
+            <a:off x="3997571" y="4330877"/>
+            <a:ext cx="2039816" cy="0"/>
+          </a:xfrm>
+          <a:prstGeom prst="line">
+            <a:avLst/>
+          </a:prstGeom>
+          <a:ln w="12700">
+            <a:solidFill>
+              <a:schemeClr val="tx1"/>
+            </a:solidFill>
+            <a:headEnd type="none" w="med" len="med"/>
+            <a:tailEnd type="arrow" w="lg" len="lg"/>
+          </a:ln>
+        </p:spPr>
+        <p:style>
+          <a:lnRef idx="1">
+            <a:schemeClr val="accent1"/>
+          </a:lnRef>
+          <a:fillRef idx="0">
+            <a:schemeClr val="accent1"/>
+          </a:fillRef>
+          <a:effectRef idx="0">
+            <a:schemeClr val="accent1"/>
+          </a:effectRef>
+          <a:fontRef idx="minor">
+            <a:schemeClr val="tx1"/>
+          </a:fontRef>
+        </p:style>
+      </p:cxnSp>
+      <p:sp>
+        <p:nvSpPr>
+          <p:cNvPr id="91" name="テキスト ボックス 90">
+            <a:extLst>
+              <a:ext uri="{FF2B5EF4-FFF2-40B4-BE49-F238E27FC236}">
+                <a16:creationId xmlns:a16="http://schemas.microsoft.com/office/drawing/2014/main" id="{D0A89BE6-FAA8-4217-ABB3-6B9A9DEC6347}"/>
+              </a:ext>
+            </a:extLst>
+          </p:cNvPr>
+          <p:cNvSpPr txBox="1"/>
+          <p:nvPr/>
+        </p:nvSpPr>
+        <p:spPr>
+          <a:xfrm>
+            <a:off x="3967536" y="3780049"/>
+            <a:ext cx="2221520" cy="461665"/>
+          </a:xfrm>
+          <a:prstGeom prst="rect">
+            <a:avLst/>
+          </a:prstGeom>
+          <a:noFill/>
+        </p:spPr>
+        <p:txBody>
+          <a:bodyPr wrap="square" rtlCol="0">
+            <a:spAutoFit/>
+          </a:bodyPr>
+          <a:lstStyle/>
+          <a:p>
+            <a:pPr algn="ctr"/>
+            <a:r>
+              <a:rPr lang="en-US" altLang="ja-JP" sz="1200" dirty="0"/>
+              <a:t>Multiple</a:t>
+            </a:r>
+            <a:r>
+              <a:rPr kumimoji="1" lang="en-US" altLang="ja-JP" sz="1200" dirty="0"/>
+              <a:t> Requests on</a:t>
+            </a:r>
+          </a:p>
+          <a:p>
+            <a:pPr algn="ctr"/>
+            <a:r>
+              <a:rPr kumimoji="1" lang="en-US" altLang="ja-JP" sz="1200" dirty="0"/>
+              <a:t>Certificate Status Request</a:t>
+            </a:r>
+          </a:p>
+        </p:txBody>
+      </p:sp>
+      <p:sp>
+        <p:nvSpPr>
+          <p:cNvPr id="92" name="テキスト ボックス 91">
+            <a:extLst>
+              <a:ext uri="{FF2B5EF4-FFF2-40B4-BE49-F238E27FC236}">
+                <a16:creationId xmlns:a16="http://schemas.microsoft.com/office/drawing/2014/main" id="{AD46E109-D829-416B-A83D-6CCCAB1330DA}"/>
+              </a:ext>
+            </a:extLst>
+          </p:cNvPr>
+          <p:cNvSpPr txBox="1"/>
+          <p:nvPr/>
+        </p:nvSpPr>
+        <p:spPr>
+          <a:xfrm>
+            <a:off x="3949951" y="4307592"/>
+            <a:ext cx="2221520" cy="587947"/>
+          </a:xfrm>
+          <a:prstGeom prst="rect">
+            <a:avLst/>
+          </a:prstGeom>
+          <a:noFill/>
+        </p:spPr>
+        <p:txBody>
+          <a:bodyPr wrap="square" rtlCol="0">
+            <a:spAutoFit/>
+          </a:bodyPr>
+          <a:lstStyle/>
+          <a:p>
+            <a:pPr algn="ctr"/>
+            <a:r>
+              <a:rPr lang="en-US" altLang="ja-JP" sz="1200" dirty="0"/>
+              <a:t>OCSP Response on </a:t>
+            </a:r>
+            <a:r>
+              <a:rPr kumimoji="1" lang="en-US" altLang="ja-JP" sz="1200" dirty="0"/>
+              <a:t>Certificate Status Record</a:t>
+            </a:r>
+          </a:p>
+          <a:p>
+            <a:pPr algn="ctr"/>
+            <a:r>
+              <a:rPr kumimoji="1" lang="en-US" altLang="ja-JP" sz="1200" dirty="0"/>
+              <a:t>(RFC6961)</a:t>
+            </a:r>
+          </a:p>
+        </p:txBody>
+      </p:sp>
+      <p:sp>
+        <p:nvSpPr>
+          <p:cNvPr id="97" name="テキスト ボックス 96">
+            <a:extLst>
+              <a:ext uri="{FF2B5EF4-FFF2-40B4-BE49-F238E27FC236}">
+                <a16:creationId xmlns:a16="http://schemas.microsoft.com/office/drawing/2014/main" id="{7ECBA652-8671-49EF-B01D-6602E8DB3D78}"/>
+              </a:ext>
+            </a:extLst>
+          </p:cNvPr>
+          <p:cNvSpPr txBox="1"/>
+          <p:nvPr/>
+        </p:nvSpPr>
+        <p:spPr>
+          <a:xfrm>
+            <a:off x="6571519" y="3453131"/>
+            <a:ext cx="1400906" cy="251977"/>
+          </a:xfrm>
+          <a:prstGeom prst="rect">
+            <a:avLst/>
+          </a:prstGeom>
+          <a:noFill/>
+        </p:spPr>
+        <p:txBody>
+          <a:bodyPr wrap="square" rtlCol="0">
+            <a:spAutoFit/>
+          </a:bodyPr>
+          <a:lstStyle/>
+          <a:p>
+            <a:r>
+              <a:rPr kumimoji="1" lang="en-US" altLang="ja-JP" sz="1200" dirty="0"/>
+              <a:t>OCSP Request</a:t>
+            </a:r>
+            <a:endParaRPr kumimoji="1" lang="ja-JP" altLang="en-US" sz="1200" dirty="0"/>
+          </a:p>
+        </p:txBody>
+      </p:sp>
+      <p:sp>
+        <p:nvSpPr>
+          <p:cNvPr id="98" name="テキスト ボックス 97">
+            <a:extLst>
+              <a:ext uri="{FF2B5EF4-FFF2-40B4-BE49-F238E27FC236}">
+                <a16:creationId xmlns:a16="http://schemas.microsoft.com/office/drawing/2014/main" id="{99D8FDDC-02C3-45DF-8505-9DA832FAFEEA}"/>
+              </a:ext>
+            </a:extLst>
+          </p:cNvPr>
+          <p:cNvSpPr txBox="1"/>
+          <p:nvPr/>
+        </p:nvSpPr>
+        <p:spPr>
+          <a:xfrm>
+            <a:off x="6580311" y="3642058"/>
+            <a:ext cx="1400906" cy="358510"/>
+          </a:xfrm>
+          <a:prstGeom prst="rect">
+            <a:avLst/>
+          </a:prstGeom>
+          <a:noFill/>
+        </p:spPr>
+        <p:txBody>
+          <a:bodyPr wrap="square" rtlCol="0">
+            <a:spAutoFit/>
+          </a:bodyPr>
+          <a:lstStyle/>
+          <a:p>
+            <a:r>
+              <a:rPr kumimoji="1" lang="en-US" altLang="ja-JP" sz="1200" dirty="0"/>
+              <a:t>OCSP Response</a:t>
+            </a:r>
+            <a:endParaRPr kumimoji="1" lang="ja-JP" altLang="en-US" sz="1200" dirty="0"/>
+          </a:p>
+        </p:txBody>
+      </p:sp>
+      <p:sp>
+        <p:nvSpPr>
+          <p:cNvPr id="99" name="テキスト ボックス 98">
+            <a:extLst>
+              <a:ext uri="{FF2B5EF4-FFF2-40B4-BE49-F238E27FC236}">
+                <a16:creationId xmlns:a16="http://schemas.microsoft.com/office/drawing/2014/main" id="{7751789F-248F-40B6-99FD-7DD60D844381}"/>
+              </a:ext>
+            </a:extLst>
+          </p:cNvPr>
+          <p:cNvSpPr txBox="1"/>
+          <p:nvPr/>
+        </p:nvSpPr>
+        <p:spPr>
+          <a:xfrm>
+            <a:off x="6356109" y="3817448"/>
+            <a:ext cx="1685192" cy="251977"/>
+          </a:xfrm>
+          <a:prstGeom prst="rect">
+            <a:avLst/>
+          </a:prstGeom>
+          <a:noFill/>
+        </p:spPr>
+        <p:txBody>
+          <a:bodyPr wrap="square">
+            <a:spAutoFit/>
+          </a:bodyPr>
+          <a:lstStyle/>
+          <a:p>
+            <a:pPr algn="ctr"/>
+            <a:r>
+              <a:rPr lang="ja-JP" altLang="en-US" sz="1200" dirty="0"/>
+              <a:t>（</a:t>
+            </a:r>
+            <a:r>
+              <a:rPr lang="en-US" altLang="ja-JP" sz="1200" dirty="0"/>
+              <a:t>RFC6960</a:t>
+            </a:r>
+            <a:r>
+              <a:rPr lang="ja-JP" altLang="en-US" sz="1200" dirty="0"/>
+              <a:t>）</a:t>
+            </a:r>
+            <a:endParaRPr kumimoji="1" lang="ja-JP" altLang="en-US" sz="1200" dirty="0"/>
+          </a:p>
+        </p:txBody>
+      </p:sp>
+      <p:cxnSp>
+        <p:nvCxnSpPr>
+          <p:cNvPr id="100" name="直線コネクタ 99">
+            <a:extLst>
+              <a:ext uri="{FF2B5EF4-FFF2-40B4-BE49-F238E27FC236}">
+                <a16:creationId xmlns:a16="http://schemas.microsoft.com/office/drawing/2014/main" id="{9CEEBBAF-F92D-44A7-9571-FA0859F3AE7A}"/>
+              </a:ext>
+            </a:extLst>
+          </p:cNvPr>
+          <p:cNvCxnSpPr>
+            <a:cxnSpLocks/>
+          </p:cNvCxnSpPr>
+          <p:nvPr/>
+        </p:nvCxnSpPr>
+        <p:spPr>
+          <a:xfrm flipH="1">
+            <a:off x="3997571" y="5601307"/>
+            <a:ext cx="2039816" cy="0"/>
+          </a:xfrm>
+          <a:prstGeom prst="line">
+            <a:avLst/>
+          </a:prstGeom>
+          <a:ln w="12700">
+            <a:solidFill>
+              <a:schemeClr val="tx1"/>
+            </a:solidFill>
+            <a:headEnd type="none" w="med" len="med"/>
+            <a:tailEnd type="arrow" w="lg" len="lg"/>
+          </a:ln>
+        </p:spPr>
+        <p:style>
+          <a:lnRef idx="1">
+            <a:schemeClr val="accent1"/>
+          </a:lnRef>
+          <a:fillRef idx="0">
+            <a:schemeClr val="accent1"/>
+          </a:fillRef>
+          <a:effectRef idx="0">
+            <a:schemeClr val="accent1"/>
+          </a:effectRef>
+          <a:fontRef idx="minor">
+            <a:schemeClr val="tx1"/>
+          </a:fontRef>
+        </p:style>
+      </p:cxnSp>
+      <p:sp>
+        <p:nvSpPr>
+          <p:cNvPr id="101" name="テキスト ボックス 100">
+            <a:extLst>
+              <a:ext uri="{FF2B5EF4-FFF2-40B4-BE49-F238E27FC236}">
+                <a16:creationId xmlns:a16="http://schemas.microsoft.com/office/drawing/2014/main" id="{79F98BBE-8ECC-4998-9E4C-11B91ED32191}"/>
+              </a:ext>
+            </a:extLst>
+          </p:cNvPr>
+          <p:cNvSpPr txBox="1"/>
+          <p:nvPr/>
+        </p:nvSpPr>
+        <p:spPr>
+          <a:xfrm>
+            <a:off x="4027987" y="5598430"/>
+            <a:ext cx="2328122" cy="461665"/>
+          </a:xfrm>
+          <a:prstGeom prst="rect">
+            <a:avLst/>
+          </a:prstGeom>
+          <a:noFill/>
+        </p:spPr>
+        <p:txBody>
+          <a:bodyPr wrap="square" rtlCol="0">
+            <a:spAutoFit/>
+          </a:bodyPr>
+          <a:lstStyle/>
+          <a:p>
+            <a:r>
+              <a:rPr kumimoji="1" lang="en-US" altLang="ja-JP" sz="1200" dirty="0"/>
+              <a:t>OCSP Status(RFC6960, 6966)</a:t>
+            </a:r>
+          </a:p>
+          <a:p>
+            <a:r>
+              <a:rPr kumimoji="1" lang="en-US" altLang="ja-JP" sz="1200" dirty="0"/>
+              <a:t>STC(RFC6962)</a:t>
+            </a:r>
+          </a:p>
+        </p:txBody>
+      </p:sp>
+      <p:sp>
+        <p:nvSpPr>
+          <p:cNvPr id="102" name="テキスト ボックス 101">
+            <a:extLst>
+              <a:ext uri="{FF2B5EF4-FFF2-40B4-BE49-F238E27FC236}">
+                <a16:creationId xmlns:a16="http://schemas.microsoft.com/office/drawing/2014/main" id="{710235FD-BCF0-4BDC-9028-21A998C887A2}"/>
+              </a:ext>
+            </a:extLst>
+          </p:cNvPr>
+          <p:cNvSpPr txBox="1"/>
+          <p:nvPr/>
+        </p:nvSpPr>
+        <p:spPr>
+          <a:xfrm>
+            <a:off x="6510712" y="4672708"/>
+            <a:ext cx="1400906" cy="251977"/>
+          </a:xfrm>
+          <a:prstGeom prst="rect">
+            <a:avLst/>
+          </a:prstGeom>
+          <a:noFill/>
+        </p:spPr>
+        <p:txBody>
+          <a:bodyPr wrap="square" rtlCol="0">
+            <a:spAutoFit/>
+          </a:bodyPr>
+          <a:lstStyle/>
+          <a:p>
+            <a:r>
+              <a:rPr kumimoji="1" lang="en-US" altLang="ja-JP" sz="1200" dirty="0"/>
+              <a:t>OCSP Request</a:t>
+            </a:r>
+            <a:endParaRPr kumimoji="1" lang="ja-JP" altLang="en-US" sz="1200" dirty="0"/>
+          </a:p>
+        </p:txBody>
+      </p:sp>
+      <p:sp>
+        <p:nvSpPr>
+          <p:cNvPr id="103" name="テキスト ボックス 102">
+            <a:extLst>
+              <a:ext uri="{FF2B5EF4-FFF2-40B4-BE49-F238E27FC236}">
+                <a16:creationId xmlns:a16="http://schemas.microsoft.com/office/drawing/2014/main" id="{BC49E0D5-2024-45F8-81AF-7885040DFAFD}"/>
+              </a:ext>
+            </a:extLst>
+          </p:cNvPr>
+          <p:cNvSpPr txBox="1"/>
+          <p:nvPr/>
+        </p:nvSpPr>
+        <p:spPr>
+          <a:xfrm>
+            <a:off x="6473341" y="4861634"/>
+            <a:ext cx="1400906" cy="419962"/>
+          </a:xfrm>
+          <a:prstGeom prst="rect">
+            <a:avLst/>
+          </a:prstGeom>
+          <a:noFill/>
+        </p:spPr>
+        <p:txBody>
+          <a:bodyPr wrap="square" rtlCol="0">
+            <a:spAutoFit/>
+          </a:bodyPr>
+          <a:lstStyle/>
+          <a:p>
+            <a:pPr algn="ctr"/>
+            <a:r>
+              <a:rPr kumimoji="1" lang="en-US" altLang="ja-JP" sz="1200" dirty="0"/>
+              <a:t>OCSP Response</a:t>
+            </a:r>
+          </a:p>
+          <a:p>
+            <a:pPr algn="ctr"/>
+            <a:r>
+              <a:rPr lang="en-US" altLang="ja-JP" sz="1200" dirty="0"/>
+              <a:t>(RFC6960)</a:t>
+            </a:r>
+            <a:endParaRPr kumimoji="1" lang="ja-JP" altLang="en-US" sz="1200" dirty="0"/>
+          </a:p>
+        </p:txBody>
+      </p:sp>
+      <p:cxnSp>
+        <p:nvCxnSpPr>
+          <p:cNvPr id="104" name="直線コネクタ 103">
+            <a:extLst>
+              <a:ext uri="{FF2B5EF4-FFF2-40B4-BE49-F238E27FC236}">
+                <a16:creationId xmlns:a16="http://schemas.microsoft.com/office/drawing/2014/main" id="{667EC42A-68F2-4EEC-8A0D-C62AA64B5526}"/>
+              </a:ext>
+            </a:extLst>
+          </p:cNvPr>
+          <p:cNvCxnSpPr>
+            <a:cxnSpLocks/>
+          </p:cNvCxnSpPr>
+          <p:nvPr/>
+        </p:nvCxnSpPr>
+        <p:spPr>
+          <a:xfrm>
+            <a:off x="4009296" y="6554038"/>
+            <a:ext cx="4091354" cy="0"/>
+          </a:xfrm>
+          <a:prstGeom prst="line">
+            <a:avLst/>
+          </a:prstGeom>
+          <a:ln w="12700">
+            <a:solidFill>
+              <a:schemeClr val="tx1"/>
+            </a:solidFill>
+            <a:headEnd type="none" w="med" len="med"/>
+            <a:tailEnd type="arrow" w="lg" len="lg"/>
+          </a:ln>
+        </p:spPr>
+        <p:style>
+          <a:lnRef idx="1">
+            <a:schemeClr val="accent1"/>
+          </a:lnRef>
+          <a:fillRef idx="0">
+            <a:schemeClr val="accent1"/>
+          </a:fillRef>
+          <a:effectRef idx="0">
+            <a:schemeClr val="accent1"/>
+          </a:effectRef>
+          <a:fontRef idx="minor">
+            <a:schemeClr val="tx1"/>
+          </a:fontRef>
+        </p:style>
+      </p:cxnSp>
+      <p:cxnSp>
+        <p:nvCxnSpPr>
+          <p:cNvPr id="106" name="直線コネクタ 105">
+            <a:extLst>
+              <a:ext uri="{FF2B5EF4-FFF2-40B4-BE49-F238E27FC236}">
+                <a16:creationId xmlns:a16="http://schemas.microsoft.com/office/drawing/2014/main" id="{20373975-CE6B-4772-9750-284D954E9965}"/>
+              </a:ext>
+            </a:extLst>
+          </p:cNvPr>
+          <p:cNvCxnSpPr>
+            <a:cxnSpLocks/>
+          </p:cNvCxnSpPr>
+          <p:nvPr/>
+        </p:nvCxnSpPr>
+        <p:spPr>
+          <a:xfrm>
+            <a:off x="8129955" y="6607850"/>
+            <a:ext cx="2080846" cy="0"/>
+          </a:xfrm>
+          <a:prstGeom prst="line">
+            <a:avLst/>
+          </a:prstGeom>
+          <a:ln w="12700">
+            <a:solidFill>
+              <a:schemeClr val="tx1"/>
+            </a:solidFill>
+            <a:headEnd type="arrow" w="med" len="med"/>
+            <a:tailEnd type="arrow" w="med" len="med"/>
+          </a:ln>
+        </p:spPr>
+        <p:style>
+          <a:lnRef idx="1">
+            <a:schemeClr val="accent1"/>
+          </a:lnRef>
+          <a:fillRef idx="0">
+            <a:schemeClr val="accent1"/>
+          </a:fillRef>
+          <a:effectRef idx="0">
+            <a:schemeClr val="accent1"/>
+          </a:effectRef>
+          <a:fontRef idx="minor">
+            <a:schemeClr val="tx1"/>
+          </a:fontRef>
+        </p:style>
+      </p:cxnSp>
+      <p:sp>
+        <p:nvSpPr>
+          <p:cNvPr id="108" name="テキスト ボックス 107">
+            <a:extLst>
+              <a:ext uri="{FF2B5EF4-FFF2-40B4-BE49-F238E27FC236}">
+                <a16:creationId xmlns:a16="http://schemas.microsoft.com/office/drawing/2014/main" id="{5FFFA118-B7CF-4BD6-95B8-B5CF58E3E0FC}"/>
+              </a:ext>
+            </a:extLst>
+          </p:cNvPr>
+          <p:cNvSpPr txBox="1"/>
+          <p:nvPr/>
+        </p:nvSpPr>
+        <p:spPr>
+          <a:xfrm>
+            <a:off x="4224339" y="6146127"/>
+            <a:ext cx="1829526" cy="419962"/>
+          </a:xfrm>
+          <a:prstGeom prst="rect">
+            <a:avLst/>
+          </a:prstGeom>
+          <a:noFill/>
+        </p:spPr>
+        <p:txBody>
+          <a:bodyPr wrap="square" rtlCol="0">
+            <a:spAutoFit/>
+          </a:bodyPr>
+          <a:lstStyle/>
+          <a:p>
+            <a:pPr algn="ctr"/>
+            <a:r>
+              <a:rPr kumimoji="1" lang="en-US" altLang="ja-JP" sz="1200" dirty="0"/>
+              <a:t>Status Requests</a:t>
+            </a:r>
+          </a:p>
+          <a:p>
+            <a:pPr algn="ctr"/>
+            <a:r>
+              <a:rPr lang="en-US" altLang="ja-JP" sz="1200" dirty="0"/>
+              <a:t>(Certificate Request)</a:t>
+            </a:r>
+            <a:endParaRPr kumimoji="1" lang="en-US" altLang="ja-JP" sz="1200" dirty="0"/>
+          </a:p>
+        </p:txBody>
+      </p:sp>
+      <p:sp>
+        <p:nvSpPr>
+          <p:cNvPr id="109" name="テキスト ボックス 108">
+            <a:extLst>
+              <a:ext uri="{FF2B5EF4-FFF2-40B4-BE49-F238E27FC236}">
+                <a16:creationId xmlns:a16="http://schemas.microsoft.com/office/drawing/2014/main" id="{312C0C3B-882D-437B-81C5-FBFE39B14A28}"/>
+              </a:ext>
+            </a:extLst>
+          </p:cNvPr>
+          <p:cNvSpPr txBox="1"/>
+          <p:nvPr/>
+        </p:nvSpPr>
+        <p:spPr>
+          <a:xfrm>
+            <a:off x="6065607" y="6054955"/>
+            <a:ext cx="1829526" cy="461665"/>
+          </a:xfrm>
+          <a:prstGeom prst="rect">
+            <a:avLst/>
+          </a:prstGeom>
+          <a:noFill/>
+        </p:spPr>
+        <p:txBody>
+          <a:bodyPr wrap="square" rtlCol="0">
+            <a:spAutoFit/>
+          </a:bodyPr>
+          <a:lstStyle/>
+          <a:p>
+            <a:r>
+              <a:rPr lang="en-US" altLang="ja-JP" sz="1200" dirty="0"/>
+              <a:t>Server</a:t>
+            </a:r>
+          </a:p>
+          <a:p>
+            <a:r>
+              <a:rPr lang="en-US" altLang="ja-JP" sz="1200" dirty="0"/>
+              <a:t>origin request</a:t>
+            </a:r>
+            <a:endParaRPr kumimoji="1" lang="en-US" altLang="ja-JP" sz="1200" dirty="0"/>
+          </a:p>
+        </p:txBody>
+      </p:sp>
+      <p:sp>
+        <p:nvSpPr>
+          <p:cNvPr id="111" name="テキスト ボックス 110">
+            <a:extLst>
+              <a:ext uri="{FF2B5EF4-FFF2-40B4-BE49-F238E27FC236}">
+                <a16:creationId xmlns:a16="http://schemas.microsoft.com/office/drawing/2014/main" id="{B11C1C39-F43C-4DBB-AB71-058D5C07E0DE}"/>
+              </a:ext>
+            </a:extLst>
+          </p:cNvPr>
+          <p:cNvSpPr txBox="1"/>
+          <p:nvPr/>
+        </p:nvSpPr>
+        <p:spPr>
+          <a:xfrm>
+            <a:off x="8547599" y="4237875"/>
+            <a:ext cx="1400906" cy="419962"/>
+          </a:xfrm>
+          <a:prstGeom prst="rect">
+            <a:avLst/>
+          </a:prstGeom>
+          <a:noFill/>
+        </p:spPr>
+        <p:txBody>
+          <a:bodyPr wrap="square" rtlCol="0">
+            <a:spAutoFit/>
+          </a:bodyPr>
+          <a:lstStyle/>
+          <a:p>
+            <a:r>
+              <a:rPr kumimoji="1" lang="en-US" altLang="ja-JP" sz="1200" dirty="0"/>
+              <a:t>CA Proprietary</a:t>
+            </a:r>
+          </a:p>
+          <a:p>
+            <a:r>
+              <a:rPr lang="en-US" altLang="ja-JP" sz="1200" dirty="0"/>
+              <a:t>(CRL, Repo, …)</a:t>
+            </a:r>
+            <a:endParaRPr kumimoji="1" lang="ja-JP" altLang="en-US" sz="1200" dirty="0"/>
+          </a:p>
+        </p:txBody>
+      </p:sp>
+      <p:sp>
+        <p:nvSpPr>
+          <p:cNvPr id="112" name="テキスト ボックス 111">
+            <a:extLst>
+              <a:ext uri="{FF2B5EF4-FFF2-40B4-BE49-F238E27FC236}">
+                <a16:creationId xmlns:a16="http://schemas.microsoft.com/office/drawing/2014/main" id="{A3E5AA33-253D-4370-B985-A767658108A1}"/>
+              </a:ext>
+            </a:extLst>
+          </p:cNvPr>
+          <p:cNvSpPr txBox="1"/>
+          <p:nvPr/>
+        </p:nvSpPr>
+        <p:spPr>
+          <a:xfrm>
+            <a:off x="8594116" y="5710049"/>
+            <a:ext cx="1400906" cy="419962"/>
+          </a:xfrm>
+          <a:prstGeom prst="rect">
+            <a:avLst/>
+          </a:prstGeom>
+          <a:noFill/>
+        </p:spPr>
+        <p:txBody>
+          <a:bodyPr wrap="square" rtlCol="0">
+            <a:spAutoFit/>
+          </a:bodyPr>
+          <a:lstStyle/>
+          <a:p>
+            <a:r>
+              <a:rPr kumimoji="1" lang="en-US" altLang="ja-JP" sz="1200" dirty="0"/>
+              <a:t>CA Proprietary</a:t>
+            </a:r>
+          </a:p>
+          <a:p>
+            <a:r>
+              <a:rPr lang="en-US" altLang="ja-JP" sz="1200" dirty="0"/>
+              <a:t>(CRL, Repo, …)</a:t>
+            </a:r>
+            <a:endParaRPr kumimoji="1" lang="ja-JP" altLang="en-US" sz="1200" dirty="0"/>
+          </a:p>
+        </p:txBody>
+      </p:sp>
+      <p:sp>
+        <p:nvSpPr>
+          <p:cNvPr id="115" name="テキスト ボックス 114">
+            <a:extLst>
+              <a:ext uri="{FF2B5EF4-FFF2-40B4-BE49-F238E27FC236}">
+                <a16:creationId xmlns:a16="http://schemas.microsoft.com/office/drawing/2014/main" id="{BDE2957F-AC3E-4576-BF4F-5360306E060C}"/>
+              </a:ext>
+            </a:extLst>
+          </p:cNvPr>
+          <p:cNvSpPr txBox="1"/>
+          <p:nvPr/>
+        </p:nvSpPr>
+        <p:spPr>
+          <a:xfrm>
+            <a:off x="3941150" y="2690000"/>
+            <a:ext cx="2221520" cy="461665"/>
+          </a:xfrm>
+          <a:prstGeom prst="rect">
+            <a:avLst/>
+          </a:prstGeom>
+          <a:noFill/>
+        </p:spPr>
+        <p:txBody>
+          <a:bodyPr wrap="square" rtlCol="0">
+            <a:spAutoFit/>
+          </a:bodyPr>
+          <a:lstStyle/>
+          <a:p>
+            <a:pPr algn="ctr"/>
+            <a:r>
+              <a:rPr kumimoji="1" lang="en-US" altLang="ja-JP" sz="1200" dirty="0"/>
+              <a:t>Certificate Status Request</a:t>
+            </a:r>
+          </a:p>
+          <a:p>
+            <a:pPr algn="ctr"/>
+            <a:r>
+              <a:rPr lang="en-US" altLang="ja-JP" sz="1200" dirty="0"/>
+              <a:t>On Client Hello</a:t>
+            </a:r>
+            <a:endParaRPr kumimoji="1" lang="en-US" altLang="ja-JP" sz="1200" dirty="0"/>
+          </a:p>
+        </p:txBody>
+      </p:sp>
+      <p:cxnSp>
+        <p:nvCxnSpPr>
+          <p:cNvPr id="116" name="直線コネクタ 115">
+            <a:extLst>
+              <a:ext uri="{FF2B5EF4-FFF2-40B4-BE49-F238E27FC236}">
+                <a16:creationId xmlns:a16="http://schemas.microsoft.com/office/drawing/2014/main" id="{C5AA7B53-0B9C-4D60-9728-0008DFC63171}"/>
+              </a:ext>
+            </a:extLst>
+          </p:cNvPr>
+          <p:cNvCxnSpPr>
+            <a:cxnSpLocks/>
+          </p:cNvCxnSpPr>
+          <p:nvPr/>
+        </p:nvCxnSpPr>
+        <p:spPr>
+          <a:xfrm flipH="1">
+            <a:off x="6072558" y="5338908"/>
+            <a:ext cx="2080846" cy="0"/>
+          </a:xfrm>
+          <a:prstGeom prst="line">
+            <a:avLst/>
+          </a:prstGeom>
+          <a:ln w="12700">
+            <a:solidFill>
+              <a:schemeClr val="tx1"/>
+            </a:solidFill>
+            <a:headEnd type="none" w="med" len="med"/>
+            <a:tailEnd type="arrow" w="lg" len="lg"/>
+          </a:ln>
+        </p:spPr>
+        <p:style>
+          <a:lnRef idx="1">
+            <a:schemeClr val="accent1"/>
+          </a:lnRef>
+          <a:fillRef idx="0">
+            <a:schemeClr val="accent1"/>
+          </a:fillRef>
+          <a:effectRef idx="0">
+            <a:schemeClr val="accent1"/>
+          </a:effectRef>
+          <a:fontRef idx="minor">
+            <a:schemeClr val="tx1"/>
+          </a:fontRef>
+        </p:style>
+      </p:cxnSp>
+      <p:sp>
+        <p:nvSpPr>
+          <p:cNvPr id="117" name="テキスト ボックス 116">
+            <a:extLst>
+              <a:ext uri="{FF2B5EF4-FFF2-40B4-BE49-F238E27FC236}">
+                <a16:creationId xmlns:a16="http://schemas.microsoft.com/office/drawing/2014/main" id="{C8F2C6C7-EAB3-4B46-92DE-555061A0A18A}"/>
+              </a:ext>
+            </a:extLst>
+          </p:cNvPr>
+          <p:cNvSpPr txBox="1"/>
+          <p:nvPr/>
+        </p:nvSpPr>
+        <p:spPr>
+          <a:xfrm>
+            <a:off x="6194187" y="6548911"/>
+            <a:ext cx="1400906" cy="251977"/>
+          </a:xfrm>
+          <a:prstGeom prst="rect">
+            <a:avLst/>
+          </a:prstGeom>
+          <a:noFill/>
+        </p:spPr>
+        <p:txBody>
+          <a:bodyPr wrap="square" rtlCol="0">
+            <a:spAutoFit/>
+          </a:bodyPr>
+          <a:lstStyle/>
+          <a:p>
+            <a:r>
+              <a:rPr kumimoji="1" lang="en-US" altLang="ja-JP" sz="1200" dirty="0"/>
+              <a:t>OCSP Request</a:t>
+            </a:r>
+            <a:endParaRPr kumimoji="1" lang="ja-JP" altLang="en-US" sz="1200" dirty="0"/>
+          </a:p>
+        </p:txBody>
+      </p:sp>
+      <p:sp>
+        <p:nvSpPr>
+          <p:cNvPr id="118" name="テキスト ボックス 117">
+            <a:extLst>
+              <a:ext uri="{FF2B5EF4-FFF2-40B4-BE49-F238E27FC236}">
+                <a16:creationId xmlns:a16="http://schemas.microsoft.com/office/drawing/2014/main" id="{87002780-4F4B-43C2-BD51-6EB18D8FF663}"/>
+              </a:ext>
+            </a:extLst>
+          </p:cNvPr>
+          <p:cNvSpPr txBox="1"/>
+          <p:nvPr/>
+        </p:nvSpPr>
+        <p:spPr>
+          <a:xfrm>
+            <a:off x="10272351" y="1851461"/>
+            <a:ext cx="1652949" cy="338554"/>
+          </a:xfrm>
+          <a:prstGeom prst="rect">
+            <a:avLst/>
+          </a:prstGeom>
+          <a:noFill/>
+        </p:spPr>
+        <p:txBody>
+          <a:bodyPr wrap="square" rtlCol="0">
+            <a:spAutoFit/>
+          </a:bodyPr>
+          <a:lstStyle/>
+          <a:p>
+            <a:r>
+              <a:rPr lang="en-US" altLang="ja-JP" sz="1600" dirty="0"/>
+              <a:t>Trusted</a:t>
+            </a:r>
+            <a:r>
+              <a:rPr lang="ja-JP" altLang="en-US" sz="1600" dirty="0"/>
+              <a:t> </a:t>
+            </a:r>
+            <a:r>
+              <a:rPr kumimoji="1" lang="en-US" altLang="ja-JP" sz="1600" dirty="0"/>
+              <a:t>CA</a:t>
+            </a:r>
+            <a:endParaRPr kumimoji="1" lang="ja-JP" altLang="en-US" sz="1600" dirty="0"/>
+          </a:p>
+        </p:txBody>
+      </p:sp>
+      <p:sp>
+        <p:nvSpPr>
+          <p:cNvPr id="119" name="テキスト ボックス 118">
+            <a:extLst>
+              <a:ext uri="{FF2B5EF4-FFF2-40B4-BE49-F238E27FC236}">
+                <a16:creationId xmlns:a16="http://schemas.microsoft.com/office/drawing/2014/main" id="{3C856E1B-746A-45D0-9567-91AB618C573E}"/>
+              </a:ext>
+            </a:extLst>
+          </p:cNvPr>
+          <p:cNvSpPr txBox="1"/>
+          <p:nvPr/>
+        </p:nvSpPr>
+        <p:spPr>
+          <a:xfrm>
+            <a:off x="10304591" y="2794011"/>
+            <a:ext cx="1652949" cy="338554"/>
+          </a:xfrm>
+          <a:prstGeom prst="rect">
+            <a:avLst/>
+          </a:prstGeom>
+          <a:noFill/>
+        </p:spPr>
+        <p:txBody>
+          <a:bodyPr wrap="square" rtlCol="0">
+            <a:spAutoFit/>
+          </a:bodyPr>
+          <a:lstStyle/>
+          <a:p>
+            <a:r>
+              <a:rPr lang="en-US" altLang="ja-JP" sz="1600" dirty="0"/>
+              <a:t>Trusted</a:t>
+            </a:r>
+            <a:r>
+              <a:rPr lang="ja-JP" altLang="en-US" sz="1600" dirty="0"/>
+              <a:t> </a:t>
+            </a:r>
+            <a:r>
+              <a:rPr kumimoji="1" lang="en-US" altLang="ja-JP" sz="1600" dirty="0"/>
+              <a:t>CA</a:t>
+            </a:r>
+            <a:endParaRPr kumimoji="1" lang="ja-JP" altLang="en-US" sz="1600" dirty="0"/>
+          </a:p>
+        </p:txBody>
+      </p:sp>
+      <p:sp>
+        <p:nvSpPr>
+          <p:cNvPr id="120" name="テキスト ボックス 119">
+            <a:extLst>
+              <a:ext uri="{FF2B5EF4-FFF2-40B4-BE49-F238E27FC236}">
+                <a16:creationId xmlns:a16="http://schemas.microsoft.com/office/drawing/2014/main" id="{66A8924B-D595-456E-AFB2-72F0CD5B7733}"/>
+              </a:ext>
+            </a:extLst>
+          </p:cNvPr>
+          <p:cNvSpPr txBox="1"/>
+          <p:nvPr/>
+        </p:nvSpPr>
+        <p:spPr>
+          <a:xfrm>
+            <a:off x="10304590" y="3811667"/>
+            <a:ext cx="1652949" cy="338554"/>
+          </a:xfrm>
+          <a:prstGeom prst="rect">
+            <a:avLst/>
+          </a:prstGeom>
+          <a:noFill/>
+        </p:spPr>
+        <p:txBody>
+          <a:bodyPr wrap="square" rtlCol="0">
+            <a:spAutoFit/>
+          </a:bodyPr>
+          <a:lstStyle/>
+          <a:p>
+            <a:r>
+              <a:rPr lang="en-US" altLang="ja-JP" sz="1600" dirty="0"/>
+              <a:t>Trusted</a:t>
+            </a:r>
+            <a:r>
+              <a:rPr lang="ja-JP" altLang="en-US" sz="1600" dirty="0"/>
+              <a:t> </a:t>
+            </a:r>
+            <a:r>
+              <a:rPr kumimoji="1" lang="en-US" altLang="ja-JP" sz="1600" dirty="0"/>
+              <a:t>CA</a:t>
+            </a:r>
+            <a:endParaRPr kumimoji="1" lang="ja-JP" altLang="en-US" sz="1600" dirty="0"/>
+          </a:p>
+        </p:txBody>
+      </p:sp>
+      <p:sp>
+        <p:nvSpPr>
+          <p:cNvPr id="121" name="テキスト ボックス 120">
+            <a:extLst>
+              <a:ext uri="{FF2B5EF4-FFF2-40B4-BE49-F238E27FC236}">
+                <a16:creationId xmlns:a16="http://schemas.microsoft.com/office/drawing/2014/main" id="{53BDDD01-F7C3-480E-92F3-2B0D3D650040}"/>
+              </a:ext>
+            </a:extLst>
+          </p:cNvPr>
+          <p:cNvSpPr txBox="1"/>
+          <p:nvPr/>
+        </p:nvSpPr>
+        <p:spPr>
+          <a:xfrm>
+            <a:off x="10356245" y="5026232"/>
+            <a:ext cx="1652949" cy="338554"/>
+          </a:xfrm>
+          <a:prstGeom prst="rect">
+            <a:avLst/>
+          </a:prstGeom>
+          <a:noFill/>
+        </p:spPr>
+        <p:txBody>
+          <a:bodyPr wrap="square" rtlCol="0">
+            <a:spAutoFit/>
+          </a:bodyPr>
+          <a:lstStyle/>
+          <a:p>
+            <a:r>
+              <a:rPr lang="en-US" altLang="ja-JP" sz="1600" dirty="0"/>
+              <a:t>Trusted</a:t>
+            </a:r>
+            <a:r>
+              <a:rPr lang="ja-JP" altLang="en-US" sz="1600" dirty="0"/>
+              <a:t> </a:t>
+            </a:r>
+            <a:r>
+              <a:rPr kumimoji="1" lang="en-US" altLang="ja-JP" sz="1600" dirty="0"/>
+              <a:t>CA</a:t>
+            </a:r>
+            <a:endParaRPr kumimoji="1" lang="ja-JP" altLang="en-US" sz="1600" dirty="0"/>
+          </a:p>
+        </p:txBody>
+      </p:sp>
+    </p:spTree>
+    <p:extLst>
+      <p:ext uri="{BB962C8B-B14F-4D97-AF65-F5344CB8AC3E}">
+        <p14:creationId xmlns:p14="http://schemas.microsoft.com/office/powerpoint/2010/main" val="2991844245"/>
+      </p:ext>
+    </p:extLst>
+  </p:cSld>
+  <p:clrMapOvr>
+    <a:masterClrMapping/>
+  </p:clrMapOvr>
+</p:sld>
+</file>
+
 <file path=ppt/slides/slide3.xml><?xml version="1.0" encoding="utf-8"?>
 <p:sld xmlns:a="http://schemas.openxmlformats.org/drawingml/2006/main" xmlns:r="http://schemas.openxmlformats.org/officeDocument/2006/relationships" xmlns:p="http://schemas.openxmlformats.org/presentationml/2006/main">
   <p:cSld>
